--- a/Introducción a la integración continua.pptx
+++ b/Introducción a la integración continua.pptx
@@ -5,10 +5,10 @@
     <p:sldMasterId id="2147483648" r:id="rId4"/>
   </p:sldMasterIdLst>
   <p:notesMasterIdLst>
-    <p:notesMasterId r:id="rId10"/>
+    <p:notesMasterId r:id="rId12"/>
   </p:notesMasterIdLst>
   <p:handoutMasterIdLst>
-    <p:handoutMasterId r:id="rId11"/>
+    <p:handoutMasterId r:id="rId13"/>
   </p:handoutMasterIdLst>
   <p:sldIdLst>
     <p:sldId id="256" r:id="rId5"/>
@@ -16,6 +16,8 @@
     <p:sldId id="259" r:id="rId7"/>
     <p:sldId id="260" r:id="rId8"/>
     <p:sldId id="261" r:id="rId9"/>
+    <p:sldId id="262" r:id="rId10"/>
+    <p:sldId id="263" r:id="rId11"/>
   </p:sldIdLst>
   <p:sldSz cx="12192000" cy="6858000"/>
   <p:notesSz cx="6858000" cy="9144000"/>
@@ -163,7 +165,7 @@
           <p:cNvPr id="2" name="Header Placeholder 1">
             <a:extLst>
               <a:ext uri="{FF2B5EF4-FFF2-40B4-BE49-F238E27FC236}">
-                <a16:creationId xmlns:a16="http://schemas.microsoft.com/office/drawing/2014/main" xmlns="" id="{E62FF6B6-4F8A-40F7-B5F4-FC3996824D73}"/>
+                <a16:creationId xmlns="" xmlns:a16="http://schemas.microsoft.com/office/drawing/2014/main" id="{E62FF6B6-4F8A-40F7-B5F4-FC3996824D73}"/>
               </a:ext>
             </a:extLst>
           </p:cNvPr>
@@ -200,7 +202,7 @@
           <p:cNvPr id="3" name="Date Placeholder 2">
             <a:extLst>
               <a:ext uri="{FF2B5EF4-FFF2-40B4-BE49-F238E27FC236}">
-                <a16:creationId xmlns:a16="http://schemas.microsoft.com/office/drawing/2014/main" xmlns="" id="{8910A999-F365-48DF-976A-0517FE045440}"/>
+                <a16:creationId xmlns="" xmlns:a16="http://schemas.microsoft.com/office/drawing/2014/main" id="{8910A999-F365-48DF-976A-0517FE045440}"/>
               </a:ext>
             </a:extLst>
           </p:cNvPr>
@@ -230,7 +232,7 @@
           <a:p>
             <a:fld id="{1CA5457B-CDAE-4DEB-AEC8-C82DE2312E37}" type="datetimeFigureOut">
               <a:rPr lang="en-US" smtClean="0"/>
-              <a:t>7/27/2020</a:t>
+              <a:t>8/2/2020</a:t>
             </a:fld>
             <a:endParaRPr lang="en-US" dirty="0"/>
           </a:p>
@@ -241,7 +243,7 @@
           <p:cNvPr id="4" name="Footer Placeholder 3">
             <a:extLst>
               <a:ext uri="{FF2B5EF4-FFF2-40B4-BE49-F238E27FC236}">
-                <a16:creationId xmlns:a16="http://schemas.microsoft.com/office/drawing/2014/main" xmlns="" id="{F8735C90-ADBF-4B9E-BE88-E1C8F83EB4D2}"/>
+                <a16:creationId xmlns="" xmlns:a16="http://schemas.microsoft.com/office/drawing/2014/main" id="{F8735C90-ADBF-4B9E-BE88-E1C8F83EB4D2}"/>
               </a:ext>
             </a:extLst>
           </p:cNvPr>
@@ -278,7 +280,7 @@
           <p:cNvPr id="5" name="Slide Number Placeholder 4">
             <a:extLst>
               <a:ext uri="{FF2B5EF4-FFF2-40B4-BE49-F238E27FC236}">
-                <a16:creationId xmlns:a16="http://schemas.microsoft.com/office/drawing/2014/main" xmlns="" id="{82506A01-6D0A-45EF-A584-05A3361D66F7}"/>
+                <a16:creationId xmlns="" xmlns:a16="http://schemas.microsoft.com/office/drawing/2014/main" id="{82506A01-6D0A-45EF-A584-05A3361D66F7}"/>
               </a:ext>
             </a:extLst>
           </p:cNvPr>
@@ -407,7 +409,7 @@
           <a:p>
             <a:fld id="{090B78EA-28CE-41D8-9043-90E391E5F567}" type="datetimeFigureOut">
               <a:rPr lang="en-US" noProof="0" smtClean="0"/>
-              <a:t>7/27/2020</a:t>
+              <a:t>8/2/2020</a:t>
             </a:fld>
             <a:endParaRPr lang="en-US" noProof="0" dirty="0"/>
           </a:p>
@@ -696,7 +698,7 @@
           <p:cNvPr id="21" name="Rectangle 20">
             <a:extLst>
               <a:ext uri="{FF2B5EF4-FFF2-40B4-BE49-F238E27FC236}">
-                <a16:creationId xmlns:a16="http://schemas.microsoft.com/office/drawing/2014/main" xmlns="" id="{6E739168-A5E8-443A-B392-7AD4CF8977AD}"/>
+                <a16:creationId xmlns="" xmlns:a16="http://schemas.microsoft.com/office/drawing/2014/main" id="{6E739168-A5E8-443A-B392-7AD4CF8977AD}"/>
               </a:ext>
             </a:extLst>
           </p:cNvPr>
@@ -748,7 +750,7 @@
           <p:cNvPr id="7" name="Group 6">
             <a:extLst>
               <a:ext uri="{FF2B5EF4-FFF2-40B4-BE49-F238E27FC236}">
-                <a16:creationId xmlns:a16="http://schemas.microsoft.com/office/drawing/2014/main" xmlns="" id="{4CA15AFD-4983-47DD-9ED0-D3B27E5A096F}"/>
+                <a16:creationId xmlns="" xmlns:a16="http://schemas.microsoft.com/office/drawing/2014/main" id="{4CA15AFD-4983-47DD-9ED0-D3B27E5A096F}"/>
               </a:ext>
             </a:extLst>
           </p:cNvPr>
@@ -768,7 +770,7 @@
             <p:cNvPr id="8" name="Group 7">
               <a:extLst>
                 <a:ext uri="{FF2B5EF4-FFF2-40B4-BE49-F238E27FC236}">
-                  <a16:creationId xmlns:a16="http://schemas.microsoft.com/office/drawing/2014/main" xmlns="" id="{2222D5E2-E9B4-4180-98B8-4E514C9ADB28}"/>
+                  <a16:creationId xmlns="" xmlns:a16="http://schemas.microsoft.com/office/drawing/2014/main" id="{2222D5E2-E9B4-4180-98B8-4E514C9ADB28}"/>
                 </a:ext>
               </a:extLst>
             </p:cNvPr>
@@ -788,7 +790,7 @@
               <p:cNvPr id="15" name="Freeform: Shape 14">
                 <a:extLst>
                   <a:ext uri="{FF2B5EF4-FFF2-40B4-BE49-F238E27FC236}">
-                    <a16:creationId xmlns:a16="http://schemas.microsoft.com/office/drawing/2014/main" xmlns="" id="{41E10E1E-5268-4F03-BA64-07E19DE26739}"/>
+                    <a16:creationId xmlns="" xmlns:a16="http://schemas.microsoft.com/office/drawing/2014/main" id="{41E10E1E-5268-4F03-BA64-07E19DE26739}"/>
                   </a:ext>
                 </a:extLst>
               </p:cNvPr>
@@ -925,7 +927,7 @@
               <p:cNvPr id="16" name="Freeform: Shape 15">
                 <a:extLst>
                   <a:ext uri="{FF2B5EF4-FFF2-40B4-BE49-F238E27FC236}">
-                    <a16:creationId xmlns:a16="http://schemas.microsoft.com/office/drawing/2014/main" xmlns="" id="{B989C45D-BDFF-418F-BE79-03FF70015770}"/>
+                    <a16:creationId xmlns="" xmlns:a16="http://schemas.microsoft.com/office/drawing/2014/main" id="{B989C45D-BDFF-418F-BE79-03FF70015770}"/>
                   </a:ext>
                 </a:extLst>
               </p:cNvPr>
@@ -1089,7 +1091,7 @@
               <p:cNvPr id="17" name="Right Triangle 16">
                 <a:extLst>
                   <a:ext uri="{FF2B5EF4-FFF2-40B4-BE49-F238E27FC236}">
-                    <a16:creationId xmlns:a16="http://schemas.microsoft.com/office/drawing/2014/main" xmlns="" id="{8DCD5806-2A2F-4ABF-8057-245681C498E6}"/>
+                    <a16:creationId xmlns="" xmlns:a16="http://schemas.microsoft.com/office/drawing/2014/main" id="{8DCD5806-2A2F-4ABF-8057-245681C498E6}"/>
                   </a:ext>
                 </a:extLst>
               </p:cNvPr>
@@ -1143,7 +1145,7 @@
               <p:cNvPr id="18" name="Right Triangle 17">
                 <a:extLst>
                   <a:ext uri="{FF2B5EF4-FFF2-40B4-BE49-F238E27FC236}">
-                    <a16:creationId xmlns:a16="http://schemas.microsoft.com/office/drawing/2014/main" xmlns="" id="{3A93038F-E9E4-4FFD-B3DF-28DB7C2C1490}"/>
+                    <a16:creationId xmlns="" xmlns:a16="http://schemas.microsoft.com/office/drawing/2014/main" id="{3A93038F-E9E4-4FFD-B3DF-28DB7C2C1490}"/>
                   </a:ext>
                 </a:extLst>
               </p:cNvPr>
@@ -1200,7 +1202,7 @@
               <p:cNvPr id="19" name="Right Triangle 18">
                 <a:extLst>
                   <a:ext uri="{FF2B5EF4-FFF2-40B4-BE49-F238E27FC236}">
-                    <a16:creationId xmlns:a16="http://schemas.microsoft.com/office/drawing/2014/main" xmlns="" id="{5DEA1E02-BBD0-4AE3-AF22-433B90272178}"/>
+                    <a16:creationId xmlns="" xmlns:a16="http://schemas.microsoft.com/office/drawing/2014/main" id="{5DEA1E02-BBD0-4AE3-AF22-433B90272178}"/>
                   </a:ext>
                 </a:extLst>
               </p:cNvPr>
@@ -1254,7 +1256,7 @@
               <p:cNvPr id="20" name="Freeform: Shape 19">
                 <a:extLst>
                   <a:ext uri="{FF2B5EF4-FFF2-40B4-BE49-F238E27FC236}">
-                    <a16:creationId xmlns:a16="http://schemas.microsoft.com/office/drawing/2014/main" xmlns="" id="{0027A677-9ACB-4264-B148-4806678FB83F}"/>
+                    <a16:creationId xmlns="" xmlns:a16="http://schemas.microsoft.com/office/drawing/2014/main" id="{0027A677-9ACB-4264-B148-4806678FB83F}"/>
                   </a:ext>
                 </a:extLst>
               </p:cNvPr>
@@ -1417,7 +1419,7 @@
             <p:cNvPr id="9" name="Freeform: Shape 12">
               <a:extLst>
                 <a:ext uri="{FF2B5EF4-FFF2-40B4-BE49-F238E27FC236}">
-                  <a16:creationId xmlns:a16="http://schemas.microsoft.com/office/drawing/2014/main" xmlns="" id="{E3AAB79D-382D-4A95-965E-526B6A681DA7}"/>
+                  <a16:creationId xmlns="" xmlns:a16="http://schemas.microsoft.com/office/drawing/2014/main" id="{E3AAB79D-382D-4A95-965E-526B6A681DA7}"/>
                 </a:ext>
               </a:extLst>
             </p:cNvPr>
@@ -1507,7 +1509,7 @@
             <p:cNvPr id="10" name="Freeform: Shape 9">
               <a:extLst>
                 <a:ext uri="{FF2B5EF4-FFF2-40B4-BE49-F238E27FC236}">
-                  <a16:creationId xmlns:a16="http://schemas.microsoft.com/office/drawing/2014/main" xmlns="" id="{C0A22127-2B4A-4B15-B0A9-F019A30347A1}"/>
+                  <a16:creationId xmlns="" xmlns:a16="http://schemas.microsoft.com/office/drawing/2014/main" id="{C0A22127-2B4A-4B15-B0A9-F019A30347A1}"/>
                 </a:ext>
               </a:extLst>
             </p:cNvPr>
@@ -1610,7 +1612,7 @@
             <p:cNvPr id="11" name="Freeform: Shape 12">
               <a:extLst>
                 <a:ext uri="{FF2B5EF4-FFF2-40B4-BE49-F238E27FC236}">
-                  <a16:creationId xmlns:a16="http://schemas.microsoft.com/office/drawing/2014/main" xmlns="" id="{F04D9FDC-1B67-4254-9535-CD32E81F0C3E}"/>
+                  <a16:creationId xmlns="" xmlns:a16="http://schemas.microsoft.com/office/drawing/2014/main" id="{F04D9FDC-1B67-4254-9535-CD32E81F0C3E}"/>
                 </a:ext>
               </a:extLst>
             </p:cNvPr>
@@ -1708,7 +1710,7 @@
             <p:cNvPr id="12" name="Group 11">
               <a:extLst>
                 <a:ext uri="{FF2B5EF4-FFF2-40B4-BE49-F238E27FC236}">
-                  <a16:creationId xmlns:a16="http://schemas.microsoft.com/office/drawing/2014/main" xmlns="" id="{0A86C4EA-4CF8-4531-845D-4FCB1E2F7422}"/>
+                  <a16:creationId xmlns="" xmlns:a16="http://schemas.microsoft.com/office/drawing/2014/main" id="{0A86C4EA-4CF8-4531-845D-4FCB1E2F7422}"/>
                 </a:ext>
               </a:extLst>
             </p:cNvPr>
@@ -1728,7 +1730,7 @@
               <p:cNvPr id="13" name="Freeform: Shape 12">
                 <a:extLst>
                   <a:ext uri="{FF2B5EF4-FFF2-40B4-BE49-F238E27FC236}">
-                    <a16:creationId xmlns:a16="http://schemas.microsoft.com/office/drawing/2014/main" xmlns="" id="{1101B195-C112-4D20-8D19-4D22479B150D}"/>
+                    <a16:creationId xmlns="" xmlns:a16="http://schemas.microsoft.com/office/drawing/2014/main" id="{1101B195-C112-4D20-8D19-4D22479B150D}"/>
                   </a:ext>
                 </a:extLst>
               </p:cNvPr>
@@ -1818,7 +1820,7 @@
               <p:cNvPr id="14" name="Freeform: Shape 12">
                 <a:extLst>
                   <a:ext uri="{FF2B5EF4-FFF2-40B4-BE49-F238E27FC236}">
-                    <a16:creationId xmlns:a16="http://schemas.microsoft.com/office/drawing/2014/main" xmlns="" id="{CA755F1F-9955-4CBB-8F34-F7801CA44CE7}"/>
+                    <a16:creationId xmlns="" xmlns:a16="http://schemas.microsoft.com/office/drawing/2014/main" id="{CA755F1F-9955-4CBB-8F34-F7801CA44CE7}"/>
                   </a:ext>
                 </a:extLst>
               </p:cNvPr>
@@ -1918,7 +1920,7 @@
           <p:cNvPr id="2" name="Title 1">
             <a:extLst>
               <a:ext uri="{FF2B5EF4-FFF2-40B4-BE49-F238E27FC236}">
-                <a16:creationId xmlns:a16="http://schemas.microsoft.com/office/drawing/2014/main" xmlns="" id="{9E597736-C478-4C26-9BAF-205FE31E977C}"/>
+                <a16:creationId xmlns="" xmlns:a16="http://schemas.microsoft.com/office/drawing/2014/main" id="{9E597736-C478-4C26-9BAF-205FE31E977C}"/>
               </a:ext>
             </a:extLst>
           </p:cNvPr>
@@ -1965,7 +1967,7 @@
           <p:cNvPr id="3" name="Subtitle 2">
             <a:extLst>
               <a:ext uri="{FF2B5EF4-FFF2-40B4-BE49-F238E27FC236}">
-                <a16:creationId xmlns:a16="http://schemas.microsoft.com/office/drawing/2014/main" xmlns="" id="{C3D2DEF0-A0B0-4CFE-B67D-A9D75E2368DC}"/>
+                <a16:creationId xmlns="" xmlns:a16="http://schemas.microsoft.com/office/drawing/2014/main" id="{C3D2DEF0-A0B0-4CFE-B67D-A9D75E2368DC}"/>
               </a:ext>
             </a:extLst>
           </p:cNvPr>
@@ -2051,7 +2053,7 @@
           <p:cNvPr id="11" name="Rectangle 10">
             <a:extLst>
               <a:ext uri="{FF2B5EF4-FFF2-40B4-BE49-F238E27FC236}">
-                <a16:creationId xmlns:a16="http://schemas.microsoft.com/office/drawing/2014/main" xmlns="" id="{EB3E033F-4449-40FA-BC85-BD2712D313DD}"/>
+                <a16:creationId xmlns="" xmlns:a16="http://schemas.microsoft.com/office/drawing/2014/main" id="{EB3E033F-4449-40FA-BC85-BD2712D313DD}"/>
               </a:ext>
             </a:extLst>
           </p:cNvPr>
@@ -2105,7 +2107,7 @@
           <p:cNvPr id="10" name="Freeform: Shape 9">
             <a:extLst>
               <a:ext uri="{FF2B5EF4-FFF2-40B4-BE49-F238E27FC236}">
-                <a16:creationId xmlns:a16="http://schemas.microsoft.com/office/drawing/2014/main" xmlns="" id="{63D26743-0505-444C-80B3-E88EE87DF72B}"/>
+                <a16:creationId xmlns="" xmlns:a16="http://schemas.microsoft.com/office/drawing/2014/main" id="{63D26743-0505-444C-80B3-E88EE87DF72B}"/>
               </a:ext>
             </a:extLst>
           </p:cNvPr>
@@ -2228,7 +2230,7 @@
           <p:cNvPr id="18" name="Freeform: Shape 17">
             <a:extLst>
               <a:ext uri="{FF2B5EF4-FFF2-40B4-BE49-F238E27FC236}">
-                <a16:creationId xmlns:a16="http://schemas.microsoft.com/office/drawing/2014/main" xmlns="" id="{E37145E9-AC61-47D5-9288-8789940F81B6}"/>
+                <a16:creationId xmlns="" xmlns:a16="http://schemas.microsoft.com/office/drawing/2014/main" id="{E37145E9-AC61-47D5-9288-8789940F81B6}"/>
               </a:ext>
             </a:extLst>
           </p:cNvPr>
@@ -2380,7 +2382,7 @@
           <p:cNvPr id="12" name="Freeform: Shape 11">
             <a:extLst>
               <a:ext uri="{FF2B5EF4-FFF2-40B4-BE49-F238E27FC236}">
-                <a16:creationId xmlns:a16="http://schemas.microsoft.com/office/drawing/2014/main" xmlns="" id="{A5E2B3ED-9A49-40A7-B8A3-62595FE513F9}"/>
+                <a16:creationId xmlns="" xmlns:a16="http://schemas.microsoft.com/office/drawing/2014/main" id="{A5E2B3ED-9A49-40A7-B8A3-62595FE513F9}"/>
               </a:ext>
             </a:extLst>
           </p:cNvPr>
@@ -2530,7 +2532,7 @@
           <p:cNvPr id="8" name="Freeform: Shape 7">
             <a:extLst>
               <a:ext uri="{FF2B5EF4-FFF2-40B4-BE49-F238E27FC236}">
-                <a16:creationId xmlns:a16="http://schemas.microsoft.com/office/drawing/2014/main" xmlns="" id="{1599AF7E-3E34-4597-AA72-9373A7FDB020}"/>
+                <a16:creationId xmlns="" xmlns:a16="http://schemas.microsoft.com/office/drawing/2014/main" id="{1599AF7E-3E34-4597-AA72-9373A7FDB020}"/>
               </a:ext>
             </a:extLst>
           </p:cNvPr>
@@ -2676,7 +2678,7 @@
           <p:cNvPr id="2" name="Title 1">
             <a:extLst>
               <a:ext uri="{FF2B5EF4-FFF2-40B4-BE49-F238E27FC236}">
-                <a16:creationId xmlns:a16="http://schemas.microsoft.com/office/drawing/2014/main" xmlns="" id="{4A2DF563-7FAC-46B3-B24C-7E45CD89DA2B}"/>
+                <a16:creationId xmlns="" xmlns:a16="http://schemas.microsoft.com/office/drawing/2014/main" id="{4A2DF563-7FAC-46B3-B24C-7E45CD89DA2B}"/>
               </a:ext>
             </a:extLst>
           </p:cNvPr>
@@ -2722,7 +2724,7 @@
           <p:cNvPr id="15" name="Group 14">
             <a:extLst>
               <a:ext uri="{FF2B5EF4-FFF2-40B4-BE49-F238E27FC236}">
-                <a16:creationId xmlns:a16="http://schemas.microsoft.com/office/drawing/2014/main" xmlns="" id="{7732E1E7-45E3-4264-8F26-66758696DD1E}"/>
+                <a16:creationId xmlns="" xmlns:a16="http://schemas.microsoft.com/office/drawing/2014/main" id="{7732E1E7-45E3-4264-8F26-66758696DD1E}"/>
               </a:ext>
             </a:extLst>
           </p:cNvPr>
@@ -2742,7 +2744,7 @@
             <p:cNvPr id="16" name="Freeform: Shape 15">
               <a:extLst>
                 <a:ext uri="{FF2B5EF4-FFF2-40B4-BE49-F238E27FC236}">
-                  <a16:creationId xmlns:a16="http://schemas.microsoft.com/office/drawing/2014/main" xmlns="" id="{2E3DF883-8093-49FA-81E1-E5D77F086A25}"/>
+                  <a16:creationId xmlns="" xmlns:a16="http://schemas.microsoft.com/office/drawing/2014/main" id="{2E3DF883-8093-49FA-81E1-E5D77F086A25}"/>
                 </a:ext>
               </a:extLst>
             </p:cNvPr>
@@ -2832,7 +2834,7 @@
             <p:cNvPr id="17" name="Freeform: Shape 16">
               <a:extLst>
                 <a:ext uri="{FF2B5EF4-FFF2-40B4-BE49-F238E27FC236}">
-                  <a16:creationId xmlns:a16="http://schemas.microsoft.com/office/drawing/2014/main" xmlns="" id="{18944C90-37E5-4BBE-89FF-060627168050}"/>
+                  <a16:creationId xmlns="" xmlns:a16="http://schemas.microsoft.com/office/drawing/2014/main" id="{18944C90-37E5-4BBE-89FF-060627168050}"/>
                 </a:ext>
               </a:extLst>
             </p:cNvPr>
@@ -2931,7 +2933,7 @@
           <p:cNvPr id="6" name="Group 5">
             <a:extLst>
               <a:ext uri="{FF2B5EF4-FFF2-40B4-BE49-F238E27FC236}">
-                <a16:creationId xmlns:a16="http://schemas.microsoft.com/office/drawing/2014/main" xmlns="" id="{D9EBF8BB-A805-4DDB-B459-082F99815B95}"/>
+                <a16:creationId xmlns="" xmlns:a16="http://schemas.microsoft.com/office/drawing/2014/main" id="{D9EBF8BB-A805-4DDB-B459-082F99815B95}"/>
               </a:ext>
             </a:extLst>
           </p:cNvPr>
@@ -2951,7 +2953,7 @@
             <p:cNvPr id="19" name="Rectangle: Single Corner Snipped 18">
               <a:extLst>
                 <a:ext uri="{FF2B5EF4-FFF2-40B4-BE49-F238E27FC236}">
-                  <a16:creationId xmlns:a16="http://schemas.microsoft.com/office/drawing/2014/main" xmlns="" id="{5D638788-DD47-45E7-939A-FA108A818173}"/>
+                  <a16:creationId xmlns="" xmlns:a16="http://schemas.microsoft.com/office/drawing/2014/main" id="{5D638788-DD47-45E7-939A-FA108A818173}"/>
                 </a:ext>
               </a:extLst>
             </p:cNvPr>
@@ -3017,7 +3019,7 @@
             <p:cNvPr id="3" name="Rectangle: Single Corner Snipped 2">
               <a:extLst>
                 <a:ext uri="{FF2B5EF4-FFF2-40B4-BE49-F238E27FC236}">
-                  <a16:creationId xmlns:a16="http://schemas.microsoft.com/office/drawing/2014/main" xmlns="" id="{74BDECEF-EEFE-4332-B3B2-BDE4F82C10FC}"/>
+                  <a16:creationId xmlns="" xmlns:a16="http://schemas.microsoft.com/office/drawing/2014/main" id="{74BDECEF-EEFE-4332-B3B2-BDE4F82C10FC}"/>
                 </a:ext>
               </a:extLst>
             </p:cNvPr>
@@ -3074,7 +3076,7 @@
           <p:cNvPr id="24" name="Freeform: Shape 23">
             <a:extLst>
               <a:ext uri="{FF2B5EF4-FFF2-40B4-BE49-F238E27FC236}">
-                <a16:creationId xmlns:a16="http://schemas.microsoft.com/office/drawing/2014/main" xmlns="" id="{18103E00-7E4A-44CD-81AC-06433CAE1110}"/>
+                <a16:creationId xmlns="" xmlns:a16="http://schemas.microsoft.com/office/drawing/2014/main" id="{18103E00-7E4A-44CD-81AC-06433CAE1110}"/>
               </a:ext>
             </a:extLst>
           </p:cNvPr>
@@ -3169,7 +3171,7 @@
           <p:cNvPr id="5" name="Slide Number Placeholder 4">
             <a:extLst>
               <a:ext uri="{FF2B5EF4-FFF2-40B4-BE49-F238E27FC236}">
-                <a16:creationId xmlns:a16="http://schemas.microsoft.com/office/drawing/2014/main" xmlns="" id="{87B51822-97FF-47A7-8E4E-A0F79B4EB237}"/>
+                <a16:creationId xmlns="" xmlns:a16="http://schemas.microsoft.com/office/drawing/2014/main" id="{87B51822-97FF-47A7-8E4E-A0F79B4EB237}"/>
               </a:ext>
             </a:extLst>
           </p:cNvPr>
@@ -3213,7 +3215,7 @@
           <p:cNvPr id="20" name="Content Placeholder 2">
             <a:extLst>
               <a:ext uri="{FF2B5EF4-FFF2-40B4-BE49-F238E27FC236}">
-                <a16:creationId xmlns:a16="http://schemas.microsoft.com/office/drawing/2014/main" xmlns="" id="{FE796BFF-6E5F-4DE7-B193-F501FC094D63}"/>
+                <a16:creationId xmlns="" xmlns:a16="http://schemas.microsoft.com/office/drawing/2014/main" id="{FE796BFF-6E5F-4DE7-B193-F501FC094D63}"/>
               </a:ext>
             </a:extLst>
           </p:cNvPr>
@@ -3324,7 +3326,7 @@
           <p:cNvPr id="21" name="Content Placeholder 3">
             <a:extLst>
               <a:ext uri="{FF2B5EF4-FFF2-40B4-BE49-F238E27FC236}">
-                <a16:creationId xmlns:a16="http://schemas.microsoft.com/office/drawing/2014/main" xmlns="" id="{78622754-CA4D-4C27-A37F-B26E7B4C9CA2}"/>
+                <a16:creationId xmlns="" xmlns:a16="http://schemas.microsoft.com/office/drawing/2014/main" id="{78622754-CA4D-4C27-A37F-B26E7B4C9CA2}"/>
               </a:ext>
             </a:extLst>
           </p:cNvPr>
@@ -3463,7 +3465,7 @@
           <p:cNvPr id="11" name="Rectangle 10">
             <a:extLst>
               <a:ext uri="{FF2B5EF4-FFF2-40B4-BE49-F238E27FC236}">
-                <a16:creationId xmlns:a16="http://schemas.microsoft.com/office/drawing/2014/main" xmlns="" id="{EB3E033F-4449-40FA-BC85-BD2712D313DD}"/>
+                <a16:creationId xmlns="" xmlns:a16="http://schemas.microsoft.com/office/drawing/2014/main" id="{EB3E033F-4449-40FA-BC85-BD2712D313DD}"/>
               </a:ext>
             </a:extLst>
           </p:cNvPr>
@@ -3517,7 +3519,7 @@
           <p:cNvPr id="10" name="Freeform: Shape 9">
             <a:extLst>
               <a:ext uri="{FF2B5EF4-FFF2-40B4-BE49-F238E27FC236}">
-                <a16:creationId xmlns:a16="http://schemas.microsoft.com/office/drawing/2014/main" xmlns="" id="{63D26743-0505-444C-80B3-E88EE87DF72B}"/>
+                <a16:creationId xmlns="" xmlns:a16="http://schemas.microsoft.com/office/drawing/2014/main" id="{63D26743-0505-444C-80B3-E88EE87DF72B}"/>
               </a:ext>
             </a:extLst>
           </p:cNvPr>
@@ -3640,7 +3642,7 @@
           <p:cNvPr id="18" name="Freeform: Shape 17">
             <a:extLst>
               <a:ext uri="{FF2B5EF4-FFF2-40B4-BE49-F238E27FC236}">
-                <a16:creationId xmlns:a16="http://schemas.microsoft.com/office/drawing/2014/main" xmlns="" id="{E37145E9-AC61-47D5-9288-8789940F81B6}"/>
+                <a16:creationId xmlns="" xmlns:a16="http://schemas.microsoft.com/office/drawing/2014/main" id="{E37145E9-AC61-47D5-9288-8789940F81B6}"/>
               </a:ext>
             </a:extLst>
           </p:cNvPr>
@@ -3792,7 +3794,7 @@
           <p:cNvPr id="12" name="Freeform: Shape 11">
             <a:extLst>
               <a:ext uri="{FF2B5EF4-FFF2-40B4-BE49-F238E27FC236}">
-                <a16:creationId xmlns:a16="http://schemas.microsoft.com/office/drawing/2014/main" xmlns="" id="{A5E2B3ED-9A49-40A7-B8A3-62595FE513F9}"/>
+                <a16:creationId xmlns="" xmlns:a16="http://schemas.microsoft.com/office/drawing/2014/main" id="{A5E2B3ED-9A49-40A7-B8A3-62595FE513F9}"/>
               </a:ext>
             </a:extLst>
           </p:cNvPr>
@@ -3942,7 +3944,7 @@
           <p:cNvPr id="8" name="Freeform: Shape 7">
             <a:extLst>
               <a:ext uri="{FF2B5EF4-FFF2-40B4-BE49-F238E27FC236}">
-                <a16:creationId xmlns:a16="http://schemas.microsoft.com/office/drawing/2014/main" xmlns="" id="{1599AF7E-3E34-4597-AA72-9373A7FDB020}"/>
+                <a16:creationId xmlns="" xmlns:a16="http://schemas.microsoft.com/office/drawing/2014/main" id="{1599AF7E-3E34-4597-AA72-9373A7FDB020}"/>
               </a:ext>
             </a:extLst>
           </p:cNvPr>
@@ -4088,7 +4090,7 @@
           <p:cNvPr id="2" name="Title 1">
             <a:extLst>
               <a:ext uri="{FF2B5EF4-FFF2-40B4-BE49-F238E27FC236}">
-                <a16:creationId xmlns:a16="http://schemas.microsoft.com/office/drawing/2014/main" xmlns="" id="{4A2DF563-7FAC-46B3-B24C-7E45CD89DA2B}"/>
+                <a16:creationId xmlns="" xmlns:a16="http://schemas.microsoft.com/office/drawing/2014/main" id="{4A2DF563-7FAC-46B3-B24C-7E45CD89DA2B}"/>
               </a:ext>
             </a:extLst>
           </p:cNvPr>
@@ -4134,7 +4136,7 @@
           <p:cNvPr id="15" name="Group 14">
             <a:extLst>
               <a:ext uri="{FF2B5EF4-FFF2-40B4-BE49-F238E27FC236}">
-                <a16:creationId xmlns:a16="http://schemas.microsoft.com/office/drawing/2014/main" xmlns="" id="{7732E1E7-45E3-4264-8F26-66758696DD1E}"/>
+                <a16:creationId xmlns="" xmlns:a16="http://schemas.microsoft.com/office/drawing/2014/main" id="{7732E1E7-45E3-4264-8F26-66758696DD1E}"/>
               </a:ext>
             </a:extLst>
           </p:cNvPr>
@@ -4154,7 +4156,7 @@
             <p:cNvPr id="16" name="Freeform: Shape 15">
               <a:extLst>
                 <a:ext uri="{FF2B5EF4-FFF2-40B4-BE49-F238E27FC236}">
-                  <a16:creationId xmlns:a16="http://schemas.microsoft.com/office/drawing/2014/main" xmlns="" id="{2E3DF883-8093-49FA-81E1-E5D77F086A25}"/>
+                  <a16:creationId xmlns="" xmlns:a16="http://schemas.microsoft.com/office/drawing/2014/main" id="{2E3DF883-8093-49FA-81E1-E5D77F086A25}"/>
                 </a:ext>
               </a:extLst>
             </p:cNvPr>
@@ -4244,7 +4246,7 @@
             <p:cNvPr id="17" name="Freeform: Shape 16">
               <a:extLst>
                 <a:ext uri="{FF2B5EF4-FFF2-40B4-BE49-F238E27FC236}">
-                  <a16:creationId xmlns:a16="http://schemas.microsoft.com/office/drawing/2014/main" xmlns="" id="{18944C90-37E5-4BBE-89FF-060627168050}"/>
+                  <a16:creationId xmlns="" xmlns:a16="http://schemas.microsoft.com/office/drawing/2014/main" id="{18944C90-37E5-4BBE-89FF-060627168050}"/>
                 </a:ext>
               </a:extLst>
             </p:cNvPr>
@@ -4343,7 +4345,7 @@
           <p:cNvPr id="6" name="Group 5">
             <a:extLst>
               <a:ext uri="{FF2B5EF4-FFF2-40B4-BE49-F238E27FC236}">
-                <a16:creationId xmlns:a16="http://schemas.microsoft.com/office/drawing/2014/main" xmlns="" id="{D9EBF8BB-A805-4DDB-B459-082F99815B95}"/>
+                <a16:creationId xmlns="" xmlns:a16="http://schemas.microsoft.com/office/drawing/2014/main" id="{D9EBF8BB-A805-4DDB-B459-082F99815B95}"/>
               </a:ext>
             </a:extLst>
           </p:cNvPr>
@@ -4363,7 +4365,7 @@
             <p:cNvPr id="19" name="Rectangle: Single Corner Snipped 18">
               <a:extLst>
                 <a:ext uri="{FF2B5EF4-FFF2-40B4-BE49-F238E27FC236}">
-                  <a16:creationId xmlns:a16="http://schemas.microsoft.com/office/drawing/2014/main" xmlns="" id="{5D638788-DD47-45E7-939A-FA108A818173}"/>
+                  <a16:creationId xmlns="" xmlns:a16="http://schemas.microsoft.com/office/drawing/2014/main" id="{5D638788-DD47-45E7-939A-FA108A818173}"/>
                 </a:ext>
               </a:extLst>
             </p:cNvPr>
@@ -4424,7 +4426,7 @@
             <p:cNvPr id="3" name="Rectangle: Single Corner Snipped 2">
               <a:extLst>
                 <a:ext uri="{FF2B5EF4-FFF2-40B4-BE49-F238E27FC236}">
-                  <a16:creationId xmlns:a16="http://schemas.microsoft.com/office/drawing/2014/main" xmlns="" id="{74BDECEF-EEFE-4332-B3B2-BDE4F82C10FC}"/>
+                  <a16:creationId xmlns="" xmlns:a16="http://schemas.microsoft.com/office/drawing/2014/main" id="{74BDECEF-EEFE-4332-B3B2-BDE4F82C10FC}"/>
                 </a:ext>
               </a:extLst>
             </p:cNvPr>
@@ -4481,7 +4483,7 @@
           <p:cNvPr id="20" name="Picture Placeholder 8">
             <a:extLst>
               <a:ext uri="{FF2B5EF4-FFF2-40B4-BE49-F238E27FC236}">
-                <a16:creationId xmlns:a16="http://schemas.microsoft.com/office/drawing/2014/main" xmlns="" id="{6D00E6B4-1CBE-404E-B943-5F1832320C1C}"/>
+                <a16:creationId xmlns="" xmlns:a16="http://schemas.microsoft.com/office/drawing/2014/main" id="{6D00E6B4-1CBE-404E-B943-5F1832320C1C}"/>
               </a:ext>
             </a:extLst>
           </p:cNvPr>
@@ -4544,7 +4546,7 @@
           <p:cNvPr id="21" name="Picture Placeholder 8">
             <a:extLst>
               <a:ext uri="{FF2B5EF4-FFF2-40B4-BE49-F238E27FC236}">
-                <a16:creationId xmlns:a16="http://schemas.microsoft.com/office/drawing/2014/main" xmlns="" id="{7CD59BFD-62BE-4E33-92A5-B84A2A9A8D3B}"/>
+                <a16:creationId xmlns="" xmlns:a16="http://schemas.microsoft.com/office/drawing/2014/main" id="{7CD59BFD-62BE-4E33-92A5-B84A2A9A8D3B}"/>
               </a:ext>
             </a:extLst>
           </p:cNvPr>
@@ -4607,7 +4609,7 @@
           <p:cNvPr id="22" name="Picture Placeholder 8">
             <a:extLst>
               <a:ext uri="{FF2B5EF4-FFF2-40B4-BE49-F238E27FC236}">
-                <a16:creationId xmlns:a16="http://schemas.microsoft.com/office/drawing/2014/main" xmlns="" id="{60DC5978-55B8-421D-91B4-29F8210A7B2C}"/>
+                <a16:creationId xmlns="" xmlns:a16="http://schemas.microsoft.com/office/drawing/2014/main" id="{60DC5978-55B8-421D-91B4-29F8210A7B2C}"/>
               </a:ext>
             </a:extLst>
           </p:cNvPr>
@@ -4670,7 +4672,7 @@
           <p:cNvPr id="23" name="Picture Placeholder 8">
             <a:extLst>
               <a:ext uri="{FF2B5EF4-FFF2-40B4-BE49-F238E27FC236}">
-                <a16:creationId xmlns:a16="http://schemas.microsoft.com/office/drawing/2014/main" xmlns="" id="{BE3FB8C3-2C7E-4C59-8BD5-53FA2772DB56}"/>
+                <a16:creationId xmlns="" xmlns:a16="http://schemas.microsoft.com/office/drawing/2014/main" id="{BE3FB8C3-2C7E-4C59-8BD5-53FA2772DB56}"/>
               </a:ext>
             </a:extLst>
           </p:cNvPr>
@@ -4733,7 +4735,7 @@
           <p:cNvPr id="24" name="Picture Placeholder 8">
             <a:extLst>
               <a:ext uri="{FF2B5EF4-FFF2-40B4-BE49-F238E27FC236}">
-                <a16:creationId xmlns:a16="http://schemas.microsoft.com/office/drawing/2014/main" xmlns="" id="{FD8FA9DA-C36B-4889-B88F-28B5829E53E2}"/>
+                <a16:creationId xmlns="" xmlns:a16="http://schemas.microsoft.com/office/drawing/2014/main" id="{FD8FA9DA-C36B-4889-B88F-28B5829E53E2}"/>
               </a:ext>
             </a:extLst>
           </p:cNvPr>
@@ -4796,7 +4798,7 @@
           <p:cNvPr id="26" name="Text Placeholder 22">
             <a:extLst>
               <a:ext uri="{FF2B5EF4-FFF2-40B4-BE49-F238E27FC236}">
-                <a16:creationId xmlns:a16="http://schemas.microsoft.com/office/drawing/2014/main" xmlns="" id="{2A19101D-7C37-42BF-8167-5391EA65EC3A}"/>
+                <a16:creationId xmlns="" xmlns:a16="http://schemas.microsoft.com/office/drawing/2014/main" id="{2A19101D-7C37-42BF-8167-5391EA65EC3A}"/>
               </a:ext>
             </a:extLst>
           </p:cNvPr>
@@ -4906,7 +4908,7 @@
           <p:cNvPr id="27" name="Text Placeholder 22">
             <a:extLst>
               <a:ext uri="{FF2B5EF4-FFF2-40B4-BE49-F238E27FC236}">
-                <a16:creationId xmlns:a16="http://schemas.microsoft.com/office/drawing/2014/main" xmlns="" id="{05F72315-51A9-431C-B80A-45E4FB1D6BD6}"/>
+                <a16:creationId xmlns="" xmlns:a16="http://schemas.microsoft.com/office/drawing/2014/main" id="{05F72315-51A9-431C-B80A-45E4FB1D6BD6}"/>
               </a:ext>
             </a:extLst>
           </p:cNvPr>
@@ -5016,7 +5018,7 @@
           <p:cNvPr id="28" name="Text Placeholder 22">
             <a:extLst>
               <a:ext uri="{FF2B5EF4-FFF2-40B4-BE49-F238E27FC236}">
-                <a16:creationId xmlns:a16="http://schemas.microsoft.com/office/drawing/2014/main" xmlns="" id="{883D1F0C-34F1-46E1-B178-E4AB82B14631}"/>
+                <a16:creationId xmlns="" xmlns:a16="http://schemas.microsoft.com/office/drawing/2014/main" id="{883D1F0C-34F1-46E1-B178-E4AB82B14631}"/>
               </a:ext>
             </a:extLst>
           </p:cNvPr>
@@ -5126,7 +5128,7 @@
           <p:cNvPr id="29" name="Text Placeholder 22">
             <a:extLst>
               <a:ext uri="{FF2B5EF4-FFF2-40B4-BE49-F238E27FC236}">
-                <a16:creationId xmlns:a16="http://schemas.microsoft.com/office/drawing/2014/main" xmlns="" id="{7202A849-DF14-40E7-B38D-1185F72603EC}"/>
+                <a16:creationId xmlns="" xmlns:a16="http://schemas.microsoft.com/office/drawing/2014/main" id="{7202A849-DF14-40E7-B38D-1185F72603EC}"/>
               </a:ext>
             </a:extLst>
           </p:cNvPr>
@@ -5236,7 +5238,7 @@
           <p:cNvPr id="30" name="Text Placeholder 22">
             <a:extLst>
               <a:ext uri="{FF2B5EF4-FFF2-40B4-BE49-F238E27FC236}">
-                <a16:creationId xmlns:a16="http://schemas.microsoft.com/office/drawing/2014/main" xmlns="" id="{CCFC1ADF-AC11-4CCD-AC2D-478B6FFEA5EA}"/>
+                <a16:creationId xmlns="" xmlns:a16="http://schemas.microsoft.com/office/drawing/2014/main" id="{CCFC1ADF-AC11-4CCD-AC2D-478B6FFEA5EA}"/>
               </a:ext>
             </a:extLst>
           </p:cNvPr>
@@ -5346,7 +5348,7 @@
           <p:cNvPr id="7" name="Straight Connector 6">
             <a:extLst>
               <a:ext uri="{FF2B5EF4-FFF2-40B4-BE49-F238E27FC236}">
-                <a16:creationId xmlns:a16="http://schemas.microsoft.com/office/drawing/2014/main" xmlns="" id="{2B4CB326-DA0E-488E-B236-7017E8438FBB}"/>
+                <a16:creationId xmlns="" xmlns:a16="http://schemas.microsoft.com/office/drawing/2014/main" id="{2B4CB326-DA0E-488E-B236-7017E8438FBB}"/>
               </a:ext>
             </a:extLst>
           </p:cNvPr>
@@ -5387,7 +5389,7 @@
           <p:cNvPr id="31" name="Straight Connector 30">
             <a:extLst>
               <a:ext uri="{FF2B5EF4-FFF2-40B4-BE49-F238E27FC236}">
-                <a16:creationId xmlns:a16="http://schemas.microsoft.com/office/drawing/2014/main" xmlns="" id="{9366B533-7212-4A36-9CE2-D6302E721F8F}"/>
+                <a16:creationId xmlns="" xmlns:a16="http://schemas.microsoft.com/office/drawing/2014/main" id="{9366B533-7212-4A36-9CE2-D6302E721F8F}"/>
               </a:ext>
             </a:extLst>
           </p:cNvPr>
@@ -5428,7 +5430,7 @@
           <p:cNvPr id="32" name="Straight Connector 31">
             <a:extLst>
               <a:ext uri="{FF2B5EF4-FFF2-40B4-BE49-F238E27FC236}">
-                <a16:creationId xmlns:a16="http://schemas.microsoft.com/office/drawing/2014/main" xmlns="" id="{AD7474CD-E230-4E14-8274-5E20F673F401}"/>
+                <a16:creationId xmlns="" xmlns:a16="http://schemas.microsoft.com/office/drawing/2014/main" id="{AD7474CD-E230-4E14-8274-5E20F673F401}"/>
               </a:ext>
             </a:extLst>
           </p:cNvPr>
@@ -5469,7 +5471,7 @@
           <p:cNvPr id="33" name="Straight Connector 32">
             <a:extLst>
               <a:ext uri="{FF2B5EF4-FFF2-40B4-BE49-F238E27FC236}">
-                <a16:creationId xmlns:a16="http://schemas.microsoft.com/office/drawing/2014/main" xmlns="" id="{6BF71FCE-6F39-4D2F-82BE-7D9F1D2ED59F}"/>
+                <a16:creationId xmlns="" xmlns:a16="http://schemas.microsoft.com/office/drawing/2014/main" id="{6BF71FCE-6F39-4D2F-82BE-7D9F1D2ED59F}"/>
               </a:ext>
             </a:extLst>
           </p:cNvPr>
@@ -5510,7 +5512,7 @@
           <p:cNvPr id="34" name="Straight Connector 33">
             <a:extLst>
               <a:ext uri="{FF2B5EF4-FFF2-40B4-BE49-F238E27FC236}">
-                <a16:creationId xmlns:a16="http://schemas.microsoft.com/office/drawing/2014/main" xmlns="" id="{AE97AC7A-17D9-4F42-9DD0-94FE4FC6BF19}"/>
+                <a16:creationId xmlns="" xmlns:a16="http://schemas.microsoft.com/office/drawing/2014/main" id="{AE97AC7A-17D9-4F42-9DD0-94FE4FC6BF19}"/>
               </a:ext>
             </a:extLst>
           </p:cNvPr>
@@ -5551,7 +5553,7 @@
           <p:cNvPr id="35" name="Freeform: Shape 34">
             <a:extLst>
               <a:ext uri="{FF2B5EF4-FFF2-40B4-BE49-F238E27FC236}">
-                <a16:creationId xmlns:a16="http://schemas.microsoft.com/office/drawing/2014/main" xmlns="" id="{62EEBF51-DCAD-4335-85E9-52801031A1BF}"/>
+                <a16:creationId xmlns="" xmlns:a16="http://schemas.microsoft.com/office/drawing/2014/main" id="{62EEBF51-DCAD-4335-85E9-52801031A1BF}"/>
               </a:ext>
             </a:extLst>
           </p:cNvPr>
@@ -5646,7 +5648,7 @@
           <p:cNvPr id="5" name="Slide Number Placeholder 4">
             <a:extLst>
               <a:ext uri="{FF2B5EF4-FFF2-40B4-BE49-F238E27FC236}">
-                <a16:creationId xmlns:a16="http://schemas.microsoft.com/office/drawing/2014/main" xmlns="" id="{87B51822-97FF-47A7-8E4E-A0F79B4EB237}"/>
+                <a16:creationId xmlns="" xmlns:a16="http://schemas.microsoft.com/office/drawing/2014/main" id="{87B51822-97FF-47A7-8E4E-A0F79B4EB237}"/>
               </a:ext>
             </a:extLst>
           </p:cNvPr>
@@ -5728,7 +5730,7 @@
           <p:cNvPr id="11" name="Rectangle 10">
             <a:extLst>
               <a:ext uri="{FF2B5EF4-FFF2-40B4-BE49-F238E27FC236}">
-                <a16:creationId xmlns:a16="http://schemas.microsoft.com/office/drawing/2014/main" xmlns="" id="{EB3E033F-4449-40FA-BC85-BD2712D313DD}"/>
+                <a16:creationId xmlns="" xmlns:a16="http://schemas.microsoft.com/office/drawing/2014/main" id="{EB3E033F-4449-40FA-BC85-BD2712D313DD}"/>
               </a:ext>
             </a:extLst>
           </p:cNvPr>
@@ -5782,7 +5784,7 @@
           <p:cNvPr id="10" name="Freeform: Shape 9">
             <a:extLst>
               <a:ext uri="{FF2B5EF4-FFF2-40B4-BE49-F238E27FC236}">
-                <a16:creationId xmlns:a16="http://schemas.microsoft.com/office/drawing/2014/main" xmlns="" id="{63D26743-0505-444C-80B3-E88EE87DF72B}"/>
+                <a16:creationId xmlns="" xmlns:a16="http://schemas.microsoft.com/office/drawing/2014/main" id="{63D26743-0505-444C-80B3-E88EE87DF72B}"/>
               </a:ext>
             </a:extLst>
           </p:cNvPr>
@@ -5905,7 +5907,7 @@
           <p:cNvPr id="18" name="Freeform: Shape 17">
             <a:extLst>
               <a:ext uri="{FF2B5EF4-FFF2-40B4-BE49-F238E27FC236}">
-                <a16:creationId xmlns:a16="http://schemas.microsoft.com/office/drawing/2014/main" xmlns="" id="{E37145E9-AC61-47D5-9288-8789940F81B6}"/>
+                <a16:creationId xmlns="" xmlns:a16="http://schemas.microsoft.com/office/drawing/2014/main" id="{E37145E9-AC61-47D5-9288-8789940F81B6}"/>
               </a:ext>
             </a:extLst>
           </p:cNvPr>
@@ -6057,7 +6059,7 @@
           <p:cNvPr id="12" name="Freeform: Shape 11">
             <a:extLst>
               <a:ext uri="{FF2B5EF4-FFF2-40B4-BE49-F238E27FC236}">
-                <a16:creationId xmlns:a16="http://schemas.microsoft.com/office/drawing/2014/main" xmlns="" id="{A5E2B3ED-9A49-40A7-B8A3-62595FE513F9}"/>
+                <a16:creationId xmlns="" xmlns:a16="http://schemas.microsoft.com/office/drawing/2014/main" id="{A5E2B3ED-9A49-40A7-B8A3-62595FE513F9}"/>
               </a:ext>
             </a:extLst>
           </p:cNvPr>
@@ -6207,7 +6209,7 @@
           <p:cNvPr id="8" name="Freeform: Shape 7">
             <a:extLst>
               <a:ext uri="{FF2B5EF4-FFF2-40B4-BE49-F238E27FC236}">
-                <a16:creationId xmlns:a16="http://schemas.microsoft.com/office/drawing/2014/main" xmlns="" id="{1599AF7E-3E34-4597-AA72-9373A7FDB020}"/>
+                <a16:creationId xmlns="" xmlns:a16="http://schemas.microsoft.com/office/drawing/2014/main" id="{1599AF7E-3E34-4597-AA72-9373A7FDB020}"/>
               </a:ext>
             </a:extLst>
           </p:cNvPr>
@@ -6353,7 +6355,7 @@
           <p:cNvPr id="2" name="Title 1">
             <a:extLst>
               <a:ext uri="{FF2B5EF4-FFF2-40B4-BE49-F238E27FC236}">
-                <a16:creationId xmlns:a16="http://schemas.microsoft.com/office/drawing/2014/main" xmlns="" id="{4A2DF563-7FAC-46B3-B24C-7E45CD89DA2B}"/>
+                <a16:creationId xmlns="" xmlns:a16="http://schemas.microsoft.com/office/drawing/2014/main" id="{4A2DF563-7FAC-46B3-B24C-7E45CD89DA2B}"/>
               </a:ext>
             </a:extLst>
           </p:cNvPr>
@@ -6399,7 +6401,7 @@
           <p:cNvPr id="15" name="Group 14">
             <a:extLst>
               <a:ext uri="{FF2B5EF4-FFF2-40B4-BE49-F238E27FC236}">
-                <a16:creationId xmlns:a16="http://schemas.microsoft.com/office/drawing/2014/main" xmlns="" id="{7732E1E7-45E3-4264-8F26-66758696DD1E}"/>
+                <a16:creationId xmlns="" xmlns:a16="http://schemas.microsoft.com/office/drawing/2014/main" id="{7732E1E7-45E3-4264-8F26-66758696DD1E}"/>
               </a:ext>
             </a:extLst>
           </p:cNvPr>
@@ -6419,7 +6421,7 @@
             <p:cNvPr id="16" name="Freeform: Shape 15">
               <a:extLst>
                 <a:ext uri="{FF2B5EF4-FFF2-40B4-BE49-F238E27FC236}">
-                  <a16:creationId xmlns:a16="http://schemas.microsoft.com/office/drawing/2014/main" xmlns="" id="{2E3DF883-8093-49FA-81E1-E5D77F086A25}"/>
+                  <a16:creationId xmlns="" xmlns:a16="http://schemas.microsoft.com/office/drawing/2014/main" id="{2E3DF883-8093-49FA-81E1-E5D77F086A25}"/>
                 </a:ext>
               </a:extLst>
             </p:cNvPr>
@@ -6509,7 +6511,7 @@
             <p:cNvPr id="17" name="Freeform: Shape 16">
               <a:extLst>
                 <a:ext uri="{FF2B5EF4-FFF2-40B4-BE49-F238E27FC236}">
-                  <a16:creationId xmlns:a16="http://schemas.microsoft.com/office/drawing/2014/main" xmlns="" id="{18944C90-37E5-4BBE-89FF-060627168050}"/>
+                  <a16:creationId xmlns="" xmlns:a16="http://schemas.microsoft.com/office/drawing/2014/main" id="{18944C90-37E5-4BBE-89FF-060627168050}"/>
                 </a:ext>
               </a:extLst>
             </p:cNvPr>
@@ -6608,7 +6610,7 @@
           <p:cNvPr id="6" name="Group 5">
             <a:extLst>
               <a:ext uri="{FF2B5EF4-FFF2-40B4-BE49-F238E27FC236}">
-                <a16:creationId xmlns:a16="http://schemas.microsoft.com/office/drawing/2014/main" xmlns="" id="{D9EBF8BB-A805-4DDB-B459-082F99815B95}"/>
+                <a16:creationId xmlns="" xmlns:a16="http://schemas.microsoft.com/office/drawing/2014/main" id="{D9EBF8BB-A805-4DDB-B459-082F99815B95}"/>
               </a:ext>
             </a:extLst>
           </p:cNvPr>
@@ -6628,7 +6630,7 @@
             <p:cNvPr id="19" name="Rectangle: Single Corner Snipped 18">
               <a:extLst>
                 <a:ext uri="{FF2B5EF4-FFF2-40B4-BE49-F238E27FC236}">
-                  <a16:creationId xmlns:a16="http://schemas.microsoft.com/office/drawing/2014/main" xmlns="" id="{5D638788-DD47-45E7-939A-FA108A818173}"/>
+                  <a16:creationId xmlns="" xmlns:a16="http://schemas.microsoft.com/office/drawing/2014/main" id="{5D638788-DD47-45E7-939A-FA108A818173}"/>
                 </a:ext>
               </a:extLst>
             </p:cNvPr>
@@ -6689,7 +6691,7 @@
             <p:cNvPr id="3" name="Rectangle: Single Corner Snipped 2">
               <a:extLst>
                 <a:ext uri="{FF2B5EF4-FFF2-40B4-BE49-F238E27FC236}">
-                  <a16:creationId xmlns:a16="http://schemas.microsoft.com/office/drawing/2014/main" xmlns="" id="{74BDECEF-EEFE-4332-B3B2-BDE4F82C10FC}"/>
+                  <a16:creationId xmlns="" xmlns:a16="http://schemas.microsoft.com/office/drawing/2014/main" id="{74BDECEF-EEFE-4332-B3B2-BDE4F82C10FC}"/>
                 </a:ext>
               </a:extLst>
             </p:cNvPr>
@@ -6746,7 +6748,7 @@
           <p:cNvPr id="26" name="Text Placeholder 22">
             <a:extLst>
               <a:ext uri="{FF2B5EF4-FFF2-40B4-BE49-F238E27FC236}">
-                <a16:creationId xmlns:a16="http://schemas.microsoft.com/office/drawing/2014/main" xmlns="" id="{2A19101D-7C37-42BF-8167-5391EA65EC3A}"/>
+                <a16:creationId xmlns="" xmlns:a16="http://schemas.microsoft.com/office/drawing/2014/main" id="{2A19101D-7C37-42BF-8167-5391EA65EC3A}"/>
               </a:ext>
             </a:extLst>
           </p:cNvPr>
@@ -6856,7 +6858,7 @@
           <p:cNvPr id="35" name="Freeform: Shape 34">
             <a:extLst>
               <a:ext uri="{FF2B5EF4-FFF2-40B4-BE49-F238E27FC236}">
-                <a16:creationId xmlns:a16="http://schemas.microsoft.com/office/drawing/2014/main" xmlns="" id="{62EEBF51-DCAD-4335-85E9-52801031A1BF}"/>
+                <a16:creationId xmlns="" xmlns:a16="http://schemas.microsoft.com/office/drawing/2014/main" id="{62EEBF51-DCAD-4335-85E9-52801031A1BF}"/>
               </a:ext>
             </a:extLst>
           </p:cNvPr>
@@ -6951,7 +6953,7 @@
           <p:cNvPr id="5" name="Slide Number Placeholder 4">
             <a:extLst>
               <a:ext uri="{FF2B5EF4-FFF2-40B4-BE49-F238E27FC236}">
-                <a16:creationId xmlns:a16="http://schemas.microsoft.com/office/drawing/2014/main" xmlns="" id="{87B51822-97FF-47A7-8E4E-A0F79B4EB237}"/>
+                <a16:creationId xmlns="" xmlns:a16="http://schemas.microsoft.com/office/drawing/2014/main" id="{87B51822-97FF-47A7-8E4E-A0F79B4EB237}"/>
               </a:ext>
             </a:extLst>
           </p:cNvPr>
@@ -6995,7 +6997,7 @@
           <p:cNvPr id="13" name="Picture Placeholder 12">
             <a:extLst>
               <a:ext uri="{FF2B5EF4-FFF2-40B4-BE49-F238E27FC236}">
-                <a16:creationId xmlns:a16="http://schemas.microsoft.com/office/drawing/2014/main" xmlns="" id="{231B97CF-FD24-4932-8459-893B1AC73D33}"/>
+                <a16:creationId xmlns="" xmlns:a16="http://schemas.microsoft.com/office/drawing/2014/main" id="{231B97CF-FD24-4932-8459-893B1AC73D33}"/>
               </a:ext>
             </a:extLst>
           </p:cNvPr>
@@ -7040,7 +7042,7 @@
           <p:cNvPr id="36" name="Text Placeholder 22">
             <a:extLst>
               <a:ext uri="{FF2B5EF4-FFF2-40B4-BE49-F238E27FC236}">
-                <a16:creationId xmlns:a16="http://schemas.microsoft.com/office/drawing/2014/main" xmlns="" id="{642D3CE0-C3B4-4F3F-A650-AB452B3AD4BA}"/>
+                <a16:creationId xmlns="" xmlns:a16="http://schemas.microsoft.com/office/drawing/2014/main" id="{642D3CE0-C3B4-4F3F-A650-AB452B3AD4BA}"/>
               </a:ext>
             </a:extLst>
           </p:cNvPr>
@@ -7150,7 +7152,7 @@
           <p:cNvPr id="37" name="Text Placeholder 22">
             <a:extLst>
               <a:ext uri="{FF2B5EF4-FFF2-40B4-BE49-F238E27FC236}">
-                <a16:creationId xmlns:a16="http://schemas.microsoft.com/office/drawing/2014/main" xmlns="" id="{DBED2BB0-CDAD-40EE-8B35-C66DF45EE29D}"/>
+                <a16:creationId xmlns="" xmlns:a16="http://schemas.microsoft.com/office/drawing/2014/main" id="{DBED2BB0-CDAD-40EE-8B35-C66DF45EE29D}"/>
               </a:ext>
             </a:extLst>
           </p:cNvPr>
@@ -7298,7 +7300,7 @@
           <p:cNvPr id="11" name="Rectangle 10">
             <a:extLst>
               <a:ext uri="{FF2B5EF4-FFF2-40B4-BE49-F238E27FC236}">
-                <a16:creationId xmlns:a16="http://schemas.microsoft.com/office/drawing/2014/main" xmlns="" id="{EB3E033F-4449-40FA-BC85-BD2712D313DD}"/>
+                <a16:creationId xmlns="" xmlns:a16="http://schemas.microsoft.com/office/drawing/2014/main" id="{EB3E033F-4449-40FA-BC85-BD2712D313DD}"/>
               </a:ext>
             </a:extLst>
           </p:cNvPr>
@@ -7352,7 +7354,7 @@
           <p:cNvPr id="10" name="Freeform: Shape 9">
             <a:extLst>
               <a:ext uri="{FF2B5EF4-FFF2-40B4-BE49-F238E27FC236}">
-                <a16:creationId xmlns:a16="http://schemas.microsoft.com/office/drawing/2014/main" xmlns="" id="{63D26743-0505-444C-80B3-E88EE87DF72B}"/>
+                <a16:creationId xmlns="" xmlns:a16="http://schemas.microsoft.com/office/drawing/2014/main" id="{63D26743-0505-444C-80B3-E88EE87DF72B}"/>
               </a:ext>
             </a:extLst>
           </p:cNvPr>
@@ -7475,7 +7477,7 @@
           <p:cNvPr id="18" name="Freeform: Shape 17">
             <a:extLst>
               <a:ext uri="{FF2B5EF4-FFF2-40B4-BE49-F238E27FC236}">
-                <a16:creationId xmlns:a16="http://schemas.microsoft.com/office/drawing/2014/main" xmlns="" id="{E37145E9-AC61-47D5-9288-8789940F81B6}"/>
+                <a16:creationId xmlns="" xmlns:a16="http://schemas.microsoft.com/office/drawing/2014/main" id="{E37145E9-AC61-47D5-9288-8789940F81B6}"/>
               </a:ext>
             </a:extLst>
           </p:cNvPr>
@@ -7627,7 +7629,7 @@
           <p:cNvPr id="12" name="Freeform: Shape 11">
             <a:extLst>
               <a:ext uri="{FF2B5EF4-FFF2-40B4-BE49-F238E27FC236}">
-                <a16:creationId xmlns:a16="http://schemas.microsoft.com/office/drawing/2014/main" xmlns="" id="{A5E2B3ED-9A49-40A7-B8A3-62595FE513F9}"/>
+                <a16:creationId xmlns="" xmlns:a16="http://schemas.microsoft.com/office/drawing/2014/main" id="{A5E2B3ED-9A49-40A7-B8A3-62595FE513F9}"/>
               </a:ext>
             </a:extLst>
           </p:cNvPr>
@@ -7777,7 +7779,7 @@
           <p:cNvPr id="8" name="Freeform: Shape 7">
             <a:extLst>
               <a:ext uri="{FF2B5EF4-FFF2-40B4-BE49-F238E27FC236}">
-                <a16:creationId xmlns:a16="http://schemas.microsoft.com/office/drawing/2014/main" xmlns="" id="{1599AF7E-3E34-4597-AA72-9373A7FDB020}"/>
+                <a16:creationId xmlns="" xmlns:a16="http://schemas.microsoft.com/office/drawing/2014/main" id="{1599AF7E-3E34-4597-AA72-9373A7FDB020}"/>
               </a:ext>
             </a:extLst>
           </p:cNvPr>
@@ -7923,7 +7925,7 @@
           <p:cNvPr id="2" name="Title 1">
             <a:extLst>
               <a:ext uri="{FF2B5EF4-FFF2-40B4-BE49-F238E27FC236}">
-                <a16:creationId xmlns:a16="http://schemas.microsoft.com/office/drawing/2014/main" xmlns="" id="{4A2DF563-7FAC-46B3-B24C-7E45CD89DA2B}"/>
+                <a16:creationId xmlns="" xmlns:a16="http://schemas.microsoft.com/office/drawing/2014/main" id="{4A2DF563-7FAC-46B3-B24C-7E45CD89DA2B}"/>
               </a:ext>
             </a:extLst>
           </p:cNvPr>
@@ -7969,7 +7971,7 @@
           <p:cNvPr id="15" name="Group 14">
             <a:extLst>
               <a:ext uri="{FF2B5EF4-FFF2-40B4-BE49-F238E27FC236}">
-                <a16:creationId xmlns:a16="http://schemas.microsoft.com/office/drawing/2014/main" xmlns="" id="{7732E1E7-45E3-4264-8F26-66758696DD1E}"/>
+                <a16:creationId xmlns="" xmlns:a16="http://schemas.microsoft.com/office/drawing/2014/main" id="{7732E1E7-45E3-4264-8F26-66758696DD1E}"/>
               </a:ext>
             </a:extLst>
           </p:cNvPr>
@@ -7989,7 +7991,7 @@
             <p:cNvPr id="16" name="Freeform: Shape 15">
               <a:extLst>
                 <a:ext uri="{FF2B5EF4-FFF2-40B4-BE49-F238E27FC236}">
-                  <a16:creationId xmlns:a16="http://schemas.microsoft.com/office/drawing/2014/main" xmlns="" id="{2E3DF883-8093-49FA-81E1-E5D77F086A25}"/>
+                  <a16:creationId xmlns="" xmlns:a16="http://schemas.microsoft.com/office/drawing/2014/main" id="{2E3DF883-8093-49FA-81E1-E5D77F086A25}"/>
                 </a:ext>
               </a:extLst>
             </p:cNvPr>
@@ -8079,7 +8081,7 @@
             <p:cNvPr id="17" name="Freeform: Shape 16">
               <a:extLst>
                 <a:ext uri="{FF2B5EF4-FFF2-40B4-BE49-F238E27FC236}">
-                  <a16:creationId xmlns:a16="http://schemas.microsoft.com/office/drawing/2014/main" xmlns="" id="{18944C90-37E5-4BBE-89FF-060627168050}"/>
+                  <a16:creationId xmlns="" xmlns:a16="http://schemas.microsoft.com/office/drawing/2014/main" id="{18944C90-37E5-4BBE-89FF-060627168050}"/>
                 </a:ext>
               </a:extLst>
             </p:cNvPr>
@@ -8178,7 +8180,7 @@
           <p:cNvPr id="6" name="Group 5">
             <a:extLst>
               <a:ext uri="{FF2B5EF4-FFF2-40B4-BE49-F238E27FC236}">
-                <a16:creationId xmlns:a16="http://schemas.microsoft.com/office/drawing/2014/main" xmlns="" id="{D9EBF8BB-A805-4DDB-B459-082F99815B95}"/>
+                <a16:creationId xmlns="" xmlns:a16="http://schemas.microsoft.com/office/drawing/2014/main" id="{D9EBF8BB-A805-4DDB-B459-082F99815B95}"/>
               </a:ext>
             </a:extLst>
           </p:cNvPr>
@@ -8198,7 +8200,7 @@
             <p:cNvPr id="19" name="Rectangle: Single Corner Snipped 18">
               <a:extLst>
                 <a:ext uri="{FF2B5EF4-FFF2-40B4-BE49-F238E27FC236}">
-                  <a16:creationId xmlns:a16="http://schemas.microsoft.com/office/drawing/2014/main" xmlns="" id="{5D638788-DD47-45E7-939A-FA108A818173}"/>
+                  <a16:creationId xmlns="" xmlns:a16="http://schemas.microsoft.com/office/drawing/2014/main" id="{5D638788-DD47-45E7-939A-FA108A818173}"/>
                 </a:ext>
               </a:extLst>
             </p:cNvPr>
@@ -8259,7 +8261,7 @@
             <p:cNvPr id="3" name="Rectangle: Single Corner Snipped 2">
               <a:extLst>
                 <a:ext uri="{FF2B5EF4-FFF2-40B4-BE49-F238E27FC236}">
-                  <a16:creationId xmlns:a16="http://schemas.microsoft.com/office/drawing/2014/main" xmlns="" id="{74BDECEF-EEFE-4332-B3B2-BDE4F82C10FC}"/>
+                  <a16:creationId xmlns="" xmlns:a16="http://schemas.microsoft.com/office/drawing/2014/main" id="{74BDECEF-EEFE-4332-B3B2-BDE4F82C10FC}"/>
                 </a:ext>
               </a:extLst>
             </p:cNvPr>
@@ -8316,7 +8318,7 @@
           <p:cNvPr id="26" name="Text Placeholder 22">
             <a:extLst>
               <a:ext uri="{FF2B5EF4-FFF2-40B4-BE49-F238E27FC236}">
-                <a16:creationId xmlns:a16="http://schemas.microsoft.com/office/drawing/2014/main" xmlns="" id="{2A19101D-7C37-42BF-8167-5391EA65EC3A}"/>
+                <a16:creationId xmlns="" xmlns:a16="http://schemas.microsoft.com/office/drawing/2014/main" id="{2A19101D-7C37-42BF-8167-5391EA65EC3A}"/>
               </a:ext>
             </a:extLst>
           </p:cNvPr>
@@ -8426,7 +8428,7 @@
           <p:cNvPr id="35" name="Freeform: Shape 34">
             <a:extLst>
               <a:ext uri="{FF2B5EF4-FFF2-40B4-BE49-F238E27FC236}">
-                <a16:creationId xmlns:a16="http://schemas.microsoft.com/office/drawing/2014/main" xmlns="" id="{62EEBF51-DCAD-4335-85E9-52801031A1BF}"/>
+                <a16:creationId xmlns="" xmlns:a16="http://schemas.microsoft.com/office/drawing/2014/main" id="{62EEBF51-DCAD-4335-85E9-52801031A1BF}"/>
               </a:ext>
             </a:extLst>
           </p:cNvPr>
@@ -8521,7 +8523,7 @@
           <p:cNvPr id="5" name="Slide Number Placeholder 4">
             <a:extLst>
               <a:ext uri="{FF2B5EF4-FFF2-40B4-BE49-F238E27FC236}">
-                <a16:creationId xmlns:a16="http://schemas.microsoft.com/office/drawing/2014/main" xmlns="" id="{87B51822-97FF-47A7-8E4E-A0F79B4EB237}"/>
+                <a16:creationId xmlns="" xmlns:a16="http://schemas.microsoft.com/office/drawing/2014/main" id="{87B51822-97FF-47A7-8E4E-A0F79B4EB237}"/>
               </a:ext>
             </a:extLst>
           </p:cNvPr>
@@ -8565,7 +8567,7 @@
           <p:cNvPr id="13" name="Picture Placeholder 12">
             <a:extLst>
               <a:ext uri="{FF2B5EF4-FFF2-40B4-BE49-F238E27FC236}">
-                <a16:creationId xmlns:a16="http://schemas.microsoft.com/office/drawing/2014/main" xmlns="" id="{231B97CF-FD24-4932-8459-893B1AC73D33}"/>
+                <a16:creationId xmlns="" xmlns:a16="http://schemas.microsoft.com/office/drawing/2014/main" id="{231B97CF-FD24-4932-8459-893B1AC73D33}"/>
               </a:ext>
             </a:extLst>
           </p:cNvPr>
@@ -8648,7 +8650,7 @@
           <p:cNvPr id="11" name="Rectangle 10">
             <a:extLst>
               <a:ext uri="{FF2B5EF4-FFF2-40B4-BE49-F238E27FC236}">
-                <a16:creationId xmlns:a16="http://schemas.microsoft.com/office/drawing/2014/main" xmlns="" id="{EB3E033F-4449-40FA-BC85-BD2712D313DD}"/>
+                <a16:creationId xmlns="" xmlns:a16="http://schemas.microsoft.com/office/drawing/2014/main" id="{EB3E033F-4449-40FA-BC85-BD2712D313DD}"/>
               </a:ext>
             </a:extLst>
           </p:cNvPr>
@@ -8702,7 +8704,7 @@
           <p:cNvPr id="10" name="Freeform: Shape 9">
             <a:extLst>
               <a:ext uri="{FF2B5EF4-FFF2-40B4-BE49-F238E27FC236}">
-                <a16:creationId xmlns:a16="http://schemas.microsoft.com/office/drawing/2014/main" xmlns="" id="{63D26743-0505-444C-80B3-E88EE87DF72B}"/>
+                <a16:creationId xmlns="" xmlns:a16="http://schemas.microsoft.com/office/drawing/2014/main" id="{63D26743-0505-444C-80B3-E88EE87DF72B}"/>
               </a:ext>
             </a:extLst>
           </p:cNvPr>
@@ -8825,7 +8827,7 @@
           <p:cNvPr id="18" name="Freeform: Shape 17">
             <a:extLst>
               <a:ext uri="{FF2B5EF4-FFF2-40B4-BE49-F238E27FC236}">
-                <a16:creationId xmlns:a16="http://schemas.microsoft.com/office/drawing/2014/main" xmlns="" id="{E37145E9-AC61-47D5-9288-8789940F81B6}"/>
+                <a16:creationId xmlns="" xmlns:a16="http://schemas.microsoft.com/office/drawing/2014/main" id="{E37145E9-AC61-47D5-9288-8789940F81B6}"/>
               </a:ext>
             </a:extLst>
           </p:cNvPr>
@@ -8977,7 +8979,7 @@
           <p:cNvPr id="12" name="Freeform: Shape 11">
             <a:extLst>
               <a:ext uri="{FF2B5EF4-FFF2-40B4-BE49-F238E27FC236}">
-                <a16:creationId xmlns:a16="http://schemas.microsoft.com/office/drawing/2014/main" xmlns="" id="{A5E2B3ED-9A49-40A7-B8A3-62595FE513F9}"/>
+                <a16:creationId xmlns="" xmlns:a16="http://schemas.microsoft.com/office/drawing/2014/main" id="{A5E2B3ED-9A49-40A7-B8A3-62595FE513F9}"/>
               </a:ext>
             </a:extLst>
           </p:cNvPr>
@@ -9127,7 +9129,7 @@
           <p:cNvPr id="8" name="Freeform: Shape 7">
             <a:extLst>
               <a:ext uri="{FF2B5EF4-FFF2-40B4-BE49-F238E27FC236}">
-                <a16:creationId xmlns:a16="http://schemas.microsoft.com/office/drawing/2014/main" xmlns="" id="{1599AF7E-3E34-4597-AA72-9373A7FDB020}"/>
+                <a16:creationId xmlns="" xmlns:a16="http://schemas.microsoft.com/office/drawing/2014/main" id="{1599AF7E-3E34-4597-AA72-9373A7FDB020}"/>
               </a:ext>
             </a:extLst>
           </p:cNvPr>
@@ -9273,7 +9275,7 @@
           <p:cNvPr id="2" name="Title 1">
             <a:extLst>
               <a:ext uri="{FF2B5EF4-FFF2-40B4-BE49-F238E27FC236}">
-                <a16:creationId xmlns:a16="http://schemas.microsoft.com/office/drawing/2014/main" xmlns="" id="{4A2DF563-7FAC-46B3-B24C-7E45CD89DA2B}"/>
+                <a16:creationId xmlns="" xmlns:a16="http://schemas.microsoft.com/office/drawing/2014/main" id="{4A2DF563-7FAC-46B3-B24C-7E45CD89DA2B}"/>
               </a:ext>
             </a:extLst>
           </p:cNvPr>
@@ -9319,7 +9321,7 @@
           <p:cNvPr id="15" name="Group 14">
             <a:extLst>
               <a:ext uri="{FF2B5EF4-FFF2-40B4-BE49-F238E27FC236}">
-                <a16:creationId xmlns:a16="http://schemas.microsoft.com/office/drawing/2014/main" xmlns="" id="{7732E1E7-45E3-4264-8F26-66758696DD1E}"/>
+                <a16:creationId xmlns="" xmlns:a16="http://schemas.microsoft.com/office/drawing/2014/main" id="{7732E1E7-45E3-4264-8F26-66758696DD1E}"/>
               </a:ext>
             </a:extLst>
           </p:cNvPr>
@@ -9339,7 +9341,7 @@
             <p:cNvPr id="16" name="Freeform: Shape 15">
               <a:extLst>
                 <a:ext uri="{FF2B5EF4-FFF2-40B4-BE49-F238E27FC236}">
-                  <a16:creationId xmlns:a16="http://schemas.microsoft.com/office/drawing/2014/main" xmlns="" id="{2E3DF883-8093-49FA-81E1-E5D77F086A25}"/>
+                  <a16:creationId xmlns="" xmlns:a16="http://schemas.microsoft.com/office/drawing/2014/main" id="{2E3DF883-8093-49FA-81E1-E5D77F086A25}"/>
                 </a:ext>
               </a:extLst>
             </p:cNvPr>
@@ -9429,7 +9431,7 @@
             <p:cNvPr id="17" name="Freeform: Shape 16">
               <a:extLst>
                 <a:ext uri="{FF2B5EF4-FFF2-40B4-BE49-F238E27FC236}">
-                  <a16:creationId xmlns:a16="http://schemas.microsoft.com/office/drawing/2014/main" xmlns="" id="{18944C90-37E5-4BBE-89FF-060627168050}"/>
+                  <a16:creationId xmlns="" xmlns:a16="http://schemas.microsoft.com/office/drawing/2014/main" id="{18944C90-37E5-4BBE-89FF-060627168050}"/>
                 </a:ext>
               </a:extLst>
             </p:cNvPr>
@@ -9528,7 +9530,7 @@
           <p:cNvPr id="6" name="Group 5">
             <a:extLst>
               <a:ext uri="{FF2B5EF4-FFF2-40B4-BE49-F238E27FC236}">
-                <a16:creationId xmlns:a16="http://schemas.microsoft.com/office/drawing/2014/main" xmlns="" id="{D9EBF8BB-A805-4DDB-B459-082F99815B95}"/>
+                <a16:creationId xmlns="" xmlns:a16="http://schemas.microsoft.com/office/drawing/2014/main" id="{D9EBF8BB-A805-4DDB-B459-082F99815B95}"/>
               </a:ext>
             </a:extLst>
           </p:cNvPr>
@@ -9548,7 +9550,7 @@
             <p:cNvPr id="19" name="Rectangle: Single Corner Snipped 18">
               <a:extLst>
                 <a:ext uri="{FF2B5EF4-FFF2-40B4-BE49-F238E27FC236}">
-                  <a16:creationId xmlns:a16="http://schemas.microsoft.com/office/drawing/2014/main" xmlns="" id="{5D638788-DD47-45E7-939A-FA108A818173}"/>
+                  <a16:creationId xmlns="" xmlns:a16="http://schemas.microsoft.com/office/drawing/2014/main" id="{5D638788-DD47-45E7-939A-FA108A818173}"/>
                 </a:ext>
               </a:extLst>
             </p:cNvPr>
@@ -9609,7 +9611,7 @@
             <p:cNvPr id="3" name="Rectangle: Single Corner Snipped 2">
               <a:extLst>
                 <a:ext uri="{FF2B5EF4-FFF2-40B4-BE49-F238E27FC236}">
-                  <a16:creationId xmlns:a16="http://schemas.microsoft.com/office/drawing/2014/main" xmlns="" id="{74BDECEF-EEFE-4332-B3B2-BDE4F82C10FC}"/>
+                  <a16:creationId xmlns="" xmlns:a16="http://schemas.microsoft.com/office/drawing/2014/main" id="{74BDECEF-EEFE-4332-B3B2-BDE4F82C10FC}"/>
                 </a:ext>
               </a:extLst>
             </p:cNvPr>
@@ -9666,7 +9668,7 @@
           <p:cNvPr id="35" name="Freeform: Shape 34">
             <a:extLst>
               <a:ext uri="{FF2B5EF4-FFF2-40B4-BE49-F238E27FC236}">
-                <a16:creationId xmlns:a16="http://schemas.microsoft.com/office/drawing/2014/main" xmlns="" id="{62EEBF51-DCAD-4335-85E9-52801031A1BF}"/>
+                <a16:creationId xmlns="" xmlns:a16="http://schemas.microsoft.com/office/drawing/2014/main" id="{62EEBF51-DCAD-4335-85E9-52801031A1BF}"/>
               </a:ext>
             </a:extLst>
           </p:cNvPr>
@@ -9761,7 +9763,7 @@
           <p:cNvPr id="5" name="Slide Number Placeholder 4">
             <a:extLst>
               <a:ext uri="{FF2B5EF4-FFF2-40B4-BE49-F238E27FC236}">
-                <a16:creationId xmlns:a16="http://schemas.microsoft.com/office/drawing/2014/main" xmlns="" id="{87B51822-97FF-47A7-8E4E-A0F79B4EB237}"/>
+                <a16:creationId xmlns="" xmlns:a16="http://schemas.microsoft.com/office/drawing/2014/main" id="{87B51822-97FF-47A7-8E4E-A0F79B4EB237}"/>
               </a:ext>
             </a:extLst>
           </p:cNvPr>
@@ -9805,7 +9807,7 @@
           <p:cNvPr id="20" name="Picture Placeholder 2">
             <a:extLst>
               <a:ext uri="{FF2B5EF4-FFF2-40B4-BE49-F238E27FC236}">
-                <a16:creationId xmlns:a16="http://schemas.microsoft.com/office/drawing/2014/main" xmlns="" id="{30B3A574-7940-4E35-857E-5CA35A5910E5}"/>
+                <a16:creationId xmlns="" xmlns:a16="http://schemas.microsoft.com/office/drawing/2014/main" id="{30B3A574-7940-4E35-857E-5CA35A5910E5}"/>
               </a:ext>
             </a:extLst>
           </p:cNvPr>
@@ -9882,7 +9884,7 @@
           <p:cNvPr id="21" name="Text Placeholder 3">
             <a:extLst>
               <a:ext uri="{FF2B5EF4-FFF2-40B4-BE49-F238E27FC236}">
-                <a16:creationId xmlns:a16="http://schemas.microsoft.com/office/drawing/2014/main" xmlns="" id="{912B51EA-3E6F-4BF6-BE48-62128AF32B85}"/>
+                <a16:creationId xmlns="" xmlns:a16="http://schemas.microsoft.com/office/drawing/2014/main" id="{912B51EA-3E6F-4BF6-BE48-62128AF32B85}"/>
               </a:ext>
             </a:extLst>
           </p:cNvPr>
@@ -9996,7 +9998,7 @@
           <p:cNvPr id="11" name="Rectangle 10">
             <a:extLst>
               <a:ext uri="{FF2B5EF4-FFF2-40B4-BE49-F238E27FC236}">
-                <a16:creationId xmlns:a16="http://schemas.microsoft.com/office/drawing/2014/main" xmlns="" id="{EB3E033F-4449-40FA-BC85-BD2712D313DD}"/>
+                <a16:creationId xmlns="" xmlns:a16="http://schemas.microsoft.com/office/drawing/2014/main" id="{EB3E033F-4449-40FA-BC85-BD2712D313DD}"/>
               </a:ext>
             </a:extLst>
           </p:cNvPr>
@@ -10050,7 +10052,7 @@
           <p:cNvPr id="10" name="Freeform: Shape 9">
             <a:extLst>
               <a:ext uri="{FF2B5EF4-FFF2-40B4-BE49-F238E27FC236}">
-                <a16:creationId xmlns:a16="http://schemas.microsoft.com/office/drawing/2014/main" xmlns="" id="{63D26743-0505-444C-80B3-E88EE87DF72B}"/>
+                <a16:creationId xmlns="" xmlns:a16="http://schemas.microsoft.com/office/drawing/2014/main" id="{63D26743-0505-444C-80B3-E88EE87DF72B}"/>
               </a:ext>
             </a:extLst>
           </p:cNvPr>
@@ -10173,7 +10175,7 @@
           <p:cNvPr id="18" name="Freeform: Shape 17">
             <a:extLst>
               <a:ext uri="{FF2B5EF4-FFF2-40B4-BE49-F238E27FC236}">
-                <a16:creationId xmlns:a16="http://schemas.microsoft.com/office/drawing/2014/main" xmlns="" id="{E37145E9-AC61-47D5-9288-8789940F81B6}"/>
+                <a16:creationId xmlns="" xmlns:a16="http://schemas.microsoft.com/office/drawing/2014/main" id="{E37145E9-AC61-47D5-9288-8789940F81B6}"/>
               </a:ext>
             </a:extLst>
           </p:cNvPr>
@@ -10325,7 +10327,7 @@
           <p:cNvPr id="12" name="Freeform: Shape 11">
             <a:extLst>
               <a:ext uri="{FF2B5EF4-FFF2-40B4-BE49-F238E27FC236}">
-                <a16:creationId xmlns:a16="http://schemas.microsoft.com/office/drawing/2014/main" xmlns="" id="{A5E2B3ED-9A49-40A7-B8A3-62595FE513F9}"/>
+                <a16:creationId xmlns="" xmlns:a16="http://schemas.microsoft.com/office/drawing/2014/main" id="{A5E2B3ED-9A49-40A7-B8A3-62595FE513F9}"/>
               </a:ext>
             </a:extLst>
           </p:cNvPr>
@@ -10475,7 +10477,7 @@
           <p:cNvPr id="8" name="Freeform: Shape 7">
             <a:extLst>
               <a:ext uri="{FF2B5EF4-FFF2-40B4-BE49-F238E27FC236}">
-                <a16:creationId xmlns:a16="http://schemas.microsoft.com/office/drawing/2014/main" xmlns="" id="{1599AF7E-3E34-4597-AA72-9373A7FDB020}"/>
+                <a16:creationId xmlns="" xmlns:a16="http://schemas.microsoft.com/office/drawing/2014/main" id="{1599AF7E-3E34-4597-AA72-9373A7FDB020}"/>
               </a:ext>
             </a:extLst>
           </p:cNvPr>
@@ -10621,7 +10623,7 @@
           <p:cNvPr id="2" name="Title 1">
             <a:extLst>
               <a:ext uri="{FF2B5EF4-FFF2-40B4-BE49-F238E27FC236}">
-                <a16:creationId xmlns:a16="http://schemas.microsoft.com/office/drawing/2014/main" xmlns="" id="{4A2DF563-7FAC-46B3-B24C-7E45CD89DA2B}"/>
+                <a16:creationId xmlns="" xmlns:a16="http://schemas.microsoft.com/office/drawing/2014/main" id="{4A2DF563-7FAC-46B3-B24C-7E45CD89DA2B}"/>
               </a:ext>
             </a:extLst>
           </p:cNvPr>
@@ -10667,7 +10669,7 @@
           <p:cNvPr id="15" name="Group 14">
             <a:extLst>
               <a:ext uri="{FF2B5EF4-FFF2-40B4-BE49-F238E27FC236}">
-                <a16:creationId xmlns:a16="http://schemas.microsoft.com/office/drawing/2014/main" xmlns="" id="{7732E1E7-45E3-4264-8F26-66758696DD1E}"/>
+                <a16:creationId xmlns="" xmlns:a16="http://schemas.microsoft.com/office/drawing/2014/main" id="{7732E1E7-45E3-4264-8F26-66758696DD1E}"/>
               </a:ext>
             </a:extLst>
           </p:cNvPr>
@@ -10687,7 +10689,7 @@
             <p:cNvPr id="16" name="Freeform: Shape 15">
               <a:extLst>
                 <a:ext uri="{FF2B5EF4-FFF2-40B4-BE49-F238E27FC236}">
-                  <a16:creationId xmlns:a16="http://schemas.microsoft.com/office/drawing/2014/main" xmlns="" id="{2E3DF883-8093-49FA-81E1-E5D77F086A25}"/>
+                  <a16:creationId xmlns="" xmlns:a16="http://schemas.microsoft.com/office/drawing/2014/main" id="{2E3DF883-8093-49FA-81E1-E5D77F086A25}"/>
                 </a:ext>
               </a:extLst>
             </p:cNvPr>
@@ -10777,7 +10779,7 @@
             <p:cNvPr id="17" name="Freeform: Shape 16">
               <a:extLst>
                 <a:ext uri="{FF2B5EF4-FFF2-40B4-BE49-F238E27FC236}">
-                  <a16:creationId xmlns:a16="http://schemas.microsoft.com/office/drawing/2014/main" xmlns="" id="{18944C90-37E5-4BBE-89FF-060627168050}"/>
+                  <a16:creationId xmlns="" xmlns:a16="http://schemas.microsoft.com/office/drawing/2014/main" id="{18944C90-37E5-4BBE-89FF-060627168050}"/>
                 </a:ext>
               </a:extLst>
             </p:cNvPr>
@@ -10876,7 +10878,7 @@
           <p:cNvPr id="6" name="Group 5">
             <a:extLst>
               <a:ext uri="{FF2B5EF4-FFF2-40B4-BE49-F238E27FC236}">
-                <a16:creationId xmlns:a16="http://schemas.microsoft.com/office/drawing/2014/main" xmlns="" id="{D9EBF8BB-A805-4DDB-B459-082F99815B95}"/>
+                <a16:creationId xmlns="" xmlns:a16="http://schemas.microsoft.com/office/drawing/2014/main" id="{D9EBF8BB-A805-4DDB-B459-082F99815B95}"/>
               </a:ext>
             </a:extLst>
           </p:cNvPr>
@@ -10896,7 +10898,7 @@
             <p:cNvPr id="19" name="Rectangle: Single Corner Snipped 18">
               <a:extLst>
                 <a:ext uri="{FF2B5EF4-FFF2-40B4-BE49-F238E27FC236}">
-                  <a16:creationId xmlns:a16="http://schemas.microsoft.com/office/drawing/2014/main" xmlns="" id="{5D638788-DD47-45E7-939A-FA108A818173}"/>
+                  <a16:creationId xmlns="" xmlns:a16="http://schemas.microsoft.com/office/drawing/2014/main" id="{5D638788-DD47-45E7-939A-FA108A818173}"/>
                 </a:ext>
               </a:extLst>
             </p:cNvPr>
@@ -10957,7 +10959,7 @@
             <p:cNvPr id="3" name="Rectangle: Single Corner Snipped 2">
               <a:extLst>
                 <a:ext uri="{FF2B5EF4-FFF2-40B4-BE49-F238E27FC236}">
-                  <a16:creationId xmlns:a16="http://schemas.microsoft.com/office/drawing/2014/main" xmlns="" id="{74BDECEF-EEFE-4332-B3B2-BDE4F82C10FC}"/>
+                  <a16:creationId xmlns="" xmlns:a16="http://schemas.microsoft.com/office/drawing/2014/main" id="{74BDECEF-EEFE-4332-B3B2-BDE4F82C10FC}"/>
                 </a:ext>
               </a:extLst>
             </p:cNvPr>
@@ -11014,7 +11016,7 @@
           <p:cNvPr id="35" name="Freeform: Shape 34">
             <a:extLst>
               <a:ext uri="{FF2B5EF4-FFF2-40B4-BE49-F238E27FC236}">
-                <a16:creationId xmlns:a16="http://schemas.microsoft.com/office/drawing/2014/main" xmlns="" id="{62EEBF51-DCAD-4335-85E9-52801031A1BF}"/>
+                <a16:creationId xmlns="" xmlns:a16="http://schemas.microsoft.com/office/drawing/2014/main" id="{62EEBF51-DCAD-4335-85E9-52801031A1BF}"/>
               </a:ext>
             </a:extLst>
           </p:cNvPr>
@@ -11109,7 +11111,7 @@
           <p:cNvPr id="5" name="Slide Number Placeholder 4">
             <a:extLst>
               <a:ext uri="{FF2B5EF4-FFF2-40B4-BE49-F238E27FC236}">
-                <a16:creationId xmlns:a16="http://schemas.microsoft.com/office/drawing/2014/main" xmlns="" id="{87B51822-97FF-47A7-8E4E-A0F79B4EB237}"/>
+                <a16:creationId xmlns="" xmlns:a16="http://schemas.microsoft.com/office/drawing/2014/main" id="{87B51822-97FF-47A7-8E4E-A0F79B4EB237}"/>
               </a:ext>
             </a:extLst>
           </p:cNvPr>
@@ -11153,7 +11155,7 @@
           <p:cNvPr id="21" name="Text Placeholder 3">
             <a:extLst>
               <a:ext uri="{FF2B5EF4-FFF2-40B4-BE49-F238E27FC236}">
-                <a16:creationId xmlns:a16="http://schemas.microsoft.com/office/drawing/2014/main" xmlns="" id="{912B51EA-3E6F-4BF6-BE48-62128AF32B85}"/>
+                <a16:creationId xmlns="" xmlns:a16="http://schemas.microsoft.com/office/drawing/2014/main" id="{912B51EA-3E6F-4BF6-BE48-62128AF32B85}"/>
               </a:ext>
             </a:extLst>
           </p:cNvPr>
@@ -11229,7 +11231,7 @@
           <p:cNvPr id="22" name="Content Placeholder 2">
             <a:extLst>
               <a:ext uri="{FF2B5EF4-FFF2-40B4-BE49-F238E27FC236}">
-                <a16:creationId xmlns:a16="http://schemas.microsoft.com/office/drawing/2014/main" xmlns="" id="{A015C605-1D30-48BC-A0D6-3B11AF56CC53}"/>
+                <a16:creationId xmlns="" xmlns:a16="http://schemas.microsoft.com/office/drawing/2014/main" id="{A015C605-1D30-48BC-A0D6-3B11AF56CC53}"/>
               </a:ext>
             </a:extLst>
           </p:cNvPr>
@@ -11372,7 +11374,7 @@
           <p:cNvPr id="18" name="Rectangle 17">
             <a:extLst>
               <a:ext uri="{FF2B5EF4-FFF2-40B4-BE49-F238E27FC236}">
-                <a16:creationId xmlns:a16="http://schemas.microsoft.com/office/drawing/2014/main" xmlns="" id="{D4494CD2-CCDD-0248-96F8-741002C44255}"/>
+                <a16:creationId xmlns="" xmlns:a16="http://schemas.microsoft.com/office/drawing/2014/main" id="{D4494CD2-CCDD-0248-96F8-741002C44255}"/>
               </a:ext>
             </a:extLst>
           </p:cNvPr>
@@ -11426,7 +11428,7 @@
           <p:cNvPr id="19" name="Freeform: Shape 9">
             <a:extLst>
               <a:ext uri="{FF2B5EF4-FFF2-40B4-BE49-F238E27FC236}">
-                <a16:creationId xmlns:a16="http://schemas.microsoft.com/office/drawing/2014/main" xmlns="" id="{07077B00-C1EE-7241-B441-7814F92A7EDF}"/>
+                <a16:creationId xmlns="" xmlns:a16="http://schemas.microsoft.com/office/drawing/2014/main" id="{07077B00-C1EE-7241-B441-7814F92A7EDF}"/>
               </a:ext>
             </a:extLst>
           </p:cNvPr>
@@ -11549,7 +11551,7 @@
           <p:cNvPr id="20" name="Freeform: Shape 17">
             <a:extLst>
               <a:ext uri="{FF2B5EF4-FFF2-40B4-BE49-F238E27FC236}">
-                <a16:creationId xmlns:a16="http://schemas.microsoft.com/office/drawing/2014/main" xmlns="" id="{3A1AEBC4-637E-F64C-9192-69AC4BB26D0C}"/>
+                <a16:creationId xmlns="" xmlns:a16="http://schemas.microsoft.com/office/drawing/2014/main" id="{3A1AEBC4-637E-F64C-9192-69AC4BB26D0C}"/>
               </a:ext>
             </a:extLst>
           </p:cNvPr>
@@ -11701,7 +11703,7 @@
           <p:cNvPr id="21" name="Freeform: Shape 11">
             <a:extLst>
               <a:ext uri="{FF2B5EF4-FFF2-40B4-BE49-F238E27FC236}">
-                <a16:creationId xmlns:a16="http://schemas.microsoft.com/office/drawing/2014/main" xmlns="" id="{669A7039-C54C-8E46-9A8B-DDB2547D989C}"/>
+                <a16:creationId xmlns="" xmlns:a16="http://schemas.microsoft.com/office/drawing/2014/main" id="{669A7039-C54C-8E46-9A8B-DDB2547D989C}"/>
               </a:ext>
             </a:extLst>
           </p:cNvPr>
@@ -11851,7 +11853,7 @@
           <p:cNvPr id="22" name="Freeform: Shape 7">
             <a:extLst>
               <a:ext uri="{FF2B5EF4-FFF2-40B4-BE49-F238E27FC236}">
-                <a16:creationId xmlns:a16="http://schemas.microsoft.com/office/drawing/2014/main" xmlns="" id="{4F173B32-87BB-9A40-8C91-4C1EED2B7ABF}"/>
+                <a16:creationId xmlns="" xmlns:a16="http://schemas.microsoft.com/office/drawing/2014/main" id="{4F173B32-87BB-9A40-8C91-4C1EED2B7ABF}"/>
               </a:ext>
             </a:extLst>
           </p:cNvPr>
@@ -11997,7 +11999,7 @@
           <p:cNvPr id="24" name="Group 23">
             <a:extLst>
               <a:ext uri="{FF2B5EF4-FFF2-40B4-BE49-F238E27FC236}">
-                <a16:creationId xmlns:a16="http://schemas.microsoft.com/office/drawing/2014/main" xmlns="" id="{4AC87F4E-12B5-1B42-AFD2-4DB39B7645C9}"/>
+                <a16:creationId xmlns="" xmlns:a16="http://schemas.microsoft.com/office/drawing/2014/main" id="{4AC87F4E-12B5-1B42-AFD2-4DB39B7645C9}"/>
               </a:ext>
             </a:extLst>
           </p:cNvPr>
@@ -12017,7 +12019,7 @@
             <p:cNvPr id="25" name="Freeform: Shape 15">
               <a:extLst>
                 <a:ext uri="{FF2B5EF4-FFF2-40B4-BE49-F238E27FC236}">
-                  <a16:creationId xmlns:a16="http://schemas.microsoft.com/office/drawing/2014/main" xmlns="" id="{03DD8765-59DF-A045-ADB5-E39FAEE153A0}"/>
+                  <a16:creationId xmlns="" xmlns:a16="http://schemas.microsoft.com/office/drawing/2014/main" id="{03DD8765-59DF-A045-ADB5-E39FAEE153A0}"/>
                 </a:ext>
               </a:extLst>
             </p:cNvPr>
@@ -12107,7 +12109,7 @@
             <p:cNvPr id="26" name="Freeform: Shape 16">
               <a:extLst>
                 <a:ext uri="{FF2B5EF4-FFF2-40B4-BE49-F238E27FC236}">
-                  <a16:creationId xmlns:a16="http://schemas.microsoft.com/office/drawing/2014/main" xmlns="" id="{B34B796C-A407-7B4D-B4F0-E58A44FE8DB4}"/>
+                  <a16:creationId xmlns="" xmlns:a16="http://schemas.microsoft.com/office/drawing/2014/main" id="{B34B796C-A407-7B4D-B4F0-E58A44FE8DB4}"/>
                 </a:ext>
               </a:extLst>
             </p:cNvPr>
@@ -12206,7 +12208,7 @@
           <p:cNvPr id="30" name="Freeform: Shape 23">
             <a:extLst>
               <a:ext uri="{FF2B5EF4-FFF2-40B4-BE49-F238E27FC236}">
-                <a16:creationId xmlns:a16="http://schemas.microsoft.com/office/drawing/2014/main" xmlns="" id="{CBE3FDC9-67CB-FA42-B127-A36BFF4678BB}"/>
+                <a16:creationId xmlns="" xmlns:a16="http://schemas.microsoft.com/office/drawing/2014/main" id="{CBE3FDC9-67CB-FA42-B127-A36BFF4678BB}"/>
               </a:ext>
             </a:extLst>
           </p:cNvPr>
@@ -12301,7 +12303,7 @@
           <p:cNvPr id="31" name="Slide Number Placeholder 4">
             <a:extLst>
               <a:ext uri="{FF2B5EF4-FFF2-40B4-BE49-F238E27FC236}">
-                <a16:creationId xmlns:a16="http://schemas.microsoft.com/office/drawing/2014/main" xmlns="" id="{1E902BFF-CA8F-D745-A819-A7BB38B30ED9}"/>
+                <a16:creationId xmlns="" xmlns:a16="http://schemas.microsoft.com/office/drawing/2014/main" id="{1E902BFF-CA8F-D745-A819-A7BB38B30ED9}"/>
               </a:ext>
             </a:extLst>
           </p:cNvPr>
@@ -12375,7 +12377,7 @@
           <p:cNvPr id="21" name="Rectangle 20">
             <a:extLst>
               <a:ext uri="{FF2B5EF4-FFF2-40B4-BE49-F238E27FC236}">
-                <a16:creationId xmlns:a16="http://schemas.microsoft.com/office/drawing/2014/main" xmlns="" id="{6E739168-A5E8-443A-B392-7AD4CF8977AD}"/>
+                <a16:creationId xmlns="" xmlns:a16="http://schemas.microsoft.com/office/drawing/2014/main" id="{6E739168-A5E8-443A-B392-7AD4CF8977AD}"/>
               </a:ext>
             </a:extLst>
           </p:cNvPr>
@@ -12427,7 +12429,7 @@
           <p:cNvPr id="15" name="Freeform: Shape 14">
             <a:extLst>
               <a:ext uri="{FF2B5EF4-FFF2-40B4-BE49-F238E27FC236}">
-                <a16:creationId xmlns:a16="http://schemas.microsoft.com/office/drawing/2014/main" xmlns="" id="{41E10E1E-5268-4F03-BA64-07E19DE26739}"/>
+                <a16:creationId xmlns="" xmlns:a16="http://schemas.microsoft.com/office/drawing/2014/main" id="{41E10E1E-5268-4F03-BA64-07E19DE26739}"/>
               </a:ext>
             </a:extLst>
           </p:cNvPr>
@@ -12564,7 +12566,7 @@
           <p:cNvPr id="16" name="Freeform: Shape 15">
             <a:extLst>
               <a:ext uri="{FF2B5EF4-FFF2-40B4-BE49-F238E27FC236}">
-                <a16:creationId xmlns:a16="http://schemas.microsoft.com/office/drawing/2014/main" xmlns="" id="{B989C45D-BDFF-418F-BE79-03FF70015770}"/>
+                <a16:creationId xmlns="" xmlns:a16="http://schemas.microsoft.com/office/drawing/2014/main" id="{B989C45D-BDFF-418F-BE79-03FF70015770}"/>
               </a:ext>
             </a:extLst>
           </p:cNvPr>
@@ -12728,7 +12730,7 @@
           <p:cNvPr id="20" name="Freeform: Shape 19">
             <a:extLst>
               <a:ext uri="{FF2B5EF4-FFF2-40B4-BE49-F238E27FC236}">
-                <a16:creationId xmlns:a16="http://schemas.microsoft.com/office/drawing/2014/main" xmlns="" id="{0027A677-9ACB-4264-B148-4806678FB83F}"/>
+                <a16:creationId xmlns="" xmlns:a16="http://schemas.microsoft.com/office/drawing/2014/main" id="{0027A677-9ACB-4264-B148-4806678FB83F}"/>
               </a:ext>
             </a:extLst>
           </p:cNvPr>
@@ -12890,7 +12892,7 @@
           <p:cNvPr id="6" name="Group 5">
             <a:extLst>
               <a:ext uri="{FF2B5EF4-FFF2-40B4-BE49-F238E27FC236}">
-                <a16:creationId xmlns:a16="http://schemas.microsoft.com/office/drawing/2014/main" xmlns="" id="{EA7FF9D7-8545-4547-AC77-A0421EEB9B99}"/>
+                <a16:creationId xmlns="" xmlns:a16="http://schemas.microsoft.com/office/drawing/2014/main" id="{EA7FF9D7-8545-4547-AC77-A0421EEB9B99}"/>
               </a:ext>
             </a:extLst>
           </p:cNvPr>
@@ -12910,7 +12912,7 @@
             <p:cNvPr id="17" name="Right Triangle 16">
               <a:extLst>
                 <a:ext uri="{FF2B5EF4-FFF2-40B4-BE49-F238E27FC236}">
-                  <a16:creationId xmlns:a16="http://schemas.microsoft.com/office/drawing/2014/main" xmlns="" id="{8DCD5806-2A2F-4ABF-8057-245681C498E6}"/>
+                  <a16:creationId xmlns="" xmlns:a16="http://schemas.microsoft.com/office/drawing/2014/main" id="{8DCD5806-2A2F-4ABF-8057-245681C498E6}"/>
                 </a:ext>
               </a:extLst>
             </p:cNvPr>
@@ -12964,7 +12966,7 @@
             <p:cNvPr id="18" name="Right Triangle 17">
               <a:extLst>
                 <a:ext uri="{FF2B5EF4-FFF2-40B4-BE49-F238E27FC236}">
-                  <a16:creationId xmlns:a16="http://schemas.microsoft.com/office/drawing/2014/main" xmlns="" id="{3A93038F-E9E4-4FFD-B3DF-28DB7C2C1490}"/>
+                  <a16:creationId xmlns="" xmlns:a16="http://schemas.microsoft.com/office/drawing/2014/main" id="{3A93038F-E9E4-4FFD-B3DF-28DB7C2C1490}"/>
                 </a:ext>
               </a:extLst>
             </p:cNvPr>
@@ -13021,7 +13023,7 @@
             <p:cNvPr id="19" name="Right Triangle 18">
               <a:extLst>
                 <a:ext uri="{FF2B5EF4-FFF2-40B4-BE49-F238E27FC236}">
-                  <a16:creationId xmlns:a16="http://schemas.microsoft.com/office/drawing/2014/main" xmlns="" id="{5DEA1E02-BBD0-4AE3-AF22-433B90272178}"/>
+                  <a16:creationId xmlns="" xmlns:a16="http://schemas.microsoft.com/office/drawing/2014/main" id="{5DEA1E02-BBD0-4AE3-AF22-433B90272178}"/>
                 </a:ext>
               </a:extLst>
             </p:cNvPr>
@@ -13076,7 +13078,7 @@
           <p:cNvPr id="2" name="Title 1">
             <a:extLst>
               <a:ext uri="{FF2B5EF4-FFF2-40B4-BE49-F238E27FC236}">
-                <a16:creationId xmlns:a16="http://schemas.microsoft.com/office/drawing/2014/main" xmlns="" id="{9E597736-C478-4C26-9BAF-205FE31E977C}"/>
+                <a16:creationId xmlns="" xmlns:a16="http://schemas.microsoft.com/office/drawing/2014/main" id="{9E597736-C478-4C26-9BAF-205FE31E977C}"/>
               </a:ext>
             </a:extLst>
           </p:cNvPr>
@@ -13153,7 +13155,7 @@
           <p:cNvPr id="21" name="Rectangle 20">
             <a:extLst>
               <a:ext uri="{FF2B5EF4-FFF2-40B4-BE49-F238E27FC236}">
-                <a16:creationId xmlns:a16="http://schemas.microsoft.com/office/drawing/2014/main" xmlns="" id="{6E739168-A5E8-443A-B392-7AD4CF8977AD}"/>
+                <a16:creationId xmlns="" xmlns:a16="http://schemas.microsoft.com/office/drawing/2014/main" id="{6E739168-A5E8-443A-B392-7AD4CF8977AD}"/>
               </a:ext>
             </a:extLst>
           </p:cNvPr>
@@ -13205,7 +13207,7 @@
           <p:cNvPr id="15" name="Freeform: Shape 14">
             <a:extLst>
               <a:ext uri="{FF2B5EF4-FFF2-40B4-BE49-F238E27FC236}">
-                <a16:creationId xmlns:a16="http://schemas.microsoft.com/office/drawing/2014/main" xmlns="" id="{41E10E1E-5268-4F03-BA64-07E19DE26739}"/>
+                <a16:creationId xmlns="" xmlns:a16="http://schemas.microsoft.com/office/drawing/2014/main" id="{41E10E1E-5268-4F03-BA64-07E19DE26739}"/>
               </a:ext>
             </a:extLst>
           </p:cNvPr>
@@ -13342,7 +13344,7 @@
           <p:cNvPr id="16" name="Freeform: Shape 15">
             <a:extLst>
               <a:ext uri="{FF2B5EF4-FFF2-40B4-BE49-F238E27FC236}">
-                <a16:creationId xmlns:a16="http://schemas.microsoft.com/office/drawing/2014/main" xmlns="" id="{B989C45D-BDFF-418F-BE79-03FF70015770}"/>
+                <a16:creationId xmlns="" xmlns:a16="http://schemas.microsoft.com/office/drawing/2014/main" id="{B989C45D-BDFF-418F-BE79-03FF70015770}"/>
               </a:ext>
             </a:extLst>
           </p:cNvPr>
@@ -13506,7 +13508,7 @@
           <p:cNvPr id="20" name="Freeform: Shape 19">
             <a:extLst>
               <a:ext uri="{FF2B5EF4-FFF2-40B4-BE49-F238E27FC236}">
-                <a16:creationId xmlns:a16="http://schemas.microsoft.com/office/drawing/2014/main" xmlns="" id="{0027A677-9ACB-4264-B148-4806678FB83F}"/>
+                <a16:creationId xmlns="" xmlns:a16="http://schemas.microsoft.com/office/drawing/2014/main" id="{0027A677-9ACB-4264-B148-4806678FB83F}"/>
               </a:ext>
             </a:extLst>
           </p:cNvPr>
@@ -13668,7 +13670,7 @@
           <p:cNvPr id="2" name="Title 1">
             <a:extLst>
               <a:ext uri="{FF2B5EF4-FFF2-40B4-BE49-F238E27FC236}">
-                <a16:creationId xmlns:a16="http://schemas.microsoft.com/office/drawing/2014/main" xmlns="" id="{9E597736-C478-4C26-9BAF-205FE31E977C}"/>
+                <a16:creationId xmlns="" xmlns:a16="http://schemas.microsoft.com/office/drawing/2014/main" id="{9E597736-C478-4C26-9BAF-205FE31E977C}"/>
               </a:ext>
             </a:extLst>
           </p:cNvPr>
@@ -13715,7 +13717,7 @@
           <p:cNvPr id="35" name="Freeform: Shape 34">
             <a:extLst>
               <a:ext uri="{FF2B5EF4-FFF2-40B4-BE49-F238E27FC236}">
-                <a16:creationId xmlns:a16="http://schemas.microsoft.com/office/drawing/2014/main" xmlns="" id="{C024DCDB-C6BF-455E-AAB8-EAF9DAB302A1}"/>
+                <a16:creationId xmlns="" xmlns:a16="http://schemas.microsoft.com/office/drawing/2014/main" id="{C024DCDB-C6BF-455E-AAB8-EAF9DAB302A1}"/>
               </a:ext>
             </a:extLst>
           </p:cNvPr>
@@ -13823,7 +13825,7 @@
           <p:cNvPr id="32" name="Freeform: Shape 31">
             <a:extLst>
               <a:ext uri="{FF2B5EF4-FFF2-40B4-BE49-F238E27FC236}">
-                <a16:creationId xmlns:a16="http://schemas.microsoft.com/office/drawing/2014/main" xmlns="" id="{26AFB47A-5D51-4F9C-B01B-977CE5E3C093}"/>
+                <a16:creationId xmlns="" xmlns:a16="http://schemas.microsoft.com/office/drawing/2014/main" id="{26AFB47A-5D51-4F9C-B01B-977CE5E3C093}"/>
               </a:ext>
             </a:extLst>
           </p:cNvPr>
@@ -13939,7 +13941,7 @@
           <p:cNvPr id="30" name="Freeform: Shape 29">
             <a:extLst>
               <a:ext uri="{FF2B5EF4-FFF2-40B4-BE49-F238E27FC236}">
-                <a16:creationId xmlns:a16="http://schemas.microsoft.com/office/drawing/2014/main" xmlns="" id="{6997A4FF-7390-4173-8ACD-6CF7145AACEC}"/>
+                <a16:creationId xmlns="" xmlns:a16="http://schemas.microsoft.com/office/drawing/2014/main" id="{6997A4FF-7390-4173-8ACD-6CF7145AACEC}"/>
               </a:ext>
             </a:extLst>
           </p:cNvPr>
@@ -14078,7 +14080,7 @@
           <p:cNvPr id="7" name="Rectangle 6">
             <a:extLst>
               <a:ext uri="{FF2B5EF4-FFF2-40B4-BE49-F238E27FC236}">
-                <a16:creationId xmlns:a16="http://schemas.microsoft.com/office/drawing/2014/main" xmlns="" id="{B2838D16-809E-4EB1-8C0C-0E63D8139112}"/>
+                <a16:creationId xmlns="" xmlns:a16="http://schemas.microsoft.com/office/drawing/2014/main" id="{B2838D16-809E-4EB1-8C0C-0E63D8139112}"/>
               </a:ext>
             </a:extLst>
           </p:cNvPr>
@@ -14130,7 +14132,7 @@
           <p:cNvPr id="8" name="Freeform: Shape 7">
             <a:extLst>
               <a:ext uri="{FF2B5EF4-FFF2-40B4-BE49-F238E27FC236}">
-                <a16:creationId xmlns:a16="http://schemas.microsoft.com/office/drawing/2014/main" xmlns="" id="{01FEB333-94B4-4E53-9019-D584810903BB}"/>
+                <a16:creationId xmlns="" xmlns:a16="http://schemas.microsoft.com/office/drawing/2014/main" id="{01FEB333-94B4-4E53-9019-D584810903BB}"/>
               </a:ext>
             </a:extLst>
           </p:cNvPr>
@@ -14251,7 +14253,7 @@
           <p:cNvPr id="9" name="Freeform: Shape 8">
             <a:extLst>
               <a:ext uri="{FF2B5EF4-FFF2-40B4-BE49-F238E27FC236}">
-                <a16:creationId xmlns:a16="http://schemas.microsoft.com/office/drawing/2014/main" xmlns="" id="{A59B9489-0CD9-4DB7-AC82-6E7867F91403}"/>
+                <a16:creationId xmlns="" xmlns:a16="http://schemas.microsoft.com/office/drawing/2014/main" id="{A59B9489-0CD9-4DB7-AC82-6E7867F91403}"/>
               </a:ext>
             </a:extLst>
           </p:cNvPr>
@@ -14391,7 +14393,7 @@
           <p:cNvPr id="10" name="Right Triangle 9">
             <a:extLst>
               <a:ext uri="{FF2B5EF4-FFF2-40B4-BE49-F238E27FC236}">
-                <a16:creationId xmlns:a16="http://schemas.microsoft.com/office/drawing/2014/main" xmlns="" id="{A55D1C76-C591-4FA5-9780-87AB6B37C0FA}"/>
+                <a16:creationId xmlns="" xmlns:a16="http://schemas.microsoft.com/office/drawing/2014/main" id="{A55D1C76-C591-4FA5-9780-87AB6B37C0FA}"/>
               </a:ext>
             </a:extLst>
           </p:cNvPr>
@@ -14445,7 +14447,7 @@
           <p:cNvPr id="11" name="Freeform: Shape 10">
             <a:extLst>
               <a:ext uri="{FF2B5EF4-FFF2-40B4-BE49-F238E27FC236}">
-                <a16:creationId xmlns:a16="http://schemas.microsoft.com/office/drawing/2014/main" xmlns="" id="{A7DC1D12-670F-4235-8791-FA8C2B330871}"/>
+                <a16:creationId xmlns="" xmlns:a16="http://schemas.microsoft.com/office/drawing/2014/main" id="{A7DC1D12-670F-4235-8791-FA8C2B330871}"/>
               </a:ext>
             </a:extLst>
           </p:cNvPr>
@@ -14591,7 +14593,7 @@
           <p:cNvPr id="12" name="Freeform: Shape 11">
             <a:extLst>
               <a:ext uri="{FF2B5EF4-FFF2-40B4-BE49-F238E27FC236}">
-                <a16:creationId xmlns:a16="http://schemas.microsoft.com/office/drawing/2014/main" xmlns="" id="{859569CF-FDAC-47C4-A0F5-296F7117C398}"/>
+                <a16:creationId xmlns="" xmlns:a16="http://schemas.microsoft.com/office/drawing/2014/main" id="{859569CF-FDAC-47C4-A0F5-296F7117C398}"/>
               </a:ext>
             </a:extLst>
           </p:cNvPr>
@@ -14691,7 +14693,7 @@
           <p:cNvPr id="13" name="Freeform: Shape 12">
             <a:extLst>
               <a:ext uri="{FF2B5EF4-FFF2-40B4-BE49-F238E27FC236}">
-                <a16:creationId xmlns:a16="http://schemas.microsoft.com/office/drawing/2014/main" xmlns="" id="{D68D0C72-2B2C-4C85-A091-157853C71784}"/>
+                <a16:creationId xmlns="" xmlns:a16="http://schemas.microsoft.com/office/drawing/2014/main" id="{D68D0C72-2B2C-4C85-A091-157853C71784}"/>
               </a:ext>
             </a:extLst>
           </p:cNvPr>
@@ -14799,7 +14801,7 @@
           <p:cNvPr id="14" name="Freeform: Shape 13">
             <a:extLst>
               <a:ext uri="{FF2B5EF4-FFF2-40B4-BE49-F238E27FC236}">
-                <a16:creationId xmlns:a16="http://schemas.microsoft.com/office/drawing/2014/main" xmlns="" id="{8E25334A-5FE3-4DDA-8D32-4796CCFCAA74}"/>
+                <a16:creationId xmlns="" xmlns:a16="http://schemas.microsoft.com/office/drawing/2014/main" id="{8E25334A-5FE3-4DDA-8D32-4796CCFCAA74}"/>
               </a:ext>
             </a:extLst>
           </p:cNvPr>
@@ -14891,7 +14893,7 @@
           <p:cNvPr id="15" name="Freeform: Shape 14">
             <a:extLst>
               <a:ext uri="{FF2B5EF4-FFF2-40B4-BE49-F238E27FC236}">
-                <a16:creationId xmlns:a16="http://schemas.microsoft.com/office/drawing/2014/main" xmlns="" id="{18818DF1-D7FD-4C0F-875D-7A07E8F75C06}"/>
+                <a16:creationId xmlns="" xmlns:a16="http://schemas.microsoft.com/office/drawing/2014/main" id="{18818DF1-D7FD-4C0F-875D-7A07E8F75C06}"/>
               </a:ext>
             </a:extLst>
           </p:cNvPr>
@@ -14991,7 +14993,7 @@
           <p:cNvPr id="16" name="Group 15">
             <a:extLst>
               <a:ext uri="{FF2B5EF4-FFF2-40B4-BE49-F238E27FC236}">
-                <a16:creationId xmlns:a16="http://schemas.microsoft.com/office/drawing/2014/main" xmlns="" id="{8F9BB384-9E14-4CEA-82C1-21837229D3EF}"/>
+                <a16:creationId xmlns="" xmlns:a16="http://schemas.microsoft.com/office/drawing/2014/main" id="{8F9BB384-9E14-4CEA-82C1-21837229D3EF}"/>
               </a:ext>
             </a:extLst>
           </p:cNvPr>
@@ -15011,7 +15013,7 @@
             <p:cNvPr id="17" name="Freeform: Shape 16">
               <a:extLst>
                 <a:ext uri="{FF2B5EF4-FFF2-40B4-BE49-F238E27FC236}">
-                  <a16:creationId xmlns:a16="http://schemas.microsoft.com/office/drawing/2014/main" xmlns="" id="{0862A81A-959D-4EAB-90ED-DB20759BB397}"/>
+                  <a16:creationId xmlns="" xmlns:a16="http://schemas.microsoft.com/office/drawing/2014/main" id="{0862A81A-959D-4EAB-90ED-DB20759BB397}"/>
                 </a:ext>
               </a:extLst>
             </p:cNvPr>
@@ -15101,7 +15103,7 @@
             <p:cNvPr id="18" name="Freeform: Shape 17">
               <a:extLst>
                 <a:ext uri="{FF2B5EF4-FFF2-40B4-BE49-F238E27FC236}">
-                  <a16:creationId xmlns:a16="http://schemas.microsoft.com/office/drawing/2014/main" xmlns="" id="{AAB9E28C-9422-42BD-AECE-29B44B5D63E2}"/>
+                  <a16:creationId xmlns="" xmlns:a16="http://schemas.microsoft.com/office/drawing/2014/main" id="{AAB9E28C-9422-42BD-AECE-29B44B5D63E2}"/>
                 </a:ext>
               </a:extLst>
             </p:cNvPr>
@@ -15200,7 +15202,7 @@
           <p:cNvPr id="19" name="Group 18">
             <a:extLst>
               <a:ext uri="{FF2B5EF4-FFF2-40B4-BE49-F238E27FC236}">
-                <a16:creationId xmlns:a16="http://schemas.microsoft.com/office/drawing/2014/main" xmlns="" id="{2772239B-C46D-4458-BB4B-DDB12FAB0172}"/>
+                <a16:creationId xmlns="" xmlns:a16="http://schemas.microsoft.com/office/drawing/2014/main" id="{2772239B-C46D-4458-BB4B-DDB12FAB0172}"/>
               </a:ext>
             </a:extLst>
           </p:cNvPr>
@@ -15220,7 +15222,7 @@
             <p:cNvPr id="20" name="Freeform: Shape 19">
               <a:extLst>
                 <a:ext uri="{FF2B5EF4-FFF2-40B4-BE49-F238E27FC236}">
-                  <a16:creationId xmlns:a16="http://schemas.microsoft.com/office/drawing/2014/main" xmlns="" id="{3C8A2A1A-1FB9-4CA1-B74E-B293187E51AA}"/>
+                  <a16:creationId xmlns="" xmlns:a16="http://schemas.microsoft.com/office/drawing/2014/main" id="{3C8A2A1A-1FB9-4CA1-B74E-B293187E51AA}"/>
                 </a:ext>
               </a:extLst>
             </p:cNvPr>
@@ -15310,7 +15312,7 @@
             <p:cNvPr id="21" name="Freeform: Shape 20">
               <a:extLst>
                 <a:ext uri="{FF2B5EF4-FFF2-40B4-BE49-F238E27FC236}">
-                  <a16:creationId xmlns:a16="http://schemas.microsoft.com/office/drawing/2014/main" xmlns="" id="{DF2B18BA-6B43-40FA-A23B-D894D6AB468B}"/>
+                  <a16:creationId xmlns="" xmlns:a16="http://schemas.microsoft.com/office/drawing/2014/main" id="{DF2B18BA-6B43-40FA-A23B-D894D6AB468B}"/>
                 </a:ext>
               </a:extLst>
             </p:cNvPr>
@@ -15409,7 +15411,7 @@
           <p:cNvPr id="3" name="Text Placeholder 2">
             <a:extLst>
               <a:ext uri="{FF2B5EF4-FFF2-40B4-BE49-F238E27FC236}">
-                <a16:creationId xmlns:a16="http://schemas.microsoft.com/office/drawing/2014/main" xmlns="" id="{5E194264-A3F5-42E2-9A63-DCCED0457E1B}"/>
+                <a16:creationId xmlns="" xmlns:a16="http://schemas.microsoft.com/office/drawing/2014/main" id="{5E194264-A3F5-42E2-9A63-DCCED0457E1B}"/>
               </a:ext>
             </a:extLst>
           </p:cNvPr>
@@ -15459,7 +15461,7 @@
           <p:cNvPr id="22" name="Slide Number Placeholder 4">
             <a:extLst>
               <a:ext uri="{FF2B5EF4-FFF2-40B4-BE49-F238E27FC236}">
-                <a16:creationId xmlns:a16="http://schemas.microsoft.com/office/drawing/2014/main" xmlns="" id="{0F332671-6296-47C8-BF26-B2D962F5D03D}"/>
+                <a16:creationId xmlns="" xmlns:a16="http://schemas.microsoft.com/office/drawing/2014/main" id="{0F332671-6296-47C8-BF26-B2D962F5D03D}"/>
               </a:ext>
             </a:extLst>
           </p:cNvPr>
@@ -15503,7 +15505,7 @@
           <p:cNvPr id="23" name="Title 1">
             <a:extLst>
               <a:ext uri="{FF2B5EF4-FFF2-40B4-BE49-F238E27FC236}">
-                <a16:creationId xmlns:a16="http://schemas.microsoft.com/office/drawing/2014/main" xmlns="" id="{7772A652-7229-2B42-B87B-298C31D6F0CB}"/>
+                <a16:creationId xmlns="" xmlns:a16="http://schemas.microsoft.com/office/drawing/2014/main" id="{7772A652-7229-2B42-B87B-298C31D6F0CB}"/>
               </a:ext>
             </a:extLst>
           </p:cNvPr>
@@ -15578,7 +15580,7 @@
           <p:cNvPr id="22" name="Rectangle 21">
             <a:extLst>
               <a:ext uri="{FF2B5EF4-FFF2-40B4-BE49-F238E27FC236}">
-                <a16:creationId xmlns:a16="http://schemas.microsoft.com/office/drawing/2014/main" xmlns="" id="{2CDBB6E5-B91E-4946-9390-E8693855103A}"/>
+                <a16:creationId xmlns="" xmlns:a16="http://schemas.microsoft.com/office/drawing/2014/main" id="{2CDBB6E5-B91E-4946-9390-E8693855103A}"/>
               </a:ext>
             </a:extLst>
           </p:cNvPr>
@@ -15632,7 +15634,7 @@
           <p:cNvPr id="34" name="Freeform: Shape 33">
             <a:extLst>
               <a:ext uri="{FF2B5EF4-FFF2-40B4-BE49-F238E27FC236}">
-                <a16:creationId xmlns:a16="http://schemas.microsoft.com/office/drawing/2014/main" xmlns="" id="{0C3CC1C9-1FA0-4FE4-8984-4A8B3728D674}"/>
+                <a16:creationId xmlns="" xmlns:a16="http://schemas.microsoft.com/office/drawing/2014/main" id="{0C3CC1C9-1FA0-4FE4-8984-4A8B3728D674}"/>
               </a:ext>
             </a:extLst>
           </p:cNvPr>
@@ -15777,7 +15779,7 @@
           <p:cNvPr id="24" name="Freeform: Shape 23">
             <a:extLst>
               <a:ext uri="{FF2B5EF4-FFF2-40B4-BE49-F238E27FC236}">
-                <a16:creationId xmlns:a16="http://schemas.microsoft.com/office/drawing/2014/main" xmlns="" id="{8E049265-431E-48DE-B7F7-4959930171DC}"/>
+                <a16:creationId xmlns="" xmlns:a16="http://schemas.microsoft.com/office/drawing/2014/main" id="{8E049265-431E-48DE-B7F7-4959930171DC}"/>
               </a:ext>
             </a:extLst>
           </p:cNvPr>
@@ -15917,7 +15919,7 @@
           <p:cNvPr id="25" name="Freeform: Shape 24">
             <a:extLst>
               <a:ext uri="{FF2B5EF4-FFF2-40B4-BE49-F238E27FC236}">
-                <a16:creationId xmlns:a16="http://schemas.microsoft.com/office/drawing/2014/main" xmlns="" id="{173E5F2D-1F8E-4DCC-857F-932C6C6539BB}"/>
+                <a16:creationId xmlns="" xmlns:a16="http://schemas.microsoft.com/office/drawing/2014/main" id="{173E5F2D-1F8E-4DCC-857F-932C6C6539BB}"/>
               </a:ext>
             </a:extLst>
           </p:cNvPr>
@@ -16063,7 +16065,7 @@
           <p:cNvPr id="26" name="Group 25">
             <a:extLst>
               <a:ext uri="{FF2B5EF4-FFF2-40B4-BE49-F238E27FC236}">
-                <a16:creationId xmlns:a16="http://schemas.microsoft.com/office/drawing/2014/main" xmlns="" id="{E9318B2B-E019-4078-9EF0-C9D6281AE31B}"/>
+                <a16:creationId xmlns="" xmlns:a16="http://schemas.microsoft.com/office/drawing/2014/main" id="{E9318B2B-E019-4078-9EF0-C9D6281AE31B}"/>
               </a:ext>
             </a:extLst>
           </p:cNvPr>
@@ -16083,7 +16085,7 @@
             <p:cNvPr id="27" name="Freeform: Shape 26">
               <a:extLst>
                 <a:ext uri="{FF2B5EF4-FFF2-40B4-BE49-F238E27FC236}">
-                  <a16:creationId xmlns:a16="http://schemas.microsoft.com/office/drawing/2014/main" xmlns="" id="{D3E625C0-9656-421F-861F-67C8F93362ED}"/>
+                  <a16:creationId xmlns="" xmlns:a16="http://schemas.microsoft.com/office/drawing/2014/main" id="{D3E625C0-9656-421F-861F-67C8F93362ED}"/>
                 </a:ext>
               </a:extLst>
             </p:cNvPr>
@@ -16183,7 +16185,7 @@
             <p:cNvPr id="28" name="Freeform: Shape 27">
               <a:extLst>
                 <a:ext uri="{FF2B5EF4-FFF2-40B4-BE49-F238E27FC236}">
-                  <a16:creationId xmlns:a16="http://schemas.microsoft.com/office/drawing/2014/main" xmlns="" id="{49F8E490-C6E3-4D00-866F-CD85DD88996E}"/>
+                  <a16:creationId xmlns="" xmlns:a16="http://schemas.microsoft.com/office/drawing/2014/main" id="{49F8E490-C6E3-4D00-866F-CD85DD88996E}"/>
                 </a:ext>
               </a:extLst>
             </p:cNvPr>
@@ -16292,7 +16294,7 @@
           <p:cNvPr id="29" name="Freeform: Shape 28">
             <a:extLst>
               <a:ext uri="{FF2B5EF4-FFF2-40B4-BE49-F238E27FC236}">
-                <a16:creationId xmlns:a16="http://schemas.microsoft.com/office/drawing/2014/main" xmlns="" id="{EE8F5B31-1523-46AE-9455-C33DFC1BDDE0}"/>
+                <a16:creationId xmlns="" xmlns:a16="http://schemas.microsoft.com/office/drawing/2014/main" id="{EE8F5B31-1523-46AE-9455-C33DFC1BDDE0}"/>
               </a:ext>
             </a:extLst>
           </p:cNvPr>
@@ -16384,7 +16386,7 @@
           <p:cNvPr id="30" name="Freeform: Shape 29">
             <a:extLst>
               <a:ext uri="{FF2B5EF4-FFF2-40B4-BE49-F238E27FC236}">
-                <a16:creationId xmlns:a16="http://schemas.microsoft.com/office/drawing/2014/main" xmlns="" id="{5D17048F-C2E1-4775-BC32-50BD6219F89D}"/>
+                <a16:creationId xmlns="" xmlns:a16="http://schemas.microsoft.com/office/drawing/2014/main" id="{5D17048F-C2E1-4775-BC32-50BD6219F89D}"/>
               </a:ext>
             </a:extLst>
           </p:cNvPr>
@@ -16484,7 +16486,7 @@
           <p:cNvPr id="31" name="Group 30">
             <a:extLst>
               <a:ext uri="{FF2B5EF4-FFF2-40B4-BE49-F238E27FC236}">
-                <a16:creationId xmlns:a16="http://schemas.microsoft.com/office/drawing/2014/main" xmlns="" id="{EAB002AA-4848-49C8-A834-036F860C79A3}"/>
+                <a16:creationId xmlns="" xmlns:a16="http://schemas.microsoft.com/office/drawing/2014/main" id="{EAB002AA-4848-49C8-A834-036F860C79A3}"/>
               </a:ext>
             </a:extLst>
           </p:cNvPr>
@@ -16504,7 +16506,7 @@
             <p:cNvPr id="32" name="Freeform: Shape 31">
               <a:extLst>
                 <a:ext uri="{FF2B5EF4-FFF2-40B4-BE49-F238E27FC236}">
-                  <a16:creationId xmlns:a16="http://schemas.microsoft.com/office/drawing/2014/main" xmlns="" id="{14B187A8-7F8D-469D-A03B-4F835A5746DE}"/>
+                  <a16:creationId xmlns="" xmlns:a16="http://schemas.microsoft.com/office/drawing/2014/main" id="{14B187A8-7F8D-469D-A03B-4F835A5746DE}"/>
                 </a:ext>
               </a:extLst>
             </p:cNvPr>
@@ -16594,7 +16596,7 @@
             <p:cNvPr id="33" name="Freeform: Shape 32">
               <a:extLst>
                 <a:ext uri="{FF2B5EF4-FFF2-40B4-BE49-F238E27FC236}">
-                  <a16:creationId xmlns:a16="http://schemas.microsoft.com/office/drawing/2014/main" xmlns="" id="{03D871D1-A11A-48FB-82A8-8D61AB5CB85C}"/>
+                  <a16:creationId xmlns="" xmlns:a16="http://schemas.microsoft.com/office/drawing/2014/main" id="{03D871D1-A11A-48FB-82A8-8D61AB5CB85C}"/>
                 </a:ext>
               </a:extLst>
             </p:cNvPr>
@@ -16693,7 +16695,7 @@
           <p:cNvPr id="2" name="Title 1">
             <a:extLst>
               <a:ext uri="{FF2B5EF4-FFF2-40B4-BE49-F238E27FC236}">
-                <a16:creationId xmlns:a16="http://schemas.microsoft.com/office/drawing/2014/main" xmlns="" id="{42374B20-3E42-44AF-BEF1-8AB33067395C}"/>
+                <a16:creationId xmlns="" xmlns:a16="http://schemas.microsoft.com/office/drawing/2014/main" id="{42374B20-3E42-44AF-BEF1-8AB33067395C}"/>
               </a:ext>
             </a:extLst>
           </p:cNvPr>
@@ -16738,7 +16740,7 @@
           <p:cNvPr id="3" name="Text Placeholder 2">
             <a:extLst>
               <a:ext uri="{FF2B5EF4-FFF2-40B4-BE49-F238E27FC236}">
-                <a16:creationId xmlns:a16="http://schemas.microsoft.com/office/drawing/2014/main" xmlns="" id="{5E194264-A3F5-42E2-9A63-DCCED0457E1B}"/>
+                <a16:creationId xmlns="" xmlns:a16="http://schemas.microsoft.com/office/drawing/2014/main" id="{5E194264-A3F5-42E2-9A63-DCCED0457E1B}"/>
               </a:ext>
             </a:extLst>
           </p:cNvPr>
@@ -16788,7 +16790,7 @@
           <p:cNvPr id="35" name="Slide Number Placeholder 4">
             <a:extLst>
               <a:ext uri="{FF2B5EF4-FFF2-40B4-BE49-F238E27FC236}">
-                <a16:creationId xmlns:a16="http://schemas.microsoft.com/office/drawing/2014/main" xmlns="" id="{6F73F836-940E-4B65-A29C-D0869263C935}"/>
+                <a16:creationId xmlns="" xmlns:a16="http://schemas.microsoft.com/office/drawing/2014/main" id="{6F73F836-940E-4B65-A29C-D0869263C935}"/>
               </a:ext>
             </a:extLst>
           </p:cNvPr>
@@ -16862,7 +16864,7 @@
           <p:cNvPr id="22" name="Rectangle 21">
             <a:extLst>
               <a:ext uri="{FF2B5EF4-FFF2-40B4-BE49-F238E27FC236}">
-                <a16:creationId xmlns:a16="http://schemas.microsoft.com/office/drawing/2014/main" xmlns="" id="{2CDBB6E5-B91E-4946-9390-E8693855103A}"/>
+                <a16:creationId xmlns="" xmlns:a16="http://schemas.microsoft.com/office/drawing/2014/main" id="{2CDBB6E5-B91E-4946-9390-E8693855103A}"/>
               </a:ext>
             </a:extLst>
           </p:cNvPr>
@@ -16916,7 +16918,7 @@
           <p:cNvPr id="34" name="Freeform: Shape 33">
             <a:extLst>
               <a:ext uri="{FF2B5EF4-FFF2-40B4-BE49-F238E27FC236}">
-                <a16:creationId xmlns:a16="http://schemas.microsoft.com/office/drawing/2014/main" xmlns="" id="{0C3CC1C9-1FA0-4FE4-8984-4A8B3728D674}"/>
+                <a16:creationId xmlns="" xmlns:a16="http://schemas.microsoft.com/office/drawing/2014/main" id="{0C3CC1C9-1FA0-4FE4-8984-4A8B3728D674}"/>
               </a:ext>
             </a:extLst>
           </p:cNvPr>
@@ -17061,7 +17063,7 @@
           <p:cNvPr id="24" name="Freeform: Shape 23">
             <a:extLst>
               <a:ext uri="{FF2B5EF4-FFF2-40B4-BE49-F238E27FC236}">
-                <a16:creationId xmlns:a16="http://schemas.microsoft.com/office/drawing/2014/main" xmlns="" id="{8E049265-431E-48DE-B7F7-4959930171DC}"/>
+                <a16:creationId xmlns="" xmlns:a16="http://schemas.microsoft.com/office/drawing/2014/main" id="{8E049265-431E-48DE-B7F7-4959930171DC}"/>
               </a:ext>
             </a:extLst>
           </p:cNvPr>
@@ -17201,7 +17203,7 @@
           <p:cNvPr id="25" name="Freeform: Shape 24">
             <a:extLst>
               <a:ext uri="{FF2B5EF4-FFF2-40B4-BE49-F238E27FC236}">
-                <a16:creationId xmlns:a16="http://schemas.microsoft.com/office/drawing/2014/main" xmlns="" id="{173E5F2D-1F8E-4DCC-857F-932C6C6539BB}"/>
+                <a16:creationId xmlns="" xmlns:a16="http://schemas.microsoft.com/office/drawing/2014/main" id="{173E5F2D-1F8E-4DCC-857F-932C6C6539BB}"/>
               </a:ext>
             </a:extLst>
           </p:cNvPr>
@@ -17347,7 +17349,7 @@
           <p:cNvPr id="4" name="Oval 3">
             <a:extLst>
               <a:ext uri="{FF2B5EF4-FFF2-40B4-BE49-F238E27FC236}">
-                <a16:creationId xmlns:a16="http://schemas.microsoft.com/office/drawing/2014/main" xmlns="" id="{ECB4C115-EFF9-405C-98BE-F4077B9730D0}"/>
+                <a16:creationId xmlns="" xmlns:a16="http://schemas.microsoft.com/office/drawing/2014/main" id="{ECB4C115-EFF9-405C-98BE-F4077B9730D0}"/>
               </a:ext>
             </a:extLst>
           </p:cNvPr>
@@ -17405,7 +17407,7 @@
           <p:cNvPr id="18" name="Title 1">
             <a:extLst>
               <a:ext uri="{FF2B5EF4-FFF2-40B4-BE49-F238E27FC236}">
-                <a16:creationId xmlns:a16="http://schemas.microsoft.com/office/drawing/2014/main" xmlns="" id="{C9A300DD-BB54-44ED-A7E4-01CD41EC930F}"/>
+                <a16:creationId xmlns="" xmlns:a16="http://schemas.microsoft.com/office/drawing/2014/main" id="{C9A300DD-BB54-44ED-A7E4-01CD41EC930F}"/>
               </a:ext>
             </a:extLst>
           </p:cNvPr>
@@ -17468,7 +17470,7 @@
           <p:cNvPr id="2" name="Title 1">
             <a:extLst>
               <a:ext uri="{FF2B5EF4-FFF2-40B4-BE49-F238E27FC236}">
-                <a16:creationId xmlns:a16="http://schemas.microsoft.com/office/drawing/2014/main" xmlns="" id="{42374B20-3E42-44AF-BEF1-8AB33067395C}"/>
+                <a16:creationId xmlns="" xmlns:a16="http://schemas.microsoft.com/office/drawing/2014/main" id="{42374B20-3E42-44AF-BEF1-8AB33067395C}"/>
               </a:ext>
             </a:extLst>
           </p:cNvPr>
@@ -17516,7 +17518,7 @@
           <p:cNvPr id="19" name="Slide Number Placeholder 4">
             <a:extLst>
               <a:ext uri="{FF2B5EF4-FFF2-40B4-BE49-F238E27FC236}">
-                <a16:creationId xmlns:a16="http://schemas.microsoft.com/office/drawing/2014/main" xmlns="" id="{A4E6C1FF-5925-42B3-B7F9-0A0031BDAD30}"/>
+                <a16:creationId xmlns="" xmlns:a16="http://schemas.microsoft.com/office/drawing/2014/main" id="{A4E6C1FF-5925-42B3-B7F9-0A0031BDAD30}"/>
               </a:ext>
             </a:extLst>
           </p:cNvPr>
@@ -17598,7 +17600,7 @@
           <p:cNvPr id="11" name="Rectangle 10">
             <a:extLst>
               <a:ext uri="{FF2B5EF4-FFF2-40B4-BE49-F238E27FC236}">
-                <a16:creationId xmlns:a16="http://schemas.microsoft.com/office/drawing/2014/main" xmlns="" id="{EB3E033F-4449-40FA-BC85-BD2712D313DD}"/>
+                <a16:creationId xmlns="" xmlns:a16="http://schemas.microsoft.com/office/drawing/2014/main" id="{EB3E033F-4449-40FA-BC85-BD2712D313DD}"/>
               </a:ext>
             </a:extLst>
           </p:cNvPr>
@@ -17652,7 +17654,7 @@
           <p:cNvPr id="10" name="Freeform: Shape 9">
             <a:extLst>
               <a:ext uri="{FF2B5EF4-FFF2-40B4-BE49-F238E27FC236}">
-                <a16:creationId xmlns:a16="http://schemas.microsoft.com/office/drawing/2014/main" xmlns="" id="{63D26743-0505-444C-80B3-E88EE87DF72B}"/>
+                <a16:creationId xmlns="" xmlns:a16="http://schemas.microsoft.com/office/drawing/2014/main" id="{63D26743-0505-444C-80B3-E88EE87DF72B}"/>
               </a:ext>
             </a:extLst>
           </p:cNvPr>
@@ -17775,7 +17777,7 @@
           <p:cNvPr id="8" name="Freeform: Shape 7">
             <a:extLst>
               <a:ext uri="{FF2B5EF4-FFF2-40B4-BE49-F238E27FC236}">
-                <a16:creationId xmlns:a16="http://schemas.microsoft.com/office/drawing/2014/main" xmlns="" id="{1599AF7E-3E34-4597-AA72-9373A7FDB020}"/>
+                <a16:creationId xmlns="" xmlns:a16="http://schemas.microsoft.com/office/drawing/2014/main" id="{1599AF7E-3E34-4597-AA72-9373A7FDB020}"/>
               </a:ext>
             </a:extLst>
           </p:cNvPr>
@@ -17921,7 +17923,7 @@
           <p:cNvPr id="2" name="Title 1">
             <a:extLst>
               <a:ext uri="{FF2B5EF4-FFF2-40B4-BE49-F238E27FC236}">
-                <a16:creationId xmlns:a16="http://schemas.microsoft.com/office/drawing/2014/main" xmlns="" id="{4A2DF563-7FAC-46B3-B24C-7E45CD89DA2B}"/>
+                <a16:creationId xmlns="" xmlns:a16="http://schemas.microsoft.com/office/drawing/2014/main" id="{4A2DF563-7FAC-46B3-B24C-7E45CD89DA2B}"/>
               </a:ext>
             </a:extLst>
           </p:cNvPr>
@@ -17967,7 +17969,7 @@
           <p:cNvPr id="5" name="Slide Number Placeholder 4">
             <a:extLst>
               <a:ext uri="{FF2B5EF4-FFF2-40B4-BE49-F238E27FC236}">
-                <a16:creationId xmlns:a16="http://schemas.microsoft.com/office/drawing/2014/main" xmlns="" id="{87B51822-97FF-47A7-8E4E-A0F79B4EB237}"/>
+                <a16:creationId xmlns="" xmlns:a16="http://schemas.microsoft.com/office/drawing/2014/main" id="{87B51822-97FF-47A7-8E4E-A0F79B4EB237}"/>
               </a:ext>
             </a:extLst>
           </p:cNvPr>
@@ -18011,7 +18013,7 @@
           <p:cNvPr id="15" name="Group 14">
             <a:extLst>
               <a:ext uri="{FF2B5EF4-FFF2-40B4-BE49-F238E27FC236}">
-                <a16:creationId xmlns:a16="http://schemas.microsoft.com/office/drawing/2014/main" xmlns="" id="{7732E1E7-45E3-4264-8F26-66758696DD1E}"/>
+                <a16:creationId xmlns="" xmlns:a16="http://schemas.microsoft.com/office/drawing/2014/main" id="{7732E1E7-45E3-4264-8F26-66758696DD1E}"/>
               </a:ext>
             </a:extLst>
           </p:cNvPr>
@@ -18031,7 +18033,7 @@
             <p:cNvPr id="16" name="Freeform: Shape 15">
               <a:extLst>
                 <a:ext uri="{FF2B5EF4-FFF2-40B4-BE49-F238E27FC236}">
-                  <a16:creationId xmlns:a16="http://schemas.microsoft.com/office/drawing/2014/main" xmlns="" id="{2E3DF883-8093-49FA-81E1-E5D77F086A25}"/>
+                  <a16:creationId xmlns="" xmlns:a16="http://schemas.microsoft.com/office/drawing/2014/main" id="{2E3DF883-8093-49FA-81E1-E5D77F086A25}"/>
                 </a:ext>
               </a:extLst>
             </p:cNvPr>
@@ -18121,7 +18123,7 @@
             <p:cNvPr id="17" name="Freeform: Shape 16">
               <a:extLst>
                 <a:ext uri="{FF2B5EF4-FFF2-40B4-BE49-F238E27FC236}">
-                  <a16:creationId xmlns:a16="http://schemas.microsoft.com/office/drawing/2014/main" xmlns="" id="{18944C90-37E5-4BBE-89FF-060627168050}"/>
+                  <a16:creationId xmlns="" xmlns:a16="http://schemas.microsoft.com/office/drawing/2014/main" id="{18944C90-37E5-4BBE-89FF-060627168050}"/>
                 </a:ext>
               </a:extLst>
             </p:cNvPr>
@@ -18220,7 +18222,7 @@
           <p:cNvPr id="23" name="Text Placeholder 22">
             <a:extLst>
               <a:ext uri="{FF2B5EF4-FFF2-40B4-BE49-F238E27FC236}">
-                <a16:creationId xmlns:a16="http://schemas.microsoft.com/office/drawing/2014/main" xmlns="" id="{03618670-D1E4-466C-BDB5-FC890AC31457}"/>
+                <a16:creationId xmlns="" xmlns:a16="http://schemas.microsoft.com/office/drawing/2014/main" id="{03618670-D1E4-466C-BDB5-FC890AC31457}"/>
               </a:ext>
             </a:extLst>
           </p:cNvPr>
@@ -18381,7 +18383,7 @@
           <p:cNvPr id="11" name="Rectangle 10">
             <a:extLst>
               <a:ext uri="{FF2B5EF4-FFF2-40B4-BE49-F238E27FC236}">
-                <a16:creationId xmlns:a16="http://schemas.microsoft.com/office/drawing/2014/main" xmlns="" id="{EB3E033F-4449-40FA-BC85-BD2712D313DD}"/>
+                <a16:creationId xmlns="" xmlns:a16="http://schemas.microsoft.com/office/drawing/2014/main" id="{EB3E033F-4449-40FA-BC85-BD2712D313DD}"/>
               </a:ext>
             </a:extLst>
           </p:cNvPr>
@@ -18435,7 +18437,7 @@
           <p:cNvPr id="10" name="Freeform: Shape 9">
             <a:extLst>
               <a:ext uri="{FF2B5EF4-FFF2-40B4-BE49-F238E27FC236}">
-                <a16:creationId xmlns:a16="http://schemas.microsoft.com/office/drawing/2014/main" xmlns="" id="{63D26743-0505-444C-80B3-E88EE87DF72B}"/>
+                <a16:creationId xmlns="" xmlns:a16="http://schemas.microsoft.com/office/drawing/2014/main" id="{63D26743-0505-444C-80B3-E88EE87DF72B}"/>
               </a:ext>
             </a:extLst>
           </p:cNvPr>
@@ -18558,7 +18560,7 @@
           <p:cNvPr id="18" name="Freeform: Shape 17">
             <a:extLst>
               <a:ext uri="{FF2B5EF4-FFF2-40B4-BE49-F238E27FC236}">
-                <a16:creationId xmlns:a16="http://schemas.microsoft.com/office/drawing/2014/main" xmlns="" id="{E37145E9-AC61-47D5-9288-8789940F81B6}"/>
+                <a16:creationId xmlns="" xmlns:a16="http://schemas.microsoft.com/office/drawing/2014/main" id="{E37145E9-AC61-47D5-9288-8789940F81B6}"/>
               </a:ext>
             </a:extLst>
           </p:cNvPr>
@@ -18710,7 +18712,7 @@
           <p:cNvPr id="12" name="Freeform: Shape 11">
             <a:extLst>
               <a:ext uri="{FF2B5EF4-FFF2-40B4-BE49-F238E27FC236}">
-                <a16:creationId xmlns:a16="http://schemas.microsoft.com/office/drawing/2014/main" xmlns="" id="{A5E2B3ED-9A49-40A7-B8A3-62595FE513F9}"/>
+                <a16:creationId xmlns="" xmlns:a16="http://schemas.microsoft.com/office/drawing/2014/main" id="{A5E2B3ED-9A49-40A7-B8A3-62595FE513F9}"/>
               </a:ext>
             </a:extLst>
           </p:cNvPr>
@@ -18860,7 +18862,7 @@
           <p:cNvPr id="8" name="Freeform: Shape 7">
             <a:extLst>
               <a:ext uri="{FF2B5EF4-FFF2-40B4-BE49-F238E27FC236}">
-                <a16:creationId xmlns:a16="http://schemas.microsoft.com/office/drawing/2014/main" xmlns="" id="{1599AF7E-3E34-4597-AA72-9373A7FDB020}"/>
+                <a16:creationId xmlns="" xmlns:a16="http://schemas.microsoft.com/office/drawing/2014/main" id="{1599AF7E-3E34-4597-AA72-9373A7FDB020}"/>
               </a:ext>
             </a:extLst>
           </p:cNvPr>
@@ -19006,7 +19008,7 @@
           <p:cNvPr id="2" name="Title 1">
             <a:extLst>
               <a:ext uri="{FF2B5EF4-FFF2-40B4-BE49-F238E27FC236}">
-                <a16:creationId xmlns:a16="http://schemas.microsoft.com/office/drawing/2014/main" xmlns="" id="{4A2DF563-7FAC-46B3-B24C-7E45CD89DA2B}"/>
+                <a16:creationId xmlns="" xmlns:a16="http://schemas.microsoft.com/office/drawing/2014/main" id="{4A2DF563-7FAC-46B3-B24C-7E45CD89DA2B}"/>
               </a:ext>
             </a:extLst>
           </p:cNvPr>
@@ -19052,7 +19054,7 @@
           <p:cNvPr id="15" name="Group 14">
             <a:extLst>
               <a:ext uri="{FF2B5EF4-FFF2-40B4-BE49-F238E27FC236}">
-                <a16:creationId xmlns:a16="http://schemas.microsoft.com/office/drawing/2014/main" xmlns="" id="{7732E1E7-45E3-4264-8F26-66758696DD1E}"/>
+                <a16:creationId xmlns="" xmlns:a16="http://schemas.microsoft.com/office/drawing/2014/main" id="{7732E1E7-45E3-4264-8F26-66758696DD1E}"/>
               </a:ext>
             </a:extLst>
           </p:cNvPr>
@@ -19072,7 +19074,7 @@
             <p:cNvPr id="16" name="Freeform: Shape 15">
               <a:extLst>
                 <a:ext uri="{FF2B5EF4-FFF2-40B4-BE49-F238E27FC236}">
-                  <a16:creationId xmlns:a16="http://schemas.microsoft.com/office/drawing/2014/main" xmlns="" id="{2E3DF883-8093-49FA-81E1-E5D77F086A25}"/>
+                  <a16:creationId xmlns="" xmlns:a16="http://schemas.microsoft.com/office/drawing/2014/main" id="{2E3DF883-8093-49FA-81E1-E5D77F086A25}"/>
                 </a:ext>
               </a:extLst>
             </p:cNvPr>
@@ -19162,7 +19164,7 @@
             <p:cNvPr id="17" name="Freeform: Shape 16">
               <a:extLst>
                 <a:ext uri="{FF2B5EF4-FFF2-40B4-BE49-F238E27FC236}">
-                  <a16:creationId xmlns:a16="http://schemas.microsoft.com/office/drawing/2014/main" xmlns="" id="{18944C90-37E5-4BBE-89FF-060627168050}"/>
+                  <a16:creationId xmlns="" xmlns:a16="http://schemas.microsoft.com/office/drawing/2014/main" id="{18944C90-37E5-4BBE-89FF-060627168050}"/>
                 </a:ext>
               </a:extLst>
             </p:cNvPr>
@@ -19261,7 +19263,7 @@
           <p:cNvPr id="6" name="Group 5">
             <a:extLst>
               <a:ext uri="{FF2B5EF4-FFF2-40B4-BE49-F238E27FC236}">
-                <a16:creationId xmlns:a16="http://schemas.microsoft.com/office/drawing/2014/main" xmlns="" id="{D9EBF8BB-A805-4DDB-B459-082F99815B95}"/>
+                <a16:creationId xmlns="" xmlns:a16="http://schemas.microsoft.com/office/drawing/2014/main" id="{D9EBF8BB-A805-4DDB-B459-082F99815B95}"/>
               </a:ext>
             </a:extLst>
           </p:cNvPr>
@@ -19281,7 +19283,7 @@
             <p:cNvPr id="19" name="Rectangle: Single Corner Snipped 18">
               <a:extLst>
                 <a:ext uri="{FF2B5EF4-FFF2-40B4-BE49-F238E27FC236}">
-                  <a16:creationId xmlns:a16="http://schemas.microsoft.com/office/drawing/2014/main" xmlns="" id="{5D638788-DD47-45E7-939A-FA108A818173}"/>
+                  <a16:creationId xmlns="" xmlns:a16="http://schemas.microsoft.com/office/drawing/2014/main" id="{5D638788-DD47-45E7-939A-FA108A818173}"/>
                 </a:ext>
               </a:extLst>
             </p:cNvPr>
@@ -19347,7 +19349,7 @@
             <p:cNvPr id="3" name="Rectangle: Single Corner Snipped 2">
               <a:extLst>
                 <a:ext uri="{FF2B5EF4-FFF2-40B4-BE49-F238E27FC236}">
-                  <a16:creationId xmlns:a16="http://schemas.microsoft.com/office/drawing/2014/main" xmlns="" id="{74BDECEF-EEFE-4332-B3B2-BDE4F82C10FC}"/>
+                  <a16:creationId xmlns="" xmlns:a16="http://schemas.microsoft.com/office/drawing/2014/main" id="{74BDECEF-EEFE-4332-B3B2-BDE4F82C10FC}"/>
                 </a:ext>
               </a:extLst>
             </p:cNvPr>
@@ -19404,7 +19406,7 @@
           <p:cNvPr id="24" name="Freeform: Shape 23">
             <a:extLst>
               <a:ext uri="{FF2B5EF4-FFF2-40B4-BE49-F238E27FC236}">
-                <a16:creationId xmlns:a16="http://schemas.microsoft.com/office/drawing/2014/main" xmlns="" id="{18103E00-7E4A-44CD-81AC-06433CAE1110}"/>
+                <a16:creationId xmlns="" xmlns:a16="http://schemas.microsoft.com/office/drawing/2014/main" id="{18103E00-7E4A-44CD-81AC-06433CAE1110}"/>
               </a:ext>
             </a:extLst>
           </p:cNvPr>
@@ -19499,7 +19501,7 @@
           <p:cNvPr id="5" name="Slide Number Placeholder 4">
             <a:extLst>
               <a:ext uri="{FF2B5EF4-FFF2-40B4-BE49-F238E27FC236}">
-                <a16:creationId xmlns:a16="http://schemas.microsoft.com/office/drawing/2014/main" xmlns="" id="{87B51822-97FF-47A7-8E4E-A0F79B4EB237}"/>
+                <a16:creationId xmlns="" xmlns:a16="http://schemas.microsoft.com/office/drawing/2014/main" id="{87B51822-97FF-47A7-8E4E-A0F79B4EB237}"/>
               </a:ext>
             </a:extLst>
           </p:cNvPr>
@@ -19581,7 +19583,7 @@
           <p:cNvPr id="11" name="Rectangle 10">
             <a:extLst>
               <a:ext uri="{FF2B5EF4-FFF2-40B4-BE49-F238E27FC236}">
-                <a16:creationId xmlns:a16="http://schemas.microsoft.com/office/drawing/2014/main" xmlns="" id="{EB3E033F-4449-40FA-BC85-BD2712D313DD}"/>
+                <a16:creationId xmlns="" xmlns:a16="http://schemas.microsoft.com/office/drawing/2014/main" id="{EB3E033F-4449-40FA-BC85-BD2712D313DD}"/>
               </a:ext>
             </a:extLst>
           </p:cNvPr>
@@ -19635,7 +19637,7 @@
           <p:cNvPr id="10" name="Freeform: Shape 9">
             <a:extLst>
               <a:ext uri="{FF2B5EF4-FFF2-40B4-BE49-F238E27FC236}">
-                <a16:creationId xmlns:a16="http://schemas.microsoft.com/office/drawing/2014/main" xmlns="" id="{63D26743-0505-444C-80B3-E88EE87DF72B}"/>
+                <a16:creationId xmlns="" xmlns:a16="http://schemas.microsoft.com/office/drawing/2014/main" id="{63D26743-0505-444C-80B3-E88EE87DF72B}"/>
               </a:ext>
             </a:extLst>
           </p:cNvPr>
@@ -19758,7 +19760,7 @@
           <p:cNvPr id="18" name="Freeform: Shape 17">
             <a:extLst>
               <a:ext uri="{FF2B5EF4-FFF2-40B4-BE49-F238E27FC236}">
-                <a16:creationId xmlns:a16="http://schemas.microsoft.com/office/drawing/2014/main" xmlns="" id="{E37145E9-AC61-47D5-9288-8789940F81B6}"/>
+                <a16:creationId xmlns="" xmlns:a16="http://schemas.microsoft.com/office/drawing/2014/main" id="{E37145E9-AC61-47D5-9288-8789940F81B6}"/>
               </a:ext>
             </a:extLst>
           </p:cNvPr>
@@ -19910,7 +19912,7 @@
           <p:cNvPr id="12" name="Freeform: Shape 11">
             <a:extLst>
               <a:ext uri="{FF2B5EF4-FFF2-40B4-BE49-F238E27FC236}">
-                <a16:creationId xmlns:a16="http://schemas.microsoft.com/office/drawing/2014/main" xmlns="" id="{A5E2B3ED-9A49-40A7-B8A3-62595FE513F9}"/>
+                <a16:creationId xmlns="" xmlns:a16="http://schemas.microsoft.com/office/drawing/2014/main" id="{A5E2B3ED-9A49-40A7-B8A3-62595FE513F9}"/>
               </a:ext>
             </a:extLst>
           </p:cNvPr>
@@ -20060,7 +20062,7 @@
           <p:cNvPr id="8" name="Freeform: Shape 7">
             <a:extLst>
               <a:ext uri="{FF2B5EF4-FFF2-40B4-BE49-F238E27FC236}">
-                <a16:creationId xmlns:a16="http://schemas.microsoft.com/office/drawing/2014/main" xmlns="" id="{1599AF7E-3E34-4597-AA72-9373A7FDB020}"/>
+                <a16:creationId xmlns="" xmlns:a16="http://schemas.microsoft.com/office/drawing/2014/main" id="{1599AF7E-3E34-4597-AA72-9373A7FDB020}"/>
               </a:ext>
             </a:extLst>
           </p:cNvPr>
@@ -20206,7 +20208,7 @@
           <p:cNvPr id="2" name="Title 1">
             <a:extLst>
               <a:ext uri="{FF2B5EF4-FFF2-40B4-BE49-F238E27FC236}">
-                <a16:creationId xmlns:a16="http://schemas.microsoft.com/office/drawing/2014/main" xmlns="" id="{4A2DF563-7FAC-46B3-B24C-7E45CD89DA2B}"/>
+                <a16:creationId xmlns="" xmlns:a16="http://schemas.microsoft.com/office/drawing/2014/main" id="{4A2DF563-7FAC-46B3-B24C-7E45CD89DA2B}"/>
               </a:ext>
             </a:extLst>
           </p:cNvPr>
@@ -20252,7 +20254,7 @@
           <p:cNvPr id="15" name="Group 14">
             <a:extLst>
               <a:ext uri="{FF2B5EF4-FFF2-40B4-BE49-F238E27FC236}">
-                <a16:creationId xmlns:a16="http://schemas.microsoft.com/office/drawing/2014/main" xmlns="" id="{7732E1E7-45E3-4264-8F26-66758696DD1E}"/>
+                <a16:creationId xmlns="" xmlns:a16="http://schemas.microsoft.com/office/drawing/2014/main" id="{7732E1E7-45E3-4264-8F26-66758696DD1E}"/>
               </a:ext>
             </a:extLst>
           </p:cNvPr>
@@ -20272,7 +20274,7 @@
             <p:cNvPr id="16" name="Freeform: Shape 15">
               <a:extLst>
                 <a:ext uri="{FF2B5EF4-FFF2-40B4-BE49-F238E27FC236}">
-                  <a16:creationId xmlns:a16="http://schemas.microsoft.com/office/drawing/2014/main" xmlns="" id="{2E3DF883-8093-49FA-81E1-E5D77F086A25}"/>
+                  <a16:creationId xmlns="" xmlns:a16="http://schemas.microsoft.com/office/drawing/2014/main" id="{2E3DF883-8093-49FA-81E1-E5D77F086A25}"/>
                 </a:ext>
               </a:extLst>
             </p:cNvPr>
@@ -20362,7 +20364,7 @@
             <p:cNvPr id="17" name="Freeform: Shape 16">
               <a:extLst>
                 <a:ext uri="{FF2B5EF4-FFF2-40B4-BE49-F238E27FC236}">
-                  <a16:creationId xmlns:a16="http://schemas.microsoft.com/office/drawing/2014/main" xmlns="" id="{18944C90-37E5-4BBE-89FF-060627168050}"/>
+                  <a16:creationId xmlns="" xmlns:a16="http://schemas.microsoft.com/office/drawing/2014/main" id="{18944C90-37E5-4BBE-89FF-060627168050}"/>
                 </a:ext>
               </a:extLst>
             </p:cNvPr>
@@ -20461,7 +20463,7 @@
           <p:cNvPr id="6" name="Group 5">
             <a:extLst>
               <a:ext uri="{FF2B5EF4-FFF2-40B4-BE49-F238E27FC236}">
-                <a16:creationId xmlns:a16="http://schemas.microsoft.com/office/drawing/2014/main" xmlns="" id="{D9EBF8BB-A805-4DDB-B459-082F99815B95}"/>
+                <a16:creationId xmlns="" xmlns:a16="http://schemas.microsoft.com/office/drawing/2014/main" id="{D9EBF8BB-A805-4DDB-B459-082F99815B95}"/>
               </a:ext>
             </a:extLst>
           </p:cNvPr>
@@ -20481,7 +20483,7 @@
             <p:cNvPr id="19" name="Rectangle: Single Corner Snipped 18">
               <a:extLst>
                 <a:ext uri="{FF2B5EF4-FFF2-40B4-BE49-F238E27FC236}">
-                  <a16:creationId xmlns:a16="http://schemas.microsoft.com/office/drawing/2014/main" xmlns="" id="{5D638788-DD47-45E7-939A-FA108A818173}"/>
+                  <a16:creationId xmlns="" xmlns:a16="http://schemas.microsoft.com/office/drawing/2014/main" id="{5D638788-DD47-45E7-939A-FA108A818173}"/>
                 </a:ext>
               </a:extLst>
             </p:cNvPr>
@@ -20547,7 +20549,7 @@
             <p:cNvPr id="3" name="Rectangle: Single Corner Snipped 2">
               <a:extLst>
                 <a:ext uri="{FF2B5EF4-FFF2-40B4-BE49-F238E27FC236}">
-                  <a16:creationId xmlns:a16="http://schemas.microsoft.com/office/drawing/2014/main" xmlns="" id="{74BDECEF-EEFE-4332-B3B2-BDE4F82C10FC}"/>
+                  <a16:creationId xmlns="" xmlns:a16="http://schemas.microsoft.com/office/drawing/2014/main" id="{74BDECEF-EEFE-4332-B3B2-BDE4F82C10FC}"/>
                 </a:ext>
               </a:extLst>
             </p:cNvPr>
@@ -20604,7 +20606,7 @@
           <p:cNvPr id="24" name="Freeform: Shape 23">
             <a:extLst>
               <a:ext uri="{FF2B5EF4-FFF2-40B4-BE49-F238E27FC236}">
-                <a16:creationId xmlns:a16="http://schemas.microsoft.com/office/drawing/2014/main" xmlns="" id="{18103E00-7E4A-44CD-81AC-06433CAE1110}"/>
+                <a16:creationId xmlns="" xmlns:a16="http://schemas.microsoft.com/office/drawing/2014/main" id="{18103E00-7E4A-44CD-81AC-06433CAE1110}"/>
               </a:ext>
             </a:extLst>
           </p:cNvPr>
@@ -20699,7 +20701,7 @@
           <p:cNvPr id="5" name="Slide Number Placeholder 4">
             <a:extLst>
               <a:ext uri="{FF2B5EF4-FFF2-40B4-BE49-F238E27FC236}">
-                <a16:creationId xmlns:a16="http://schemas.microsoft.com/office/drawing/2014/main" xmlns="" id="{87B51822-97FF-47A7-8E4E-A0F79B4EB237}"/>
+                <a16:creationId xmlns="" xmlns:a16="http://schemas.microsoft.com/office/drawing/2014/main" id="{87B51822-97FF-47A7-8E4E-A0F79B4EB237}"/>
               </a:ext>
             </a:extLst>
           </p:cNvPr>
@@ -20743,7 +20745,7 @@
           <p:cNvPr id="7" name="Text Placeholder 6">
             <a:extLst>
               <a:ext uri="{FF2B5EF4-FFF2-40B4-BE49-F238E27FC236}">
-                <a16:creationId xmlns:a16="http://schemas.microsoft.com/office/drawing/2014/main" xmlns="" id="{7E0C167E-2626-40DB-AACF-D02543E29BB3}"/>
+                <a16:creationId xmlns="" xmlns:a16="http://schemas.microsoft.com/office/drawing/2014/main" id="{7E0C167E-2626-40DB-AACF-D02543E29BB3}"/>
               </a:ext>
             </a:extLst>
           </p:cNvPr>
@@ -20826,7 +20828,7 @@
           <p:cNvPr id="11" name="Rectangle 10">
             <a:extLst>
               <a:ext uri="{FF2B5EF4-FFF2-40B4-BE49-F238E27FC236}">
-                <a16:creationId xmlns:a16="http://schemas.microsoft.com/office/drawing/2014/main" xmlns="" id="{EB3E033F-4449-40FA-BC85-BD2712D313DD}"/>
+                <a16:creationId xmlns="" xmlns:a16="http://schemas.microsoft.com/office/drawing/2014/main" id="{EB3E033F-4449-40FA-BC85-BD2712D313DD}"/>
               </a:ext>
             </a:extLst>
           </p:cNvPr>
@@ -20880,7 +20882,7 @@
           <p:cNvPr id="10" name="Freeform: Shape 9">
             <a:extLst>
               <a:ext uri="{FF2B5EF4-FFF2-40B4-BE49-F238E27FC236}">
-                <a16:creationId xmlns:a16="http://schemas.microsoft.com/office/drawing/2014/main" xmlns="" id="{63D26743-0505-444C-80B3-E88EE87DF72B}"/>
+                <a16:creationId xmlns="" xmlns:a16="http://schemas.microsoft.com/office/drawing/2014/main" id="{63D26743-0505-444C-80B3-E88EE87DF72B}"/>
               </a:ext>
             </a:extLst>
           </p:cNvPr>
@@ -21003,7 +21005,7 @@
           <p:cNvPr id="18" name="Freeform: Shape 17">
             <a:extLst>
               <a:ext uri="{FF2B5EF4-FFF2-40B4-BE49-F238E27FC236}">
-                <a16:creationId xmlns:a16="http://schemas.microsoft.com/office/drawing/2014/main" xmlns="" id="{E37145E9-AC61-47D5-9288-8789940F81B6}"/>
+                <a16:creationId xmlns="" xmlns:a16="http://schemas.microsoft.com/office/drawing/2014/main" id="{E37145E9-AC61-47D5-9288-8789940F81B6}"/>
               </a:ext>
             </a:extLst>
           </p:cNvPr>
@@ -21155,7 +21157,7 @@
           <p:cNvPr id="12" name="Freeform: Shape 11">
             <a:extLst>
               <a:ext uri="{FF2B5EF4-FFF2-40B4-BE49-F238E27FC236}">
-                <a16:creationId xmlns:a16="http://schemas.microsoft.com/office/drawing/2014/main" xmlns="" id="{A5E2B3ED-9A49-40A7-B8A3-62595FE513F9}"/>
+                <a16:creationId xmlns="" xmlns:a16="http://schemas.microsoft.com/office/drawing/2014/main" id="{A5E2B3ED-9A49-40A7-B8A3-62595FE513F9}"/>
               </a:ext>
             </a:extLst>
           </p:cNvPr>
@@ -21305,7 +21307,7 @@
           <p:cNvPr id="8" name="Freeform: Shape 7">
             <a:extLst>
               <a:ext uri="{FF2B5EF4-FFF2-40B4-BE49-F238E27FC236}">
-                <a16:creationId xmlns:a16="http://schemas.microsoft.com/office/drawing/2014/main" xmlns="" id="{1599AF7E-3E34-4597-AA72-9373A7FDB020}"/>
+                <a16:creationId xmlns="" xmlns:a16="http://schemas.microsoft.com/office/drawing/2014/main" id="{1599AF7E-3E34-4597-AA72-9373A7FDB020}"/>
               </a:ext>
             </a:extLst>
           </p:cNvPr>
@@ -21451,7 +21453,7 @@
           <p:cNvPr id="2" name="Title 1">
             <a:extLst>
               <a:ext uri="{FF2B5EF4-FFF2-40B4-BE49-F238E27FC236}">
-                <a16:creationId xmlns:a16="http://schemas.microsoft.com/office/drawing/2014/main" xmlns="" id="{4A2DF563-7FAC-46B3-B24C-7E45CD89DA2B}"/>
+                <a16:creationId xmlns="" xmlns:a16="http://schemas.microsoft.com/office/drawing/2014/main" id="{4A2DF563-7FAC-46B3-B24C-7E45CD89DA2B}"/>
               </a:ext>
             </a:extLst>
           </p:cNvPr>
@@ -21497,7 +21499,7 @@
           <p:cNvPr id="15" name="Group 14">
             <a:extLst>
               <a:ext uri="{FF2B5EF4-FFF2-40B4-BE49-F238E27FC236}">
-                <a16:creationId xmlns:a16="http://schemas.microsoft.com/office/drawing/2014/main" xmlns="" id="{7732E1E7-45E3-4264-8F26-66758696DD1E}"/>
+                <a16:creationId xmlns="" xmlns:a16="http://schemas.microsoft.com/office/drawing/2014/main" id="{7732E1E7-45E3-4264-8F26-66758696DD1E}"/>
               </a:ext>
             </a:extLst>
           </p:cNvPr>
@@ -21517,7 +21519,7 @@
             <p:cNvPr id="16" name="Freeform: Shape 15">
               <a:extLst>
                 <a:ext uri="{FF2B5EF4-FFF2-40B4-BE49-F238E27FC236}">
-                  <a16:creationId xmlns:a16="http://schemas.microsoft.com/office/drawing/2014/main" xmlns="" id="{2E3DF883-8093-49FA-81E1-E5D77F086A25}"/>
+                  <a16:creationId xmlns="" xmlns:a16="http://schemas.microsoft.com/office/drawing/2014/main" id="{2E3DF883-8093-49FA-81E1-E5D77F086A25}"/>
                 </a:ext>
               </a:extLst>
             </p:cNvPr>
@@ -21607,7 +21609,7 @@
             <p:cNvPr id="17" name="Freeform: Shape 16">
               <a:extLst>
                 <a:ext uri="{FF2B5EF4-FFF2-40B4-BE49-F238E27FC236}">
-                  <a16:creationId xmlns:a16="http://schemas.microsoft.com/office/drawing/2014/main" xmlns="" id="{18944C90-37E5-4BBE-89FF-060627168050}"/>
+                  <a16:creationId xmlns="" xmlns:a16="http://schemas.microsoft.com/office/drawing/2014/main" id="{18944C90-37E5-4BBE-89FF-060627168050}"/>
                 </a:ext>
               </a:extLst>
             </p:cNvPr>
@@ -21706,7 +21708,7 @@
           <p:cNvPr id="6" name="Group 5">
             <a:extLst>
               <a:ext uri="{FF2B5EF4-FFF2-40B4-BE49-F238E27FC236}">
-                <a16:creationId xmlns:a16="http://schemas.microsoft.com/office/drawing/2014/main" xmlns="" id="{D9EBF8BB-A805-4DDB-B459-082F99815B95}"/>
+                <a16:creationId xmlns="" xmlns:a16="http://schemas.microsoft.com/office/drawing/2014/main" id="{D9EBF8BB-A805-4DDB-B459-082F99815B95}"/>
               </a:ext>
             </a:extLst>
           </p:cNvPr>
@@ -21726,7 +21728,7 @@
             <p:cNvPr id="19" name="Rectangle: Single Corner Snipped 18">
               <a:extLst>
                 <a:ext uri="{FF2B5EF4-FFF2-40B4-BE49-F238E27FC236}">
-                  <a16:creationId xmlns:a16="http://schemas.microsoft.com/office/drawing/2014/main" xmlns="" id="{5D638788-DD47-45E7-939A-FA108A818173}"/>
+                  <a16:creationId xmlns="" xmlns:a16="http://schemas.microsoft.com/office/drawing/2014/main" id="{5D638788-DD47-45E7-939A-FA108A818173}"/>
                 </a:ext>
               </a:extLst>
             </p:cNvPr>
@@ -21792,7 +21794,7 @@
             <p:cNvPr id="3" name="Rectangle: Single Corner Snipped 2">
               <a:extLst>
                 <a:ext uri="{FF2B5EF4-FFF2-40B4-BE49-F238E27FC236}">
-                  <a16:creationId xmlns:a16="http://schemas.microsoft.com/office/drawing/2014/main" xmlns="" id="{74BDECEF-EEFE-4332-B3B2-BDE4F82C10FC}"/>
+                  <a16:creationId xmlns="" xmlns:a16="http://schemas.microsoft.com/office/drawing/2014/main" id="{74BDECEF-EEFE-4332-B3B2-BDE4F82C10FC}"/>
                 </a:ext>
               </a:extLst>
             </p:cNvPr>
@@ -21849,7 +21851,7 @@
           <p:cNvPr id="24" name="Freeform: Shape 23">
             <a:extLst>
               <a:ext uri="{FF2B5EF4-FFF2-40B4-BE49-F238E27FC236}">
-                <a16:creationId xmlns:a16="http://schemas.microsoft.com/office/drawing/2014/main" xmlns="" id="{18103E00-7E4A-44CD-81AC-06433CAE1110}"/>
+                <a16:creationId xmlns="" xmlns:a16="http://schemas.microsoft.com/office/drawing/2014/main" id="{18103E00-7E4A-44CD-81AC-06433CAE1110}"/>
               </a:ext>
             </a:extLst>
           </p:cNvPr>
@@ -21944,7 +21946,7 @@
           <p:cNvPr id="5" name="Slide Number Placeholder 4">
             <a:extLst>
               <a:ext uri="{FF2B5EF4-FFF2-40B4-BE49-F238E27FC236}">
-                <a16:creationId xmlns:a16="http://schemas.microsoft.com/office/drawing/2014/main" xmlns="" id="{87B51822-97FF-47A7-8E4E-A0F79B4EB237}"/>
+                <a16:creationId xmlns="" xmlns:a16="http://schemas.microsoft.com/office/drawing/2014/main" id="{87B51822-97FF-47A7-8E4E-A0F79B4EB237}"/>
               </a:ext>
             </a:extLst>
           </p:cNvPr>
@@ -21988,7 +21990,7 @@
           <p:cNvPr id="20" name="Content Placeholder 2">
             <a:extLst>
               <a:ext uri="{FF2B5EF4-FFF2-40B4-BE49-F238E27FC236}">
-                <a16:creationId xmlns:a16="http://schemas.microsoft.com/office/drawing/2014/main" xmlns="" id="{0103A49C-32FF-49E6-86F3-FC2E19517BD5}"/>
+                <a16:creationId xmlns="" xmlns:a16="http://schemas.microsoft.com/office/drawing/2014/main" id="{0103A49C-32FF-49E6-86F3-FC2E19517BD5}"/>
               </a:ext>
             </a:extLst>
           </p:cNvPr>
@@ -22125,7 +22127,7 @@
           <p:cNvPr id="11" name="Rectangle 10">
             <a:extLst>
               <a:ext uri="{FF2B5EF4-FFF2-40B4-BE49-F238E27FC236}">
-                <a16:creationId xmlns:a16="http://schemas.microsoft.com/office/drawing/2014/main" xmlns="" id="{EB3E033F-4449-40FA-BC85-BD2712D313DD}"/>
+                <a16:creationId xmlns="" xmlns:a16="http://schemas.microsoft.com/office/drawing/2014/main" id="{EB3E033F-4449-40FA-BC85-BD2712D313DD}"/>
               </a:ext>
             </a:extLst>
           </p:cNvPr>
@@ -22179,7 +22181,7 @@
           <p:cNvPr id="10" name="Freeform: Shape 9">
             <a:extLst>
               <a:ext uri="{FF2B5EF4-FFF2-40B4-BE49-F238E27FC236}">
-                <a16:creationId xmlns:a16="http://schemas.microsoft.com/office/drawing/2014/main" xmlns="" id="{63D26743-0505-444C-80B3-E88EE87DF72B}"/>
+                <a16:creationId xmlns="" xmlns:a16="http://schemas.microsoft.com/office/drawing/2014/main" id="{63D26743-0505-444C-80B3-E88EE87DF72B}"/>
               </a:ext>
             </a:extLst>
           </p:cNvPr>
@@ -22302,7 +22304,7 @@
           <p:cNvPr id="18" name="Freeform: Shape 17">
             <a:extLst>
               <a:ext uri="{FF2B5EF4-FFF2-40B4-BE49-F238E27FC236}">
-                <a16:creationId xmlns:a16="http://schemas.microsoft.com/office/drawing/2014/main" xmlns="" id="{E37145E9-AC61-47D5-9288-8789940F81B6}"/>
+                <a16:creationId xmlns="" xmlns:a16="http://schemas.microsoft.com/office/drawing/2014/main" id="{E37145E9-AC61-47D5-9288-8789940F81B6}"/>
               </a:ext>
             </a:extLst>
           </p:cNvPr>
@@ -22454,7 +22456,7 @@
           <p:cNvPr id="12" name="Freeform: Shape 11">
             <a:extLst>
               <a:ext uri="{FF2B5EF4-FFF2-40B4-BE49-F238E27FC236}">
-                <a16:creationId xmlns:a16="http://schemas.microsoft.com/office/drawing/2014/main" xmlns="" id="{A5E2B3ED-9A49-40A7-B8A3-62595FE513F9}"/>
+                <a16:creationId xmlns="" xmlns:a16="http://schemas.microsoft.com/office/drawing/2014/main" id="{A5E2B3ED-9A49-40A7-B8A3-62595FE513F9}"/>
               </a:ext>
             </a:extLst>
           </p:cNvPr>
@@ -22604,7 +22606,7 @@
           <p:cNvPr id="8" name="Freeform: Shape 7">
             <a:extLst>
               <a:ext uri="{FF2B5EF4-FFF2-40B4-BE49-F238E27FC236}">
-                <a16:creationId xmlns:a16="http://schemas.microsoft.com/office/drawing/2014/main" xmlns="" id="{1599AF7E-3E34-4597-AA72-9373A7FDB020}"/>
+                <a16:creationId xmlns="" xmlns:a16="http://schemas.microsoft.com/office/drawing/2014/main" id="{1599AF7E-3E34-4597-AA72-9373A7FDB020}"/>
               </a:ext>
             </a:extLst>
           </p:cNvPr>
@@ -22750,7 +22752,7 @@
           <p:cNvPr id="2" name="Title 1">
             <a:extLst>
               <a:ext uri="{FF2B5EF4-FFF2-40B4-BE49-F238E27FC236}">
-                <a16:creationId xmlns:a16="http://schemas.microsoft.com/office/drawing/2014/main" xmlns="" id="{4A2DF563-7FAC-46B3-B24C-7E45CD89DA2B}"/>
+                <a16:creationId xmlns="" xmlns:a16="http://schemas.microsoft.com/office/drawing/2014/main" id="{4A2DF563-7FAC-46B3-B24C-7E45CD89DA2B}"/>
               </a:ext>
             </a:extLst>
           </p:cNvPr>
@@ -22796,7 +22798,7 @@
           <p:cNvPr id="15" name="Group 14">
             <a:extLst>
               <a:ext uri="{FF2B5EF4-FFF2-40B4-BE49-F238E27FC236}">
-                <a16:creationId xmlns:a16="http://schemas.microsoft.com/office/drawing/2014/main" xmlns="" id="{7732E1E7-45E3-4264-8F26-66758696DD1E}"/>
+                <a16:creationId xmlns="" xmlns:a16="http://schemas.microsoft.com/office/drawing/2014/main" id="{7732E1E7-45E3-4264-8F26-66758696DD1E}"/>
               </a:ext>
             </a:extLst>
           </p:cNvPr>
@@ -22816,7 +22818,7 @@
             <p:cNvPr id="16" name="Freeform: Shape 15">
               <a:extLst>
                 <a:ext uri="{FF2B5EF4-FFF2-40B4-BE49-F238E27FC236}">
-                  <a16:creationId xmlns:a16="http://schemas.microsoft.com/office/drawing/2014/main" xmlns="" id="{2E3DF883-8093-49FA-81E1-E5D77F086A25}"/>
+                  <a16:creationId xmlns="" xmlns:a16="http://schemas.microsoft.com/office/drawing/2014/main" id="{2E3DF883-8093-49FA-81E1-E5D77F086A25}"/>
                 </a:ext>
               </a:extLst>
             </p:cNvPr>
@@ -22906,7 +22908,7 @@
             <p:cNvPr id="17" name="Freeform: Shape 16">
               <a:extLst>
                 <a:ext uri="{FF2B5EF4-FFF2-40B4-BE49-F238E27FC236}">
-                  <a16:creationId xmlns:a16="http://schemas.microsoft.com/office/drawing/2014/main" xmlns="" id="{18944C90-37E5-4BBE-89FF-060627168050}"/>
+                  <a16:creationId xmlns="" xmlns:a16="http://schemas.microsoft.com/office/drawing/2014/main" id="{18944C90-37E5-4BBE-89FF-060627168050}"/>
                 </a:ext>
               </a:extLst>
             </p:cNvPr>
@@ -23005,7 +23007,7 @@
           <p:cNvPr id="6" name="Group 5">
             <a:extLst>
               <a:ext uri="{FF2B5EF4-FFF2-40B4-BE49-F238E27FC236}">
-                <a16:creationId xmlns:a16="http://schemas.microsoft.com/office/drawing/2014/main" xmlns="" id="{D9EBF8BB-A805-4DDB-B459-082F99815B95}"/>
+                <a16:creationId xmlns="" xmlns:a16="http://schemas.microsoft.com/office/drawing/2014/main" id="{D9EBF8BB-A805-4DDB-B459-082F99815B95}"/>
               </a:ext>
             </a:extLst>
           </p:cNvPr>
@@ -23025,7 +23027,7 @@
             <p:cNvPr id="19" name="Rectangle: Single Corner Snipped 18">
               <a:extLst>
                 <a:ext uri="{FF2B5EF4-FFF2-40B4-BE49-F238E27FC236}">
-                  <a16:creationId xmlns:a16="http://schemas.microsoft.com/office/drawing/2014/main" xmlns="" id="{5D638788-DD47-45E7-939A-FA108A818173}"/>
+                  <a16:creationId xmlns="" xmlns:a16="http://schemas.microsoft.com/office/drawing/2014/main" id="{5D638788-DD47-45E7-939A-FA108A818173}"/>
                 </a:ext>
               </a:extLst>
             </p:cNvPr>
@@ -23091,7 +23093,7 @@
             <p:cNvPr id="3" name="Rectangle: Single Corner Snipped 2">
               <a:extLst>
                 <a:ext uri="{FF2B5EF4-FFF2-40B4-BE49-F238E27FC236}">
-                  <a16:creationId xmlns:a16="http://schemas.microsoft.com/office/drawing/2014/main" xmlns="" id="{74BDECEF-EEFE-4332-B3B2-BDE4F82C10FC}"/>
+                  <a16:creationId xmlns="" xmlns:a16="http://schemas.microsoft.com/office/drawing/2014/main" id="{74BDECEF-EEFE-4332-B3B2-BDE4F82C10FC}"/>
                 </a:ext>
               </a:extLst>
             </p:cNvPr>
@@ -23148,7 +23150,7 @@
           <p:cNvPr id="24" name="Freeform: Shape 23">
             <a:extLst>
               <a:ext uri="{FF2B5EF4-FFF2-40B4-BE49-F238E27FC236}">
-                <a16:creationId xmlns:a16="http://schemas.microsoft.com/office/drawing/2014/main" xmlns="" id="{18103E00-7E4A-44CD-81AC-06433CAE1110}"/>
+                <a16:creationId xmlns="" xmlns:a16="http://schemas.microsoft.com/office/drawing/2014/main" id="{18103E00-7E4A-44CD-81AC-06433CAE1110}"/>
               </a:ext>
             </a:extLst>
           </p:cNvPr>
@@ -23243,7 +23245,7 @@
           <p:cNvPr id="5" name="Slide Number Placeholder 4">
             <a:extLst>
               <a:ext uri="{FF2B5EF4-FFF2-40B4-BE49-F238E27FC236}">
-                <a16:creationId xmlns:a16="http://schemas.microsoft.com/office/drawing/2014/main" xmlns="" id="{87B51822-97FF-47A7-8E4E-A0F79B4EB237}"/>
+                <a16:creationId xmlns="" xmlns:a16="http://schemas.microsoft.com/office/drawing/2014/main" id="{87B51822-97FF-47A7-8E4E-A0F79B4EB237}"/>
               </a:ext>
             </a:extLst>
           </p:cNvPr>
@@ -23287,7 +23289,7 @@
           <p:cNvPr id="25" name="Text Placeholder 2">
             <a:extLst>
               <a:ext uri="{FF2B5EF4-FFF2-40B4-BE49-F238E27FC236}">
-                <a16:creationId xmlns:a16="http://schemas.microsoft.com/office/drawing/2014/main" xmlns="" id="{7FA80A70-18DE-4DB9-9982-BA75BE54CF93}"/>
+                <a16:creationId xmlns="" xmlns:a16="http://schemas.microsoft.com/office/drawing/2014/main" id="{7FA80A70-18DE-4DB9-9982-BA75BE54CF93}"/>
               </a:ext>
             </a:extLst>
           </p:cNvPr>
@@ -23365,7 +23367,7 @@
           <p:cNvPr id="26" name="Text Placeholder 4">
             <a:extLst>
               <a:ext uri="{FF2B5EF4-FFF2-40B4-BE49-F238E27FC236}">
-                <a16:creationId xmlns:a16="http://schemas.microsoft.com/office/drawing/2014/main" xmlns="" id="{2801C0EF-C078-44B0-AD01-4850E9A65EE0}"/>
+                <a16:creationId xmlns="" xmlns:a16="http://schemas.microsoft.com/office/drawing/2014/main" id="{2801C0EF-C078-44B0-AD01-4850E9A65EE0}"/>
               </a:ext>
             </a:extLst>
           </p:cNvPr>
@@ -23443,7 +23445,7 @@
           <p:cNvPr id="27" name="Content Placeholder 3">
             <a:extLst>
               <a:ext uri="{FF2B5EF4-FFF2-40B4-BE49-F238E27FC236}">
-                <a16:creationId xmlns:a16="http://schemas.microsoft.com/office/drawing/2014/main" xmlns="" id="{7C9DED91-45F6-4308-A085-1EFACA6468CF}"/>
+                <a16:creationId xmlns="" xmlns:a16="http://schemas.microsoft.com/office/drawing/2014/main" id="{7C9DED91-45F6-4308-A085-1EFACA6468CF}"/>
               </a:ext>
             </a:extLst>
           </p:cNvPr>
@@ -23544,7 +23546,7 @@
           <p:cNvPr id="28" name="Content Placeholder 5">
             <a:extLst>
               <a:ext uri="{FF2B5EF4-FFF2-40B4-BE49-F238E27FC236}">
-                <a16:creationId xmlns:a16="http://schemas.microsoft.com/office/drawing/2014/main" xmlns="" id="{0574B5E7-B666-439B-9278-67BE1EA6EBC5}"/>
+                <a16:creationId xmlns="" xmlns:a16="http://schemas.microsoft.com/office/drawing/2014/main" id="{0574B5E7-B666-439B-9278-67BE1EA6EBC5}"/>
               </a:ext>
             </a:extLst>
           </p:cNvPr>
@@ -23680,7 +23682,7 @@
           <p:cNvPr id="2" name="Title Placeholder 1">
             <a:extLst>
               <a:ext uri="{FF2B5EF4-FFF2-40B4-BE49-F238E27FC236}">
-                <a16:creationId xmlns:a16="http://schemas.microsoft.com/office/drawing/2014/main" xmlns="" id="{761B0E15-6FC5-434E-8780-B186D9DB0CD0}"/>
+                <a16:creationId xmlns="" xmlns:a16="http://schemas.microsoft.com/office/drawing/2014/main" id="{761B0E15-6FC5-434E-8780-B186D9DB0CD0}"/>
               </a:ext>
             </a:extLst>
           </p:cNvPr>
@@ -23719,7 +23721,7 @@
           <p:cNvPr id="3" name="Text Placeholder 2">
             <a:extLst>
               <a:ext uri="{FF2B5EF4-FFF2-40B4-BE49-F238E27FC236}">
-                <a16:creationId xmlns:a16="http://schemas.microsoft.com/office/drawing/2014/main" xmlns="" id="{A9C7B128-34F3-405C-B601-8BAFDB43499C}"/>
+                <a16:creationId xmlns="" xmlns:a16="http://schemas.microsoft.com/office/drawing/2014/main" id="{A9C7B128-34F3-405C-B601-8BAFDB43499C}"/>
               </a:ext>
             </a:extLst>
           </p:cNvPr>
@@ -23787,7 +23789,7 @@
           <p:cNvPr id="6" name="Slide Number Placeholder 5">
             <a:extLst>
               <a:ext uri="{FF2B5EF4-FFF2-40B4-BE49-F238E27FC236}">
-                <a16:creationId xmlns:a16="http://schemas.microsoft.com/office/drawing/2014/main" xmlns="" id="{9F5A7754-E8C7-438B-922D-9027C6CF58E2}"/>
+                <a16:creationId xmlns="" xmlns:a16="http://schemas.microsoft.com/office/drawing/2014/main" id="{9F5A7754-E8C7-438B-922D-9027C6CF58E2}"/>
               </a:ext>
             </a:extLst>
           </p:cNvPr>
@@ -23834,7 +23836,7 @@
           <p:cNvPr id="5" name="Rectangle 4">
             <a:extLst>
               <a:ext uri="{FF2B5EF4-FFF2-40B4-BE49-F238E27FC236}">
-                <a16:creationId xmlns:a16="http://schemas.microsoft.com/office/drawing/2014/main" xmlns="" id="{7CDDDB7D-9189-9548-A2B9-81DC62C3C1A3}"/>
+                <a16:creationId xmlns="" xmlns:a16="http://schemas.microsoft.com/office/drawing/2014/main" id="{7CDDDB7D-9189-9548-A2B9-81DC62C3C1A3}"/>
               </a:ext>
             </a:extLst>
           </p:cNvPr>
@@ -23888,7 +23890,7 @@
           <p:cNvPr id="7" name="Freeform: Shape 9">
             <a:extLst>
               <a:ext uri="{FF2B5EF4-FFF2-40B4-BE49-F238E27FC236}">
-                <a16:creationId xmlns:a16="http://schemas.microsoft.com/office/drawing/2014/main" xmlns="" id="{096D8877-6B4A-4540-8927-767DD7401718}"/>
+                <a16:creationId xmlns="" xmlns:a16="http://schemas.microsoft.com/office/drawing/2014/main" id="{096D8877-6B4A-4540-8927-767DD7401718}"/>
               </a:ext>
             </a:extLst>
           </p:cNvPr>
@@ -24011,7 +24013,7 @@
           <p:cNvPr id="8" name="Freeform: Shape 17">
             <a:extLst>
               <a:ext uri="{FF2B5EF4-FFF2-40B4-BE49-F238E27FC236}">
-                <a16:creationId xmlns:a16="http://schemas.microsoft.com/office/drawing/2014/main" xmlns="" id="{5AF2E123-FE0F-8541-8E36-5030C450AA7E}"/>
+                <a16:creationId xmlns="" xmlns:a16="http://schemas.microsoft.com/office/drawing/2014/main" id="{5AF2E123-FE0F-8541-8E36-5030C450AA7E}"/>
               </a:ext>
             </a:extLst>
           </p:cNvPr>
@@ -24163,7 +24165,7 @@
           <p:cNvPr id="9" name="Freeform: Shape 11">
             <a:extLst>
               <a:ext uri="{FF2B5EF4-FFF2-40B4-BE49-F238E27FC236}">
-                <a16:creationId xmlns:a16="http://schemas.microsoft.com/office/drawing/2014/main" xmlns="" id="{E5519D99-3B68-924A-9CD0-14B911711CA8}"/>
+                <a16:creationId xmlns="" xmlns:a16="http://schemas.microsoft.com/office/drawing/2014/main" id="{E5519D99-3B68-924A-9CD0-14B911711CA8}"/>
               </a:ext>
             </a:extLst>
           </p:cNvPr>
@@ -24313,7 +24315,7 @@
           <p:cNvPr id="10" name="Freeform: Shape 7">
             <a:extLst>
               <a:ext uri="{FF2B5EF4-FFF2-40B4-BE49-F238E27FC236}">
-                <a16:creationId xmlns:a16="http://schemas.microsoft.com/office/drawing/2014/main" xmlns="" id="{A09E21A9-FBEF-144C-A152-FE484F3C55C1}"/>
+                <a16:creationId xmlns="" xmlns:a16="http://schemas.microsoft.com/office/drawing/2014/main" id="{A09E21A9-FBEF-144C-A152-FE484F3C55C1}"/>
               </a:ext>
             </a:extLst>
           </p:cNvPr>
@@ -24459,7 +24461,7 @@
           <p:cNvPr id="11" name="Title 1">
             <a:extLst>
               <a:ext uri="{FF2B5EF4-FFF2-40B4-BE49-F238E27FC236}">
-                <a16:creationId xmlns:a16="http://schemas.microsoft.com/office/drawing/2014/main" xmlns="" id="{70C7F2CB-A8CE-1545-A08D-93592C4BAEEA}"/>
+                <a16:creationId xmlns="" xmlns:a16="http://schemas.microsoft.com/office/drawing/2014/main" id="{70C7F2CB-A8CE-1545-A08D-93592C4BAEEA}"/>
               </a:ext>
             </a:extLst>
           </p:cNvPr>
@@ -24515,7 +24517,7 @@
           <p:cNvPr id="12" name="Group 11">
             <a:extLst>
               <a:ext uri="{FF2B5EF4-FFF2-40B4-BE49-F238E27FC236}">
-                <a16:creationId xmlns:a16="http://schemas.microsoft.com/office/drawing/2014/main" xmlns="" id="{7068FCE4-1B47-3C4B-B091-013120A97D09}"/>
+                <a16:creationId xmlns="" xmlns:a16="http://schemas.microsoft.com/office/drawing/2014/main" id="{7068FCE4-1B47-3C4B-B091-013120A97D09}"/>
               </a:ext>
             </a:extLst>
           </p:cNvPr>
@@ -24535,7 +24537,7 @@
             <p:cNvPr id="13" name="Freeform: Shape 15">
               <a:extLst>
                 <a:ext uri="{FF2B5EF4-FFF2-40B4-BE49-F238E27FC236}">
-                  <a16:creationId xmlns:a16="http://schemas.microsoft.com/office/drawing/2014/main" xmlns="" id="{FEC3FDE7-F27E-5E4E-8752-287CAB7792D4}"/>
+                  <a16:creationId xmlns="" xmlns:a16="http://schemas.microsoft.com/office/drawing/2014/main" id="{FEC3FDE7-F27E-5E4E-8752-287CAB7792D4}"/>
                 </a:ext>
               </a:extLst>
             </p:cNvPr>
@@ -24625,7 +24627,7 @@
             <p:cNvPr id="14" name="Freeform: Shape 16">
               <a:extLst>
                 <a:ext uri="{FF2B5EF4-FFF2-40B4-BE49-F238E27FC236}">
-                  <a16:creationId xmlns:a16="http://schemas.microsoft.com/office/drawing/2014/main" xmlns="" id="{81C902DB-0D21-5044-82B6-9E7A70A1BF62}"/>
+                  <a16:creationId xmlns="" xmlns:a16="http://schemas.microsoft.com/office/drawing/2014/main" id="{81C902DB-0D21-5044-82B6-9E7A70A1BF62}"/>
                 </a:ext>
               </a:extLst>
             </p:cNvPr>
@@ -24724,7 +24726,7 @@
           <p:cNvPr id="15" name="Group 14">
             <a:extLst>
               <a:ext uri="{FF2B5EF4-FFF2-40B4-BE49-F238E27FC236}">
-                <a16:creationId xmlns:a16="http://schemas.microsoft.com/office/drawing/2014/main" xmlns="" id="{BE1E08A0-195D-694F-947B-986A76FBB93E}"/>
+                <a16:creationId xmlns="" xmlns:a16="http://schemas.microsoft.com/office/drawing/2014/main" id="{BE1E08A0-195D-694F-947B-986A76FBB93E}"/>
               </a:ext>
             </a:extLst>
           </p:cNvPr>
@@ -24744,7 +24746,7 @@
             <p:cNvPr id="16" name="Rectangle: Single Corner Snipped 18">
               <a:extLst>
                 <a:ext uri="{FF2B5EF4-FFF2-40B4-BE49-F238E27FC236}">
-                  <a16:creationId xmlns:a16="http://schemas.microsoft.com/office/drawing/2014/main" xmlns="" id="{ED5DFFCD-1EE3-E64E-B51F-BD7D72413E0B}"/>
+                  <a16:creationId xmlns="" xmlns:a16="http://schemas.microsoft.com/office/drawing/2014/main" id="{ED5DFFCD-1EE3-E64E-B51F-BD7D72413E0B}"/>
                 </a:ext>
               </a:extLst>
             </p:cNvPr>
@@ -24810,7 +24812,7 @@
             <p:cNvPr id="17" name="Rectangle: Single Corner Snipped 2">
               <a:extLst>
                 <a:ext uri="{FF2B5EF4-FFF2-40B4-BE49-F238E27FC236}">
-                  <a16:creationId xmlns:a16="http://schemas.microsoft.com/office/drawing/2014/main" xmlns="" id="{C12DB3CA-8E64-AA43-BFBE-A2CA9A816DBE}"/>
+                  <a16:creationId xmlns="" xmlns:a16="http://schemas.microsoft.com/office/drawing/2014/main" id="{C12DB3CA-8E64-AA43-BFBE-A2CA9A816DBE}"/>
                 </a:ext>
               </a:extLst>
             </p:cNvPr>
@@ -24867,7 +24869,7 @@
           <p:cNvPr id="18" name="Freeform: Shape 23">
             <a:extLst>
               <a:ext uri="{FF2B5EF4-FFF2-40B4-BE49-F238E27FC236}">
-                <a16:creationId xmlns:a16="http://schemas.microsoft.com/office/drawing/2014/main" xmlns="" id="{A587DEFD-D470-4142-8E0D-A71DDB147C92}"/>
+                <a16:creationId xmlns="" xmlns:a16="http://schemas.microsoft.com/office/drawing/2014/main" id="{A587DEFD-D470-4142-8E0D-A71DDB147C92}"/>
               </a:ext>
             </a:extLst>
           </p:cNvPr>
@@ -24962,7 +24964,7 @@
           <p:cNvPr id="19" name="Slide Number Placeholder 4">
             <a:extLst>
               <a:ext uri="{FF2B5EF4-FFF2-40B4-BE49-F238E27FC236}">
-                <a16:creationId xmlns:a16="http://schemas.microsoft.com/office/drawing/2014/main" xmlns="" id="{7D9BF857-7910-734D-A217-5E3344220AA2}"/>
+                <a16:creationId xmlns="" xmlns:a16="http://schemas.microsoft.com/office/drawing/2014/main" id="{7D9BF857-7910-734D-A217-5E3344220AA2}"/>
               </a:ext>
             </a:extLst>
           </p:cNvPr>
@@ -25480,7 +25482,7 @@
           <p:cNvPr id="2" name="Title 1">
             <a:extLst>
               <a:ext uri="{FF2B5EF4-FFF2-40B4-BE49-F238E27FC236}">
-                <a16:creationId xmlns:a16="http://schemas.microsoft.com/office/drawing/2014/main" xmlns="" id="{632BE5BF-9922-45FB-8F3F-4446D40A051B}"/>
+                <a16:creationId xmlns="" xmlns:a16="http://schemas.microsoft.com/office/drawing/2014/main" id="{632BE5BF-9922-45FB-8F3F-4446D40A051B}"/>
               </a:ext>
             </a:extLst>
           </p:cNvPr>
@@ -25572,7 +25574,7 @@
           <p:cNvPr id="7" name="Title 6">
             <a:extLst>
               <a:ext uri="{FF2B5EF4-FFF2-40B4-BE49-F238E27FC236}">
-                <a16:creationId xmlns:a16="http://schemas.microsoft.com/office/drawing/2014/main" xmlns="" id="{7875C19A-1AAE-476A-A316-A2CF92D763D3}"/>
+                <a16:creationId xmlns="" xmlns:a16="http://schemas.microsoft.com/office/drawing/2014/main" id="{7875C19A-1AAE-476A-A316-A2CF92D763D3}"/>
               </a:ext>
             </a:extLst>
           </p:cNvPr>
@@ -25601,7 +25603,7 @@
           <p:cNvPr id="10" name="Text Placeholder 9">
             <a:extLst>
               <a:ext uri="{FF2B5EF4-FFF2-40B4-BE49-F238E27FC236}">
-                <a16:creationId xmlns:a16="http://schemas.microsoft.com/office/drawing/2014/main" xmlns="" id="{EF2BC084-E6DB-4DE7-B309-042A85EBA700}"/>
+                <a16:creationId xmlns="" xmlns:a16="http://schemas.microsoft.com/office/drawing/2014/main" id="{EF2BC084-E6DB-4DE7-B309-042A85EBA700}"/>
               </a:ext>
             </a:extLst>
           </p:cNvPr>
@@ -25676,7 +25678,7 @@
           <p:cNvPr id="2" name="Slide Number Placeholder 1">
             <a:extLst>
               <a:ext uri="{FF2B5EF4-FFF2-40B4-BE49-F238E27FC236}">
-                <a16:creationId xmlns:a16="http://schemas.microsoft.com/office/drawing/2014/main" xmlns="" id="{BE9800F6-D571-48C4-8466-12AA1ADB6599}"/>
+                <a16:creationId xmlns="" xmlns:a16="http://schemas.microsoft.com/office/drawing/2014/main" id="{BE9800F6-D571-48C4-8466-12AA1ADB6599}"/>
               </a:ext>
             </a:extLst>
           </p:cNvPr>
@@ -25767,7 +25769,15 @@
           <a:p>
             <a:r>
               <a:rPr lang="es-ES" dirty="0"/>
-              <a:t>Principio de diseño de la inversión de control</a:t>
+              <a:t>Principio de diseño de </a:t>
+            </a:r>
+            <a:r>
+              <a:rPr lang="es-ES" dirty="0" smtClean="0"/>
+              <a:t>inversión </a:t>
+            </a:r>
+            <a:r>
+              <a:rPr lang="es-ES" dirty="0"/>
+              <a:t>de control</a:t>
             </a:r>
             <a:endParaRPr lang="en-US" dirty="0"/>
           </a:p>
@@ -25814,23 +25824,39 @@
           </a:xfrm>
         </p:spPr>
         <p:txBody>
-          <a:bodyPr/>
+          <a:bodyPr>
+            <a:normAutofit fontScale="92500"/>
+          </a:bodyPr>
           <a:lstStyle/>
           <a:p>
             <a:r>
+              <a:rPr lang="es-ES" dirty="0" smtClean="0"/>
+              <a:t>Es </a:t>
+            </a:r>
+            <a:r>
               <a:rPr lang="es-ES" dirty="0"/>
-              <a:t>El principio de diseño de inversión de control se utiliza para invertir diferentes tipos de controles en el diseño orientado al objeto para lograr un acoplamiento suelto</a:t>
+              <a:t>un principio de diseño de software en el que el flujo de ejecución de un programa se invierte respecto a los métodos de programación </a:t>
             </a:r>
             <a:r>
               <a:rPr lang="es-ES" dirty="0" smtClean="0"/>
-              <a:t>.</a:t>
+              <a:t>tradicionales.</a:t>
             </a:r>
-            <a:endParaRPr lang="es-ES" dirty="0"/>
           </a:p>
           <a:p>
             <a:r>
               <a:rPr lang="es-ES" dirty="0"/>
-              <a:t>Ayuda a diseñar clases de acoplamiento suelto que las hacen comprobables, </a:t>
+              <a:t>La inversión de control es un término genérico que puede implementarse de diferentes maneras. Por ejemplo se puede implementar mediante eventos o mediante Inyección de Dependencias.</a:t>
+            </a:r>
+            <a:endParaRPr lang="es-ES" dirty="0" smtClean="0"/>
+          </a:p>
+          <a:p>
+            <a:r>
+              <a:rPr lang="es-ES" dirty="0" smtClean="0"/>
+              <a:t>Ayuda </a:t>
+            </a:r>
+            <a:r>
+              <a:rPr lang="es-ES" dirty="0"/>
+              <a:t>a diseñar clases de acoplamiento suelto que las hacen comprobables, </a:t>
             </a:r>
             <a:r>
               <a:rPr lang="es-ES" dirty="0" smtClean="0"/>
@@ -25838,35 +25864,36 @@
             </a:r>
             <a:r>
               <a:rPr lang="es-ES" dirty="0"/>
-              <a:t>y extensibles</a:t>
+              <a:t>y </a:t>
             </a:r>
             <a:r>
               <a:rPr lang="es-ES" dirty="0" smtClean="0"/>
-              <a:t>.</a:t>
+              <a:t>extensibles.</a:t>
             </a:r>
           </a:p>
           <a:p>
+            <a:pPr marL="0" indent="0">
+              <a:buNone/>
+            </a:pPr>
+            <a:endParaRPr lang="es-ES" dirty="0"/>
+          </a:p>
+          <a:p>
+            <a:pPr marL="0" indent="0">
+              <a:buNone/>
+            </a:pPr>
+            <a:endParaRPr lang="es-ES" dirty="0" smtClean="0"/>
+          </a:p>
+          <a:p>
+            <a:pPr marL="0" indent="0">
+              <a:buNone/>
+            </a:pPr>
             <a:r>
-              <a:rPr lang="es-ES" dirty="0" smtClean="0"/>
-              <a:t>Imprescindible </a:t>
+              <a:rPr lang="en-US" sz="900" dirty="0">
+                <a:hlinkClick r:id="rId2"/>
+              </a:rPr>
+              <a:t>https://es.wikipedia.org/wiki/Inversi%C3%B3n_de_control#:~:text=Inversi%C3%B3n%20de%20control%20(Inversion%20of,los%20m%C3%A9todos%20de%20programaci%C3%B3n%20tradicionales.</a:t>
             </a:r>
-            <a:r>
-              <a:rPr lang="es-ES" dirty="0"/>
-              <a:t>para el </a:t>
-            </a:r>
-            <a:r>
-              <a:rPr lang="es-ES" dirty="0" smtClean="0"/>
-              <a:t>desarrollo </a:t>
-            </a:r>
-            <a:r>
-              <a:rPr lang="es-ES" dirty="0"/>
-              <a:t>impulsado por pruebas </a:t>
-            </a:r>
-            <a:r>
-              <a:rPr lang="es-ES" dirty="0" smtClean="0"/>
-              <a:t>(TDD)</a:t>
-            </a:r>
-            <a:endParaRPr lang="en-US" dirty="0" smtClean="0"/>
+            <a:endParaRPr lang="es-ES" sz="900" dirty="0" smtClean="0"/>
           </a:p>
         </p:txBody>
       </p:sp>
@@ -25923,7 +25950,7 @@
           <a:lstStyle/>
           <a:p>
             <a:r>
-              <a:rPr lang="es-ES" dirty="0"/>
+              <a:rPr lang="es-ES" smtClean="0"/>
               <a:t>Principio de diseño de la inversión de la dependencia</a:t>
             </a:r>
             <a:endParaRPr lang="en-US" dirty="0"/>
@@ -25971,24 +25998,82 @@
           </a:xfrm>
         </p:spPr>
         <p:txBody>
-          <a:bodyPr/>
+          <a:bodyPr>
+            <a:normAutofit/>
+          </a:bodyPr>
           <a:lstStyle/>
           <a:p>
             <a:r>
-              <a:rPr lang="es-ES" dirty="0"/>
-              <a:t>Los módulos de alto nivel no deben depender de los módulos de bajo nivel. Ambos deberían depender de abstracciones (por ejemplo, </a:t>
-            </a:r>
-            <a:r>
               <a:rPr lang="es-ES" dirty="0" smtClean="0"/>
-              <a:t>interfaces).</a:t>
+              <a:t>Los módulos de alto nivel no deberían depender de los de bajo nivel, ambos deberían depender de abstracciones.</a:t>
             </a:r>
           </a:p>
           <a:p>
             <a:r>
-              <a:rPr lang="es-ES" dirty="0"/>
-              <a:t>Las abstracciones no deben depender de los detalles. Los detalles (implementaciones concretas) deben depender de las abstracciones.</a:t>
+              <a:rPr lang="es-ES" dirty="0" smtClean="0"/>
+              <a:t>Las abstracciones no deben depender de los detalles, los detalles deben depender de las abstracciones.</a:t>
             </a:r>
-            <a:endParaRPr lang="es-HN" dirty="0" smtClean="0"/>
+          </a:p>
+          <a:p>
+            <a:endParaRPr lang="es-ES" dirty="0" smtClean="0"/>
+          </a:p>
+          <a:p>
+            <a:pPr marL="0" indent="0">
+              <a:buNone/>
+            </a:pPr>
+            <a:endParaRPr lang="es-ES" dirty="0" smtClean="0"/>
+          </a:p>
+          <a:p>
+            <a:pPr marL="0" indent="0">
+              <a:buNone/>
+            </a:pPr>
+            <a:endParaRPr lang="en-US" sz="1000" dirty="0" smtClean="0">
+              <a:hlinkClick r:id="rId2"/>
+            </a:endParaRPr>
+          </a:p>
+          <a:p>
+            <a:pPr marL="0" indent="0">
+              <a:buNone/>
+            </a:pPr>
+            <a:endParaRPr lang="en-US" sz="1000" dirty="0" smtClean="0">
+              <a:hlinkClick r:id="rId2"/>
+            </a:endParaRPr>
+          </a:p>
+          <a:p>
+            <a:pPr marL="0" indent="0">
+              <a:buNone/>
+            </a:pPr>
+            <a:endParaRPr lang="en-US" sz="1000" dirty="0" smtClean="0">
+              <a:hlinkClick r:id="rId2"/>
+            </a:endParaRPr>
+          </a:p>
+          <a:p>
+            <a:pPr marL="0" indent="0">
+              <a:buNone/>
+            </a:pPr>
+            <a:endParaRPr lang="en-US" sz="1000" dirty="0" smtClean="0">
+              <a:hlinkClick r:id="rId2"/>
+            </a:endParaRPr>
+          </a:p>
+          <a:p>
+            <a:pPr marL="0" indent="0">
+              <a:buNone/>
+            </a:pPr>
+            <a:endParaRPr lang="en-US" sz="1000" dirty="0" smtClean="0">
+              <a:hlinkClick r:id="rId2"/>
+            </a:endParaRPr>
+          </a:p>
+          <a:p>
+            <a:pPr marL="0" indent="0">
+              <a:buNone/>
+            </a:pPr>
+            <a:r>
+              <a:rPr lang="en-US" sz="1000" dirty="0" smtClean="0">
+                <a:hlinkClick r:id="rId2"/>
+              </a:rPr>
+              <a:t>http://xurxodev.com/profundizando-en-la-inversion-de-dependencia/#:~:text=Arquitectura%20en%20capas%20con%20inversi%C3%B3n,deben%20depender%20de%20las%20abstracciones.</a:t>
+            </a:r>
+            <a:endParaRPr lang="es-HN" sz="1000" dirty="0" smtClean="0"/>
           </a:p>
         </p:txBody>
       </p:sp>
@@ -26163,6 +26248,330 @@
       </p:par>
     </p:tnLst>
   </p:timing>
+</p:sld>
+</file>
+
+<file path=ppt/slides/slide6.xml><?xml version="1.0" encoding="utf-8"?>
+<p:sld xmlns:a="http://schemas.openxmlformats.org/drawingml/2006/main" xmlns:r="http://schemas.openxmlformats.org/officeDocument/2006/relationships" xmlns:p="http://schemas.openxmlformats.org/presentationml/2006/main">
+  <p:cSld>
+    <p:spTree>
+      <p:nvGrpSpPr>
+        <p:cNvPr id="1" name=""/>
+        <p:cNvGrpSpPr/>
+        <p:nvPr/>
+      </p:nvGrpSpPr>
+      <p:grpSpPr>
+        <a:xfrm>
+          <a:off x="0" y="0"/>
+          <a:ext cx="0" cy="0"/>
+          <a:chOff x="0" y="0"/>
+          <a:chExt cx="0" cy="0"/>
+        </a:xfrm>
+      </p:grpSpPr>
+      <p:sp>
+        <p:nvSpPr>
+          <p:cNvPr id="2" name="Title 1"/>
+          <p:cNvSpPr>
+            <a:spLocks noGrp="1"/>
+          </p:cNvSpPr>
+          <p:nvPr>
+            <p:ph type="title"/>
+          </p:nvPr>
+        </p:nvSpPr>
+        <p:spPr/>
+        <p:txBody>
+          <a:bodyPr/>
+          <a:lstStyle/>
+          <a:p>
+            <a:r>
+              <a:rPr lang="es-HN" dirty="0" smtClean="0"/>
+              <a:t>Contenedor de Inversión de Control</a:t>
+            </a:r>
+            <a:endParaRPr lang="es-HN" dirty="0"/>
+          </a:p>
+        </p:txBody>
+      </p:sp>
+      <p:sp>
+        <p:nvSpPr>
+          <p:cNvPr id="3" name="Slide Number Placeholder 2"/>
+          <p:cNvSpPr>
+            <a:spLocks noGrp="1"/>
+          </p:cNvSpPr>
+          <p:nvPr>
+            <p:ph type="sldNum" sz="quarter" idx="12"/>
+          </p:nvPr>
+        </p:nvSpPr>
+        <p:spPr/>
+        <p:txBody>
+          <a:bodyPr/>
+          <a:lstStyle/>
+          <a:p>
+            <a:fld id="{C263D6C4-4840-40CC-AC84-17E24B3B7BDE}" type="slidenum">
+              <a:rPr lang="en-US" noProof="0" smtClean="0"/>
+              <a:pPr/>
+              <a:t>6</a:t>
+            </a:fld>
+            <a:endParaRPr lang="en-US" noProof="0" dirty="0"/>
+          </a:p>
+        </p:txBody>
+      </p:sp>
+      <p:sp>
+        <p:nvSpPr>
+          <p:cNvPr id="4" name="Content Placeholder 3"/>
+          <p:cNvSpPr>
+            <a:spLocks noGrp="1"/>
+          </p:cNvSpPr>
+          <p:nvPr>
+            <p:ph idx="1"/>
+          </p:nvPr>
+        </p:nvSpPr>
+        <p:spPr/>
+        <p:txBody>
+          <a:bodyPr>
+            <a:normAutofit lnSpcReduction="10000"/>
+          </a:bodyPr>
+          <a:lstStyle/>
+          <a:p>
+            <a:r>
+              <a:rPr lang="es-HN" dirty="0" smtClean="0"/>
+              <a:t>También llamado Contenedor de Inyección de Dependencias.</a:t>
+            </a:r>
+          </a:p>
+          <a:p>
+            <a:r>
+              <a:rPr lang="es-ES" dirty="0"/>
+              <a:t>Es un marco </a:t>
+            </a:r>
+            <a:r>
+              <a:rPr lang="es-ES" dirty="0" smtClean="0"/>
+              <a:t>(“</a:t>
+            </a:r>
+            <a:r>
+              <a:rPr lang="es-ES" dirty="0" err="1" smtClean="0"/>
+              <a:t>framework</a:t>
+            </a:r>
+            <a:r>
+              <a:rPr lang="es-ES" dirty="0" smtClean="0"/>
+              <a:t>”) para </a:t>
+            </a:r>
+            <a:r>
+              <a:rPr lang="es-ES" dirty="0"/>
+              <a:t>la aplicación de la inyección automática de </a:t>
+            </a:r>
+            <a:r>
+              <a:rPr lang="es-ES" dirty="0" smtClean="0"/>
+              <a:t>dependencia.</a:t>
+            </a:r>
+          </a:p>
+          <a:p>
+            <a:r>
+              <a:rPr lang="es-ES" dirty="0" smtClean="0"/>
+              <a:t>Gestiona </a:t>
+            </a:r>
+            <a:r>
+              <a:rPr lang="es-ES" dirty="0"/>
+              <a:t>la creación y vida de los objetos y también inyecta dependencias a la clase</a:t>
+            </a:r>
+            <a:r>
+              <a:rPr lang="es-ES" dirty="0" smtClean="0"/>
+              <a:t>.</a:t>
+            </a:r>
+          </a:p>
+          <a:p>
+            <a:r>
+              <a:rPr lang="es-ES" dirty="0"/>
+              <a:t>Hay varios, pero usamos </a:t>
+            </a:r>
+            <a:r>
+              <a:rPr lang="es-ES" dirty="0" err="1"/>
+              <a:t>Ninject</a:t>
+            </a:r>
+            <a:r>
+              <a:rPr lang="es-ES" dirty="0"/>
+              <a:t> porque es fácil de usar y satisface nuestras necesidades</a:t>
+            </a:r>
+            <a:r>
+              <a:rPr lang="es-ES" dirty="0" smtClean="0"/>
+              <a:t>.</a:t>
+            </a:r>
+          </a:p>
+          <a:p>
+            <a:r>
+              <a:rPr lang="es-ES" dirty="0"/>
+              <a:t>Vea una lista completa </a:t>
+            </a:r>
+            <a:r>
+              <a:rPr lang="es-ES" dirty="0" smtClean="0"/>
+              <a:t>aquí: </a:t>
+            </a:r>
+            <a:r>
+              <a:rPr lang="en-US" dirty="0" smtClean="0">
+                <a:hlinkClick r:id="rId2"/>
+              </a:rPr>
+              <a:t>https</a:t>
+            </a:r>
+            <a:r>
+              <a:rPr lang="en-US" dirty="0">
+                <a:hlinkClick r:id="rId2"/>
+              </a:rPr>
+              <a:t>://www.claudiobernasconi.ch/2019/01/24/the-ultimate-list-of-net-dependency-injection-frameworks/</a:t>
+            </a:r>
+            <a:endParaRPr lang="es-ES" dirty="0" smtClean="0"/>
+          </a:p>
+        </p:txBody>
+      </p:sp>
+    </p:spTree>
+    <p:extLst>
+      <p:ext uri="{BB962C8B-B14F-4D97-AF65-F5344CB8AC3E}">
+        <p14:creationId xmlns:p14="http://schemas.microsoft.com/office/powerpoint/2010/main" val="4277021664"/>
+      </p:ext>
+    </p:extLst>
+  </p:cSld>
+  <p:clrMapOvr>
+    <a:masterClrMapping/>
+  </p:clrMapOvr>
+</p:sld>
+</file>
+
+<file path=ppt/slides/slide7.xml><?xml version="1.0" encoding="utf-8"?>
+<p:sld xmlns:a="http://schemas.openxmlformats.org/drawingml/2006/main" xmlns:r="http://schemas.openxmlformats.org/officeDocument/2006/relationships" xmlns:p="http://schemas.openxmlformats.org/presentationml/2006/main">
+  <p:cSld>
+    <p:spTree>
+      <p:nvGrpSpPr>
+        <p:cNvPr id="1" name=""/>
+        <p:cNvGrpSpPr/>
+        <p:nvPr/>
+      </p:nvGrpSpPr>
+      <p:grpSpPr>
+        <a:xfrm>
+          <a:off x="0" y="0"/>
+          <a:ext cx="0" cy="0"/>
+          <a:chOff x="0" y="0"/>
+          <a:chExt cx="0" cy="0"/>
+        </a:xfrm>
+      </p:grpSpPr>
+      <p:sp>
+        <p:nvSpPr>
+          <p:cNvPr id="2" name="Title 1"/>
+          <p:cNvSpPr>
+            <a:spLocks noGrp="1"/>
+          </p:cNvSpPr>
+          <p:nvPr>
+            <p:ph type="title"/>
+          </p:nvPr>
+        </p:nvSpPr>
+        <p:spPr/>
+        <p:txBody>
+          <a:bodyPr/>
+          <a:lstStyle/>
+          <a:p>
+            <a:r>
+              <a:rPr lang="es-HN" dirty="0" err="1" smtClean="0"/>
+              <a:t>Ninject</a:t>
+            </a:r>
+            <a:endParaRPr lang="es-HN" dirty="0"/>
+          </a:p>
+        </p:txBody>
+      </p:sp>
+      <p:sp>
+        <p:nvSpPr>
+          <p:cNvPr id="3" name="Slide Number Placeholder 2"/>
+          <p:cNvSpPr>
+            <a:spLocks noGrp="1"/>
+          </p:cNvSpPr>
+          <p:nvPr>
+            <p:ph type="sldNum" sz="quarter" idx="12"/>
+          </p:nvPr>
+        </p:nvSpPr>
+        <p:spPr/>
+        <p:txBody>
+          <a:bodyPr/>
+          <a:lstStyle/>
+          <a:p>
+            <a:fld id="{C263D6C4-4840-40CC-AC84-17E24B3B7BDE}" type="slidenum">
+              <a:rPr lang="en-US" noProof="0" smtClean="0"/>
+              <a:pPr/>
+              <a:t>7</a:t>
+            </a:fld>
+            <a:endParaRPr lang="en-US" noProof="0" dirty="0"/>
+          </a:p>
+        </p:txBody>
+      </p:sp>
+      <p:sp>
+        <p:nvSpPr>
+          <p:cNvPr id="4" name="Text Placeholder 3"/>
+          <p:cNvSpPr>
+            <a:spLocks noGrp="1"/>
+          </p:cNvSpPr>
+          <p:nvPr>
+            <p:ph type="body" sz="quarter" idx="13"/>
+          </p:nvPr>
+        </p:nvSpPr>
+        <p:spPr>
+          <a:xfrm>
+            <a:off x="444500" y="1625385"/>
+            <a:ext cx="11450938" cy="4093243"/>
+          </a:xfrm>
+        </p:spPr>
+        <p:txBody>
+          <a:bodyPr/>
+          <a:lstStyle/>
+          <a:p>
+            <a:r>
+              <a:rPr lang="es-ES" sz="2800" dirty="0"/>
+              <a:t>En </a:t>
+            </a:r>
+            <a:r>
+              <a:rPr lang="es-ES" sz="2800" dirty="0" err="1"/>
+              <a:t>Ninject</a:t>
+            </a:r>
+            <a:r>
+              <a:rPr lang="es-ES" sz="2800" dirty="0"/>
+              <a:t> el </a:t>
+            </a:r>
+            <a:r>
+              <a:rPr lang="es-ES" sz="2800" dirty="0" err="1"/>
+              <a:t>Kernel</a:t>
+            </a:r>
+            <a:r>
+              <a:rPr lang="es-ES" sz="2800" dirty="0"/>
+              <a:t> es el componente que controla todo</a:t>
+            </a:r>
+            <a:r>
+              <a:rPr lang="es-ES" sz="2800" dirty="0" smtClean="0"/>
+              <a:t>.</a:t>
+            </a:r>
+          </a:p>
+          <a:p>
+            <a:r>
+              <a:rPr lang="es-ES" sz="2800" dirty="0"/>
+              <a:t>Podemos unir directamente las interfaces con las implementaciones en el </a:t>
+            </a:r>
+            <a:r>
+              <a:rPr lang="es-ES" sz="2800" dirty="0" err="1"/>
+              <a:t>Kernel</a:t>
+            </a:r>
+            <a:r>
+              <a:rPr lang="es-ES" sz="2800" dirty="0"/>
+              <a:t> o podemos pasarlas por medio de módulos.</a:t>
+            </a:r>
+            <a:endParaRPr lang="es-ES" sz="2800" dirty="0" smtClean="0"/>
+          </a:p>
+          <a:p>
+            <a:endParaRPr lang="es-HN" sz="2800" dirty="0"/>
+          </a:p>
+        </p:txBody>
+      </p:sp>
+    </p:spTree>
+    <p:extLst>
+      <p:ext uri="{BB962C8B-B14F-4D97-AF65-F5344CB8AC3E}">
+        <p14:creationId xmlns:p14="http://schemas.microsoft.com/office/powerpoint/2010/main" val="3872112449"/>
+      </p:ext>
+    </p:extLst>
+  </p:cSld>
+  <p:clrMapOvr>
+    <a:masterClrMapping/>
+  </p:clrMapOvr>
 </p:sld>
 </file>
 
@@ -26958,23 +27367,6 @@
 </file>
 
 <file path=customXml/item1.xml><?xml version="1.0" encoding="utf-8"?>
-<p:properties xmlns:p="http://schemas.microsoft.com/office/2006/metadata/properties" xmlns:xsi="http://www.w3.org/2001/XMLSchema-instance" xmlns:pc="http://schemas.microsoft.com/office/infopath/2007/PartnerControls">
-  <documentManagement>
-    <MediaServiceKeyPoints xmlns="71af3243-3dd4-4a8d-8c0d-dd76da1f02a5" xsi:nil="true"/>
-  </documentManagement>
-</p:properties>
-</file>
-
-<file path=customXml/item2.xml><?xml version="1.0" encoding="utf-8"?>
-<?mso-contentType ?>
-<FormTemplates xmlns="http://schemas.microsoft.com/sharepoint/v3/contenttype/forms">
-  <Display>DocumentLibraryForm</Display>
-  <Edit>DocumentLibraryForm</Edit>
-  <New>DocumentLibraryForm</New>
-</FormTemplates>
-</file>
-
-<file path=customXml/item3.xml><?xml version="1.0" encoding="utf-8"?>
 <ct:contentTypeSchema xmlns:ct="http://schemas.microsoft.com/office/2006/metadata/contentType" xmlns:ma="http://schemas.microsoft.com/office/2006/metadata/properties/metaAttributes" ct:_="" ma:_="" ma:contentTypeName="Document" ma:contentTypeID="0x01010079F111ED35F8CC479449609E8A0923A6" ma:contentTypeVersion="11" ma:contentTypeDescription="Create a new document." ma:contentTypeScope="" ma:versionID="96291512c1ee715ab617f4c07df79fc1">
   <xsd:schema xmlns:xsd="http://www.w3.org/2001/XMLSchema" xmlns:xs="http://www.w3.org/2001/XMLSchema" xmlns:p="http://schemas.microsoft.com/office/2006/metadata/properties" xmlns:ns2="71af3243-3dd4-4a8d-8c0d-dd76da1f02a5" xmlns:ns3="16c05727-aa75-4e4a-9b5f-8a80a1165891" targetNamespace="http://schemas.microsoft.com/office/2006/metadata/properties" ma:root="true" ma:fieldsID="8256c27c40ca5c40ce1cf6c44f0205df" ns2:_="" ns3:_="">
     <xsd:import namespace="71af3243-3dd4-4a8d-8c0d-dd76da1f02a5"/>
@@ -27185,25 +27577,24 @@
 </ct:contentTypeSchema>
 </file>
 
-<file path=customXml/itemProps1.xml><?xml version="1.0" encoding="utf-8"?>
-<ds:datastoreItem xmlns:ds="http://schemas.openxmlformats.org/officeDocument/2006/customXml" ds:itemID="{F5757914-1161-4661-9696-421FD6935CDD}">
-  <ds:schemaRefs>
-    <ds:schemaRef ds:uri="http://schemas.microsoft.com/office/2006/metadata/properties"/>
-    <ds:schemaRef ds:uri="http://schemas.microsoft.com/office/infopath/2007/PartnerControls"/>
-    <ds:schemaRef ds:uri="71af3243-3dd4-4a8d-8c0d-dd76da1f02a5"/>
-  </ds:schemaRefs>
-</ds:datastoreItem>
+<file path=customXml/item2.xml><?xml version="1.0" encoding="utf-8"?>
+<?mso-contentType ?>
+<FormTemplates xmlns="http://schemas.microsoft.com/sharepoint/v3/contenttype/forms">
+  <Display>DocumentLibraryForm</Display>
+  <Edit>DocumentLibraryForm</Edit>
+  <New>DocumentLibraryForm</New>
+</FormTemplates>
 </file>
 
-<file path=customXml/itemProps2.xml><?xml version="1.0" encoding="utf-8"?>
-<ds:datastoreItem xmlns:ds="http://schemas.openxmlformats.org/officeDocument/2006/customXml" ds:itemID="{5B26E0C9-B2AA-42E6-97B6-E1B7D9EAF129}">
-  <ds:schemaRefs>
-    <ds:schemaRef ds:uri="http://schemas.microsoft.com/sharepoint/v3/contenttype/forms"/>
-  </ds:schemaRefs>
-</ds:datastoreItem>
+<file path=customXml/item3.xml><?xml version="1.0" encoding="utf-8"?>
+<p:properties xmlns:p="http://schemas.microsoft.com/office/2006/metadata/properties" xmlns:xsi="http://www.w3.org/2001/XMLSchema-instance" xmlns:pc="http://schemas.microsoft.com/office/infopath/2007/PartnerControls">
+  <documentManagement>
+    <MediaServiceKeyPoints xmlns="71af3243-3dd4-4a8d-8c0d-dd76da1f02a5" xsi:nil="true"/>
+  </documentManagement>
+</p:properties>
 </file>
 
-<file path=customXml/itemProps3.xml><?xml version="1.0" encoding="utf-8"?>
+<file path=customXml/itemProps1.xml><?xml version="1.0" encoding="utf-8"?>
 <ds:datastoreItem xmlns:ds="http://schemas.openxmlformats.org/officeDocument/2006/customXml" ds:itemID="{4C103400-4A22-4E35-B588-4C4D42638959}">
   <ds:schemaRefs>
     <ds:schemaRef ds:uri="http://schemas.microsoft.com/office/2006/metadata/contentType"/>
@@ -27220,4 +27611,29 @@
     <ds:schemaRef ds:uri="http://schemas.microsoft.com/internal/obd"/>
   </ds:schemaRefs>
 </ds:datastoreItem>
+</file>
+
+<file path=customXml/itemProps2.xml><?xml version="1.0" encoding="utf-8"?>
+<ds:datastoreItem xmlns:ds="http://schemas.openxmlformats.org/officeDocument/2006/customXml" ds:itemID="{5B26E0C9-B2AA-42E6-97B6-E1B7D9EAF129}">
+  <ds:schemaRefs>
+    <ds:schemaRef ds:uri="http://schemas.microsoft.com/sharepoint/v3/contenttype/forms"/>
+  </ds:schemaRefs>
+</ds:datastoreItem>
+</file>
+
+<file path=customXml/itemProps3.xml><?xml version="1.0" encoding="utf-8"?>
+<ds:datastoreItem xmlns:ds="http://schemas.openxmlformats.org/officeDocument/2006/customXml" ds:itemID="{F5757914-1161-4661-9696-421FD6935CDD}">
+  <ds:schemaRefs>
+    <ds:schemaRef ds:uri="http://purl.org/dc/terms/"/>
+    <ds:schemaRef ds:uri="http://www.w3.org/XML/1998/namespace"/>
+    <ds:schemaRef ds:uri="http://schemas.microsoft.com/office/2006/documentManagement/types"/>
+    <ds:schemaRef ds:uri="http://schemas.openxmlformats.org/package/2006/metadata/core-properties"/>
+    <ds:schemaRef ds:uri="http://purl.org/dc/elements/1.1/"/>
+    <ds:schemaRef ds:uri="http://schemas.microsoft.com/office/2006/metadata/properties"/>
+    <ds:schemaRef ds:uri="http://schemas.microsoft.com/office/infopath/2007/PartnerControls"/>
+    <ds:schemaRef ds:uri="16c05727-aa75-4e4a-9b5f-8a80a1165891"/>
+    <ds:schemaRef ds:uri="71af3243-3dd4-4a8d-8c0d-dd76da1f02a5"/>
+    <ds:schemaRef ds:uri="http://purl.org/dc/dcmitype/"/>
+  </ds:schemaRefs>
+</ds:datastoreItem>
 </file>
--- a/Introducción a la integración continua.pptx
+++ b/Introducción a la integración continua.pptx
@@ -5,10 +5,10 @@
     <p:sldMasterId id="2147483648" r:id="rId4"/>
   </p:sldMasterIdLst>
   <p:notesMasterIdLst>
-    <p:notesMasterId r:id="rId12"/>
+    <p:notesMasterId r:id="rId14"/>
   </p:notesMasterIdLst>
   <p:handoutMasterIdLst>
-    <p:handoutMasterId r:id="rId13"/>
+    <p:handoutMasterId r:id="rId15"/>
   </p:handoutMasterIdLst>
   <p:sldIdLst>
     <p:sldId id="256" r:id="rId5"/>
@@ -18,6 +18,8 @@
     <p:sldId id="261" r:id="rId9"/>
     <p:sldId id="262" r:id="rId10"/>
     <p:sldId id="263" r:id="rId11"/>
+    <p:sldId id="264" r:id="rId12"/>
+    <p:sldId id="265" r:id="rId13"/>
   </p:sldIdLst>
   <p:sldSz cx="12192000" cy="6858000"/>
   <p:notesSz cx="6858000" cy="9144000"/>
@@ -26558,7 +26560,52 @@
             <a:endParaRPr lang="es-ES" sz="2800" dirty="0" smtClean="0"/>
           </a:p>
           <a:p>
-            <a:endParaRPr lang="es-HN" sz="2800" dirty="0"/>
+            <a:r>
+              <a:rPr lang="es-ES" sz="2800" dirty="0"/>
+              <a:t>Cuando necesitemos cualquier implementación de la interfaz mapeada podemos </a:t>
+            </a:r>
+            <a:r>
+              <a:rPr lang="es-ES" sz="2800" dirty="0" smtClean="0"/>
+              <a:t>obtenerla </a:t>
+            </a:r>
+            <a:r>
+              <a:rPr lang="es-ES" sz="2800" dirty="0"/>
+              <a:t>directamente del </a:t>
+            </a:r>
+            <a:r>
+              <a:rPr lang="es-ES" sz="2800" dirty="0" err="1"/>
+              <a:t>Kernel</a:t>
+            </a:r>
+            <a:r>
+              <a:rPr lang="es-ES" sz="2800" dirty="0" smtClean="0"/>
+              <a:t>.</a:t>
+            </a:r>
+          </a:p>
+          <a:p>
+            <a:r>
+              <a:rPr lang="es-HN" sz="2800" dirty="0" err="1"/>
+              <a:t>Ninject</a:t>
+            </a:r>
+            <a:r>
+              <a:rPr lang="es-HN" sz="2800" dirty="0"/>
+              <a:t> viene con un </a:t>
+            </a:r>
+            <a:r>
+              <a:rPr lang="es-HN" sz="2800" dirty="0" err="1"/>
+              <a:t>Kernel</a:t>
+            </a:r>
+            <a:r>
+              <a:rPr lang="es-HN" sz="2800" dirty="0"/>
+              <a:t> incorporado llamado </a:t>
+            </a:r>
+            <a:r>
+              <a:rPr lang="es-HN" sz="2800" dirty="0" err="1"/>
+              <a:t>StandardKernel</a:t>
+            </a:r>
+            <a:r>
+              <a:rPr lang="es-HN" sz="2800" dirty="0"/>
+              <a:t>.</a:t>
+            </a:r>
           </a:p>
         </p:txBody>
       </p:sp>
@@ -26572,6 +26619,841 @@
   <p:clrMapOvr>
     <a:masterClrMapping/>
   </p:clrMapOvr>
+</p:sld>
+</file>
+
+<file path=ppt/slides/slide8.xml><?xml version="1.0" encoding="utf-8"?>
+<p:sld xmlns:a="http://schemas.openxmlformats.org/drawingml/2006/main" xmlns:r="http://schemas.openxmlformats.org/officeDocument/2006/relationships" xmlns:p="http://schemas.openxmlformats.org/presentationml/2006/main">
+  <p:cSld>
+    <p:spTree>
+      <p:nvGrpSpPr>
+        <p:cNvPr id="1" name=""/>
+        <p:cNvGrpSpPr/>
+        <p:nvPr/>
+      </p:nvGrpSpPr>
+      <p:grpSpPr>
+        <a:xfrm>
+          <a:off x="0" y="0"/>
+          <a:ext cx="0" cy="0"/>
+          <a:chOff x="0" y="0"/>
+          <a:chExt cx="0" cy="0"/>
+        </a:xfrm>
+      </p:grpSpPr>
+      <p:sp>
+        <p:nvSpPr>
+          <p:cNvPr id="2" name="Title 1"/>
+          <p:cNvSpPr>
+            <a:spLocks noGrp="1"/>
+          </p:cNvSpPr>
+          <p:nvPr>
+            <p:ph type="title"/>
+          </p:nvPr>
+        </p:nvSpPr>
+        <p:spPr/>
+        <p:txBody>
+          <a:bodyPr/>
+          <a:lstStyle/>
+          <a:p>
+            <a:r>
+              <a:rPr lang="es-HN" dirty="0" err="1" smtClean="0"/>
+              <a:t>Ninject</a:t>
+            </a:r>
+            <a:r>
+              <a:rPr lang="es-HN" dirty="0" smtClean="0"/>
+              <a:t> </a:t>
+            </a:r>
+            <a:r>
+              <a:rPr lang="es-HN" dirty="0" err="1" smtClean="0"/>
+              <a:t>Scoping</a:t>
+            </a:r>
+            <a:endParaRPr lang="es-HN" dirty="0"/>
+          </a:p>
+        </p:txBody>
+      </p:sp>
+      <p:sp>
+        <p:nvSpPr>
+          <p:cNvPr id="3" name="Slide Number Placeholder 2"/>
+          <p:cNvSpPr>
+            <a:spLocks noGrp="1"/>
+          </p:cNvSpPr>
+          <p:nvPr>
+            <p:ph type="sldNum" sz="quarter" idx="12"/>
+          </p:nvPr>
+        </p:nvSpPr>
+        <p:spPr/>
+        <p:txBody>
+          <a:bodyPr/>
+          <a:lstStyle/>
+          <a:p>
+            <a:fld id="{C263D6C4-4840-40CC-AC84-17E24B3B7BDE}" type="slidenum">
+              <a:rPr lang="en-US" noProof="0" smtClean="0"/>
+              <a:pPr/>
+              <a:t>8</a:t>
+            </a:fld>
+            <a:endParaRPr lang="en-US" noProof="0" dirty="0"/>
+          </a:p>
+        </p:txBody>
+      </p:sp>
+      <p:sp>
+        <p:nvSpPr>
+          <p:cNvPr id="4" name="Text Placeholder 3"/>
+          <p:cNvSpPr>
+            <a:spLocks noGrp="1"/>
+          </p:cNvSpPr>
+          <p:nvPr>
+            <p:ph type="body" sz="quarter" idx="13"/>
+          </p:nvPr>
+        </p:nvSpPr>
+        <p:spPr>
+          <a:xfrm>
+            <a:off x="493756" y="1127920"/>
+            <a:ext cx="11450938" cy="5643583"/>
+          </a:xfrm>
+        </p:spPr>
+        <p:txBody>
+          <a:bodyPr/>
+          <a:lstStyle/>
+          <a:p>
+            <a:r>
+              <a:rPr lang="es-ES" sz="2800" dirty="0"/>
+              <a:t>Una característica interesante de los contenedores de </a:t>
+            </a:r>
+            <a:r>
+              <a:rPr lang="es-ES" sz="2800" dirty="0" err="1"/>
+              <a:t>IdC</a:t>
+            </a:r>
+            <a:r>
+              <a:rPr lang="es-ES" sz="2800" dirty="0"/>
+              <a:t> es la capacidad de limitar la vida de los </a:t>
+            </a:r>
+            <a:r>
+              <a:rPr lang="es-ES" sz="2800" dirty="0" smtClean="0"/>
+              <a:t>objetos (</a:t>
+            </a:r>
+            <a:r>
+              <a:rPr lang="es-ES" sz="2800" dirty="0" err="1" smtClean="0"/>
+              <a:t>scope</a:t>
+            </a:r>
+            <a:r>
+              <a:rPr lang="es-ES" sz="2800" dirty="0" smtClean="0"/>
+              <a:t>). </a:t>
+            </a:r>
+            <a:r>
+              <a:rPr lang="es-HN" sz="2800" dirty="0" err="1" smtClean="0"/>
+              <a:t>Ninject</a:t>
+            </a:r>
+            <a:r>
+              <a:rPr lang="es-HN" sz="2800" dirty="0" smtClean="0"/>
+              <a:t> </a:t>
+            </a:r>
+            <a:r>
+              <a:rPr lang="es-HN" sz="2800" dirty="0"/>
+              <a:t>ofrece lo </a:t>
+            </a:r>
+            <a:r>
+              <a:rPr lang="es-HN" sz="2800" dirty="0" smtClean="0"/>
+              <a:t>siguiente:</a:t>
+            </a:r>
+          </a:p>
+          <a:p>
+            <a:pPr lvl="1"/>
+            <a:endParaRPr lang="es-HN" sz="2600" dirty="0" smtClean="0"/>
+          </a:p>
+          <a:p>
+            <a:pPr lvl="1"/>
+            <a:endParaRPr lang="es-HN" sz="2600" dirty="0"/>
+          </a:p>
+          <a:p>
+            <a:pPr lvl="1"/>
+            <a:endParaRPr lang="es-HN" sz="2600" dirty="0" smtClean="0"/>
+          </a:p>
+          <a:p>
+            <a:pPr lvl="1"/>
+            <a:endParaRPr lang="es-HN" sz="2600" dirty="0"/>
+          </a:p>
+          <a:p>
+            <a:pPr lvl="1"/>
+            <a:endParaRPr lang="es-HN" sz="2600" dirty="0" smtClean="0"/>
+          </a:p>
+          <a:p>
+            <a:pPr lvl="1"/>
+            <a:endParaRPr lang="es-HN" sz="2600" dirty="0"/>
+          </a:p>
+          <a:p>
+            <a:pPr lvl="1"/>
+            <a:r>
+              <a:rPr lang="es-ES" sz="2600" dirty="0"/>
+              <a:t>Para una lista completa y ejemplos visite</a:t>
+            </a:r>
+            <a:r>
+              <a:rPr lang="es-ES" sz="2600" dirty="0" smtClean="0"/>
+              <a:t>: </a:t>
+            </a:r>
+            <a:r>
+              <a:rPr lang="en-US" sz="2800" dirty="0">
+                <a:hlinkClick r:id="rId2"/>
+              </a:rPr>
+              <a:t>https://github.com/ninject/Ninject/wiki/Object-Scopes</a:t>
+            </a:r>
+            <a:endParaRPr lang="es-HN" sz="2600" dirty="0"/>
+          </a:p>
+        </p:txBody>
+      </p:sp>
+      <p:graphicFrame>
+        <p:nvGraphicFramePr>
+          <p:cNvPr id="5" name="Table 4"/>
+          <p:cNvGraphicFramePr>
+            <a:graphicFrameLocks noGrp="1"/>
+          </p:cNvGraphicFramePr>
+          <p:nvPr>
+            <p:extLst>
+              <p:ext uri="{D42A27DB-BD31-4B8C-83A1-F6EECF244321}">
+                <p14:modId xmlns:p14="http://schemas.microsoft.com/office/powerpoint/2010/main" val="3772341684"/>
+              </p:ext>
+            </p:extLst>
+          </p:nvPr>
+        </p:nvGraphicFramePr>
+        <p:xfrm>
+          <a:off x="779849" y="2548466"/>
+          <a:ext cx="10878752" cy="2931160"/>
+        </p:xfrm>
+        <a:graphic>
+          <a:graphicData uri="http://schemas.openxmlformats.org/drawingml/2006/table">
+            <a:tbl>
+              <a:tblPr firstRow="1" bandRow="1">
+                <a:tableStyleId>{5C22544A-7EE6-4342-B048-85BDC9FD1C3A}</a:tableStyleId>
+              </a:tblPr>
+              <a:tblGrid>
+                <a:gridCol w="2719688"/>
+                <a:gridCol w="2719688"/>
+                <a:gridCol w="2719688"/>
+                <a:gridCol w="2719688"/>
+              </a:tblGrid>
+              <a:tr h="370840">
+                <a:tc>
+                  <a:txBody>
+                    <a:bodyPr/>
+                    <a:lstStyle/>
+                    <a:p>
+                      <a:r>
+                        <a:rPr lang="es-HN" sz="1200" dirty="0" err="1" smtClean="0"/>
+                        <a:t>Scope</a:t>
+                      </a:r>
+                      <a:endParaRPr lang="es-HN" sz="1200" dirty="0"/>
+                    </a:p>
+                  </a:txBody>
+                  <a:tcPr/>
+                </a:tc>
+                <a:tc>
+                  <a:txBody>
+                    <a:bodyPr/>
+                    <a:lstStyle/>
+                    <a:p>
+                      <a:r>
+                        <a:rPr lang="es-HN" sz="1200" dirty="0" smtClean="0"/>
+                        <a:t>Provocado por</a:t>
+                      </a:r>
+                      <a:endParaRPr lang="es-HN" sz="1200" dirty="0"/>
+                    </a:p>
+                  </a:txBody>
+                  <a:tcPr/>
+                </a:tc>
+                <a:tc>
+                  <a:txBody>
+                    <a:bodyPr/>
+                    <a:lstStyle/>
+                    <a:p>
+                      <a:r>
+                        <a:rPr lang="es-HN" sz="1200" dirty="0" smtClean="0"/>
+                        <a:t>Significado</a:t>
+                      </a:r>
+                      <a:endParaRPr lang="es-HN" sz="1200" dirty="0"/>
+                    </a:p>
+                  </a:txBody>
+                  <a:tcPr/>
+                </a:tc>
+                <a:tc>
+                  <a:txBody>
+                    <a:bodyPr/>
+                    <a:lstStyle/>
+                    <a:p>
+                      <a:r>
+                        <a:rPr lang="es-HN" sz="1200" dirty="0" smtClean="0"/>
+                        <a:t>Disposición</a:t>
+                      </a:r>
+                      <a:endParaRPr lang="es-HN" sz="1200" dirty="0"/>
+                    </a:p>
+                  </a:txBody>
+                  <a:tcPr/>
+                </a:tc>
+              </a:tr>
+              <a:tr h="370840">
+                <a:tc>
+                  <a:txBody>
+                    <a:bodyPr/>
+                    <a:lstStyle/>
+                    <a:p>
+                      <a:r>
+                        <a:rPr lang="es-HN" sz="1200" dirty="0" smtClean="0"/>
+                        <a:t>Transitorio</a:t>
+                      </a:r>
+                      <a:endParaRPr lang="es-HN" sz="1200" dirty="0"/>
+                    </a:p>
+                  </a:txBody>
+                  <a:tcPr/>
+                </a:tc>
+                <a:tc>
+                  <a:txBody>
+                    <a:bodyPr/>
+                    <a:lstStyle/>
+                    <a:p>
+                      <a:r>
+                        <a:rPr lang="es-HN" sz="1200" dirty="0" smtClean="0"/>
+                        <a:t>.</a:t>
+                      </a:r>
+                      <a:r>
+                        <a:rPr lang="es-HN" sz="1200" dirty="0" err="1" smtClean="0"/>
+                        <a:t>InTransientScope</a:t>
+                      </a:r>
+                      <a:r>
+                        <a:rPr lang="es-HN" sz="1200" dirty="0" smtClean="0"/>
+                        <a:t>()</a:t>
+                      </a:r>
+                    </a:p>
+                    <a:p>
+                      <a:endParaRPr lang="es-HN" sz="1200" dirty="0" smtClean="0"/>
+                    </a:p>
+                    <a:p>
+                      <a:r>
+                        <a:rPr lang="es-HN" sz="1200" dirty="0" err="1" smtClean="0"/>
+                        <a:t>this.Bind</a:t>
+                      </a:r>
+                      <a:r>
+                        <a:rPr lang="es-HN" sz="1200" dirty="0" smtClean="0"/>
+                        <a:t>&lt;</a:t>
+                      </a:r>
+                      <a:r>
+                        <a:rPr lang="es-HN" sz="1200" dirty="0" err="1" smtClean="0"/>
+                        <a:t>ConnectionRepository</a:t>
+                      </a:r>
+                      <a:r>
+                        <a:rPr lang="es-HN" sz="1200" dirty="0" smtClean="0"/>
+                        <a:t>&gt;().</a:t>
+                      </a:r>
+                      <a:r>
+                        <a:rPr lang="es-HN" sz="1200" dirty="0" err="1" smtClean="0"/>
+                        <a:t>ToSelf</a:t>
+                      </a:r>
+                      <a:r>
+                        <a:rPr lang="es-HN" sz="1200" dirty="0" smtClean="0"/>
+                        <a:t>()</a:t>
+                      </a:r>
+                      <a:endParaRPr lang="es-HN" sz="1200" dirty="0"/>
+                    </a:p>
+                  </a:txBody>
+                  <a:tcPr/>
+                </a:tc>
+                <a:tc>
+                  <a:txBody>
+                    <a:bodyPr/>
+                    <a:lstStyle/>
+                    <a:p>
+                      <a:r>
+                        <a:rPr lang="es-ES" sz="1200" dirty="0" smtClean="0"/>
+                        <a:t>Se creará una nueva instancia del tipo cada vez que se solicite. Este es el </a:t>
+                      </a:r>
+                      <a:r>
+                        <a:rPr lang="es-ES" sz="1200" dirty="0" err="1" smtClean="0"/>
+                        <a:t>scope</a:t>
+                      </a:r>
+                      <a:r>
+                        <a:rPr lang="es-ES" sz="1200" dirty="0" smtClean="0"/>
+                        <a:t> por defecto si no se especifica ninguno.</a:t>
+                      </a:r>
+                      <a:endParaRPr lang="es-HN" sz="1200" dirty="0"/>
+                    </a:p>
+                  </a:txBody>
+                  <a:tcPr/>
+                </a:tc>
+                <a:tc>
+                  <a:txBody>
+                    <a:bodyPr/>
+                    <a:lstStyle/>
+                    <a:p>
+                      <a:r>
+                        <a:rPr lang="es-ES" sz="1200" dirty="0" smtClean="0"/>
+                        <a:t>La vida no es manejada por el </a:t>
+                      </a:r>
+                      <a:r>
+                        <a:rPr lang="es-ES" sz="1200" dirty="0" err="1" smtClean="0"/>
+                        <a:t>Kernel</a:t>
+                      </a:r>
+                      <a:r>
+                        <a:rPr lang="es-ES" sz="1200" dirty="0" smtClean="0"/>
+                        <a:t> (el objeto </a:t>
+                      </a:r>
+                      <a:r>
+                        <a:rPr lang="es-ES" sz="1200" dirty="0" err="1" smtClean="0"/>
+                        <a:t>Scope</a:t>
+                      </a:r>
+                      <a:r>
+                        <a:rPr lang="es-ES" sz="1200" dirty="0" smtClean="0"/>
+                        <a:t> es nulo) y nunca será desechado</a:t>
+                      </a:r>
+                      <a:endParaRPr lang="es-HN" sz="1200" dirty="0"/>
+                    </a:p>
+                  </a:txBody>
+                  <a:tcPr/>
+                </a:tc>
+              </a:tr>
+              <a:tr h="370840">
+                <a:tc>
+                  <a:txBody>
+                    <a:bodyPr/>
+                    <a:lstStyle/>
+                    <a:p>
+                      <a:r>
+                        <a:rPr lang="en-US" sz="1200" b="0" i="0" kern="1200" dirty="0" err="1" smtClean="0">
+                          <a:solidFill>
+                            <a:schemeClr val="dk1"/>
+                          </a:solidFill>
+                          <a:effectLst/>
+                          <a:latin typeface="+mn-lt"/>
+                          <a:ea typeface="+mn-ea"/>
+                          <a:cs typeface="+mn-cs"/>
+                        </a:rPr>
+                        <a:t>Unico</a:t>
+                      </a:r>
+                      <a:r>
+                        <a:rPr lang="en-US" sz="1200" b="0" i="0" kern="1200" dirty="0" smtClean="0">
+                          <a:solidFill>
+                            <a:schemeClr val="dk1"/>
+                          </a:solidFill>
+                          <a:effectLst/>
+                          <a:latin typeface="+mn-lt"/>
+                          <a:ea typeface="+mn-ea"/>
+                          <a:cs typeface="+mn-cs"/>
+                        </a:rPr>
+                        <a:t> </a:t>
+                      </a:r>
+                      <a:endParaRPr lang="es-HN" sz="1200" dirty="0"/>
+                    </a:p>
+                  </a:txBody>
+                  <a:tcPr/>
+                </a:tc>
+                <a:tc>
+                  <a:txBody>
+                    <a:bodyPr/>
+                    <a:lstStyle/>
+                    <a:p>
+                      <a:r>
+                        <a:rPr lang="en-US" sz="1200" dirty="0" smtClean="0"/>
+                        <a:t>.</a:t>
+                      </a:r>
+                      <a:r>
+                        <a:rPr lang="en-US" sz="1200" dirty="0" err="1" smtClean="0"/>
+                        <a:t>InSingletonScope</a:t>
+                      </a:r>
+                      <a:r>
+                        <a:rPr lang="en-US" sz="1200" dirty="0" smtClean="0"/>
+                        <a:t>()</a:t>
+                      </a:r>
+                    </a:p>
+                    <a:p>
+                      <a:endParaRPr lang="en-US" sz="1200" b="0" i="0" kern="1200" dirty="0" smtClean="0">
+                        <a:solidFill>
+                          <a:schemeClr val="dk1"/>
+                        </a:solidFill>
+                        <a:effectLst/>
+                        <a:latin typeface="+mn-lt"/>
+                        <a:ea typeface="+mn-ea"/>
+                        <a:cs typeface="+mn-cs"/>
+                      </a:endParaRPr>
+                    </a:p>
+                    <a:p>
+                      <a:r>
+                        <a:rPr lang="en-US" sz="1200" dirty="0" smtClean="0"/>
+                        <a:t>.</a:t>
+                      </a:r>
+                      <a:r>
+                        <a:rPr lang="en-US" sz="1200" dirty="0" err="1" smtClean="0"/>
+                        <a:t>ToConstant</a:t>
+                      </a:r>
+                      <a:r>
+                        <a:rPr lang="en-US" sz="1200" dirty="0" smtClean="0"/>
+                        <a:t>()</a:t>
+                      </a:r>
+                      <a:endParaRPr lang="es-HN" sz="1200" dirty="0"/>
+                    </a:p>
+                  </a:txBody>
+                  <a:tcPr/>
+                </a:tc>
+                <a:tc>
+                  <a:txBody>
+                    <a:bodyPr/>
+                    <a:lstStyle/>
+                    <a:p>
+                      <a:r>
+                        <a:rPr lang="es-ES" sz="1200" dirty="0" smtClean="0"/>
+                        <a:t>Sólo se creará una única instancia del tipo, y se devolverá la misma instancia para cada solicitud posterior.</a:t>
+                      </a:r>
+                      <a:endParaRPr lang="es-HN" sz="1200" dirty="0"/>
+                    </a:p>
+                  </a:txBody>
+                  <a:tcPr/>
+                </a:tc>
+                <a:tc>
+                  <a:txBody>
+                    <a:bodyPr/>
+                    <a:lstStyle/>
+                    <a:p>
+                      <a:r>
+                        <a:rPr lang="es-HN" sz="1200" dirty="0" smtClean="0"/>
+                        <a:t>Dispuesto cuando se dispone del </a:t>
+                      </a:r>
+                      <a:r>
+                        <a:rPr lang="es-HN" sz="1200" dirty="0" err="1" smtClean="0"/>
+                        <a:t>Kernel</a:t>
+                      </a:r>
+                      <a:r>
+                        <a:rPr lang="es-HN" sz="1200" dirty="0" smtClean="0"/>
+                        <a:t>.</a:t>
+                      </a:r>
+                      <a:endParaRPr lang="es-HN" sz="1200" dirty="0"/>
+                    </a:p>
+                  </a:txBody>
+                  <a:tcPr/>
+                </a:tc>
+              </a:tr>
+              <a:tr h="370840">
+                <a:tc>
+                  <a:txBody>
+                    <a:bodyPr/>
+                    <a:lstStyle/>
+                    <a:p>
+                      <a:r>
+                        <a:rPr lang="en-US" sz="1200" b="0" i="0" kern="1200" dirty="0" smtClean="0">
+                          <a:solidFill>
+                            <a:schemeClr val="dk1"/>
+                          </a:solidFill>
+                          <a:effectLst/>
+                          <a:latin typeface="+mn-lt"/>
+                          <a:ea typeface="+mn-ea"/>
+                          <a:cs typeface="+mn-cs"/>
+                        </a:rPr>
+                        <a:t>Thread</a:t>
+                      </a:r>
+                      <a:endParaRPr lang="es-HN" sz="1200" dirty="0"/>
+                    </a:p>
+                  </a:txBody>
+                  <a:tcPr/>
+                </a:tc>
+                <a:tc>
+                  <a:txBody>
+                    <a:bodyPr/>
+                    <a:lstStyle/>
+                    <a:p>
+                      <a:r>
+                        <a:rPr lang="en-US" sz="1200" b="0" i="0" kern="1200" dirty="0" smtClean="0">
+                          <a:solidFill>
+                            <a:schemeClr val="dk1"/>
+                          </a:solidFill>
+                          <a:effectLst/>
+                          <a:latin typeface="+mn-lt"/>
+                          <a:ea typeface="+mn-ea"/>
+                          <a:cs typeface="+mn-cs"/>
+                        </a:rPr>
+                        <a:t>.</a:t>
+                      </a:r>
+                      <a:r>
+                        <a:rPr lang="en-US" sz="1200" b="0" i="0" kern="1200" dirty="0" err="1" smtClean="0">
+                          <a:solidFill>
+                            <a:schemeClr val="dk1"/>
+                          </a:solidFill>
+                          <a:effectLst/>
+                          <a:latin typeface="+mn-lt"/>
+                          <a:ea typeface="+mn-ea"/>
+                          <a:cs typeface="+mn-cs"/>
+                        </a:rPr>
+                        <a:t>InThreadScope</a:t>
+                      </a:r>
+                      <a:r>
+                        <a:rPr lang="en-US" sz="1200" b="0" i="0" kern="1200" dirty="0" smtClean="0">
+                          <a:solidFill>
+                            <a:schemeClr val="dk1"/>
+                          </a:solidFill>
+                          <a:effectLst/>
+                          <a:latin typeface="+mn-lt"/>
+                          <a:ea typeface="+mn-ea"/>
+                          <a:cs typeface="+mn-cs"/>
+                        </a:rPr>
+                        <a:t>()</a:t>
+                      </a:r>
+                      <a:endParaRPr lang="es-HN" sz="1200" dirty="0"/>
+                    </a:p>
+                  </a:txBody>
+                  <a:tcPr/>
+                </a:tc>
+                <a:tc>
+                  <a:txBody>
+                    <a:bodyPr/>
+                    <a:lstStyle/>
+                    <a:p>
+                      <a:r>
+                        <a:rPr lang="es-ES" sz="1200" dirty="0" smtClean="0"/>
+                        <a:t>Se creará una instancia del tipo por cada </a:t>
+                      </a:r>
+                      <a:r>
+                        <a:rPr lang="es-ES" sz="1200" dirty="0" err="1" smtClean="0"/>
+                        <a:t>thread</a:t>
+                      </a:r>
+                      <a:r>
+                        <a:rPr lang="es-ES" sz="1200" dirty="0" smtClean="0"/>
+                        <a:t>.</a:t>
+                      </a:r>
+                      <a:endParaRPr lang="es-HN" sz="1200" dirty="0"/>
+                    </a:p>
+                  </a:txBody>
+                  <a:tcPr/>
+                </a:tc>
+                <a:tc>
+                  <a:txBody>
+                    <a:bodyPr/>
+                    <a:lstStyle/>
+                    <a:p>
+                      <a:r>
+                        <a:rPr lang="es-ES" sz="1200" dirty="0" smtClean="0"/>
+                        <a:t>Se dispone cuando el objeto </a:t>
+                      </a:r>
+                      <a:r>
+                        <a:rPr lang="es-ES" sz="1200" dirty="0" err="1" smtClean="0"/>
+                        <a:t>Thread</a:t>
+                      </a:r>
+                      <a:r>
+                        <a:rPr lang="es-ES" sz="1200" dirty="0" smtClean="0"/>
+                        <a:t> subyacente es dispuesto.</a:t>
+                      </a:r>
+                      <a:endParaRPr lang="es-HN" sz="1200" dirty="0"/>
+                    </a:p>
+                  </a:txBody>
+                  <a:tcPr/>
+                </a:tc>
+              </a:tr>
+              <a:tr h="370840">
+                <a:tc>
+                  <a:txBody>
+                    <a:bodyPr/>
+                    <a:lstStyle/>
+                    <a:p>
+                      <a:r>
+                        <a:rPr lang="es-HN" sz="1200" dirty="0" smtClean="0"/>
+                        <a:t>Solicitar</a:t>
+                      </a:r>
+                      <a:endParaRPr lang="es-HN" sz="1200" dirty="0"/>
+                    </a:p>
+                  </a:txBody>
+                  <a:tcPr/>
+                </a:tc>
+                <a:tc>
+                  <a:txBody>
+                    <a:bodyPr/>
+                    <a:lstStyle/>
+                    <a:p>
+                      <a:r>
+                        <a:rPr lang="en-US" sz="1200" b="0" i="0" kern="1200" dirty="0" smtClean="0">
+                          <a:solidFill>
+                            <a:schemeClr val="dk1"/>
+                          </a:solidFill>
+                          <a:effectLst/>
+                          <a:latin typeface="+mn-lt"/>
+                          <a:ea typeface="+mn-ea"/>
+                          <a:cs typeface="+mn-cs"/>
+                        </a:rPr>
+                        <a:t>.</a:t>
+                      </a:r>
+                      <a:r>
+                        <a:rPr lang="en-US" sz="1200" b="0" i="0" kern="1200" dirty="0" err="1" smtClean="0">
+                          <a:solidFill>
+                            <a:schemeClr val="dk1"/>
+                          </a:solidFill>
+                          <a:effectLst/>
+                          <a:latin typeface="+mn-lt"/>
+                          <a:ea typeface="+mn-ea"/>
+                          <a:cs typeface="+mn-cs"/>
+                        </a:rPr>
+                        <a:t>InRequestScope</a:t>
+                      </a:r>
+                      <a:r>
+                        <a:rPr lang="en-US" sz="1200" b="0" i="0" kern="1200" dirty="0" smtClean="0">
+                          <a:solidFill>
+                            <a:schemeClr val="dk1"/>
+                          </a:solidFill>
+                          <a:effectLst/>
+                          <a:latin typeface="+mn-lt"/>
+                          <a:ea typeface="+mn-ea"/>
+                          <a:cs typeface="+mn-cs"/>
+                        </a:rPr>
+                        <a:t>()</a:t>
+                      </a:r>
+                      <a:endParaRPr lang="es-HN" sz="1200" dirty="0"/>
+                    </a:p>
+                  </a:txBody>
+                  <a:tcPr/>
+                </a:tc>
+                <a:tc>
+                  <a:txBody>
+                    <a:bodyPr/>
+                    <a:lstStyle/>
+                    <a:p>
+                      <a:r>
+                        <a:rPr lang="es-ES" sz="1200" dirty="0" smtClean="0"/>
+                        <a:t>Se creará una instancia del tipo para cada solicitud Web.</a:t>
+                      </a:r>
+                      <a:endParaRPr lang="es-HN" sz="1200" dirty="0"/>
+                    </a:p>
+                  </a:txBody>
+                  <a:tcPr/>
+                </a:tc>
+                <a:tc>
+                  <a:txBody>
+                    <a:bodyPr/>
+                    <a:lstStyle/>
+                    <a:p>
+                      <a:r>
+                        <a:rPr lang="es-ES" sz="1200" dirty="0" smtClean="0"/>
+                        <a:t>Las instancias se eliminan al final de la tramitación de la solicitud.</a:t>
+                      </a:r>
+                      <a:endParaRPr lang="es-HN" sz="1200" dirty="0"/>
+                    </a:p>
+                  </a:txBody>
+                  <a:tcPr/>
+                </a:tc>
+              </a:tr>
+            </a:tbl>
+          </a:graphicData>
+        </a:graphic>
+      </p:graphicFrame>
+    </p:spTree>
+    <p:extLst>
+      <p:ext uri="{BB962C8B-B14F-4D97-AF65-F5344CB8AC3E}">
+        <p14:creationId xmlns:p14="http://schemas.microsoft.com/office/powerpoint/2010/main" val="1474878444"/>
+      </p:ext>
+    </p:extLst>
+  </p:cSld>
+  <p:clrMapOvr>
+    <a:masterClrMapping/>
+  </p:clrMapOvr>
+  <p:timing>
+    <p:tnLst>
+      <p:par>
+        <p:cTn id="1" dur="indefinite" restart="never" nodeType="tmRoot"/>
+      </p:par>
+    </p:tnLst>
+  </p:timing>
+</p:sld>
+</file>
+
+<file path=ppt/slides/slide9.xml><?xml version="1.0" encoding="utf-8"?>
+<p:sld xmlns:a="http://schemas.openxmlformats.org/drawingml/2006/main" xmlns:r="http://schemas.openxmlformats.org/officeDocument/2006/relationships" xmlns:p="http://schemas.openxmlformats.org/presentationml/2006/main">
+  <p:cSld>
+    <p:spTree>
+      <p:nvGrpSpPr>
+        <p:cNvPr id="1" name=""/>
+        <p:cNvGrpSpPr/>
+        <p:nvPr/>
+      </p:nvGrpSpPr>
+      <p:grpSpPr>
+        <a:xfrm>
+          <a:off x="0" y="0"/>
+          <a:ext cx="0" cy="0"/>
+          <a:chOff x="0" y="0"/>
+          <a:chExt cx="0" cy="0"/>
+        </a:xfrm>
+      </p:grpSpPr>
+      <p:sp>
+        <p:nvSpPr>
+          <p:cNvPr id="2" name="Title 1"/>
+          <p:cNvSpPr>
+            <a:spLocks noGrp="1"/>
+          </p:cNvSpPr>
+          <p:nvPr>
+            <p:ph type="title"/>
+          </p:nvPr>
+        </p:nvSpPr>
+        <p:spPr/>
+        <p:txBody>
+          <a:bodyPr/>
+          <a:lstStyle/>
+          <a:p>
+            <a:endParaRPr lang="es-HN" dirty="0"/>
+          </a:p>
+        </p:txBody>
+      </p:sp>
+      <p:sp>
+        <p:nvSpPr>
+          <p:cNvPr id="3" name="Slide Number Placeholder 2"/>
+          <p:cNvSpPr>
+            <a:spLocks noGrp="1"/>
+          </p:cNvSpPr>
+          <p:nvPr>
+            <p:ph type="sldNum" sz="quarter" idx="12"/>
+          </p:nvPr>
+        </p:nvSpPr>
+        <p:spPr/>
+        <p:txBody>
+          <a:bodyPr/>
+          <a:lstStyle/>
+          <a:p>
+            <a:fld id="{C263D6C4-4840-40CC-AC84-17E24B3B7BDE}" type="slidenum">
+              <a:rPr lang="en-US" noProof="0" smtClean="0"/>
+              <a:pPr/>
+              <a:t>9</a:t>
+            </a:fld>
+            <a:endParaRPr lang="en-US" noProof="0" dirty="0"/>
+          </a:p>
+        </p:txBody>
+      </p:sp>
+      <p:sp>
+        <p:nvSpPr>
+          <p:cNvPr id="4" name="Text Placeholder 3"/>
+          <p:cNvSpPr>
+            <a:spLocks noGrp="1"/>
+          </p:cNvSpPr>
+          <p:nvPr>
+            <p:ph type="body" sz="quarter" idx="13"/>
+          </p:nvPr>
+        </p:nvSpPr>
+        <p:spPr>
+          <a:xfrm>
+            <a:off x="493756" y="1127920"/>
+            <a:ext cx="11450938" cy="5643583"/>
+          </a:xfrm>
+        </p:spPr>
+        <p:txBody>
+          <a:bodyPr/>
+          <a:lstStyle/>
+          <a:p>
+            <a:endParaRPr lang="es-HN" sz="2600" dirty="0"/>
+          </a:p>
+        </p:txBody>
+      </p:sp>
+    </p:spTree>
+    <p:extLst>
+      <p:ext uri="{BB962C8B-B14F-4D97-AF65-F5344CB8AC3E}">
+        <p14:creationId xmlns:p14="http://schemas.microsoft.com/office/powerpoint/2010/main" val="3144255191"/>
+      </p:ext>
+    </p:extLst>
+  </p:cSld>
+  <p:clrMapOvr>
+    <a:masterClrMapping/>
+  </p:clrMapOvr>
+  <p:timing>
+    <p:tnLst>
+      <p:par>
+        <p:cTn id="1" dur="indefinite" restart="never" nodeType="tmRoot"/>
+      </p:par>
+    </p:tnLst>
+  </p:timing>
 </p:sld>
 </file>
 

--- a/Introducción a la integración continua.pptx
+++ b/Introducción a la integración continua.pptx
@@ -5,10 +5,10 @@
     <p:sldMasterId id="2147483648" r:id="rId4"/>
   </p:sldMasterIdLst>
   <p:notesMasterIdLst>
-    <p:notesMasterId r:id="rId14"/>
+    <p:notesMasterId r:id="rId15"/>
   </p:notesMasterIdLst>
   <p:handoutMasterIdLst>
-    <p:handoutMasterId r:id="rId15"/>
+    <p:handoutMasterId r:id="rId16"/>
   </p:handoutMasterIdLst>
   <p:sldIdLst>
     <p:sldId id="256" r:id="rId5"/>
@@ -20,6 +20,7 @@
     <p:sldId id="263" r:id="rId11"/>
     <p:sldId id="264" r:id="rId12"/>
     <p:sldId id="265" r:id="rId13"/>
+    <p:sldId id="266" r:id="rId14"/>
   </p:sldIdLst>
   <p:sldSz cx="12192000" cy="6858000"/>
   <p:notesSz cx="6858000" cy="9144000"/>
@@ -167,7 +168,7 @@
           <p:cNvPr id="2" name="Header Placeholder 1">
             <a:extLst>
               <a:ext uri="{FF2B5EF4-FFF2-40B4-BE49-F238E27FC236}">
-                <a16:creationId xmlns="" xmlns:a16="http://schemas.microsoft.com/office/drawing/2014/main" id="{E62FF6B6-4F8A-40F7-B5F4-FC3996824D73}"/>
+                <a16:creationId xmlns:a16="http://schemas.microsoft.com/office/drawing/2014/main" xmlns="" id="{E62FF6B6-4F8A-40F7-B5F4-FC3996824D73}"/>
               </a:ext>
             </a:extLst>
           </p:cNvPr>
@@ -204,7 +205,7 @@
           <p:cNvPr id="3" name="Date Placeholder 2">
             <a:extLst>
               <a:ext uri="{FF2B5EF4-FFF2-40B4-BE49-F238E27FC236}">
-                <a16:creationId xmlns="" xmlns:a16="http://schemas.microsoft.com/office/drawing/2014/main" id="{8910A999-F365-48DF-976A-0517FE045440}"/>
+                <a16:creationId xmlns:a16="http://schemas.microsoft.com/office/drawing/2014/main" xmlns="" id="{8910A999-F365-48DF-976A-0517FE045440}"/>
               </a:ext>
             </a:extLst>
           </p:cNvPr>
@@ -245,7 +246,7 @@
           <p:cNvPr id="4" name="Footer Placeholder 3">
             <a:extLst>
               <a:ext uri="{FF2B5EF4-FFF2-40B4-BE49-F238E27FC236}">
-                <a16:creationId xmlns="" xmlns:a16="http://schemas.microsoft.com/office/drawing/2014/main" id="{F8735C90-ADBF-4B9E-BE88-E1C8F83EB4D2}"/>
+                <a16:creationId xmlns:a16="http://schemas.microsoft.com/office/drawing/2014/main" xmlns="" id="{F8735C90-ADBF-4B9E-BE88-E1C8F83EB4D2}"/>
               </a:ext>
             </a:extLst>
           </p:cNvPr>
@@ -282,7 +283,7 @@
           <p:cNvPr id="5" name="Slide Number Placeholder 4">
             <a:extLst>
               <a:ext uri="{FF2B5EF4-FFF2-40B4-BE49-F238E27FC236}">
-                <a16:creationId xmlns="" xmlns:a16="http://schemas.microsoft.com/office/drawing/2014/main" id="{82506A01-6D0A-45EF-A584-05A3361D66F7}"/>
+                <a16:creationId xmlns:a16="http://schemas.microsoft.com/office/drawing/2014/main" xmlns="" id="{82506A01-6D0A-45EF-A584-05A3361D66F7}"/>
               </a:ext>
             </a:extLst>
           </p:cNvPr>
@@ -700,7 +701,7 @@
           <p:cNvPr id="21" name="Rectangle 20">
             <a:extLst>
               <a:ext uri="{FF2B5EF4-FFF2-40B4-BE49-F238E27FC236}">
-                <a16:creationId xmlns="" xmlns:a16="http://schemas.microsoft.com/office/drawing/2014/main" id="{6E739168-A5E8-443A-B392-7AD4CF8977AD}"/>
+                <a16:creationId xmlns:a16="http://schemas.microsoft.com/office/drawing/2014/main" xmlns="" id="{6E739168-A5E8-443A-B392-7AD4CF8977AD}"/>
               </a:ext>
             </a:extLst>
           </p:cNvPr>
@@ -752,7 +753,7 @@
           <p:cNvPr id="7" name="Group 6">
             <a:extLst>
               <a:ext uri="{FF2B5EF4-FFF2-40B4-BE49-F238E27FC236}">
-                <a16:creationId xmlns="" xmlns:a16="http://schemas.microsoft.com/office/drawing/2014/main" id="{4CA15AFD-4983-47DD-9ED0-D3B27E5A096F}"/>
+                <a16:creationId xmlns:a16="http://schemas.microsoft.com/office/drawing/2014/main" xmlns="" id="{4CA15AFD-4983-47DD-9ED0-D3B27E5A096F}"/>
               </a:ext>
             </a:extLst>
           </p:cNvPr>
@@ -772,7 +773,7 @@
             <p:cNvPr id="8" name="Group 7">
               <a:extLst>
                 <a:ext uri="{FF2B5EF4-FFF2-40B4-BE49-F238E27FC236}">
-                  <a16:creationId xmlns="" xmlns:a16="http://schemas.microsoft.com/office/drawing/2014/main" id="{2222D5E2-E9B4-4180-98B8-4E514C9ADB28}"/>
+                  <a16:creationId xmlns:a16="http://schemas.microsoft.com/office/drawing/2014/main" xmlns="" id="{2222D5E2-E9B4-4180-98B8-4E514C9ADB28}"/>
                 </a:ext>
               </a:extLst>
             </p:cNvPr>
@@ -792,7 +793,7 @@
               <p:cNvPr id="15" name="Freeform: Shape 14">
                 <a:extLst>
                   <a:ext uri="{FF2B5EF4-FFF2-40B4-BE49-F238E27FC236}">
-                    <a16:creationId xmlns="" xmlns:a16="http://schemas.microsoft.com/office/drawing/2014/main" id="{41E10E1E-5268-4F03-BA64-07E19DE26739}"/>
+                    <a16:creationId xmlns:a16="http://schemas.microsoft.com/office/drawing/2014/main" xmlns="" id="{41E10E1E-5268-4F03-BA64-07E19DE26739}"/>
                   </a:ext>
                 </a:extLst>
               </p:cNvPr>
@@ -929,7 +930,7 @@
               <p:cNvPr id="16" name="Freeform: Shape 15">
                 <a:extLst>
                   <a:ext uri="{FF2B5EF4-FFF2-40B4-BE49-F238E27FC236}">
-                    <a16:creationId xmlns="" xmlns:a16="http://schemas.microsoft.com/office/drawing/2014/main" id="{B989C45D-BDFF-418F-BE79-03FF70015770}"/>
+                    <a16:creationId xmlns:a16="http://schemas.microsoft.com/office/drawing/2014/main" xmlns="" id="{B989C45D-BDFF-418F-BE79-03FF70015770}"/>
                   </a:ext>
                 </a:extLst>
               </p:cNvPr>
@@ -1093,7 +1094,7 @@
               <p:cNvPr id="17" name="Right Triangle 16">
                 <a:extLst>
                   <a:ext uri="{FF2B5EF4-FFF2-40B4-BE49-F238E27FC236}">
-                    <a16:creationId xmlns="" xmlns:a16="http://schemas.microsoft.com/office/drawing/2014/main" id="{8DCD5806-2A2F-4ABF-8057-245681C498E6}"/>
+                    <a16:creationId xmlns:a16="http://schemas.microsoft.com/office/drawing/2014/main" xmlns="" id="{8DCD5806-2A2F-4ABF-8057-245681C498E6}"/>
                   </a:ext>
                 </a:extLst>
               </p:cNvPr>
@@ -1147,7 +1148,7 @@
               <p:cNvPr id="18" name="Right Triangle 17">
                 <a:extLst>
                   <a:ext uri="{FF2B5EF4-FFF2-40B4-BE49-F238E27FC236}">
-                    <a16:creationId xmlns="" xmlns:a16="http://schemas.microsoft.com/office/drawing/2014/main" id="{3A93038F-E9E4-4FFD-B3DF-28DB7C2C1490}"/>
+                    <a16:creationId xmlns:a16="http://schemas.microsoft.com/office/drawing/2014/main" xmlns="" id="{3A93038F-E9E4-4FFD-B3DF-28DB7C2C1490}"/>
                   </a:ext>
                 </a:extLst>
               </p:cNvPr>
@@ -1204,7 +1205,7 @@
               <p:cNvPr id="19" name="Right Triangle 18">
                 <a:extLst>
                   <a:ext uri="{FF2B5EF4-FFF2-40B4-BE49-F238E27FC236}">
-                    <a16:creationId xmlns="" xmlns:a16="http://schemas.microsoft.com/office/drawing/2014/main" id="{5DEA1E02-BBD0-4AE3-AF22-433B90272178}"/>
+                    <a16:creationId xmlns:a16="http://schemas.microsoft.com/office/drawing/2014/main" xmlns="" id="{5DEA1E02-BBD0-4AE3-AF22-433B90272178}"/>
                   </a:ext>
                 </a:extLst>
               </p:cNvPr>
@@ -1258,7 +1259,7 @@
               <p:cNvPr id="20" name="Freeform: Shape 19">
                 <a:extLst>
                   <a:ext uri="{FF2B5EF4-FFF2-40B4-BE49-F238E27FC236}">
-                    <a16:creationId xmlns="" xmlns:a16="http://schemas.microsoft.com/office/drawing/2014/main" id="{0027A677-9ACB-4264-B148-4806678FB83F}"/>
+                    <a16:creationId xmlns:a16="http://schemas.microsoft.com/office/drawing/2014/main" xmlns="" id="{0027A677-9ACB-4264-B148-4806678FB83F}"/>
                   </a:ext>
                 </a:extLst>
               </p:cNvPr>
@@ -1421,7 +1422,7 @@
             <p:cNvPr id="9" name="Freeform: Shape 12">
               <a:extLst>
                 <a:ext uri="{FF2B5EF4-FFF2-40B4-BE49-F238E27FC236}">
-                  <a16:creationId xmlns="" xmlns:a16="http://schemas.microsoft.com/office/drawing/2014/main" id="{E3AAB79D-382D-4A95-965E-526B6A681DA7}"/>
+                  <a16:creationId xmlns:a16="http://schemas.microsoft.com/office/drawing/2014/main" xmlns="" id="{E3AAB79D-382D-4A95-965E-526B6A681DA7}"/>
                 </a:ext>
               </a:extLst>
             </p:cNvPr>
@@ -1511,7 +1512,7 @@
             <p:cNvPr id="10" name="Freeform: Shape 9">
               <a:extLst>
                 <a:ext uri="{FF2B5EF4-FFF2-40B4-BE49-F238E27FC236}">
-                  <a16:creationId xmlns="" xmlns:a16="http://schemas.microsoft.com/office/drawing/2014/main" id="{C0A22127-2B4A-4B15-B0A9-F019A30347A1}"/>
+                  <a16:creationId xmlns:a16="http://schemas.microsoft.com/office/drawing/2014/main" xmlns="" id="{C0A22127-2B4A-4B15-B0A9-F019A30347A1}"/>
                 </a:ext>
               </a:extLst>
             </p:cNvPr>
@@ -1614,7 +1615,7 @@
             <p:cNvPr id="11" name="Freeform: Shape 12">
               <a:extLst>
                 <a:ext uri="{FF2B5EF4-FFF2-40B4-BE49-F238E27FC236}">
-                  <a16:creationId xmlns="" xmlns:a16="http://schemas.microsoft.com/office/drawing/2014/main" id="{F04D9FDC-1B67-4254-9535-CD32E81F0C3E}"/>
+                  <a16:creationId xmlns:a16="http://schemas.microsoft.com/office/drawing/2014/main" xmlns="" id="{F04D9FDC-1B67-4254-9535-CD32E81F0C3E}"/>
                 </a:ext>
               </a:extLst>
             </p:cNvPr>
@@ -1712,7 +1713,7 @@
             <p:cNvPr id="12" name="Group 11">
               <a:extLst>
                 <a:ext uri="{FF2B5EF4-FFF2-40B4-BE49-F238E27FC236}">
-                  <a16:creationId xmlns="" xmlns:a16="http://schemas.microsoft.com/office/drawing/2014/main" id="{0A86C4EA-4CF8-4531-845D-4FCB1E2F7422}"/>
+                  <a16:creationId xmlns:a16="http://schemas.microsoft.com/office/drawing/2014/main" xmlns="" id="{0A86C4EA-4CF8-4531-845D-4FCB1E2F7422}"/>
                 </a:ext>
               </a:extLst>
             </p:cNvPr>
@@ -1732,7 +1733,7 @@
               <p:cNvPr id="13" name="Freeform: Shape 12">
                 <a:extLst>
                   <a:ext uri="{FF2B5EF4-FFF2-40B4-BE49-F238E27FC236}">
-                    <a16:creationId xmlns="" xmlns:a16="http://schemas.microsoft.com/office/drawing/2014/main" id="{1101B195-C112-4D20-8D19-4D22479B150D}"/>
+                    <a16:creationId xmlns:a16="http://schemas.microsoft.com/office/drawing/2014/main" xmlns="" id="{1101B195-C112-4D20-8D19-4D22479B150D}"/>
                   </a:ext>
                 </a:extLst>
               </p:cNvPr>
@@ -1822,7 +1823,7 @@
               <p:cNvPr id="14" name="Freeform: Shape 12">
                 <a:extLst>
                   <a:ext uri="{FF2B5EF4-FFF2-40B4-BE49-F238E27FC236}">
-                    <a16:creationId xmlns="" xmlns:a16="http://schemas.microsoft.com/office/drawing/2014/main" id="{CA755F1F-9955-4CBB-8F34-F7801CA44CE7}"/>
+                    <a16:creationId xmlns:a16="http://schemas.microsoft.com/office/drawing/2014/main" xmlns="" id="{CA755F1F-9955-4CBB-8F34-F7801CA44CE7}"/>
                   </a:ext>
                 </a:extLst>
               </p:cNvPr>
@@ -1922,7 +1923,7 @@
           <p:cNvPr id="2" name="Title 1">
             <a:extLst>
               <a:ext uri="{FF2B5EF4-FFF2-40B4-BE49-F238E27FC236}">
-                <a16:creationId xmlns="" xmlns:a16="http://schemas.microsoft.com/office/drawing/2014/main" id="{9E597736-C478-4C26-9BAF-205FE31E977C}"/>
+                <a16:creationId xmlns:a16="http://schemas.microsoft.com/office/drawing/2014/main" xmlns="" id="{9E597736-C478-4C26-9BAF-205FE31E977C}"/>
               </a:ext>
             </a:extLst>
           </p:cNvPr>
@@ -1969,7 +1970,7 @@
           <p:cNvPr id="3" name="Subtitle 2">
             <a:extLst>
               <a:ext uri="{FF2B5EF4-FFF2-40B4-BE49-F238E27FC236}">
-                <a16:creationId xmlns="" xmlns:a16="http://schemas.microsoft.com/office/drawing/2014/main" id="{C3D2DEF0-A0B0-4CFE-B67D-A9D75E2368DC}"/>
+                <a16:creationId xmlns:a16="http://schemas.microsoft.com/office/drawing/2014/main" xmlns="" id="{C3D2DEF0-A0B0-4CFE-B67D-A9D75E2368DC}"/>
               </a:ext>
             </a:extLst>
           </p:cNvPr>
@@ -2055,7 +2056,7 @@
           <p:cNvPr id="11" name="Rectangle 10">
             <a:extLst>
               <a:ext uri="{FF2B5EF4-FFF2-40B4-BE49-F238E27FC236}">
-                <a16:creationId xmlns="" xmlns:a16="http://schemas.microsoft.com/office/drawing/2014/main" id="{EB3E033F-4449-40FA-BC85-BD2712D313DD}"/>
+                <a16:creationId xmlns:a16="http://schemas.microsoft.com/office/drawing/2014/main" xmlns="" id="{EB3E033F-4449-40FA-BC85-BD2712D313DD}"/>
               </a:ext>
             </a:extLst>
           </p:cNvPr>
@@ -2109,7 +2110,7 @@
           <p:cNvPr id="10" name="Freeform: Shape 9">
             <a:extLst>
               <a:ext uri="{FF2B5EF4-FFF2-40B4-BE49-F238E27FC236}">
-                <a16:creationId xmlns="" xmlns:a16="http://schemas.microsoft.com/office/drawing/2014/main" id="{63D26743-0505-444C-80B3-E88EE87DF72B}"/>
+                <a16:creationId xmlns:a16="http://schemas.microsoft.com/office/drawing/2014/main" xmlns="" id="{63D26743-0505-444C-80B3-E88EE87DF72B}"/>
               </a:ext>
             </a:extLst>
           </p:cNvPr>
@@ -2232,7 +2233,7 @@
           <p:cNvPr id="18" name="Freeform: Shape 17">
             <a:extLst>
               <a:ext uri="{FF2B5EF4-FFF2-40B4-BE49-F238E27FC236}">
-                <a16:creationId xmlns="" xmlns:a16="http://schemas.microsoft.com/office/drawing/2014/main" id="{E37145E9-AC61-47D5-9288-8789940F81B6}"/>
+                <a16:creationId xmlns:a16="http://schemas.microsoft.com/office/drawing/2014/main" xmlns="" id="{E37145E9-AC61-47D5-9288-8789940F81B6}"/>
               </a:ext>
             </a:extLst>
           </p:cNvPr>
@@ -2384,7 +2385,7 @@
           <p:cNvPr id="12" name="Freeform: Shape 11">
             <a:extLst>
               <a:ext uri="{FF2B5EF4-FFF2-40B4-BE49-F238E27FC236}">
-                <a16:creationId xmlns="" xmlns:a16="http://schemas.microsoft.com/office/drawing/2014/main" id="{A5E2B3ED-9A49-40A7-B8A3-62595FE513F9}"/>
+                <a16:creationId xmlns:a16="http://schemas.microsoft.com/office/drawing/2014/main" xmlns="" id="{A5E2B3ED-9A49-40A7-B8A3-62595FE513F9}"/>
               </a:ext>
             </a:extLst>
           </p:cNvPr>
@@ -2534,7 +2535,7 @@
           <p:cNvPr id="8" name="Freeform: Shape 7">
             <a:extLst>
               <a:ext uri="{FF2B5EF4-FFF2-40B4-BE49-F238E27FC236}">
-                <a16:creationId xmlns="" xmlns:a16="http://schemas.microsoft.com/office/drawing/2014/main" id="{1599AF7E-3E34-4597-AA72-9373A7FDB020}"/>
+                <a16:creationId xmlns:a16="http://schemas.microsoft.com/office/drawing/2014/main" xmlns="" id="{1599AF7E-3E34-4597-AA72-9373A7FDB020}"/>
               </a:ext>
             </a:extLst>
           </p:cNvPr>
@@ -2680,7 +2681,7 @@
           <p:cNvPr id="2" name="Title 1">
             <a:extLst>
               <a:ext uri="{FF2B5EF4-FFF2-40B4-BE49-F238E27FC236}">
-                <a16:creationId xmlns="" xmlns:a16="http://schemas.microsoft.com/office/drawing/2014/main" id="{4A2DF563-7FAC-46B3-B24C-7E45CD89DA2B}"/>
+                <a16:creationId xmlns:a16="http://schemas.microsoft.com/office/drawing/2014/main" xmlns="" id="{4A2DF563-7FAC-46B3-B24C-7E45CD89DA2B}"/>
               </a:ext>
             </a:extLst>
           </p:cNvPr>
@@ -2726,7 +2727,7 @@
           <p:cNvPr id="15" name="Group 14">
             <a:extLst>
               <a:ext uri="{FF2B5EF4-FFF2-40B4-BE49-F238E27FC236}">
-                <a16:creationId xmlns="" xmlns:a16="http://schemas.microsoft.com/office/drawing/2014/main" id="{7732E1E7-45E3-4264-8F26-66758696DD1E}"/>
+                <a16:creationId xmlns:a16="http://schemas.microsoft.com/office/drawing/2014/main" xmlns="" id="{7732E1E7-45E3-4264-8F26-66758696DD1E}"/>
               </a:ext>
             </a:extLst>
           </p:cNvPr>
@@ -2746,7 +2747,7 @@
             <p:cNvPr id="16" name="Freeform: Shape 15">
               <a:extLst>
                 <a:ext uri="{FF2B5EF4-FFF2-40B4-BE49-F238E27FC236}">
-                  <a16:creationId xmlns="" xmlns:a16="http://schemas.microsoft.com/office/drawing/2014/main" id="{2E3DF883-8093-49FA-81E1-E5D77F086A25}"/>
+                  <a16:creationId xmlns:a16="http://schemas.microsoft.com/office/drawing/2014/main" xmlns="" id="{2E3DF883-8093-49FA-81E1-E5D77F086A25}"/>
                 </a:ext>
               </a:extLst>
             </p:cNvPr>
@@ -2836,7 +2837,7 @@
             <p:cNvPr id="17" name="Freeform: Shape 16">
               <a:extLst>
                 <a:ext uri="{FF2B5EF4-FFF2-40B4-BE49-F238E27FC236}">
-                  <a16:creationId xmlns="" xmlns:a16="http://schemas.microsoft.com/office/drawing/2014/main" id="{18944C90-37E5-4BBE-89FF-060627168050}"/>
+                  <a16:creationId xmlns:a16="http://schemas.microsoft.com/office/drawing/2014/main" xmlns="" id="{18944C90-37E5-4BBE-89FF-060627168050}"/>
                 </a:ext>
               </a:extLst>
             </p:cNvPr>
@@ -2935,7 +2936,7 @@
           <p:cNvPr id="6" name="Group 5">
             <a:extLst>
               <a:ext uri="{FF2B5EF4-FFF2-40B4-BE49-F238E27FC236}">
-                <a16:creationId xmlns="" xmlns:a16="http://schemas.microsoft.com/office/drawing/2014/main" id="{D9EBF8BB-A805-4DDB-B459-082F99815B95}"/>
+                <a16:creationId xmlns:a16="http://schemas.microsoft.com/office/drawing/2014/main" xmlns="" id="{D9EBF8BB-A805-4DDB-B459-082F99815B95}"/>
               </a:ext>
             </a:extLst>
           </p:cNvPr>
@@ -2955,7 +2956,7 @@
             <p:cNvPr id="19" name="Rectangle: Single Corner Snipped 18">
               <a:extLst>
                 <a:ext uri="{FF2B5EF4-FFF2-40B4-BE49-F238E27FC236}">
-                  <a16:creationId xmlns="" xmlns:a16="http://schemas.microsoft.com/office/drawing/2014/main" id="{5D638788-DD47-45E7-939A-FA108A818173}"/>
+                  <a16:creationId xmlns:a16="http://schemas.microsoft.com/office/drawing/2014/main" xmlns="" id="{5D638788-DD47-45E7-939A-FA108A818173}"/>
                 </a:ext>
               </a:extLst>
             </p:cNvPr>
@@ -3021,7 +3022,7 @@
             <p:cNvPr id="3" name="Rectangle: Single Corner Snipped 2">
               <a:extLst>
                 <a:ext uri="{FF2B5EF4-FFF2-40B4-BE49-F238E27FC236}">
-                  <a16:creationId xmlns="" xmlns:a16="http://schemas.microsoft.com/office/drawing/2014/main" id="{74BDECEF-EEFE-4332-B3B2-BDE4F82C10FC}"/>
+                  <a16:creationId xmlns:a16="http://schemas.microsoft.com/office/drawing/2014/main" xmlns="" id="{74BDECEF-EEFE-4332-B3B2-BDE4F82C10FC}"/>
                 </a:ext>
               </a:extLst>
             </p:cNvPr>
@@ -3078,7 +3079,7 @@
           <p:cNvPr id="24" name="Freeform: Shape 23">
             <a:extLst>
               <a:ext uri="{FF2B5EF4-FFF2-40B4-BE49-F238E27FC236}">
-                <a16:creationId xmlns="" xmlns:a16="http://schemas.microsoft.com/office/drawing/2014/main" id="{18103E00-7E4A-44CD-81AC-06433CAE1110}"/>
+                <a16:creationId xmlns:a16="http://schemas.microsoft.com/office/drawing/2014/main" xmlns="" id="{18103E00-7E4A-44CD-81AC-06433CAE1110}"/>
               </a:ext>
             </a:extLst>
           </p:cNvPr>
@@ -3173,7 +3174,7 @@
           <p:cNvPr id="5" name="Slide Number Placeholder 4">
             <a:extLst>
               <a:ext uri="{FF2B5EF4-FFF2-40B4-BE49-F238E27FC236}">
-                <a16:creationId xmlns="" xmlns:a16="http://schemas.microsoft.com/office/drawing/2014/main" id="{87B51822-97FF-47A7-8E4E-A0F79B4EB237}"/>
+                <a16:creationId xmlns:a16="http://schemas.microsoft.com/office/drawing/2014/main" xmlns="" id="{87B51822-97FF-47A7-8E4E-A0F79B4EB237}"/>
               </a:ext>
             </a:extLst>
           </p:cNvPr>
@@ -3217,7 +3218,7 @@
           <p:cNvPr id="20" name="Content Placeholder 2">
             <a:extLst>
               <a:ext uri="{FF2B5EF4-FFF2-40B4-BE49-F238E27FC236}">
-                <a16:creationId xmlns="" xmlns:a16="http://schemas.microsoft.com/office/drawing/2014/main" id="{FE796BFF-6E5F-4DE7-B193-F501FC094D63}"/>
+                <a16:creationId xmlns:a16="http://schemas.microsoft.com/office/drawing/2014/main" xmlns="" id="{FE796BFF-6E5F-4DE7-B193-F501FC094D63}"/>
               </a:ext>
             </a:extLst>
           </p:cNvPr>
@@ -3328,7 +3329,7 @@
           <p:cNvPr id="21" name="Content Placeholder 3">
             <a:extLst>
               <a:ext uri="{FF2B5EF4-FFF2-40B4-BE49-F238E27FC236}">
-                <a16:creationId xmlns="" xmlns:a16="http://schemas.microsoft.com/office/drawing/2014/main" id="{78622754-CA4D-4C27-A37F-B26E7B4C9CA2}"/>
+                <a16:creationId xmlns:a16="http://schemas.microsoft.com/office/drawing/2014/main" xmlns="" id="{78622754-CA4D-4C27-A37F-B26E7B4C9CA2}"/>
               </a:ext>
             </a:extLst>
           </p:cNvPr>
@@ -3467,7 +3468,7 @@
           <p:cNvPr id="11" name="Rectangle 10">
             <a:extLst>
               <a:ext uri="{FF2B5EF4-FFF2-40B4-BE49-F238E27FC236}">
-                <a16:creationId xmlns="" xmlns:a16="http://schemas.microsoft.com/office/drawing/2014/main" id="{EB3E033F-4449-40FA-BC85-BD2712D313DD}"/>
+                <a16:creationId xmlns:a16="http://schemas.microsoft.com/office/drawing/2014/main" xmlns="" id="{EB3E033F-4449-40FA-BC85-BD2712D313DD}"/>
               </a:ext>
             </a:extLst>
           </p:cNvPr>
@@ -3521,7 +3522,7 @@
           <p:cNvPr id="10" name="Freeform: Shape 9">
             <a:extLst>
               <a:ext uri="{FF2B5EF4-FFF2-40B4-BE49-F238E27FC236}">
-                <a16:creationId xmlns="" xmlns:a16="http://schemas.microsoft.com/office/drawing/2014/main" id="{63D26743-0505-444C-80B3-E88EE87DF72B}"/>
+                <a16:creationId xmlns:a16="http://schemas.microsoft.com/office/drawing/2014/main" xmlns="" id="{63D26743-0505-444C-80B3-E88EE87DF72B}"/>
               </a:ext>
             </a:extLst>
           </p:cNvPr>
@@ -3644,7 +3645,7 @@
           <p:cNvPr id="18" name="Freeform: Shape 17">
             <a:extLst>
               <a:ext uri="{FF2B5EF4-FFF2-40B4-BE49-F238E27FC236}">
-                <a16:creationId xmlns="" xmlns:a16="http://schemas.microsoft.com/office/drawing/2014/main" id="{E37145E9-AC61-47D5-9288-8789940F81B6}"/>
+                <a16:creationId xmlns:a16="http://schemas.microsoft.com/office/drawing/2014/main" xmlns="" id="{E37145E9-AC61-47D5-9288-8789940F81B6}"/>
               </a:ext>
             </a:extLst>
           </p:cNvPr>
@@ -3796,7 +3797,7 @@
           <p:cNvPr id="12" name="Freeform: Shape 11">
             <a:extLst>
               <a:ext uri="{FF2B5EF4-FFF2-40B4-BE49-F238E27FC236}">
-                <a16:creationId xmlns="" xmlns:a16="http://schemas.microsoft.com/office/drawing/2014/main" id="{A5E2B3ED-9A49-40A7-B8A3-62595FE513F9}"/>
+                <a16:creationId xmlns:a16="http://schemas.microsoft.com/office/drawing/2014/main" xmlns="" id="{A5E2B3ED-9A49-40A7-B8A3-62595FE513F9}"/>
               </a:ext>
             </a:extLst>
           </p:cNvPr>
@@ -3946,7 +3947,7 @@
           <p:cNvPr id="8" name="Freeform: Shape 7">
             <a:extLst>
               <a:ext uri="{FF2B5EF4-FFF2-40B4-BE49-F238E27FC236}">
-                <a16:creationId xmlns="" xmlns:a16="http://schemas.microsoft.com/office/drawing/2014/main" id="{1599AF7E-3E34-4597-AA72-9373A7FDB020}"/>
+                <a16:creationId xmlns:a16="http://schemas.microsoft.com/office/drawing/2014/main" xmlns="" id="{1599AF7E-3E34-4597-AA72-9373A7FDB020}"/>
               </a:ext>
             </a:extLst>
           </p:cNvPr>
@@ -4092,7 +4093,7 @@
           <p:cNvPr id="2" name="Title 1">
             <a:extLst>
               <a:ext uri="{FF2B5EF4-FFF2-40B4-BE49-F238E27FC236}">
-                <a16:creationId xmlns="" xmlns:a16="http://schemas.microsoft.com/office/drawing/2014/main" id="{4A2DF563-7FAC-46B3-B24C-7E45CD89DA2B}"/>
+                <a16:creationId xmlns:a16="http://schemas.microsoft.com/office/drawing/2014/main" xmlns="" id="{4A2DF563-7FAC-46B3-B24C-7E45CD89DA2B}"/>
               </a:ext>
             </a:extLst>
           </p:cNvPr>
@@ -4138,7 +4139,7 @@
           <p:cNvPr id="15" name="Group 14">
             <a:extLst>
               <a:ext uri="{FF2B5EF4-FFF2-40B4-BE49-F238E27FC236}">
-                <a16:creationId xmlns="" xmlns:a16="http://schemas.microsoft.com/office/drawing/2014/main" id="{7732E1E7-45E3-4264-8F26-66758696DD1E}"/>
+                <a16:creationId xmlns:a16="http://schemas.microsoft.com/office/drawing/2014/main" xmlns="" id="{7732E1E7-45E3-4264-8F26-66758696DD1E}"/>
               </a:ext>
             </a:extLst>
           </p:cNvPr>
@@ -4158,7 +4159,7 @@
             <p:cNvPr id="16" name="Freeform: Shape 15">
               <a:extLst>
                 <a:ext uri="{FF2B5EF4-FFF2-40B4-BE49-F238E27FC236}">
-                  <a16:creationId xmlns="" xmlns:a16="http://schemas.microsoft.com/office/drawing/2014/main" id="{2E3DF883-8093-49FA-81E1-E5D77F086A25}"/>
+                  <a16:creationId xmlns:a16="http://schemas.microsoft.com/office/drawing/2014/main" xmlns="" id="{2E3DF883-8093-49FA-81E1-E5D77F086A25}"/>
                 </a:ext>
               </a:extLst>
             </p:cNvPr>
@@ -4248,7 +4249,7 @@
             <p:cNvPr id="17" name="Freeform: Shape 16">
               <a:extLst>
                 <a:ext uri="{FF2B5EF4-FFF2-40B4-BE49-F238E27FC236}">
-                  <a16:creationId xmlns="" xmlns:a16="http://schemas.microsoft.com/office/drawing/2014/main" id="{18944C90-37E5-4BBE-89FF-060627168050}"/>
+                  <a16:creationId xmlns:a16="http://schemas.microsoft.com/office/drawing/2014/main" xmlns="" id="{18944C90-37E5-4BBE-89FF-060627168050}"/>
                 </a:ext>
               </a:extLst>
             </p:cNvPr>
@@ -4347,7 +4348,7 @@
           <p:cNvPr id="6" name="Group 5">
             <a:extLst>
               <a:ext uri="{FF2B5EF4-FFF2-40B4-BE49-F238E27FC236}">
-                <a16:creationId xmlns="" xmlns:a16="http://schemas.microsoft.com/office/drawing/2014/main" id="{D9EBF8BB-A805-4DDB-B459-082F99815B95}"/>
+                <a16:creationId xmlns:a16="http://schemas.microsoft.com/office/drawing/2014/main" xmlns="" id="{D9EBF8BB-A805-4DDB-B459-082F99815B95}"/>
               </a:ext>
             </a:extLst>
           </p:cNvPr>
@@ -4367,7 +4368,7 @@
             <p:cNvPr id="19" name="Rectangle: Single Corner Snipped 18">
               <a:extLst>
                 <a:ext uri="{FF2B5EF4-FFF2-40B4-BE49-F238E27FC236}">
-                  <a16:creationId xmlns="" xmlns:a16="http://schemas.microsoft.com/office/drawing/2014/main" id="{5D638788-DD47-45E7-939A-FA108A818173}"/>
+                  <a16:creationId xmlns:a16="http://schemas.microsoft.com/office/drawing/2014/main" xmlns="" id="{5D638788-DD47-45E7-939A-FA108A818173}"/>
                 </a:ext>
               </a:extLst>
             </p:cNvPr>
@@ -4428,7 +4429,7 @@
             <p:cNvPr id="3" name="Rectangle: Single Corner Snipped 2">
               <a:extLst>
                 <a:ext uri="{FF2B5EF4-FFF2-40B4-BE49-F238E27FC236}">
-                  <a16:creationId xmlns="" xmlns:a16="http://schemas.microsoft.com/office/drawing/2014/main" id="{74BDECEF-EEFE-4332-B3B2-BDE4F82C10FC}"/>
+                  <a16:creationId xmlns:a16="http://schemas.microsoft.com/office/drawing/2014/main" xmlns="" id="{74BDECEF-EEFE-4332-B3B2-BDE4F82C10FC}"/>
                 </a:ext>
               </a:extLst>
             </p:cNvPr>
@@ -4485,7 +4486,7 @@
           <p:cNvPr id="20" name="Picture Placeholder 8">
             <a:extLst>
               <a:ext uri="{FF2B5EF4-FFF2-40B4-BE49-F238E27FC236}">
-                <a16:creationId xmlns="" xmlns:a16="http://schemas.microsoft.com/office/drawing/2014/main" id="{6D00E6B4-1CBE-404E-B943-5F1832320C1C}"/>
+                <a16:creationId xmlns:a16="http://schemas.microsoft.com/office/drawing/2014/main" xmlns="" id="{6D00E6B4-1CBE-404E-B943-5F1832320C1C}"/>
               </a:ext>
             </a:extLst>
           </p:cNvPr>
@@ -4548,7 +4549,7 @@
           <p:cNvPr id="21" name="Picture Placeholder 8">
             <a:extLst>
               <a:ext uri="{FF2B5EF4-FFF2-40B4-BE49-F238E27FC236}">
-                <a16:creationId xmlns="" xmlns:a16="http://schemas.microsoft.com/office/drawing/2014/main" id="{7CD59BFD-62BE-4E33-92A5-B84A2A9A8D3B}"/>
+                <a16:creationId xmlns:a16="http://schemas.microsoft.com/office/drawing/2014/main" xmlns="" id="{7CD59BFD-62BE-4E33-92A5-B84A2A9A8D3B}"/>
               </a:ext>
             </a:extLst>
           </p:cNvPr>
@@ -4611,7 +4612,7 @@
           <p:cNvPr id="22" name="Picture Placeholder 8">
             <a:extLst>
               <a:ext uri="{FF2B5EF4-FFF2-40B4-BE49-F238E27FC236}">
-                <a16:creationId xmlns="" xmlns:a16="http://schemas.microsoft.com/office/drawing/2014/main" id="{60DC5978-55B8-421D-91B4-29F8210A7B2C}"/>
+                <a16:creationId xmlns:a16="http://schemas.microsoft.com/office/drawing/2014/main" xmlns="" id="{60DC5978-55B8-421D-91B4-29F8210A7B2C}"/>
               </a:ext>
             </a:extLst>
           </p:cNvPr>
@@ -4674,7 +4675,7 @@
           <p:cNvPr id="23" name="Picture Placeholder 8">
             <a:extLst>
               <a:ext uri="{FF2B5EF4-FFF2-40B4-BE49-F238E27FC236}">
-                <a16:creationId xmlns="" xmlns:a16="http://schemas.microsoft.com/office/drawing/2014/main" id="{BE3FB8C3-2C7E-4C59-8BD5-53FA2772DB56}"/>
+                <a16:creationId xmlns:a16="http://schemas.microsoft.com/office/drawing/2014/main" xmlns="" id="{BE3FB8C3-2C7E-4C59-8BD5-53FA2772DB56}"/>
               </a:ext>
             </a:extLst>
           </p:cNvPr>
@@ -4737,7 +4738,7 @@
           <p:cNvPr id="24" name="Picture Placeholder 8">
             <a:extLst>
               <a:ext uri="{FF2B5EF4-FFF2-40B4-BE49-F238E27FC236}">
-                <a16:creationId xmlns="" xmlns:a16="http://schemas.microsoft.com/office/drawing/2014/main" id="{FD8FA9DA-C36B-4889-B88F-28B5829E53E2}"/>
+                <a16:creationId xmlns:a16="http://schemas.microsoft.com/office/drawing/2014/main" xmlns="" id="{FD8FA9DA-C36B-4889-B88F-28B5829E53E2}"/>
               </a:ext>
             </a:extLst>
           </p:cNvPr>
@@ -4800,7 +4801,7 @@
           <p:cNvPr id="26" name="Text Placeholder 22">
             <a:extLst>
               <a:ext uri="{FF2B5EF4-FFF2-40B4-BE49-F238E27FC236}">
-                <a16:creationId xmlns="" xmlns:a16="http://schemas.microsoft.com/office/drawing/2014/main" id="{2A19101D-7C37-42BF-8167-5391EA65EC3A}"/>
+                <a16:creationId xmlns:a16="http://schemas.microsoft.com/office/drawing/2014/main" xmlns="" id="{2A19101D-7C37-42BF-8167-5391EA65EC3A}"/>
               </a:ext>
             </a:extLst>
           </p:cNvPr>
@@ -4910,7 +4911,7 @@
           <p:cNvPr id="27" name="Text Placeholder 22">
             <a:extLst>
               <a:ext uri="{FF2B5EF4-FFF2-40B4-BE49-F238E27FC236}">
-                <a16:creationId xmlns="" xmlns:a16="http://schemas.microsoft.com/office/drawing/2014/main" id="{05F72315-51A9-431C-B80A-45E4FB1D6BD6}"/>
+                <a16:creationId xmlns:a16="http://schemas.microsoft.com/office/drawing/2014/main" xmlns="" id="{05F72315-51A9-431C-B80A-45E4FB1D6BD6}"/>
               </a:ext>
             </a:extLst>
           </p:cNvPr>
@@ -5020,7 +5021,7 @@
           <p:cNvPr id="28" name="Text Placeholder 22">
             <a:extLst>
               <a:ext uri="{FF2B5EF4-FFF2-40B4-BE49-F238E27FC236}">
-                <a16:creationId xmlns="" xmlns:a16="http://schemas.microsoft.com/office/drawing/2014/main" id="{883D1F0C-34F1-46E1-B178-E4AB82B14631}"/>
+                <a16:creationId xmlns:a16="http://schemas.microsoft.com/office/drawing/2014/main" xmlns="" id="{883D1F0C-34F1-46E1-B178-E4AB82B14631}"/>
               </a:ext>
             </a:extLst>
           </p:cNvPr>
@@ -5130,7 +5131,7 @@
           <p:cNvPr id="29" name="Text Placeholder 22">
             <a:extLst>
               <a:ext uri="{FF2B5EF4-FFF2-40B4-BE49-F238E27FC236}">
-                <a16:creationId xmlns="" xmlns:a16="http://schemas.microsoft.com/office/drawing/2014/main" id="{7202A849-DF14-40E7-B38D-1185F72603EC}"/>
+                <a16:creationId xmlns:a16="http://schemas.microsoft.com/office/drawing/2014/main" xmlns="" id="{7202A849-DF14-40E7-B38D-1185F72603EC}"/>
               </a:ext>
             </a:extLst>
           </p:cNvPr>
@@ -5240,7 +5241,7 @@
           <p:cNvPr id="30" name="Text Placeholder 22">
             <a:extLst>
               <a:ext uri="{FF2B5EF4-FFF2-40B4-BE49-F238E27FC236}">
-                <a16:creationId xmlns="" xmlns:a16="http://schemas.microsoft.com/office/drawing/2014/main" id="{CCFC1ADF-AC11-4CCD-AC2D-478B6FFEA5EA}"/>
+                <a16:creationId xmlns:a16="http://schemas.microsoft.com/office/drawing/2014/main" xmlns="" id="{CCFC1ADF-AC11-4CCD-AC2D-478B6FFEA5EA}"/>
               </a:ext>
             </a:extLst>
           </p:cNvPr>
@@ -5350,7 +5351,7 @@
           <p:cNvPr id="7" name="Straight Connector 6">
             <a:extLst>
               <a:ext uri="{FF2B5EF4-FFF2-40B4-BE49-F238E27FC236}">
-                <a16:creationId xmlns="" xmlns:a16="http://schemas.microsoft.com/office/drawing/2014/main" id="{2B4CB326-DA0E-488E-B236-7017E8438FBB}"/>
+                <a16:creationId xmlns:a16="http://schemas.microsoft.com/office/drawing/2014/main" xmlns="" id="{2B4CB326-DA0E-488E-B236-7017E8438FBB}"/>
               </a:ext>
             </a:extLst>
           </p:cNvPr>
@@ -5391,7 +5392,7 @@
           <p:cNvPr id="31" name="Straight Connector 30">
             <a:extLst>
               <a:ext uri="{FF2B5EF4-FFF2-40B4-BE49-F238E27FC236}">
-                <a16:creationId xmlns="" xmlns:a16="http://schemas.microsoft.com/office/drawing/2014/main" id="{9366B533-7212-4A36-9CE2-D6302E721F8F}"/>
+                <a16:creationId xmlns:a16="http://schemas.microsoft.com/office/drawing/2014/main" xmlns="" id="{9366B533-7212-4A36-9CE2-D6302E721F8F}"/>
               </a:ext>
             </a:extLst>
           </p:cNvPr>
@@ -5432,7 +5433,7 @@
           <p:cNvPr id="32" name="Straight Connector 31">
             <a:extLst>
               <a:ext uri="{FF2B5EF4-FFF2-40B4-BE49-F238E27FC236}">
-                <a16:creationId xmlns="" xmlns:a16="http://schemas.microsoft.com/office/drawing/2014/main" id="{AD7474CD-E230-4E14-8274-5E20F673F401}"/>
+                <a16:creationId xmlns:a16="http://schemas.microsoft.com/office/drawing/2014/main" xmlns="" id="{AD7474CD-E230-4E14-8274-5E20F673F401}"/>
               </a:ext>
             </a:extLst>
           </p:cNvPr>
@@ -5473,7 +5474,7 @@
           <p:cNvPr id="33" name="Straight Connector 32">
             <a:extLst>
               <a:ext uri="{FF2B5EF4-FFF2-40B4-BE49-F238E27FC236}">
-                <a16:creationId xmlns="" xmlns:a16="http://schemas.microsoft.com/office/drawing/2014/main" id="{6BF71FCE-6F39-4D2F-82BE-7D9F1D2ED59F}"/>
+                <a16:creationId xmlns:a16="http://schemas.microsoft.com/office/drawing/2014/main" xmlns="" id="{6BF71FCE-6F39-4D2F-82BE-7D9F1D2ED59F}"/>
               </a:ext>
             </a:extLst>
           </p:cNvPr>
@@ -5514,7 +5515,7 @@
           <p:cNvPr id="34" name="Straight Connector 33">
             <a:extLst>
               <a:ext uri="{FF2B5EF4-FFF2-40B4-BE49-F238E27FC236}">
-                <a16:creationId xmlns="" xmlns:a16="http://schemas.microsoft.com/office/drawing/2014/main" id="{AE97AC7A-17D9-4F42-9DD0-94FE4FC6BF19}"/>
+                <a16:creationId xmlns:a16="http://schemas.microsoft.com/office/drawing/2014/main" xmlns="" id="{AE97AC7A-17D9-4F42-9DD0-94FE4FC6BF19}"/>
               </a:ext>
             </a:extLst>
           </p:cNvPr>
@@ -5555,7 +5556,7 @@
           <p:cNvPr id="35" name="Freeform: Shape 34">
             <a:extLst>
               <a:ext uri="{FF2B5EF4-FFF2-40B4-BE49-F238E27FC236}">
-                <a16:creationId xmlns="" xmlns:a16="http://schemas.microsoft.com/office/drawing/2014/main" id="{62EEBF51-DCAD-4335-85E9-52801031A1BF}"/>
+                <a16:creationId xmlns:a16="http://schemas.microsoft.com/office/drawing/2014/main" xmlns="" id="{62EEBF51-DCAD-4335-85E9-52801031A1BF}"/>
               </a:ext>
             </a:extLst>
           </p:cNvPr>
@@ -5650,7 +5651,7 @@
           <p:cNvPr id="5" name="Slide Number Placeholder 4">
             <a:extLst>
               <a:ext uri="{FF2B5EF4-FFF2-40B4-BE49-F238E27FC236}">
-                <a16:creationId xmlns="" xmlns:a16="http://schemas.microsoft.com/office/drawing/2014/main" id="{87B51822-97FF-47A7-8E4E-A0F79B4EB237}"/>
+                <a16:creationId xmlns:a16="http://schemas.microsoft.com/office/drawing/2014/main" xmlns="" id="{87B51822-97FF-47A7-8E4E-A0F79B4EB237}"/>
               </a:ext>
             </a:extLst>
           </p:cNvPr>
@@ -5732,7 +5733,7 @@
           <p:cNvPr id="11" name="Rectangle 10">
             <a:extLst>
               <a:ext uri="{FF2B5EF4-FFF2-40B4-BE49-F238E27FC236}">
-                <a16:creationId xmlns="" xmlns:a16="http://schemas.microsoft.com/office/drawing/2014/main" id="{EB3E033F-4449-40FA-BC85-BD2712D313DD}"/>
+                <a16:creationId xmlns:a16="http://schemas.microsoft.com/office/drawing/2014/main" xmlns="" id="{EB3E033F-4449-40FA-BC85-BD2712D313DD}"/>
               </a:ext>
             </a:extLst>
           </p:cNvPr>
@@ -5786,7 +5787,7 @@
           <p:cNvPr id="10" name="Freeform: Shape 9">
             <a:extLst>
               <a:ext uri="{FF2B5EF4-FFF2-40B4-BE49-F238E27FC236}">
-                <a16:creationId xmlns="" xmlns:a16="http://schemas.microsoft.com/office/drawing/2014/main" id="{63D26743-0505-444C-80B3-E88EE87DF72B}"/>
+                <a16:creationId xmlns:a16="http://schemas.microsoft.com/office/drawing/2014/main" xmlns="" id="{63D26743-0505-444C-80B3-E88EE87DF72B}"/>
               </a:ext>
             </a:extLst>
           </p:cNvPr>
@@ -5909,7 +5910,7 @@
           <p:cNvPr id="18" name="Freeform: Shape 17">
             <a:extLst>
               <a:ext uri="{FF2B5EF4-FFF2-40B4-BE49-F238E27FC236}">
-                <a16:creationId xmlns="" xmlns:a16="http://schemas.microsoft.com/office/drawing/2014/main" id="{E37145E9-AC61-47D5-9288-8789940F81B6}"/>
+                <a16:creationId xmlns:a16="http://schemas.microsoft.com/office/drawing/2014/main" xmlns="" id="{E37145E9-AC61-47D5-9288-8789940F81B6}"/>
               </a:ext>
             </a:extLst>
           </p:cNvPr>
@@ -6061,7 +6062,7 @@
           <p:cNvPr id="12" name="Freeform: Shape 11">
             <a:extLst>
               <a:ext uri="{FF2B5EF4-FFF2-40B4-BE49-F238E27FC236}">
-                <a16:creationId xmlns="" xmlns:a16="http://schemas.microsoft.com/office/drawing/2014/main" id="{A5E2B3ED-9A49-40A7-B8A3-62595FE513F9}"/>
+                <a16:creationId xmlns:a16="http://schemas.microsoft.com/office/drawing/2014/main" xmlns="" id="{A5E2B3ED-9A49-40A7-B8A3-62595FE513F9}"/>
               </a:ext>
             </a:extLst>
           </p:cNvPr>
@@ -6211,7 +6212,7 @@
           <p:cNvPr id="8" name="Freeform: Shape 7">
             <a:extLst>
               <a:ext uri="{FF2B5EF4-FFF2-40B4-BE49-F238E27FC236}">
-                <a16:creationId xmlns="" xmlns:a16="http://schemas.microsoft.com/office/drawing/2014/main" id="{1599AF7E-3E34-4597-AA72-9373A7FDB020}"/>
+                <a16:creationId xmlns:a16="http://schemas.microsoft.com/office/drawing/2014/main" xmlns="" id="{1599AF7E-3E34-4597-AA72-9373A7FDB020}"/>
               </a:ext>
             </a:extLst>
           </p:cNvPr>
@@ -6357,7 +6358,7 @@
           <p:cNvPr id="2" name="Title 1">
             <a:extLst>
               <a:ext uri="{FF2B5EF4-FFF2-40B4-BE49-F238E27FC236}">
-                <a16:creationId xmlns="" xmlns:a16="http://schemas.microsoft.com/office/drawing/2014/main" id="{4A2DF563-7FAC-46B3-B24C-7E45CD89DA2B}"/>
+                <a16:creationId xmlns:a16="http://schemas.microsoft.com/office/drawing/2014/main" xmlns="" id="{4A2DF563-7FAC-46B3-B24C-7E45CD89DA2B}"/>
               </a:ext>
             </a:extLst>
           </p:cNvPr>
@@ -6403,7 +6404,7 @@
           <p:cNvPr id="15" name="Group 14">
             <a:extLst>
               <a:ext uri="{FF2B5EF4-FFF2-40B4-BE49-F238E27FC236}">
-                <a16:creationId xmlns="" xmlns:a16="http://schemas.microsoft.com/office/drawing/2014/main" id="{7732E1E7-45E3-4264-8F26-66758696DD1E}"/>
+                <a16:creationId xmlns:a16="http://schemas.microsoft.com/office/drawing/2014/main" xmlns="" id="{7732E1E7-45E3-4264-8F26-66758696DD1E}"/>
               </a:ext>
             </a:extLst>
           </p:cNvPr>
@@ -6423,7 +6424,7 @@
             <p:cNvPr id="16" name="Freeform: Shape 15">
               <a:extLst>
                 <a:ext uri="{FF2B5EF4-FFF2-40B4-BE49-F238E27FC236}">
-                  <a16:creationId xmlns="" xmlns:a16="http://schemas.microsoft.com/office/drawing/2014/main" id="{2E3DF883-8093-49FA-81E1-E5D77F086A25}"/>
+                  <a16:creationId xmlns:a16="http://schemas.microsoft.com/office/drawing/2014/main" xmlns="" id="{2E3DF883-8093-49FA-81E1-E5D77F086A25}"/>
                 </a:ext>
               </a:extLst>
             </p:cNvPr>
@@ -6513,7 +6514,7 @@
             <p:cNvPr id="17" name="Freeform: Shape 16">
               <a:extLst>
                 <a:ext uri="{FF2B5EF4-FFF2-40B4-BE49-F238E27FC236}">
-                  <a16:creationId xmlns="" xmlns:a16="http://schemas.microsoft.com/office/drawing/2014/main" id="{18944C90-37E5-4BBE-89FF-060627168050}"/>
+                  <a16:creationId xmlns:a16="http://schemas.microsoft.com/office/drawing/2014/main" xmlns="" id="{18944C90-37E5-4BBE-89FF-060627168050}"/>
                 </a:ext>
               </a:extLst>
             </p:cNvPr>
@@ -6612,7 +6613,7 @@
           <p:cNvPr id="6" name="Group 5">
             <a:extLst>
               <a:ext uri="{FF2B5EF4-FFF2-40B4-BE49-F238E27FC236}">
-                <a16:creationId xmlns="" xmlns:a16="http://schemas.microsoft.com/office/drawing/2014/main" id="{D9EBF8BB-A805-4DDB-B459-082F99815B95}"/>
+                <a16:creationId xmlns:a16="http://schemas.microsoft.com/office/drawing/2014/main" xmlns="" id="{D9EBF8BB-A805-4DDB-B459-082F99815B95}"/>
               </a:ext>
             </a:extLst>
           </p:cNvPr>
@@ -6632,7 +6633,7 @@
             <p:cNvPr id="19" name="Rectangle: Single Corner Snipped 18">
               <a:extLst>
                 <a:ext uri="{FF2B5EF4-FFF2-40B4-BE49-F238E27FC236}">
-                  <a16:creationId xmlns="" xmlns:a16="http://schemas.microsoft.com/office/drawing/2014/main" id="{5D638788-DD47-45E7-939A-FA108A818173}"/>
+                  <a16:creationId xmlns:a16="http://schemas.microsoft.com/office/drawing/2014/main" xmlns="" id="{5D638788-DD47-45E7-939A-FA108A818173}"/>
                 </a:ext>
               </a:extLst>
             </p:cNvPr>
@@ -6693,7 +6694,7 @@
             <p:cNvPr id="3" name="Rectangle: Single Corner Snipped 2">
               <a:extLst>
                 <a:ext uri="{FF2B5EF4-FFF2-40B4-BE49-F238E27FC236}">
-                  <a16:creationId xmlns="" xmlns:a16="http://schemas.microsoft.com/office/drawing/2014/main" id="{74BDECEF-EEFE-4332-B3B2-BDE4F82C10FC}"/>
+                  <a16:creationId xmlns:a16="http://schemas.microsoft.com/office/drawing/2014/main" xmlns="" id="{74BDECEF-EEFE-4332-B3B2-BDE4F82C10FC}"/>
                 </a:ext>
               </a:extLst>
             </p:cNvPr>
@@ -6750,7 +6751,7 @@
           <p:cNvPr id="26" name="Text Placeholder 22">
             <a:extLst>
               <a:ext uri="{FF2B5EF4-FFF2-40B4-BE49-F238E27FC236}">
-                <a16:creationId xmlns="" xmlns:a16="http://schemas.microsoft.com/office/drawing/2014/main" id="{2A19101D-7C37-42BF-8167-5391EA65EC3A}"/>
+                <a16:creationId xmlns:a16="http://schemas.microsoft.com/office/drawing/2014/main" xmlns="" id="{2A19101D-7C37-42BF-8167-5391EA65EC3A}"/>
               </a:ext>
             </a:extLst>
           </p:cNvPr>
@@ -6860,7 +6861,7 @@
           <p:cNvPr id="35" name="Freeform: Shape 34">
             <a:extLst>
               <a:ext uri="{FF2B5EF4-FFF2-40B4-BE49-F238E27FC236}">
-                <a16:creationId xmlns="" xmlns:a16="http://schemas.microsoft.com/office/drawing/2014/main" id="{62EEBF51-DCAD-4335-85E9-52801031A1BF}"/>
+                <a16:creationId xmlns:a16="http://schemas.microsoft.com/office/drawing/2014/main" xmlns="" id="{62EEBF51-DCAD-4335-85E9-52801031A1BF}"/>
               </a:ext>
             </a:extLst>
           </p:cNvPr>
@@ -6955,7 +6956,7 @@
           <p:cNvPr id="5" name="Slide Number Placeholder 4">
             <a:extLst>
               <a:ext uri="{FF2B5EF4-FFF2-40B4-BE49-F238E27FC236}">
-                <a16:creationId xmlns="" xmlns:a16="http://schemas.microsoft.com/office/drawing/2014/main" id="{87B51822-97FF-47A7-8E4E-A0F79B4EB237}"/>
+                <a16:creationId xmlns:a16="http://schemas.microsoft.com/office/drawing/2014/main" xmlns="" id="{87B51822-97FF-47A7-8E4E-A0F79B4EB237}"/>
               </a:ext>
             </a:extLst>
           </p:cNvPr>
@@ -6999,7 +7000,7 @@
           <p:cNvPr id="13" name="Picture Placeholder 12">
             <a:extLst>
               <a:ext uri="{FF2B5EF4-FFF2-40B4-BE49-F238E27FC236}">
-                <a16:creationId xmlns="" xmlns:a16="http://schemas.microsoft.com/office/drawing/2014/main" id="{231B97CF-FD24-4932-8459-893B1AC73D33}"/>
+                <a16:creationId xmlns:a16="http://schemas.microsoft.com/office/drawing/2014/main" xmlns="" id="{231B97CF-FD24-4932-8459-893B1AC73D33}"/>
               </a:ext>
             </a:extLst>
           </p:cNvPr>
@@ -7044,7 +7045,7 @@
           <p:cNvPr id="36" name="Text Placeholder 22">
             <a:extLst>
               <a:ext uri="{FF2B5EF4-FFF2-40B4-BE49-F238E27FC236}">
-                <a16:creationId xmlns="" xmlns:a16="http://schemas.microsoft.com/office/drawing/2014/main" id="{642D3CE0-C3B4-4F3F-A650-AB452B3AD4BA}"/>
+                <a16:creationId xmlns:a16="http://schemas.microsoft.com/office/drawing/2014/main" xmlns="" id="{642D3CE0-C3B4-4F3F-A650-AB452B3AD4BA}"/>
               </a:ext>
             </a:extLst>
           </p:cNvPr>
@@ -7154,7 +7155,7 @@
           <p:cNvPr id="37" name="Text Placeholder 22">
             <a:extLst>
               <a:ext uri="{FF2B5EF4-FFF2-40B4-BE49-F238E27FC236}">
-                <a16:creationId xmlns="" xmlns:a16="http://schemas.microsoft.com/office/drawing/2014/main" id="{DBED2BB0-CDAD-40EE-8B35-C66DF45EE29D}"/>
+                <a16:creationId xmlns:a16="http://schemas.microsoft.com/office/drawing/2014/main" xmlns="" id="{DBED2BB0-CDAD-40EE-8B35-C66DF45EE29D}"/>
               </a:ext>
             </a:extLst>
           </p:cNvPr>
@@ -7302,7 +7303,7 @@
           <p:cNvPr id="11" name="Rectangle 10">
             <a:extLst>
               <a:ext uri="{FF2B5EF4-FFF2-40B4-BE49-F238E27FC236}">
-                <a16:creationId xmlns="" xmlns:a16="http://schemas.microsoft.com/office/drawing/2014/main" id="{EB3E033F-4449-40FA-BC85-BD2712D313DD}"/>
+                <a16:creationId xmlns:a16="http://schemas.microsoft.com/office/drawing/2014/main" xmlns="" id="{EB3E033F-4449-40FA-BC85-BD2712D313DD}"/>
               </a:ext>
             </a:extLst>
           </p:cNvPr>
@@ -7356,7 +7357,7 @@
           <p:cNvPr id="10" name="Freeform: Shape 9">
             <a:extLst>
               <a:ext uri="{FF2B5EF4-FFF2-40B4-BE49-F238E27FC236}">
-                <a16:creationId xmlns="" xmlns:a16="http://schemas.microsoft.com/office/drawing/2014/main" id="{63D26743-0505-444C-80B3-E88EE87DF72B}"/>
+                <a16:creationId xmlns:a16="http://schemas.microsoft.com/office/drawing/2014/main" xmlns="" id="{63D26743-0505-444C-80B3-E88EE87DF72B}"/>
               </a:ext>
             </a:extLst>
           </p:cNvPr>
@@ -7479,7 +7480,7 @@
           <p:cNvPr id="18" name="Freeform: Shape 17">
             <a:extLst>
               <a:ext uri="{FF2B5EF4-FFF2-40B4-BE49-F238E27FC236}">
-                <a16:creationId xmlns="" xmlns:a16="http://schemas.microsoft.com/office/drawing/2014/main" id="{E37145E9-AC61-47D5-9288-8789940F81B6}"/>
+                <a16:creationId xmlns:a16="http://schemas.microsoft.com/office/drawing/2014/main" xmlns="" id="{E37145E9-AC61-47D5-9288-8789940F81B6}"/>
               </a:ext>
             </a:extLst>
           </p:cNvPr>
@@ -7631,7 +7632,7 @@
           <p:cNvPr id="12" name="Freeform: Shape 11">
             <a:extLst>
               <a:ext uri="{FF2B5EF4-FFF2-40B4-BE49-F238E27FC236}">
-                <a16:creationId xmlns="" xmlns:a16="http://schemas.microsoft.com/office/drawing/2014/main" id="{A5E2B3ED-9A49-40A7-B8A3-62595FE513F9}"/>
+                <a16:creationId xmlns:a16="http://schemas.microsoft.com/office/drawing/2014/main" xmlns="" id="{A5E2B3ED-9A49-40A7-B8A3-62595FE513F9}"/>
               </a:ext>
             </a:extLst>
           </p:cNvPr>
@@ -7781,7 +7782,7 @@
           <p:cNvPr id="8" name="Freeform: Shape 7">
             <a:extLst>
               <a:ext uri="{FF2B5EF4-FFF2-40B4-BE49-F238E27FC236}">
-                <a16:creationId xmlns="" xmlns:a16="http://schemas.microsoft.com/office/drawing/2014/main" id="{1599AF7E-3E34-4597-AA72-9373A7FDB020}"/>
+                <a16:creationId xmlns:a16="http://schemas.microsoft.com/office/drawing/2014/main" xmlns="" id="{1599AF7E-3E34-4597-AA72-9373A7FDB020}"/>
               </a:ext>
             </a:extLst>
           </p:cNvPr>
@@ -7927,7 +7928,7 @@
           <p:cNvPr id="2" name="Title 1">
             <a:extLst>
               <a:ext uri="{FF2B5EF4-FFF2-40B4-BE49-F238E27FC236}">
-                <a16:creationId xmlns="" xmlns:a16="http://schemas.microsoft.com/office/drawing/2014/main" id="{4A2DF563-7FAC-46B3-B24C-7E45CD89DA2B}"/>
+                <a16:creationId xmlns:a16="http://schemas.microsoft.com/office/drawing/2014/main" xmlns="" id="{4A2DF563-7FAC-46B3-B24C-7E45CD89DA2B}"/>
               </a:ext>
             </a:extLst>
           </p:cNvPr>
@@ -7973,7 +7974,7 @@
           <p:cNvPr id="15" name="Group 14">
             <a:extLst>
               <a:ext uri="{FF2B5EF4-FFF2-40B4-BE49-F238E27FC236}">
-                <a16:creationId xmlns="" xmlns:a16="http://schemas.microsoft.com/office/drawing/2014/main" id="{7732E1E7-45E3-4264-8F26-66758696DD1E}"/>
+                <a16:creationId xmlns:a16="http://schemas.microsoft.com/office/drawing/2014/main" xmlns="" id="{7732E1E7-45E3-4264-8F26-66758696DD1E}"/>
               </a:ext>
             </a:extLst>
           </p:cNvPr>
@@ -7993,7 +7994,7 @@
             <p:cNvPr id="16" name="Freeform: Shape 15">
               <a:extLst>
                 <a:ext uri="{FF2B5EF4-FFF2-40B4-BE49-F238E27FC236}">
-                  <a16:creationId xmlns="" xmlns:a16="http://schemas.microsoft.com/office/drawing/2014/main" id="{2E3DF883-8093-49FA-81E1-E5D77F086A25}"/>
+                  <a16:creationId xmlns:a16="http://schemas.microsoft.com/office/drawing/2014/main" xmlns="" id="{2E3DF883-8093-49FA-81E1-E5D77F086A25}"/>
                 </a:ext>
               </a:extLst>
             </p:cNvPr>
@@ -8083,7 +8084,7 @@
             <p:cNvPr id="17" name="Freeform: Shape 16">
               <a:extLst>
                 <a:ext uri="{FF2B5EF4-FFF2-40B4-BE49-F238E27FC236}">
-                  <a16:creationId xmlns="" xmlns:a16="http://schemas.microsoft.com/office/drawing/2014/main" id="{18944C90-37E5-4BBE-89FF-060627168050}"/>
+                  <a16:creationId xmlns:a16="http://schemas.microsoft.com/office/drawing/2014/main" xmlns="" id="{18944C90-37E5-4BBE-89FF-060627168050}"/>
                 </a:ext>
               </a:extLst>
             </p:cNvPr>
@@ -8182,7 +8183,7 @@
           <p:cNvPr id="6" name="Group 5">
             <a:extLst>
               <a:ext uri="{FF2B5EF4-FFF2-40B4-BE49-F238E27FC236}">
-                <a16:creationId xmlns="" xmlns:a16="http://schemas.microsoft.com/office/drawing/2014/main" id="{D9EBF8BB-A805-4DDB-B459-082F99815B95}"/>
+                <a16:creationId xmlns:a16="http://schemas.microsoft.com/office/drawing/2014/main" xmlns="" id="{D9EBF8BB-A805-4DDB-B459-082F99815B95}"/>
               </a:ext>
             </a:extLst>
           </p:cNvPr>
@@ -8202,7 +8203,7 @@
             <p:cNvPr id="19" name="Rectangle: Single Corner Snipped 18">
               <a:extLst>
                 <a:ext uri="{FF2B5EF4-FFF2-40B4-BE49-F238E27FC236}">
-                  <a16:creationId xmlns="" xmlns:a16="http://schemas.microsoft.com/office/drawing/2014/main" id="{5D638788-DD47-45E7-939A-FA108A818173}"/>
+                  <a16:creationId xmlns:a16="http://schemas.microsoft.com/office/drawing/2014/main" xmlns="" id="{5D638788-DD47-45E7-939A-FA108A818173}"/>
                 </a:ext>
               </a:extLst>
             </p:cNvPr>
@@ -8263,7 +8264,7 @@
             <p:cNvPr id="3" name="Rectangle: Single Corner Snipped 2">
               <a:extLst>
                 <a:ext uri="{FF2B5EF4-FFF2-40B4-BE49-F238E27FC236}">
-                  <a16:creationId xmlns="" xmlns:a16="http://schemas.microsoft.com/office/drawing/2014/main" id="{74BDECEF-EEFE-4332-B3B2-BDE4F82C10FC}"/>
+                  <a16:creationId xmlns:a16="http://schemas.microsoft.com/office/drawing/2014/main" xmlns="" id="{74BDECEF-EEFE-4332-B3B2-BDE4F82C10FC}"/>
                 </a:ext>
               </a:extLst>
             </p:cNvPr>
@@ -8320,7 +8321,7 @@
           <p:cNvPr id="26" name="Text Placeholder 22">
             <a:extLst>
               <a:ext uri="{FF2B5EF4-FFF2-40B4-BE49-F238E27FC236}">
-                <a16:creationId xmlns="" xmlns:a16="http://schemas.microsoft.com/office/drawing/2014/main" id="{2A19101D-7C37-42BF-8167-5391EA65EC3A}"/>
+                <a16:creationId xmlns:a16="http://schemas.microsoft.com/office/drawing/2014/main" xmlns="" id="{2A19101D-7C37-42BF-8167-5391EA65EC3A}"/>
               </a:ext>
             </a:extLst>
           </p:cNvPr>
@@ -8430,7 +8431,7 @@
           <p:cNvPr id="35" name="Freeform: Shape 34">
             <a:extLst>
               <a:ext uri="{FF2B5EF4-FFF2-40B4-BE49-F238E27FC236}">
-                <a16:creationId xmlns="" xmlns:a16="http://schemas.microsoft.com/office/drawing/2014/main" id="{62EEBF51-DCAD-4335-85E9-52801031A1BF}"/>
+                <a16:creationId xmlns:a16="http://schemas.microsoft.com/office/drawing/2014/main" xmlns="" id="{62EEBF51-DCAD-4335-85E9-52801031A1BF}"/>
               </a:ext>
             </a:extLst>
           </p:cNvPr>
@@ -8525,7 +8526,7 @@
           <p:cNvPr id="5" name="Slide Number Placeholder 4">
             <a:extLst>
               <a:ext uri="{FF2B5EF4-FFF2-40B4-BE49-F238E27FC236}">
-                <a16:creationId xmlns="" xmlns:a16="http://schemas.microsoft.com/office/drawing/2014/main" id="{87B51822-97FF-47A7-8E4E-A0F79B4EB237}"/>
+                <a16:creationId xmlns:a16="http://schemas.microsoft.com/office/drawing/2014/main" xmlns="" id="{87B51822-97FF-47A7-8E4E-A0F79B4EB237}"/>
               </a:ext>
             </a:extLst>
           </p:cNvPr>
@@ -8569,7 +8570,7 @@
           <p:cNvPr id="13" name="Picture Placeholder 12">
             <a:extLst>
               <a:ext uri="{FF2B5EF4-FFF2-40B4-BE49-F238E27FC236}">
-                <a16:creationId xmlns="" xmlns:a16="http://schemas.microsoft.com/office/drawing/2014/main" id="{231B97CF-FD24-4932-8459-893B1AC73D33}"/>
+                <a16:creationId xmlns:a16="http://schemas.microsoft.com/office/drawing/2014/main" xmlns="" id="{231B97CF-FD24-4932-8459-893B1AC73D33}"/>
               </a:ext>
             </a:extLst>
           </p:cNvPr>
@@ -8652,7 +8653,7 @@
           <p:cNvPr id="11" name="Rectangle 10">
             <a:extLst>
               <a:ext uri="{FF2B5EF4-FFF2-40B4-BE49-F238E27FC236}">
-                <a16:creationId xmlns="" xmlns:a16="http://schemas.microsoft.com/office/drawing/2014/main" id="{EB3E033F-4449-40FA-BC85-BD2712D313DD}"/>
+                <a16:creationId xmlns:a16="http://schemas.microsoft.com/office/drawing/2014/main" xmlns="" id="{EB3E033F-4449-40FA-BC85-BD2712D313DD}"/>
               </a:ext>
             </a:extLst>
           </p:cNvPr>
@@ -8706,7 +8707,7 @@
           <p:cNvPr id="10" name="Freeform: Shape 9">
             <a:extLst>
               <a:ext uri="{FF2B5EF4-FFF2-40B4-BE49-F238E27FC236}">
-                <a16:creationId xmlns="" xmlns:a16="http://schemas.microsoft.com/office/drawing/2014/main" id="{63D26743-0505-444C-80B3-E88EE87DF72B}"/>
+                <a16:creationId xmlns:a16="http://schemas.microsoft.com/office/drawing/2014/main" xmlns="" id="{63D26743-0505-444C-80B3-E88EE87DF72B}"/>
               </a:ext>
             </a:extLst>
           </p:cNvPr>
@@ -8829,7 +8830,7 @@
           <p:cNvPr id="18" name="Freeform: Shape 17">
             <a:extLst>
               <a:ext uri="{FF2B5EF4-FFF2-40B4-BE49-F238E27FC236}">
-                <a16:creationId xmlns="" xmlns:a16="http://schemas.microsoft.com/office/drawing/2014/main" id="{E37145E9-AC61-47D5-9288-8789940F81B6}"/>
+                <a16:creationId xmlns:a16="http://schemas.microsoft.com/office/drawing/2014/main" xmlns="" id="{E37145E9-AC61-47D5-9288-8789940F81B6}"/>
               </a:ext>
             </a:extLst>
           </p:cNvPr>
@@ -8981,7 +8982,7 @@
           <p:cNvPr id="12" name="Freeform: Shape 11">
             <a:extLst>
               <a:ext uri="{FF2B5EF4-FFF2-40B4-BE49-F238E27FC236}">
-                <a16:creationId xmlns="" xmlns:a16="http://schemas.microsoft.com/office/drawing/2014/main" id="{A5E2B3ED-9A49-40A7-B8A3-62595FE513F9}"/>
+                <a16:creationId xmlns:a16="http://schemas.microsoft.com/office/drawing/2014/main" xmlns="" id="{A5E2B3ED-9A49-40A7-B8A3-62595FE513F9}"/>
               </a:ext>
             </a:extLst>
           </p:cNvPr>
@@ -9131,7 +9132,7 @@
           <p:cNvPr id="8" name="Freeform: Shape 7">
             <a:extLst>
               <a:ext uri="{FF2B5EF4-FFF2-40B4-BE49-F238E27FC236}">
-                <a16:creationId xmlns="" xmlns:a16="http://schemas.microsoft.com/office/drawing/2014/main" id="{1599AF7E-3E34-4597-AA72-9373A7FDB020}"/>
+                <a16:creationId xmlns:a16="http://schemas.microsoft.com/office/drawing/2014/main" xmlns="" id="{1599AF7E-3E34-4597-AA72-9373A7FDB020}"/>
               </a:ext>
             </a:extLst>
           </p:cNvPr>
@@ -9277,7 +9278,7 @@
           <p:cNvPr id="2" name="Title 1">
             <a:extLst>
               <a:ext uri="{FF2B5EF4-FFF2-40B4-BE49-F238E27FC236}">
-                <a16:creationId xmlns="" xmlns:a16="http://schemas.microsoft.com/office/drawing/2014/main" id="{4A2DF563-7FAC-46B3-B24C-7E45CD89DA2B}"/>
+                <a16:creationId xmlns:a16="http://schemas.microsoft.com/office/drawing/2014/main" xmlns="" id="{4A2DF563-7FAC-46B3-B24C-7E45CD89DA2B}"/>
               </a:ext>
             </a:extLst>
           </p:cNvPr>
@@ -9323,7 +9324,7 @@
           <p:cNvPr id="15" name="Group 14">
             <a:extLst>
               <a:ext uri="{FF2B5EF4-FFF2-40B4-BE49-F238E27FC236}">
-                <a16:creationId xmlns="" xmlns:a16="http://schemas.microsoft.com/office/drawing/2014/main" id="{7732E1E7-45E3-4264-8F26-66758696DD1E}"/>
+                <a16:creationId xmlns:a16="http://schemas.microsoft.com/office/drawing/2014/main" xmlns="" id="{7732E1E7-45E3-4264-8F26-66758696DD1E}"/>
               </a:ext>
             </a:extLst>
           </p:cNvPr>
@@ -9343,7 +9344,7 @@
             <p:cNvPr id="16" name="Freeform: Shape 15">
               <a:extLst>
                 <a:ext uri="{FF2B5EF4-FFF2-40B4-BE49-F238E27FC236}">
-                  <a16:creationId xmlns="" xmlns:a16="http://schemas.microsoft.com/office/drawing/2014/main" id="{2E3DF883-8093-49FA-81E1-E5D77F086A25}"/>
+                  <a16:creationId xmlns:a16="http://schemas.microsoft.com/office/drawing/2014/main" xmlns="" id="{2E3DF883-8093-49FA-81E1-E5D77F086A25}"/>
                 </a:ext>
               </a:extLst>
             </p:cNvPr>
@@ -9433,7 +9434,7 @@
             <p:cNvPr id="17" name="Freeform: Shape 16">
               <a:extLst>
                 <a:ext uri="{FF2B5EF4-FFF2-40B4-BE49-F238E27FC236}">
-                  <a16:creationId xmlns="" xmlns:a16="http://schemas.microsoft.com/office/drawing/2014/main" id="{18944C90-37E5-4BBE-89FF-060627168050}"/>
+                  <a16:creationId xmlns:a16="http://schemas.microsoft.com/office/drawing/2014/main" xmlns="" id="{18944C90-37E5-4BBE-89FF-060627168050}"/>
                 </a:ext>
               </a:extLst>
             </p:cNvPr>
@@ -9532,7 +9533,7 @@
           <p:cNvPr id="6" name="Group 5">
             <a:extLst>
               <a:ext uri="{FF2B5EF4-FFF2-40B4-BE49-F238E27FC236}">
-                <a16:creationId xmlns="" xmlns:a16="http://schemas.microsoft.com/office/drawing/2014/main" id="{D9EBF8BB-A805-4DDB-B459-082F99815B95}"/>
+                <a16:creationId xmlns:a16="http://schemas.microsoft.com/office/drawing/2014/main" xmlns="" id="{D9EBF8BB-A805-4DDB-B459-082F99815B95}"/>
               </a:ext>
             </a:extLst>
           </p:cNvPr>
@@ -9552,7 +9553,7 @@
             <p:cNvPr id="19" name="Rectangle: Single Corner Snipped 18">
               <a:extLst>
                 <a:ext uri="{FF2B5EF4-FFF2-40B4-BE49-F238E27FC236}">
-                  <a16:creationId xmlns="" xmlns:a16="http://schemas.microsoft.com/office/drawing/2014/main" id="{5D638788-DD47-45E7-939A-FA108A818173}"/>
+                  <a16:creationId xmlns:a16="http://schemas.microsoft.com/office/drawing/2014/main" xmlns="" id="{5D638788-DD47-45E7-939A-FA108A818173}"/>
                 </a:ext>
               </a:extLst>
             </p:cNvPr>
@@ -9613,7 +9614,7 @@
             <p:cNvPr id="3" name="Rectangle: Single Corner Snipped 2">
               <a:extLst>
                 <a:ext uri="{FF2B5EF4-FFF2-40B4-BE49-F238E27FC236}">
-                  <a16:creationId xmlns="" xmlns:a16="http://schemas.microsoft.com/office/drawing/2014/main" id="{74BDECEF-EEFE-4332-B3B2-BDE4F82C10FC}"/>
+                  <a16:creationId xmlns:a16="http://schemas.microsoft.com/office/drawing/2014/main" xmlns="" id="{74BDECEF-EEFE-4332-B3B2-BDE4F82C10FC}"/>
                 </a:ext>
               </a:extLst>
             </p:cNvPr>
@@ -9670,7 +9671,7 @@
           <p:cNvPr id="35" name="Freeform: Shape 34">
             <a:extLst>
               <a:ext uri="{FF2B5EF4-FFF2-40B4-BE49-F238E27FC236}">
-                <a16:creationId xmlns="" xmlns:a16="http://schemas.microsoft.com/office/drawing/2014/main" id="{62EEBF51-DCAD-4335-85E9-52801031A1BF}"/>
+                <a16:creationId xmlns:a16="http://schemas.microsoft.com/office/drawing/2014/main" xmlns="" id="{62EEBF51-DCAD-4335-85E9-52801031A1BF}"/>
               </a:ext>
             </a:extLst>
           </p:cNvPr>
@@ -9765,7 +9766,7 @@
           <p:cNvPr id="5" name="Slide Number Placeholder 4">
             <a:extLst>
               <a:ext uri="{FF2B5EF4-FFF2-40B4-BE49-F238E27FC236}">
-                <a16:creationId xmlns="" xmlns:a16="http://schemas.microsoft.com/office/drawing/2014/main" id="{87B51822-97FF-47A7-8E4E-A0F79B4EB237}"/>
+                <a16:creationId xmlns:a16="http://schemas.microsoft.com/office/drawing/2014/main" xmlns="" id="{87B51822-97FF-47A7-8E4E-A0F79B4EB237}"/>
               </a:ext>
             </a:extLst>
           </p:cNvPr>
@@ -9809,7 +9810,7 @@
           <p:cNvPr id="20" name="Picture Placeholder 2">
             <a:extLst>
               <a:ext uri="{FF2B5EF4-FFF2-40B4-BE49-F238E27FC236}">
-                <a16:creationId xmlns="" xmlns:a16="http://schemas.microsoft.com/office/drawing/2014/main" id="{30B3A574-7940-4E35-857E-5CA35A5910E5}"/>
+                <a16:creationId xmlns:a16="http://schemas.microsoft.com/office/drawing/2014/main" xmlns="" id="{30B3A574-7940-4E35-857E-5CA35A5910E5}"/>
               </a:ext>
             </a:extLst>
           </p:cNvPr>
@@ -9886,7 +9887,7 @@
           <p:cNvPr id="21" name="Text Placeholder 3">
             <a:extLst>
               <a:ext uri="{FF2B5EF4-FFF2-40B4-BE49-F238E27FC236}">
-                <a16:creationId xmlns="" xmlns:a16="http://schemas.microsoft.com/office/drawing/2014/main" id="{912B51EA-3E6F-4BF6-BE48-62128AF32B85}"/>
+                <a16:creationId xmlns:a16="http://schemas.microsoft.com/office/drawing/2014/main" xmlns="" id="{912B51EA-3E6F-4BF6-BE48-62128AF32B85}"/>
               </a:ext>
             </a:extLst>
           </p:cNvPr>
@@ -10000,7 +10001,7 @@
           <p:cNvPr id="11" name="Rectangle 10">
             <a:extLst>
               <a:ext uri="{FF2B5EF4-FFF2-40B4-BE49-F238E27FC236}">
-                <a16:creationId xmlns="" xmlns:a16="http://schemas.microsoft.com/office/drawing/2014/main" id="{EB3E033F-4449-40FA-BC85-BD2712D313DD}"/>
+                <a16:creationId xmlns:a16="http://schemas.microsoft.com/office/drawing/2014/main" xmlns="" id="{EB3E033F-4449-40FA-BC85-BD2712D313DD}"/>
               </a:ext>
             </a:extLst>
           </p:cNvPr>
@@ -10054,7 +10055,7 @@
           <p:cNvPr id="10" name="Freeform: Shape 9">
             <a:extLst>
               <a:ext uri="{FF2B5EF4-FFF2-40B4-BE49-F238E27FC236}">
-                <a16:creationId xmlns="" xmlns:a16="http://schemas.microsoft.com/office/drawing/2014/main" id="{63D26743-0505-444C-80B3-E88EE87DF72B}"/>
+                <a16:creationId xmlns:a16="http://schemas.microsoft.com/office/drawing/2014/main" xmlns="" id="{63D26743-0505-444C-80B3-E88EE87DF72B}"/>
               </a:ext>
             </a:extLst>
           </p:cNvPr>
@@ -10177,7 +10178,7 @@
           <p:cNvPr id="18" name="Freeform: Shape 17">
             <a:extLst>
               <a:ext uri="{FF2B5EF4-FFF2-40B4-BE49-F238E27FC236}">
-                <a16:creationId xmlns="" xmlns:a16="http://schemas.microsoft.com/office/drawing/2014/main" id="{E37145E9-AC61-47D5-9288-8789940F81B6}"/>
+                <a16:creationId xmlns:a16="http://schemas.microsoft.com/office/drawing/2014/main" xmlns="" id="{E37145E9-AC61-47D5-9288-8789940F81B6}"/>
               </a:ext>
             </a:extLst>
           </p:cNvPr>
@@ -10329,7 +10330,7 @@
           <p:cNvPr id="12" name="Freeform: Shape 11">
             <a:extLst>
               <a:ext uri="{FF2B5EF4-FFF2-40B4-BE49-F238E27FC236}">
-                <a16:creationId xmlns="" xmlns:a16="http://schemas.microsoft.com/office/drawing/2014/main" id="{A5E2B3ED-9A49-40A7-B8A3-62595FE513F9}"/>
+                <a16:creationId xmlns:a16="http://schemas.microsoft.com/office/drawing/2014/main" xmlns="" id="{A5E2B3ED-9A49-40A7-B8A3-62595FE513F9}"/>
               </a:ext>
             </a:extLst>
           </p:cNvPr>
@@ -10479,7 +10480,7 @@
           <p:cNvPr id="8" name="Freeform: Shape 7">
             <a:extLst>
               <a:ext uri="{FF2B5EF4-FFF2-40B4-BE49-F238E27FC236}">
-                <a16:creationId xmlns="" xmlns:a16="http://schemas.microsoft.com/office/drawing/2014/main" id="{1599AF7E-3E34-4597-AA72-9373A7FDB020}"/>
+                <a16:creationId xmlns:a16="http://schemas.microsoft.com/office/drawing/2014/main" xmlns="" id="{1599AF7E-3E34-4597-AA72-9373A7FDB020}"/>
               </a:ext>
             </a:extLst>
           </p:cNvPr>
@@ -10625,7 +10626,7 @@
           <p:cNvPr id="2" name="Title 1">
             <a:extLst>
               <a:ext uri="{FF2B5EF4-FFF2-40B4-BE49-F238E27FC236}">
-                <a16:creationId xmlns="" xmlns:a16="http://schemas.microsoft.com/office/drawing/2014/main" id="{4A2DF563-7FAC-46B3-B24C-7E45CD89DA2B}"/>
+                <a16:creationId xmlns:a16="http://schemas.microsoft.com/office/drawing/2014/main" xmlns="" id="{4A2DF563-7FAC-46B3-B24C-7E45CD89DA2B}"/>
               </a:ext>
             </a:extLst>
           </p:cNvPr>
@@ -10671,7 +10672,7 @@
           <p:cNvPr id="15" name="Group 14">
             <a:extLst>
               <a:ext uri="{FF2B5EF4-FFF2-40B4-BE49-F238E27FC236}">
-                <a16:creationId xmlns="" xmlns:a16="http://schemas.microsoft.com/office/drawing/2014/main" id="{7732E1E7-45E3-4264-8F26-66758696DD1E}"/>
+                <a16:creationId xmlns:a16="http://schemas.microsoft.com/office/drawing/2014/main" xmlns="" id="{7732E1E7-45E3-4264-8F26-66758696DD1E}"/>
               </a:ext>
             </a:extLst>
           </p:cNvPr>
@@ -10691,7 +10692,7 @@
             <p:cNvPr id="16" name="Freeform: Shape 15">
               <a:extLst>
                 <a:ext uri="{FF2B5EF4-FFF2-40B4-BE49-F238E27FC236}">
-                  <a16:creationId xmlns="" xmlns:a16="http://schemas.microsoft.com/office/drawing/2014/main" id="{2E3DF883-8093-49FA-81E1-E5D77F086A25}"/>
+                  <a16:creationId xmlns:a16="http://schemas.microsoft.com/office/drawing/2014/main" xmlns="" id="{2E3DF883-8093-49FA-81E1-E5D77F086A25}"/>
                 </a:ext>
               </a:extLst>
             </p:cNvPr>
@@ -10781,7 +10782,7 @@
             <p:cNvPr id="17" name="Freeform: Shape 16">
               <a:extLst>
                 <a:ext uri="{FF2B5EF4-FFF2-40B4-BE49-F238E27FC236}">
-                  <a16:creationId xmlns="" xmlns:a16="http://schemas.microsoft.com/office/drawing/2014/main" id="{18944C90-37E5-4BBE-89FF-060627168050}"/>
+                  <a16:creationId xmlns:a16="http://schemas.microsoft.com/office/drawing/2014/main" xmlns="" id="{18944C90-37E5-4BBE-89FF-060627168050}"/>
                 </a:ext>
               </a:extLst>
             </p:cNvPr>
@@ -10880,7 +10881,7 @@
           <p:cNvPr id="6" name="Group 5">
             <a:extLst>
               <a:ext uri="{FF2B5EF4-FFF2-40B4-BE49-F238E27FC236}">
-                <a16:creationId xmlns="" xmlns:a16="http://schemas.microsoft.com/office/drawing/2014/main" id="{D9EBF8BB-A805-4DDB-B459-082F99815B95}"/>
+                <a16:creationId xmlns:a16="http://schemas.microsoft.com/office/drawing/2014/main" xmlns="" id="{D9EBF8BB-A805-4DDB-B459-082F99815B95}"/>
               </a:ext>
             </a:extLst>
           </p:cNvPr>
@@ -10900,7 +10901,7 @@
             <p:cNvPr id="19" name="Rectangle: Single Corner Snipped 18">
               <a:extLst>
                 <a:ext uri="{FF2B5EF4-FFF2-40B4-BE49-F238E27FC236}">
-                  <a16:creationId xmlns="" xmlns:a16="http://schemas.microsoft.com/office/drawing/2014/main" id="{5D638788-DD47-45E7-939A-FA108A818173}"/>
+                  <a16:creationId xmlns:a16="http://schemas.microsoft.com/office/drawing/2014/main" xmlns="" id="{5D638788-DD47-45E7-939A-FA108A818173}"/>
                 </a:ext>
               </a:extLst>
             </p:cNvPr>
@@ -10961,7 +10962,7 @@
             <p:cNvPr id="3" name="Rectangle: Single Corner Snipped 2">
               <a:extLst>
                 <a:ext uri="{FF2B5EF4-FFF2-40B4-BE49-F238E27FC236}">
-                  <a16:creationId xmlns="" xmlns:a16="http://schemas.microsoft.com/office/drawing/2014/main" id="{74BDECEF-EEFE-4332-B3B2-BDE4F82C10FC}"/>
+                  <a16:creationId xmlns:a16="http://schemas.microsoft.com/office/drawing/2014/main" xmlns="" id="{74BDECEF-EEFE-4332-B3B2-BDE4F82C10FC}"/>
                 </a:ext>
               </a:extLst>
             </p:cNvPr>
@@ -11018,7 +11019,7 @@
           <p:cNvPr id="35" name="Freeform: Shape 34">
             <a:extLst>
               <a:ext uri="{FF2B5EF4-FFF2-40B4-BE49-F238E27FC236}">
-                <a16:creationId xmlns="" xmlns:a16="http://schemas.microsoft.com/office/drawing/2014/main" id="{62EEBF51-DCAD-4335-85E9-52801031A1BF}"/>
+                <a16:creationId xmlns:a16="http://schemas.microsoft.com/office/drawing/2014/main" xmlns="" id="{62EEBF51-DCAD-4335-85E9-52801031A1BF}"/>
               </a:ext>
             </a:extLst>
           </p:cNvPr>
@@ -11113,7 +11114,7 @@
           <p:cNvPr id="5" name="Slide Number Placeholder 4">
             <a:extLst>
               <a:ext uri="{FF2B5EF4-FFF2-40B4-BE49-F238E27FC236}">
-                <a16:creationId xmlns="" xmlns:a16="http://schemas.microsoft.com/office/drawing/2014/main" id="{87B51822-97FF-47A7-8E4E-A0F79B4EB237}"/>
+                <a16:creationId xmlns:a16="http://schemas.microsoft.com/office/drawing/2014/main" xmlns="" id="{87B51822-97FF-47A7-8E4E-A0F79B4EB237}"/>
               </a:ext>
             </a:extLst>
           </p:cNvPr>
@@ -11157,7 +11158,7 @@
           <p:cNvPr id="21" name="Text Placeholder 3">
             <a:extLst>
               <a:ext uri="{FF2B5EF4-FFF2-40B4-BE49-F238E27FC236}">
-                <a16:creationId xmlns="" xmlns:a16="http://schemas.microsoft.com/office/drawing/2014/main" id="{912B51EA-3E6F-4BF6-BE48-62128AF32B85}"/>
+                <a16:creationId xmlns:a16="http://schemas.microsoft.com/office/drawing/2014/main" xmlns="" id="{912B51EA-3E6F-4BF6-BE48-62128AF32B85}"/>
               </a:ext>
             </a:extLst>
           </p:cNvPr>
@@ -11233,7 +11234,7 @@
           <p:cNvPr id="22" name="Content Placeholder 2">
             <a:extLst>
               <a:ext uri="{FF2B5EF4-FFF2-40B4-BE49-F238E27FC236}">
-                <a16:creationId xmlns="" xmlns:a16="http://schemas.microsoft.com/office/drawing/2014/main" id="{A015C605-1D30-48BC-A0D6-3B11AF56CC53}"/>
+                <a16:creationId xmlns:a16="http://schemas.microsoft.com/office/drawing/2014/main" xmlns="" id="{A015C605-1D30-48BC-A0D6-3B11AF56CC53}"/>
               </a:ext>
             </a:extLst>
           </p:cNvPr>
@@ -11376,7 +11377,7 @@
           <p:cNvPr id="18" name="Rectangle 17">
             <a:extLst>
               <a:ext uri="{FF2B5EF4-FFF2-40B4-BE49-F238E27FC236}">
-                <a16:creationId xmlns="" xmlns:a16="http://schemas.microsoft.com/office/drawing/2014/main" id="{D4494CD2-CCDD-0248-96F8-741002C44255}"/>
+                <a16:creationId xmlns:a16="http://schemas.microsoft.com/office/drawing/2014/main" xmlns="" id="{D4494CD2-CCDD-0248-96F8-741002C44255}"/>
               </a:ext>
             </a:extLst>
           </p:cNvPr>
@@ -11430,7 +11431,7 @@
           <p:cNvPr id="19" name="Freeform: Shape 9">
             <a:extLst>
               <a:ext uri="{FF2B5EF4-FFF2-40B4-BE49-F238E27FC236}">
-                <a16:creationId xmlns="" xmlns:a16="http://schemas.microsoft.com/office/drawing/2014/main" id="{07077B00-C1EE-7241-B441-7814F92A7EDF}"/>
+                <a16:creationId xmlns:a16="http://schemas.microsoft.com/office/drawing/2014/main" xmlns="" id="{07077B00-C1EE-7241-B441-7814F92A7EDF}"/>
               </a:ext>
             </a:extLst>
           </p:cNvPr>
@@ -11553,7 +11554,7 @@
           <p:cNvPr id="20" name="Freeform: Shape 17">
             <a:extLst>
               <a:ext uri="{FF2B5EF4-FFF2-40B4-BE49-F238E27FC236}">
-                <a16:creationId xmlns="" xmlns:a16="http://schemas.microsoft.com/office/drawing/2014/main" id="{3A1AEBC4-637E-F64C-9192-69AC4BB26D0C}"/>
+                <a16:creationId xmlns:a16="http://schemas.microsoft.com/office/drawing/2014/main" xmlns="" id="{3A1AEBC4-637E-F64C-9192-69AC4BB26D0C}"/>
               </a:ext>
             </a:extLst>
           </p:cNvPr>
@@ -11705,7 +11706,7 @@
           <p:cNvPr id="21" name="Freeform: Shape 11">
             <a:extLst>
               <a:ext uri="{FF2B5EF4-FFF2-40B4-BE49-F238E27FC236}">
-                <a16:creationId xmlns="" xmlns:a16="http://schemas.microsoft.com/office/drawing/2014/main" id="{669A7039-C54C-8E46-9A8B-DDB2547D989C}"/>
+                <a16:creationId xmlns:a16="http://schemas.microsoft.com/office/drawing/2014/main" xmlns="" id="{669A7039-C54C-8E46-9A8B-DDB2547D989C}"/>
               </a:ext>
             </a:extLst>
           </p:cNvPr>
@@ -11855,7 +11856,7 @@
           <p:cNvPr id="22" name="Freeform: Shape 7">
             <a:extLst>
               <a:ext uri="{FF2B5EF4-FFF2-40B4-BE49-F238E27FC236}">
-                <a16:creationId xmlns="" xmlns:a16="http://schemas.microsoft.com/office/drawing/2014/main" id="{4F173B32-87BB-9A40-8C91-4C1EED2B7ABF}"/>
+                <a16:creationId xmlns:a16="http://schemas.microsoft.com/office/drawing/2014/main" xmlns="" id="{4F173B32-87BB-9A40-8C91-4C1EED2B7ABF}"/>
               </a:ext>
             </a:extLst>
           </p:cNvPr>
@@ -12001,7 +12002,7 @@
           <p:cNvPr id="24" name="Group 23">
             <a:extLst>
               <a:ext uri="{FF2B5EF4-FFF2-40B4-BE49-F238E27FC236}">
-                <a16:creationId xmlns="" xmlns:a16="http://schemas.microsoft.com/office/drawing/2014/main" id="{4AC87F4E-12B5-1B42-AFD2-4DB39B7645C9}"/>
+                <a16:creationId xmlns:a16="http://schemas.microsoft.com/office/drawing/2014/main" xmlns="" id="{4AC87F4E-12B5-1B42-AFD2-4DB39B7645C9}"/>
               </a:ext>
             </a:extLst>
           </p:cNvPr>
@@ -12021,7 +12022,7 @@
             <p:cNvPr id="25" name="Freeform: Shape 15">
               <a:extLst>
                 <a:ext uri="{FF2B5EF4-FFF2-40B4-BE49-F238E27FC236}">
-                  <a16:creationId xmlns="" xmlns:a16="http://schemas.microsoft.com/office/drawing/2014/main" id="{03DD8765-59DF-A045-ADB5-E39FAEE153A0}"/>
+                  <a16:creationId xmlns:a16="http://schemas.microsoft.com/office/drawing/2014/main" xmlns="" id="{03DD8765-59DF-A045-ADB5-E39FAEE153A0}"/>
                 </a:ext>
               </a:extLst>
             </p:cNvPr>
@@ -12111,7 +12112,7 @@
             <p:cNvPr id="26" name="Freeform: Shape 16">
               <a:extLst>
                 <a:ext uri="{FF2B5EF4-FFF2-40B4-BE49-F238E27FC236}">
-                  <a16:creationId xmlns="" xmlns:a16="http://schemas.microsoft.com/office/drawing/2014/main" id="{B34B796C-A407-7B4D-B4F0-E58A44FE8DB4}"/>
+                  <a16:creationId xmlns:a16="http://schemas.microsoft.com/office/drawing/2014/main" xmlns="" id="{B34B796C-A407-7B4D-B4F0-E58A44FE8DB4}"/>
                 </a:ext>
               </a:extLst>
             </p:cNvPr>
@@ -12210,7 +12211,7 @@
           <p:cNvPr id="30" name="Freeform: Shape 23">
             <a:extLst>
               <a:ext uri="{FF2B5EF4-FFF2-40B4-BE49-F238E27FC236}">
-                <a16:creationId xmlns="" xmlns:a16="http://schemas.microsoft.com/office/drawing/2014/main" id="{CBE3FDC9-67CB-FA42-B127-A36BFF4678BB}"/>
+                <a16:creationId xmlns:a16="http://schemas.microsoft.com/office/drawing/2014/main" xmlns="" id="{CBE3FDC9-67CB-FA42-B127-A36BFF4678BB}"/>
               </a:ext>
             </a:extLst>
           </p:cNvPr>
@@ -12305,7 +12306,7 @@
           <p:cNvPr id="31" name="Slide Number Placeholder 4">
             <a:extLst>
               <a:ext uri="{FF2B5EF4-FFF2-40B4-BE49-F238E27FC236}">
-                <a16:creationId xmlns="" xmlns:a16="http://schemas.microsoft.com/office/drawing/2014/main" id="{1E902BFF-CA8F-D745-A819-A7BB38B30ED9}"/>
+                <a16:creationId xmlns:a16="http://schemas.microsoft.com/office/drawing/2014/main" xmlns="" id="{1E902BFF-CA8F-D745-A819-A7BB38B30ED9}"/>
               </a:ext>
             </a:extLst>
           </p:cNvPr>
@@ -12379,7 +12380,7 @@
           <p:cNvPr id="21" name="Rectangle 20">
             <a:extLst>
               <a:ext uri="{FF2B5EF4-FFF2-40B4-BE49-F238E27FC236}">
-                <a16:creationId xmlns="" xmlns:a16="http://schemas.microsoft.com/office/drawing/2014/main" id="{6E739168-A5E8-443A-B392-7AD4CF8977AD}"/>
+                <a16:creationId xmlns:a16="http://schemas.microsoft.com/office/drawing/2014/main" xmlns="" id="{6E739168-A5E8-443A-B392-7AD4CF8977AD}"/>
               </a:ext>
             </a:extLst>
           </p:cNvPr>
@@ -12431,7 +12432,7 @@
           <p:cNvPr id="15" name="Freeform: Shape 14">
             <a:extLst>
               <a:ext uri="{FF2B5EF4-FFF2-40B4-BE49-F238E27FC236}">
-                <a16:creationId xmlns="" xmlns:a16="http://schemas.microsoft.com/office/drawing/2014/main" id="{41E10E1E-5268-4F03-BA64-07E19DE26739}"/>
+                <a16:creationId xmlns:a16="http://schemas.microsoft.com/office/drawing/2014/main" xmlns="" id="{41E10E1E-5268-4F03-BA64-07E19DE26739}"/>
               </a:ext>
             </a:extLst>
           </p:cNvPr>
@@ -12568,7 +12569,7 @@
           <p:cNvPr id="16" name="Freeform: Shape 15">
             <a:extLst>
               <a:ext uri="{FF2B5EF4-FFF2-40B4-BE49-F238E27FC236}">
-                <a16:creationId xmlns="" xmlns:a16="http://schemas.microsoft.com/office/drawing/2014/main" id="{B989C45D-BDFF-418F-BE79-03FF70015770}"/>
+                <a16:creationId xmlns:a16="http://schemas.microsoft.com/office/drawing/2014/main" xmlns="" id="{B989C45D-BDFF-418F-BE79-03FF70015770}"/>
               </a:ext>
             </a:extLst>
           </p:cNvPr>
@@ -12732,7 +12733,7 @@
           <p:cNvPr id="20" name="Freeform: Shape 19">
             <a:extLst>
               <a:ext uri="{FF2B5EF4-FFF2-40B4-BE49-F238E27FC236}">
-                <a16:creationId xmlns="" xmlns:a16="http://schemas.microsoft.com/office/drawing/2014/main" id="{0027A677-9ACB-4264-B148-4806678FB83F}"/>
+                <a16:creationId xmlns:a16="http://schemas.microsoft.com/office/drawing/2014/main" xmlns="" id="{0027A677-9ACB-4264-B148-4806678FB83F}"/>
               </a:ext>
             </a:extLst>
           </p:cNvPr>
@@ -12894,7 +12895,7 @@
           <p:cNvPr id="6" name="Group 5">
             <a:extLst>
               <a:ext uri="{FF2B5EF4-FFF2-40B4-BE49-F238E27FC236}">
-                <a16:creationId xmlns="" xmlns:a16="http://schemas.microsoft.com/office/drawing/2014/main" id="{EA7FF9D7-8545-4547-AC77-A0421EEB9B99}"/>
+                <a16:creationId xmlns:a16="http://schemas.microsoft.com/office/drawing/2014/main" xmlns="" id="{EA7FF9D7-8545-4547-AC77-A0421EEB9B99}"/>
               </a:ext>
             </a:extLst>
           </p:cNvPr>
@@ -12914,7 +12915,7 @@
             <p:cNvPr id="17" name="Right Triangle 16">
               <a:extLst>
                 <a:ext uri="{FF2B5EF4-FFF2-40B4-BE49-F238E27FC236}">
-                  <a16:creationId xmlns="" xmlns:a16="http://schemas.microsoft.com/office/drawing/2014/main" id="{8DCD5806-2A2F-4ABF-8057-245681C498E6}"/>
+                  <a16:creationId xmlns:a16="http://schemas.microsoft.com/office/drawing/2014/main" xmlns="" id="{8DCD5806-2A2F-4ABF-8057-245681C498E6}"/>
                 </a:ext>
               </a:extLst>
             </p:cNvPr>
@@ -12968,7 +12969,7 @@
             <p:cNvPr id="18" name="Right Triangle 17">
               <a:extLst>
                 <a:ext uri="{FF2B5EF4-FFF2-40B4-BE49-F238E27FC236}">
-                  <a16:creationId xmlns="" xmlns:a16="http://schemas.microsoft.com/office/drawing/2014/main" id="{3A93038F-E9E4-4FFD-B3DF-28DB7C2C1490}"/>
+                  <a16:creationId xmlns:a16="http://schemas.microsoft.com/office/drawing/2014/main" xmlns="" id="{3A93038F-E9E4-4FFD-B3DF-28DB7C2C1490}"/>
                 </a:ext>
               </a:extLst>
             </p:cNvPr>
@@ -13025,7 +13026,7 @@
             <p:cNvPr id="19" name="Right Triangle 18">
               <a:extLst>
                 <a:ext uri="{FF2B5EF4-FFF2-40B4-BE49-F238E27FC236}">
-                  <a16:creationId xmlns="" xmlns:a16="http://schemas.microsoft.com/office/drawing/2014/main" id="{5DEA1E02-BBD0-4AE3-AF22-433B90272178}"/>
+                  <a16:creationId xmlns:a16="http://schemas.microsoft.com/office/drawing/2014/main" xmlns="" id="{5DEA1E02-BBD0-4AE3-AF22-433B90272178}"/>
                 </a:ext>
               </a:extLst>
             </p:cNvPr>
@@ -13080,7 +13081,7 @@
           <p:cNvPr id="2" name="Title 1">
             <a:extLst>
               <a:ext uri="{FF2B5EF4-FFF2-40B4-BE49-F238E27FC236}">
-                <a16:creationId xmlns="" xmlns:a16="http://schemas.microsoft.com/office/drawing/2014/main" id="{9E597736-C478-4C26-9BAF-205FE31E977C}"/>
+                <a16:creationId xmlns:a16="http://schemas.microsoft.com/office/drawing/2014/main" xmlns="" id="{9E597736-C478-4C26-9BAF-205FE31E977C}"/>
               </a:ext>
             </a:extLst>
           </p:cNvPr>
@@ -13157,7 +13158,7 @@
           <p:cNvPr id="21" name="Rectangle 20">
             <a:extLst>
               <a:ext uri="{FF2B5EF4-FFF2-40B4-BE49-F238E27FC236}">
-                <a16:creationId xmlns="" xmlns:a16="http://schemas.microsoft.com/office/drawing/2014/main" id="{6E739168-A5E8-443A-B392-7AD4CF8977AD}"/>
+                <a16:creationId xmlns:a16="http://schemas.microsoft.com/office/drawing/2014/main" xmlns="" id="{6E739168-A5E8-443A-B392-7AD4CF8977AD}"/>
               </a:ext>
             </a:extLst>
           </p:cNvPr>
@@ -13209,7 +13210,7 @@
           <p:cNvPr id="15" name="Freeform: Shape 14">
             <a:extLst>
               <a:ext uri="{FF2B5EF4-FFF2-40B4-BE49-F238E27FC236}">
-                <a16:creationId xmlns="" xmlns:a16="http://schemas.microsoft.com/office/drawing/2014/main" id="{41E10E1E-5268-4F03-BA64-07E19DE26739}"/>
+                <a16:creationId xmlns:a16="http://schemas.microsoft.com/office/drawing/2014/main" xmlns="" id="{41E10E1E-5268-4F03-BA64-07E19DE26739}"/>
               </a:ext>
             </a:extLst>
           </p:cNvPr>
@@ -13346,7 +13347,7 @@
           <p:cNvPr id="16" name="Freeform: Shape 15">
             <a:extLst>
               <a:ext uri="{FF2B5EF4-FFF2-40B4-BE49-F238E27FC236}">
-                <a16:creationId xmlns="" xmlns:a16="http://schemas.microsoft.com/office/drawing/2014/main" id="{B989C45D-BDFF-418F-BE79-03FF70015770}"/>
+                <a16:creationId xmlns:a16="http://schemas.microsoft.com/office/drawing/2014/main" xmlns="" id="{B989C45D-BDFF-418F-BE79-03FF70015770}"/>
               </a:ext>
             </a:extLst>
           </p:cNvPr>
@@ -13510,7 +13511,7 @@
           <p:cNvPr id="20" name="Freeform: Shape 19">
             <a:extLst>
               <a:ext uri="{FF2B5EF4-FFF2-40B4-BE49-F238E27FC236}">
-                <a16:creationId xmlns="" xmlns:a16="http://schemas.microsoft.com/office/drawing/2014/main" id="{0027A677-9ACB-4264-B148-4806678FB83F}"/>
+                <a16:creationId xmlns:a16="http://schemas.microsoft.com/office/drawing/2014/main" xmlns="" id="{0027A677-9ACB-4264-B148-4806678FB83F}"/>
               </a:ext>
             </a:extLst>
           </p:cNvPr>
@@ -13672,7 +13673,7 @@
           <p:cNvPr id="2" name="Title 1">
             <a:extLst>
               <a:ext uri="{FF2B5EF4-FFF2-40B4-BE49-F238E27FC236}">
-                <a16:creationId xmlns="" xmlns:a16="http://schemas.microsoft.com/office/drawing/2014/main" id="{9E597736-C478-4C26-9BAF-205FE31E977C}"/>
+                <a16:creationId xmlns:a16="http://schemas.microsoft.com/office/drawing/2014/main" xmlns="" id="{9E597736-C478-4C26-9BAF-205FE31E977C}"/>
               </a:ext>
             </a:extLst>
           </p:cNvPr>
@@ -13719,7 +13720,7 @@
           <p:cNvPr id="35" name="Freeform: Shape 34">
             <a:extLst>
               <a:ext uri="{FF2B5EF4-FFF2-40B4-BE49-F238E27FC236}">
-                <a16:creationId xmlns="" xmlns:a16="http://schemas.microsoft.com/office/drawing/2014/main" id="{C024DCDB-C6BF-455E-AAB8-EAF9DAB302A1}"/>
+                <a16:creationId xmlns:a16="http://schemas.microsoft.com/office/drawing/2014/main" xmlns="" id="{C024DCDB-C6BF-455E-AAB8-EAF9DAB302A1}"/>
               </a:ext>
             </a:extLst>
           </p:cNvPr>
@@ -13827,7 +13828,7 @@
           <p:cNvPr id="32" name="Freeform: Shape 31">
             <a:extLst>
               <a:ext uri="{FF2B5EF4-FFF2-40B4-BE49-F238E27FC236}">
-                <a16:creationId xmlns="" xmlns:a16="http://schemas.microsoft.com/office/drawing/2014/main" id="{26AFB47A-5D51-4F9C-B01B-977CE5E3C093}"/>
+                <a16:creationId xmlns:a16="http://schemas.microsoft.com/office/drawing/2014/main" xmlns="" id="{26AFB47A-5D51-4F9C-B01B-977CE5E3C093}"/>
               </a:ext>
             </a:extLst>
           </p:cNvPr>
@@ -13943,7 +13944,7 @@
           <p:cNvPr id="30" name="Freeform: Shape 29">
             <a:extLst>
               <a:ext uri="{FF2B5EF4-FFF2-40B4-BE49-F238E27FC236}">
-                <a16:creationId xmlns="" xmlns:a16="http://schemas.microsoft.com/office/drawing/2014/main" id="{6997A4FF-7390-4173-8ACD-6CF7145AACEC}"/>
+                <a16:creationId xmlns:a16="http://schemas.microsoft.com/office/drawing/2014/main" xmlns="" id="{6997A4FF-7390-4173-8ACD-6CF7145AACEC}"/>
               </a:ext>
             </a:extLst>
           </p:cNvPr>
@@ -14082,7 +14083,7 @@
           <p:cNvPr id="7" name="Rectangle 6">
             <a:extLst>
               <a:ext uri="{FF2B5EF4-FFF2-40B4-BE49-F238E27FC236}">
-                <a16:creationId xmlns="" xmlns:a16="http://schemas.microsoft.com/office/drawing/2014/main" id="{B2838D16-809E-4EB1-8C0C-0E63D8139112}"/>
+                <a16:creationId xmlns:a16="http://schemas.microsoft.com/office/drawing/2014/main" xmlns="" id="{B2838D16-809E-4EB1-8C0C-0E63D8139112}"/>
               </a:ext>
             </a:extLst>
           </p:cNvPr>
@@ -14134,7 +14135,7 @@
           <p:cNvPr id="8" name="Freeform: Shape 7">
             <a:extLst>
               <a:ext uri="{FF2B5EF4-FFF2-40B4-BE49-F238E27FC236}">
-                <a16:creationId xmlns="" xmlns:a16="http://schemas.microsoft.com/office/drawing/2014/main" id="{01FEB333-94B4-4E53-9019-D584810903BB}"/>
+                <a16:creationId xmlns:a16="http://schemas.microsoft.com/office/drawing/2014/main" xmlns="" id="{01FEB333-94B4-4E53-9019-D584810903BB}"/>
               </a:ext>
             </a:extLst>
           </p:cNvPr>
@@ -14255,7 +14256,7 @@
           <p:cNvPr id="9" name="Freeform: Shape 8">
             <a:extLst>
               <a:ext uri="{FF2B5EF4-FFF2-40B4-BE49-F238E27FC236}">
-                <a16:creationId xmlns="" xmlns:a16="http://schemas.microsoft.com/office/drawing/2014/main" id="{A59B9489-0CD9-4DB7-AC82-6E7867F91403}"/>
+                <a16:creationId xmlns:a16="http://schemas.microsoft.com/office/drawing/2014/main" xmlns="" id="{A59B9489-0CD9-4DB7-AC82-6E7867F91403}"/>
               </a:ext>
             </a:extLst>
           </p:cNvPr>
@@ -14395,7 +14396,7 @@
           <p:cNvPr id="10" name="Right Triangle 9">
             <a:extLst>
               <a:ext uri="{FF2B5EF4-FFF2-40B4-BE49-F238E27FC236}">
-                <a16:creationId xmlns="" xmlns:a16="http://schemas.microsoft.com/office/drawing/2014/main" id="{A55D1C76-C591-4FA5-9780-87AB6B37C0FA}"/>
+                <a16:creationId xmlns:a16="http://schemas.microsoft.com/office/drawing/2014/main" xmlns="" id="{A55D1C76-C591-4FA5-9780-87AB6B37C0FA}"/>
               </a:ext>
             </a:extLst>
           </p:cNvPr>
@@ -14449,7 +14450,7 @@
           <p:cNvPr id="11" name="Freeform: Shape 10">
             <a:extLst>
               <a:ext uri="{FF2B5EF4-FFF2-40B4-BE49-F238E27FC236}">
-                <a16:creationId xmlns="" xmlns:a16="http://schemas.microsoft.com/office/drawing/2014/main" id="{A7DC1D12-670F-4235-8791-FA8C2B330871}"/>
+                <a16:creationId xmlns:a16="http://schemas.microsoft.com/office/drawing/2014/main" xmlns="" id="{A7DC1D12-670F-4235-8791-FA8C2B330871}"/>
               </a:ext>
             </a:extLst>
           </p:cNvPr>
@@ -14595,7 +14596,7 @@
           <p:cNvPr id="12" name="Freeform: Shape 11">
             <a:extLst>
               <a:ext uri="{FF2B5EF4-FFF2-40B4-BE49-F238E27FC236}">
-                <a16:creationId xmlns="" xmlns:a16="http://schemas.microsoft.com/office/drawing/2014/main" id="{859569CF-FDAC-47C4-A0F5-296F7117C398}"/>
+                <a16:creationId xmlns:a16="http://schemas.microsoft.com/office/drawing/2014/main" xmlns="" id="{859569CF-FDAC-47C4-A0F5-296F7117C398}"/>
               </a:ext>
             </a:extLst>
           </p:cNvPr>
@@ -14695,7 +14696,7 @@
           <p:cNvPr id="13" name="Freeform: Shape 12">
             <a:extLst>
               <a:ext uri="{FF2B5EF4-FFF2-40B4-BE49-F238E27FC236}">
-                <a16:creationId xmlns="" xmlns:a16="http://schemas.microsoft.com/office/drawing/2014/main" id="{D68D0C72-2B2C-4C85-A091-157853C71784}"/>
+                <a16:creationId xmlns:a16="http://schemas.microsoft.com/office/drawing/2014/main" xmlns="" id="{D68D0C72-2B2C-4C85-A091-157853C71784}"/>
               </a:ext>
             </a:extLst>
           </p:cNvPr>
@@ -14803,7 +14804,7 @@
           <p:cNvPr id="14" name="Freeform: Shape 13">
             <a:extLst>
               <a:ext uri="{FF2B5EF4-FFF2-40B4-BE49-F238E27FC236}">
-                <a16:creationId xmlns="" xmlns:a16="http://schemas.microsoft.com/office/drawing/2014/main" id="{8E25334A-5FE3-4DDA-8D32-4796CCFCAA74}"/>
+                <a16:creationId xmlns:a16="http://schemas.microsoft.com/office/drawing/2014/main" xmlns="" id="{8E25334A-5FE3-4DDA-8D32-4796CCFCAA74}"/>
               </a:ext>
             </a:extLst>
           </p:cNvPr>
@@ -14895,7 +14896,7 @@
           <p:cNvPr id="15" name="Freeform: Shape 14">
             <a:extLst>
               <a:ext uri="{FF2B5EF4-FFF2-40B4-BE49-F238E27FC236}">
-                <a16:creationId xmlns="" xmlns:a16="http://schemas.microsoft.com/office/drawing/2014/main" id="{18818DF1-D7FD-4C0F-875D-7A07E8F75C06}"/>
+                <a16:creationId xmlns:a16="http://schemas.microsoft.com/office/drawing/2014/main" xmlns="" id="{18818DF1-D7FD-4C0F-875D-7A07E8F75C06}"/>
               </a:ext>
             </a:extLst>
           </p:cNvPr>
@@ -14995,7 +14996,7 @@
           <p:cNvPr id="16" name="Group 15">
             <a:extLst>
               <a:ext uri="{FF2B5EF4-FFF2-40B4-BE49-F238E27FC236}">
-                <a16:creationId xmlns="" xmlns:a16="http://schemas.microsoft.com/office/drawing/2014/main" id="{8F9BB384-9E14-4CEA-82C1-21837229D3EF}"/>
+                <a16:creationId xmlns:a16="http://schemas.microsoft.com/office/drawing/2014/main" xmlns="" id="{8F9BB384-9E14-4CEA-82C1-21837229D3EF}"/>
               </a:ext>
             </a:extLst>
           </p:cNvPr>
@@ -15015,7 +15016,7 @@
             <p:cNvPr id="17" name="Freeform: Shape 16">
               <a:extLst>
                 <a:ext uri="{FF2B5EF4-FFF2-40B4-BE49-F238E27FC236}">
-                  <a16:creationId xmlns="" xmlns:a16="http://schemas.microsoft.com/office/drawing/2014/main" id="{0862A81A-959D-4EAB-90ED-DB20759BB397}"/>
+                  <a16:creationId xmlns:a16="http://schemas.microsoft.com/office/drawing/2014/main" xmlns="" id="{0862A81A-959D-4EAB-90ED-DB20759BB397}"/>
                 </a:ext>
               </a:extLst>
             </p:cNvPr>
@@ -15105,7 +15106,7 @@
             <p:cNvPr id="18" name="Freeform: Shape 17">
               <a:extLst>
                 <a:ext uri="{FF2B5EF4-FFF2-40B4-BE49-F238E27FC236}">
-                  <a16:creationId xmlns="" xmlns:a16="http://schemas.microsoft.com/office/drawing/2014/main" id="{AAB9E28C-9422-42BD-AECE-29B44B5D63E2}"/>
+                  <a16:creationId xmlns:a16="http://schemas.microsoft.com/office/drawing/2014/main" xmlns="" id="{AAB9E28C-9422-42BD-AECE-29B44B5D63E2}"/>
                 </a:ext>
               </a:extLst>
             </p:cNvPr>
@@ -15204,7 +15205,7 @@
           <p:cNvPr id="19" name="Group 18">
             <a:extLst>
               <a:ext uri="{FF2B5EF4-FFF2-40B4-BE49-F238E27FC236}">
-                <a16:creationId xmlns="" xmlns:a16="http://schemas.microsoft.com/office/drawing/2014/main" id="{2772239B-C46D-4458-BB4B-DDB12FAB0172}"/>
+                <a16:creationId xmlns:a16="http://schemas.microsoft.com/office/drawing/2014/main" xmlns="" id="{2772239B-C46D-4458-BB4B-DDB12FAB0172}"/>
               </a:ext>
             </a:extLst>
           </p:cNvPr>
@@ -15224,7 +15225,7 @@
             <p:cNvPr id="20" name="Freeform: Shape 19">
               <a:extLst>
                 <a:ext uri="{FF2B5EF4-FFF2-40B4-BE49-F238E27FC236}">
-                  <a16:creationId xmlns="" xmlns:a16="http://schemas.microsoft.com/office/drawing/2014/main" id="{3C8A2A1A-1FB9-4CA1-B74E-B293187E51AA}"/>
+                  <a16:creationId xmlns:a16="http://schemas.microsoft.com/office/drawing/2014/main" xmlns="" id="{3C8A2A1A-1FB9-4CA1-B74E-B293187E51AA}"/>
                 </a:ext>
               </a:extLst>
             </p:cNvPr>
@@ -15314,7 +15315,7 @@
             <p:cNvPr id="21" name="Freeform: Shape 20">
               <a:extLst>
                 <a:ext uri="{FF2B5EF4-FFF2-40B4-BE49-F238E27FC236}">
-                  <a16:creationId xmlns="" xmlns:a16="http://schemas.microsoft.com/office/drawing/2014/main" id="{DF2B18BA-6B43-40FA-A23B-D894D6AB468B}"/>
+                  <a16:creationId xmlns:a16="http://schemas.microsoft.com/office/drawing/2014/main" xmlns="" id="{DF2B18BA-6B43-40FA-A23B-D894D6AB468B}"/>
                 </a:ext>
               </a:extLst>
             </p:cNvPr>
@@ -15413,7 +15414,7 @@
           <p:cNvPr id="3" name="Text Placeholder 2">
             <a:extLst>
               <a:ext uri="{FF2B5EF4-FFF2-40B4-BE49-F238E27FC236}">
-                <a16:creationId xmlns="" xmlns:a16="http://schemas.microsoft.com/office/drawing/2014/main" id="{5E194264-A3F5-42E2-9A63-DCCED0457E1B}"/>
+                <a16:creationId xmlns:a16="http://schemas.microsoft.com/office/drawing/2014/main" xmlns="" id="{5E194264-A3F5-42E2-9A63-DCCED0457E1B}"/>
               </a:ext>
             </a:extLst>
           </p:cNvPr>
@@ -15463,7 +15464,7 @@
           <p:cNvPr id="22" name="Slide Number Placeholder 4">
             <a:extLst>
               <a:ext uri="{FF2B5EF4-FFF2-40B4-BE49-F238E27FC236}">
-                <a16:creationId xmlns="" xmlns:a16="http://schemas.microsoft.com/office/drawing/2014/main" id="{0F332671-6296-47C8-BF26-B2D962F5D03D}"/>
+                <a16:creationId xmlns:a16="http://schemas.microsoft.com/office/drawing/2014/main" xmlns="" id="{0F332671-6296-47C8-BF26-B2D962F5D03D}"/>
               </a:ext>
             </a:extLst>
           </p:cNvPr>
@@ -15507,7 +15508,7 @@
           <p:cNvPr id="23" name="Title 1">
             <a:extLst>
               <a:ext uri="{FF2B5EF4-FFF2-40B4-BE49-F238E27FC236}">
-                <a16:creationId xmlns="" xmlns:a16="http://schemas.microsoft.com/office/drawing/2014/main" id="{7772A652-7229-2B42-B87B-298C31D6F0CB}"/>
+                <a16:creationId xmlns:a16="http://schemas.microsoft.com/office/drawing/2014/main" xmlns="" id="{7772A652-7229-2B42-B87B-298C31D6F0CB}"/>
               </a:ext>
             </a:extLst>
           </p:cNvPr>
@@ -15582,7 +15583,7 @@
           <p:cNvPr id="22" name="Rectangle 21">
             <a:extLst>
               <a:ext uri="{FF2B5EF4-FFF2-40B4-BE49-F238E27FC236}">
-                <a16:creationId xmlns="" xmlns:a16="http://schemas.microsoft.com/office/drawing/2014/main" id="{2CDBB6E5-B91E-4946-9390-E8693855103A}"/>
+                <a16:creationId xmlns:a16="http://schemas.microsoft.com/office/drawing/2014/main" xmlns="" id="{2CDBB6E5-B91E-4946-9390-E8693855103A}"/>
               </a:ext>
             </a:extLst>
           </p:cNvPr>
@@ -15636,7 +15637,7 @@
           <p:cNvPr id="34" name="Freeform: Shape 33">
             <a:extLst>
               <a:ext uri="{FF2B5EF4-FFF2-40B4-BE49-F238E27FC236}">
-                <a16:creationId xmlns="" xmlns:a16="http://schemas.microsoft.com/office/drawing/2014/main" id="{0C3CC1C9-1FA0-4FE4-8984-4A8B3728D674}"/>
+                <a16:creationId xmlns:a16="http://schemas.microsoft.com/office/drawing/2014/main" xmlns="" id="{0C3CC1C9-1FA0-4FE4-8984-4A8B3728D674}"/>
               </a:ext>
             </a:extLst>
           </p:cNvPr>
@@ -15781,7 +15782,7 @@
           <p:cNvPr id="24" name="Freeform: Shape 23">
             <a:extLst>
               <a:ext uri="{FF2B5EF4-FFF2-40B4-BE49-F238E27FC236}">
-                <a16:creationId xmlns="" xmlns:a16="http://schemas.microsoft.com/office/drawing/2014/main" id="{8E049265-431E-48DE-B7F7-4959930171DC}"/>
+                <a16:creationId xmlns:a16="http://schemas.microsoft.com/office/drawing/2014/main" xmlns="" id="{8E049265-431E-48DE-B7F7-4959930171DC}"/>
               </a:ext>
             </a:extLst>
           </p:cNvPr>
@@ -15921,7 +15922,7 @@
           <p:cNvPr id="25" name="Freeform: Shape 24">
             <a:extLst>
               <a:ext uri="{FF2B5EF4-FFF2-40B4-BE49-F238E27FC236}">
-                <a16:creationId xmlns="" xmlns:a16="http://schemas.microsoft.com/office/drawing/2014/main" id="{173E5F2D-1F8E-4DCC-857F-932C6C6539BB}"/>
+                <a16:creationId xmlns:a16="http://schemas.microsoft.com/office/drawing/2014/main" xmlns="" id="{173E5F2D-1F8E-4DCC-857F-932C6C6539BB}"/>
               </a:ext>
             </a:extLst>
           </p:cNvPr>
@@ -16067,7 +16068,7 @@
           <p:cNvPr id="26" name="Group 25">
             <a:extLst>
               <a:ext uri="{FF2B5EF4-FFF2-40B4-BE49-F238E27FC236}">
-                <a16:creationId xmlns="" xmlns:a16="http://schemas.microsoft.com/office/drawing/2014/main" id="{E9318B2B-E019-4078-9EF0-C9D6281AE31B}"/>
+                <a16:creationId xmlns:a16="http://schemas.microsoft.com/office/drawing/2014/main" xmlns="" id="{E9318B2B-E019-4078-9EF0-C9D6281AE31B}"/>
               </a:ext>
             </a:extLst>
           </p:cNvPr>
@@ -16087,7 +16088,7 @@
             <p:cNvPr id="27" name="Freeform: Shape 26">
               <a:extLst>
                 <a:ext uri="{FF2B5EF4-FFF2-40B4-BE49-F238E27FC236}">
-                  <a16:creationId xmlns="" xmlns:a16="http://schemas.microsoft.com/office/drawing/2014/main" id="{D3E625C0-9656-421F-861F-67C8F93362ED}"/>
+                  <a16:creationId xmlns:a16="http://schemas.microsoft.com/office/drawing/2014/main" xmlns="" id="{D3E625C0-9656-421F-861F-67C8F93362ED}"/>
                 </a:ext>
               </a:extLst>
             </p:cNvPr>
@@ -16187,7 +16188,7 @@
             <p:cNvPr id="28" name="Freeform: Shape 27">
               <a:extLst>
                 <a:ext uri="{FF2B5EF4-FFF2-40B4-BE49-F238E27FC236}">
-                  <a16:creationId xmlns="" xmlns:a16="http://schemas.microsoft.com/office/drawing/2014/main" id="{49F8E490-C6E3-4D00-866F-CD85DD88996E}"/>
+                  <a16:creationId xmlns:a16="http://schemas.microsoft.com/office/drawing/2014/main" xmlns="" id="{49F8E490-C6E3-4D00-866F-CD85DD88996E}"/>
                 </a:ext>
               </a:extLst>
             </p:cNvPr>
@@ -16296,7 +16297,7 @@
           <p:cNvPr id="29" name="Freeform: Shape 28">
             <a:extLst>
               <a:ext uri="{FF2B5EF4-FFF2-40B4-BE49-F238E27FC236}">
-                <a16:creationId xmlns="" xmlns:a16="http://schemas.microsoft.com/office/drawing/2014/main" id="{EE8F5B31-1523-46AE-9455-C33DFC1BDDE0}"/>
+                <a16:creationId xmlns:a16="http://schemas.microsoft.com/office/drawing/2014/main" xmlns="" id="{EE8F5B31-1523-46AE-9455-C33DFC1BDDE0}"/>
               </a:ext>
             </a:extLst>
           </p:cNvPr>
@@ -16388,7 +16389,7 @@
           <p:cNvPr id="30" name="Freeform: Shape 29">
             <a:extLst>
               <a:ext uri="{FF2B5EF4-FFF2-40B4-BE49-F238E27FC236}">
-                <a16:creationId xmlns="" xmlns:a16="http://schemas.microsoft.com/office/drawing/2014/main" id="{5D17048F-C2E1-4775-BC32-50BD6219F89D}"/>
+                <a16:creationId xmlns:a16="http://schemas.microsoft.com/office/drawing/2014/main" xmlns="" id="{5D17048F-C2E1-4775-BC32-50BD6219F89D}"/>
               </a:ext>
             </a:extLst>
           </p:cNvPr>
@@ -16488,7 +16489,7 @@
           <p:cNvPr id="31" name="Group 30">
             <a:extLst>
               <a:ext uri="{FF2B5EF4-FFF2-40B4-BE49-F238E27FC236}">
-                <a16:creationId xmlns="" xmlns:a16="http://schemas.microsoft.com/office/drawing/2014/main" id="{EAB002AA-4848-49C8-A834-036F860C79A3}"/>
+                <a16:creationId xmlns:a16="http://schemas.microsoft.com/office/drawing/2014/main" xmlns="" id="{EAB002AA-4848-49C8-A834-036F860C79A3}"/>
               </a:ext>
             </a:extLst>
           </p:cNvPr>
@@ -16508,7 +16509,7 @@
             <p:cNvPr id="32" name="Freeform: Shape 31">
               <a:extLst>
                 <a:ext uri="{FF2B5EF4-FFF2-40B4-BE49-F238E27FC236}">
-                  <a16:creationId xmlns="" xmlns:a16="http://schemas.microsoft.com/office/drawing/2014/main" id="{14B187A8-7F8D-469D-A03B-4F835A5746DE}"/>
+                  <a16:creationId xmlns:a16="http://schemas.microsoft.com/office/drawing/2014/main" xmlns="" id="{14B187A8-7F8D-469D-A03B-4F835A5746DE}"/>
                 </a:ext>
               </a:extLst>
             </p:cNvPr>
@@ -16598,7 +16599,7 @@
             <p:cNvPr id="33" name="Freeform: Shape 32">
               <a:extLst>
                 <a:ext uri="{FF2B5EF4-FFF2-40B4-BE49-F238E27FC236}">
-                  <a16:creationId xmlns="" xmlns:a16="http://schemas.microsoft.com/office/drawing/2014/main" id="{03D871D1-A11A-48FB-82A8-8D61AB5CB85C}"/>
+                  <a16:creationId xmlns:a16="http://schemas.microsoft.com/office/drawing/2014/main" xmlns="" id="{03D871D1-A11A-48FB-82A8-8D61AB5CB85C}"/>
                 </a:ext>
               </a:extLst>
             </p:cNvPr>
@@ -16697,7 +16698,7 @@
           <p:cNvPr id="2" name="Title 1">
             <a:extLst>
               <a:ext uri="{FF2B5EF4-FFF2-40B4-BE49-F238E27FC236}">
-                <a16:creationId xmlns="" xmlns:a16="http://schemas.microsoft.com/office/drawing/2014/main" id="{42374B20-3E42-44AF-BEF1-8AB33067395C}"/>
+                <a16:creationId xmlns:a16="http://schemas.microsoft.com/office/drawing/2014/main" xmlns="" id="{42374B20-3E42-44AF-BEF1-8AB33067395C}"/>
               </a:ext>
             </a:extLst>
           </p:cNvPr>
@@ -16742,7 +16743,7 @@
           <p:cNvPr id="3" name="Text Placeholder 2">
             <a:extLst>
               <a:ext uri="{FF2B5EF4-FFF2-40B4-BE49-F238E27FC236}">
-                <a16:creationId xmlns="" xmlns:a16="http://schemas.microsoft.com/office/drawing/2014/main" id="{5E194264-A3F5-42E2-9A63-DCCED0457E1B}"/>
+                <a16:creationId xmlns:a16="http://schemas.microsoft.com/office/drawing/2014/main" xmlns="" id="{5E194264-A3F5-42E2-9A63-DCCED0457E1B}"/>
               </a:ext>
             </a:extLst>
           </p:cNvPr>
@@ -16792,7 +16793,7 @@
           <p:cNvPr id="35" name="Slide Number Placeholder 4">
             <a:extLst>
               <a:ext uri="{FF2B5EF4-FFF2-40B4-BE49-F238E27FC236}">
-                <a16:creationId xmlns="" xmlns:a16="http://schemas.microsoft.com/office/drawing/2014/main" id="{6F73F836-940E-4B65-A29C-D0869263C935}"/>
+                <a16:creationId xmlns:a16="http://schemas.microsoft.com/office/drawing/2014/main" xmlns="" id="{6F73F836-940E-4B65-A29C-D0869263C935}"/>
               </a:ext>
             </a:extLst>
           </p:cNvPr>
@@ -16866,7 +16867,7 @@
           <p:cNvPr id="22" name="Rectangle 21">
             <a:extLst>
               <a:ext uri="{FF2B5EF4-FFF2-40B4-BE49-F238E27FC236}">
-                <a16:creationId xmlns="" xmlns:a16="http://schemas.microsoft.com/office/drawing/2014/main" id="{2CDBB6E5-B91E-4946-9390-E8693855103A}"/>
+                <a16:creationId xmlns:a16="http://schemas.microsoft.com/office/drawing/2014/main" xmlns="" id="{2CDBB6E5-B91E-4946-9390-E8693855103A}"/>
               </a:ext>
             </a:extLst>
           </p:cNvPr>
@@ -16920,7 +16921,7 @@
           <p:cNvPr id="34" name="Freeform: Shape 33">
             <a:extLst>
               <a:ext uri="{FF2B5EF4-FFF2-40B4-BE49-F238E27FC236}">
-                <a16:creationId xmlns="" xmlns:a16="http://schemas.microsoft.com/office/drawing/2014/main" id="{0C3CC1C9-1FA0-4FE4-8984-4A8B3728D674}"/>
+                <a16:creationId xmlns:a16="http://schemas.microsoft.com/office/drawing/2014/main" xmlns="" id="{0C3CC1C9-1FA0-4FE4-8984-4A8B3728D674}"/>
               </a:ext>
             </a:extLst>
           </p:cNvPr>
@@ -17065,7 +17066,7 @@
           <p:cNvPr id="24" name="Freeform: Shape 23">
             <a:extLst>
               <a:ext uri="{FF2B5EF4-FFF2-40B4-BE49-F238E27FC236}">
-                <a16:creationId xmlns="" xmlns:a16="http://schemas.microsoft.com/office/drawing/2014/main" id="{8E049265-431E-48DE-B7F7-4959930171DC}"/>
+                <a16:creationId xmlns:a16="http://schemas.microsoft.com/office/drawing/2014/main" xmlns="" id="{8E049265-431E-48DE-B7F7-4959930171DC}"/>
               </a:ext>
             </a:extLst>
           </p:cNvPr>
@@ -17205,7 +17206,7 @@
           <p:cNvPr id="25" name="Freeform: Shape 24">
             <a:extLst>
               <a:ext uri="{FF2B5EF4-FFF2-40B4-BE49-F238E27FC236}">
-                <a16:creationId xmlns="" xmlns:a16="http://schemas.microsoft.com/office/drawing/2014/main" id="{173E5F2D-1F8E-4DCC-857F-932C6C6539BB}"/>
+                <a16:creationId xmlns:a16="http://schemas.microsoft.com/office/drawing/2014/main" xmlns="" id="{173E5F2D-1F8E-4DCC-857F-932C6C6539BB}"/>
               </a:ext>
             </a:extLst>
           </p:cNvPr>
@@ -17351,7 +17352,7 @@
           <p:cNvPr id="4" name="Oval 3">
             <a:extLst>
               <a:ext uri="{FF2B5EF4-FFF2-40B4-BE49-F238E27FC236}">
-                <a16:creationId xmlns="" xmlns:a16="http://schemas.microsoft.com/office/drawing/2014/main" id="{ECB4C115-EFF9-405C-98BE-F4077B9730D0}"/>
+                <a16:creationId xmlns:a16="http://schemas.microsoft.com/office/drawing/2014/main" xmlns="" id="{ECB4C115-EFF9-405C-98BE-F4077B9730D0}"/>
               </a:ext>
             </a:extLst>
           </p:cNvPr>
@@ -17409,7 +17410,7 @@
           <p:cNvPr id="18" name="Title 1">
             <a:extLst>
               <a:ext uri="{FF2B5EF4-FFF2-40B4-BE49-F238E27FC236}">
-                <a16:creationId xmlns="" xmlns:a16="http://schemas.microsoft.com/office/drawing/2014/main" id="{C9A300DD-BB54-44ED-A7E4-01CD41EC930F}"/>
+                <a16:creationId xmlns:a16="http://schemas.microsoft.com/office/drawing/2014/main" xmlns="" id="{C9A300DD-BB54-44ED-A7E4-01CD41EC930F}"/>
               </a:ext>
             </a:extLst>
           </p:cNvPr>
@@ -17472,7 +17473,7 @@
           <p:cNvPr id="2" name="Title 1">
             <a:extLst>
               <a:ext uri="{FF2B5EF4-FFF2-40B4-BE49-F238E27FC236}">
-                <a16:creationId xmlns="" xmlns:a16="http://schemas.microsoft.com/office/drawing/2014/main" id="{42374B20-3E42-44AF-BEF1-8AB33067395C}"/>
+                <a16:creationId xmlns:a16="http://schemas.microsoft.com/office/drawing/2014/main" xmlns="" id="{42374B20-3E42-44AF-BEF1-8AB33067395C}"/>
               </a:ext>
             </a:extLst>
           </p:cNvPr>
@@ -17520,7 +17521,7 @@
           <p:cNvPr id="19" name="Slide Number Placeholder 4">
             <a:extLst>
               <a:ext uri="{FF2B5EF4-FFF2-40B4-BE49-F238E27FC236}">
-                <a16:creationId xmlns="" xmlns:a16="http://schemas.microsoft.com/office/drawing/2014/main" id="{A4E6C1FF-5925-42B3-B7F9-0A0031BDAD30}"/>
+                <a16:creationId xmlns:a16="http://schemas.microsoft.com/office/drawing/2014/main" xmlns="" id="{A4E6C1FF-5925-42B3-B7F9-0A0031BDAD30}"/>
               </a:ext>
             </a:extLst>
           </p:cNvPr>
@@ -17602,7 +17603,7 @@
           <p:cNvPr id="11" name="Rectangle 10">
             <a:extLst>
               <a:ext uri="{FF2B5EF4-FFF2-40B4-BE49-F238E27FC236}">
-                <a16:creationId xmlns="" xmlns:a16="http://schemas.microsoft.com/office/drawing/2014/main" id="{EB3E033F-4449-40FA-BC85-BD2712D313DD}"/>
+                <a16:creationId xmlns:a16="http://schemas.microsoft.com/office/drawing/2014/main" xmlns="" id="{EB3E033F-4449-40FA-BC85-BD2712D313DD}"/>
               </a:ext>
             </a:extLst>
           </p:cNvPr>
@@ -17656,7 +17657,7 @@
           <p:cNvPr id="10" name="Freeform: Shape 9">
             <a:extLst>
               <a:ext uri="{FF2B5EF4-FFF2-40B4-BE49-F238E27FC236}">
-                <a16:creationId xmlns="" xmlns:a16="http://schemas.microsoft.com/office/drawing/2014/main" id="{63D26743-0505-444C-80B3-E88EE87DF72B}"/>
+                <a16:creationId xmlns:a16="http://schemas.microsoft.com/office/drawing/2014/main" xmlns="" id="{63D26743-0505-444C-80B3-E88EE87DF72B}"/>
               </a:ext>
             </a:extLst>
           </p:cNvPr>
@@ -17779,7 +17780,7 @@
           <p:cNvPr id="8" name="Freeform: Shape 7">
             <a:extLst>
               <a:ext uri="{FF2B5EF4-FFF2-40B4-BE49-F238E27FC236}">
-                <a16:creationId xmlns="" xmlns:a16="http://schemas.microsoft.com/office/drawing/2014/main" id="{1599AF7E-3E34-4597-AA72-9373A7FDB020}"/>
+                <a16:creationId xmlns:a16="http://schemas.microsoft.com/office/drawing/2014/main" xmlns="" id="{1599AF7E-3E34-4597-AA72-9373A7FDB020}"/>
               </a:ext>
             </a:extLst>
           </p:cNvPr>
@@ -17925,7 +17926,7 @@
           <p:cNvPr id="2" name="Title 1">
             <a:extLst>
               <a:ext uri="{FF2B5EF4-FFF2-40B4-BE49-F238E27FC236}">
-                <a16:creationId xmlns="" xmlns:a16="http://schemas.microsoft.com/office/drawing/2014/main" id="{4A2DF563-7FAC-46B3-B24C-7E45CD89DA2B}"/>
+                <a16:creationId xmlns:a16="http://schemas.microsoft.com/office/drawing/2014/main" xmlns="" id="{4A2DF563-7FAC-46B3-B24C-7E45CD89DA2B}"/>
               </a:ext>
             </a:extLst>
           </p:cNvPr>
@@ -17971,7 +17972,7 @@
           <p:cNvPr id="5" name="Slide Number Placeholder 4">
             <a:extLst>
               <a:ext uri="{FF2B5EF4-FFF2-40B4-BE49-F238E27FC236}">
-                <a16:creationId xmlns="" xmlns:a16="http://schemas.microsoft.com/office/drawing/2014/main" id="{87B51822-97FF-47A7-8E4E-A0F79B4EB237}"/>
+                <a16:creationId xmlns:a16="http://schemas.microsoft.com/office/drawing/2014/main" xmlns="" id="{87B51822-97FF-47A7-8E4E-A0F79B4EB237}"/>
               </a:ext>
             </a:extLst>
           </p:cNvPr>
@@ -18015,7 +18016,7 @@
           <p:cNvPr id="15" name="Group 14">
             <a:extLst>
               <a:ext uri="{FF2B5EF4-FFF2-40B4-BE49-F238E27FC236}">
-                <a16:creationId xmlns="" xmlns:a16="http://schemas.microsoft.com/office/drawing/2014/main" id="{7732E1E7-45E3-4264-8F26-66758696DD1E}"/>
+                <a16:creationId xmlns:a16="http://schemas.microsoft.com/office/drawing/2014/main" xmlns="" id="{7732E1E7-45E3-4264-8F26-66758696DD1E}"/>
               </a:ext>
             </a:extLst>
           </p:cNvPr>
@@ -18035,7 +18036,7 @@
             <p:cNvPr id="16" name="Freeform: Shape 15">
               <a:extLst>
                 <a:ext uri="{FF2B5EF4-FFF2-40B4-BE49-F238E27FC236}">
-                  <a16:creationId xmlns="" xmlns:a16="http://schemas.microsoft.com/office/drawing/2014/main" id="{2E3DF883-8093-49FA-81E1-E5D77F086A25}"/>
+                  <a16:creationId xmlns:a16="http://schemas.microsoft.com/office/drawing/2014/main" xmlns="" id="{2E3DF883-8093-49FA-81E1-E5D77F086A25}"/>
                 </a:ext>
               </a:extLst>
             </p:cNvPr>
@@ -18125,7 +18126,7 @@
             <p:cNvPr id="17" name="Freeform: Shape 16">
               <a:extLst>
                 <a:ext uri="{FF2B5EF4-FFF2-40B4-BE49-F238E27FC236}">
-                  <a16:creationId xmlns="" xmlns:a16="http://schemas.microsoft.com/office/drawing/2014/main" id="{18944C90-37E5-4BBE-89FF-060627168050}"/>
+                  <a16:creationId xmlns:a16="http://schemas.microsoft.com/office/drawing/2014/main" xmlns="" id="{18944C90-37E5-4BBE-89FF-060627168050}"/>
                 </a:ext>
               </a:extLst>
             </p:cNvPr>
@@ -18224,7 +18225,7 @@
           <p:cNvPr id="23" name="Text Placeholder 22">
             <a:extLst>
               <a:ext uri="{FF2B5EF4-FFF2-40B4-BE49-F238E27FC236}">
-                <a16:creationId xmlns="" xmlns:a16="http://schemas.microsoft.com/office/drawing/2014/main" id="{03618670-D1E4-466C-BDB5-FC890AC31457}"/>
+                <a16:creationId xmlns:a16="http://schemas.microsoft.com/office/drawing/2014/main" xmlns="" id="{03618670-D1E4-466C-BDB5-FC890AC31457}"/>
               </a:ext>
             </a:extLst>
           </p:cNvPr>
@@ -18385,7 +18386,7 @@
           <p:cNvPr id="11" name="Rectangle 10">
             <a:extLst>
               <a:ext uri="{FF2B5EF4-FFF2-40B4-BE49-F238E27FC236}">
-                <a16:creationId xmlns="" xmlns:a16="http://schemas.microsoft.com/office/drawing/2014/main" id="{EB3E033F-4449-40FA-BC85-BD2712D313DD}"/>
+                <a16:creationId xmlns:a16="http://schemas.microsoft.com/office/drawing/2014/main" xmlns="" id="{EB3E033F-4449-40FA-BC85-BD2712D313DD}"/>
               </a:ext>
             </a:extLst>
           </p:cNvPr>
@@ -18439,7 +18440,7 @@
           <p:cNvPr id="10" name="Freeform: Shape 9">
             <a:extLst>
               <a:ext uri="{FF2B5EF4-FFF2-40B4-BE49-F238E27FC236}">
-                <a16:creationId xmlns="" xmlns:a16="http://schemas.microsoft.com/office/drawing/2014/main" id="{63D26743-0505-444C-80B3-E88EE87DF72B}"/>
+                <a16:creationId xmlns:a16="http://schemas.microsoft.com/office/drawing/2014/main" xmlns="" id="{63D26743-0505-444C-80B3-E88EE87DF72B}"/>
               </a:ext>
             </a:extLst>
           </p:cNvPr>
@@ -18562,7 +18563,7 @@
           <p:cNvPr id="18" name="Freeform: Shape 17">
             <a:extLst>
               <a:ext uri="{FF2B5EF4-FFF2-40B4-BE49-F238E27FC236}">
-                <a16:creationId xmlns="" xmlns:a16="http://schemas.microsoft.com/office/drawing/2014/main" id="{E37145E9-AC61-47D5-9288-8789940F81B6}"/>
+                <a16:creationId xmlns:a16="http://schemas.microsoft.com/office/drawing/2014/main" xmlns="" id="{E37145E9-AC61-47D5-9288-8789940F81B6}"/>
               </a:ext>
             </a:extLst>
           </p:cNvPr>
@@ -18714,7 +18715,7 @@
           <p:cNvPr id="12" name="Freeform: Shape 11">
             <a:extLst>
               <a:ext uri="{FF2B5EF4-FFF2-40B4-BE49-F238E27FC236}">
-                <a16:creationId xmlns="" xmlns:a16="http://schemas.microsoft.com/office/drawing/2014/main" id="{A5E2B3ED-9A49-40A7-B8A3-62595FE513F9}"/>
+                <a16:creationId xmlns:a16="http://schemas.microsoft.com/office/drawing/2014/main" xmlns="" id="{A5E2B3ED-9A49-40A7-B8A3-62595FE513F9}"/>
               </a:ext>
             </a:extLst>
           </p:cNvPr>
@@ -18864,7 +18865,7 @@
           <p:cNvPr id="8" name="Freeform: Shape 7">
             <a:extLst>
               <a:ext uri="{FF2B5EF4-FFF2-40B4-BE49-F238E27FC236}">
-                <a16:creationId xmlns="" xmlns:a16="http://schemas.microsoft.com/office/drawing/2014/main" id="{1599AF7E-3E34-4597-AA72-9373A7FDB020}"/>
+                <a16:creationId xmlns:a16="http://schemas.microsoft.com/office/drawing/2014/main" xmlns="" id="{1599AF7E-3E34-4597-AA72-9373A7FDB020}"/>
               </a:ext>
             </a:extLst>
           </p:cNvPr>
@@ -19010,7 +19011,7 @@
           <p:cNvPr id="2" name="Title 1">
             <a:extLst>
               <a:ext uri="{FF2B5EF4-FFF2-40B4-BE49-F238E27FC236}">
-                <a16:creationId xmlns="" xmlns:a16="http://schemas.microsoft.com/office/drawing/2014/main" id="{4A2DF563-7FAC-46B3-B24C-7E45CD89DA2B}"/>
+                <a16:creationId xmlns:a16="http://schemas.microsoft.com/office/drawing/2014/main" xmlns="" id="{4A2DF563-7FAC-46B3-B24C-7E45CD89DA2B}"/>
               </a:ext>
             </a:extLst>
           </p:cNvPr>
@@ -19056,7 +19057,7 @@
           <p:cNvPr id="15" name="Group 14">
             <a:extLst>
               <a:ext uri="{FF2B5EF4-FFF2-40B4-BE49-F238E27FC236}">
-                <a16:creationId xmlns="" xmlns:a16="http://schemas.microsoft.com/office/drawing/2014/main" id="{7732E1E7-45E3-4264-8F26-66758696DD1E}"/>
+                <a16:creationId xmlns:a16="http://schemas.microsoft.com/office/drawing/2014/main" xmlns="" id="{7732E1E7-45E3-4264-8F26-66758696DD1E}"/>
               </a:ext>
             </a:extLst>
           </p:cNvPr>
@@ -19076,7 +19077,7 @@
             <p:cNvPr id="16" name="Freeform: Shape 15">
               <a:extLst>
                 <a:ext uri="{FF2B5EF4-FFF2-40B4-BE49-F238E27FC236}">
-                  <a16:creationId xmlns="" xmlns:a16="http://schemas.microsoft.com/office/drawing/2014/main" id="{2E3DF883-8093-49FA-81E1-E5D77F086A25}"/>
+                  <a16:creationId xmlns:a16="http://schemas.microsoft.com/office/drawing/2014/main" xmlns="" id="{2E3DF883-8093-49FA-81E1-E5D77F086A25}"/>
                 </a:ext>
               </a:extLst>
             </p:cNvPr>
@@ -19166,7 +19167,7 @@
             <p:cNvPr id="17" name="Freeform: Shape 16">
               <a:extLst>
                 <a:ext uri="{FF2B5EF4-FFF2-40B4-BE49-F238E27FC236}">
-                  <a16:creationId xmlns="" xmlns:a16="http://schemas.microsoft.com/office/drawing/2014/main" id="{18944C90-37E5-4BBE-89FF-060627168050}"/>
+                  <a16:creationId xmlns:a16="http://schemas.microsoft.com/office/drawing/2014/main" xmlns="" id="{18944C90-37E5-4BBE-89FF-060627168050}"/>
                 </a:ext>
               </a:extLst>
             </p:cNvPr>
@@ -19265,7 +19266,7 @@
           <p:cNvPr id="6" name="Group 5">
             <a:extLst>
               <a:ext uri="{FF2B5EF4-FFF2-40B4-BE49-F238E27FC236}">
-                <a16:creationId xmlns="" xmlns:a16="http://schemas.microsoft.com/office/drawing/2014/main" id="{D9EBF8BB-A805-4DDB-B459-082F99815B95}"/>
+                <a16:creationId xmlns:a16="http://schemas.microsoft.com/office/drawing/2014/main" xmlns="" id="{D9EBF8BB-A805-4DDB-B459-082F99815B95}"/>
               </a:ext>
             </a:extLst>
           </p:cNvPr>
@@ -19285,7 +19286,7 @@
             <p:cNvPr id="19" name="Rectangle: Single Corner Snipped 18">
               <a:extLst>
                 <a:ext uri="{FF2B5EF4-FFF2-40B4-BE49-F238E27FC236}">
-                  <a16:creationId xmlns="" xmlns:a16="http://schemas.microsoft.com/office/drawing/2014/main" id="{5D638788-DD47-45E7-939A-FA108A818173}"/>
+                  <a16:creationId xmlns:a16="http://schemas.microsoft.com/office/drawing/2014/main" xmlns="" id="{5D638788-DD47-45E7-939A-FA108A818173}"/>
                 </a:ext>
               </a:extLst>
             </p:cNvPr>
@@ -19351,7 +19352,7 @@
             <p:cNvPr id="3" name="Rectangle: Single Corner Snipped 2">
               <a:extLst>
                 <a:ext uri="{FF2B5EF4-FFF2-40B4-BE49-F238E27FC236}">
-                  <a16:creationId xmlns="" xmlns:a16="http://schemas.microsoft.com/office/drawing/2014/main" id="{74BDECEF-EEFE-4332-B3B2-BDE4F82C10FC}"/>
+                  <a16:creationId xmlns:a16="http://schemas.microsoft.com/office/drawing/2014/main" xmlns="" id="{74BDECEF-EEFE-4332-B3B2-BDE4F82C10FC}"/>
                 </a:ext>
               </a:extLst>
             </p:cNvPr>
@@ -19408,7 +19409,7 @@
           <p:cNvPr id="24" name="Freeform: Shape 23">
             <a:extLst>
               <a:ext uri="{FF2B5EF4-FFF2-40B4-BE49-F238E27FC236}">
-                <a16:creationId xmlns="" xmlns:a16="http://schemas.microsoft.com/office/drawing/2014/main" id="{18103E00-7E4A-44CD-81AC-06433CAE1110}"/>
+                <a16:creationId xmlns:a16="http://schemas.microsoft.com/office/drawing/2014/main" xmlns="" id="{18103E00-7E4A-44CD-81AC-06433CAE1110}"/>
               </a:ext>
             </a:extLst>
           </p:cNvPr>
@@ -19503,7 +19504,7 @@
           <p:cNvPr id="5" name="Slide Number Placeholder 4">
             <a:extLst>
               <a:ext uri="{FF2B5EF4-FFF2-40B4-BE49-F238E27FC236}">
-                <a16:creationId xmlns="" xmlns:a16="http://schemas.microsoft.com/office/drawing/2014/main" id="{87B51822-97FF-47A7-8E4E-A0F79B4EB237}"/>
+                <a16:creationId xmlns:a16="http://schemas.microsoft.com/office/drawing/2014/main" xmlns="" id="{87B51822-97FF-47A7-8E4E-A0F79B4EB237}"/>
               </a:ext>
             </a:extLst>
           </p:cNvPr>
@@ -19585,7 +19586,7 @@
           <p:cNvPr id="11" name="Rectangle 10">
             <a:extLst>
               <a:ext uri="{FF2B5EF4-FFF2-40B4-BE49-F238E27FC236}">
-                <a16:creationId xmlns="" xmlns:a16="http://schemas.microsoft.com/office/drawing/2014/main" id="{EB3E033F-4449-40FA-BC85-BD2712D313DD}"/>
+                <a16:creationId xmlns:a16="http://schemas.microsoft.com/office/drawing/2014/main" xmlns="" id="{EB3E033F-4449-40FA-BC85-BD2712D313DD}"/>
               </a:ext>
             </a:extLst>
           </p:cNvPr>
@@ -19639,7 +19640,7 @@
           <p:cNvPr id="10" name="Freeform: Shape 9">
             <a:extLst>
               <a:ext uri="{FF2B5EF4-FFF2-40B4-BE49-F238E27FC236}">
-                <a16:creationId xmlns="" xmlns:a16="http://schemas.microsoft.com/office/drawing/2014/main" id="{63D26743-0505-444C-80B3-E88EE87DF72B}"/>
+                <a16:creationId xmlns:a16="http://schemas.microsoft.com/office/drawing/2014/main" xmlns="" id="{63D26743-0505-444C-80B3-E88EE87DF72B}"/>
               </a:ext>
             </a:extLst>
           </p:cNvPr>
@@ -19762,7 +19763,7 @@
           <p:cNvPr id="18" name="Freeform: Shape 17">
             <a:extLst>
               <a:ext uri="{FF2B5EF4-FFF2-40B4-BE49-F238E27FC236}">
-                <a16:creationId xmlns="" xmlns:a16="http://schemas.microsoft.com/office/drawing/2014/main" id="{E37145E9-AC61-47D5-9288-8789940F81B6}"/>
+                <a16:creationId xmlns:a16="http://schemas.microsoft.com/office/drawing/2014/main" xmlns="" id="{E37145E9-AC61-47D5-9288-8789940F81B6}"/>
               </a:ext>
             </a:extLst>
           </p:cNvPr>
@@ -19914,7 +19915,7 @@
           <p:cNvPr id="12" name="Freeform: Shape 11">
             <a:extLst>
               <a:ext uri="{FF2B5EF4-FFF2-40B4-BE49-F238E27FC236}">
-                <a16:creationId xmlns="" xmlns:a16="http://schemas.microsoft.com/office/drawing/2014/main" id="{A5E2B3ED-9A49-40A7-B8A3-62595FE513F9}"/>
+                <a16:creationId xmlns:a16="http://schemas.microsoft.com/office/drawing/2014/main" xmlns="" id="{A5E2B3ED-9A49-40A7-B8A3-62595FE513F9}"/>
               </a:ext>
             </a:extLst>
           </p:cNvPr>
@@ -20064,7 +20065,7 @@
           <p:cNvPr id="8" name="Freeform: Shape 7">
             <a:extLst>
               <a:ext uri="{FF2B5EF4-FFF2-40B4-BE49-F238E27FC236}">
-                <a16:creationId xmlns="" xmlns:a16="http://schemas.microsoft.com/office/drawing/2014/main" id="{1599AF7E-3E34-4597-AA72-9373A7FDB020}"/>
+                <a16:creationId xmlns:a16="http://schemas.microsoft.com/office/drawing/2014/main" xmlns="" id="{1599AF7E-3E34-4597-AA72-9373A7FDB020}"/>
               </a:ext>
             </a:extLst>
           </p:cNvPr>
@@ -20210,7 +20211,7 @@
           <p:cNvPr id="2" name="Title 1">
             <a:extLst>
               <a:ext uri="{FF2B5EF4-FFF2-40B4-BE49-F238E27FC236}">
-                <a16:creationId xmlns="" xmlns:a16="http://schemas.microsoft.com/office/drawing/2014/main" id="{4A2DF563-7FAC-46B3-B24C-7E45CD89DA2B}"/>
+                <a16:creationId xmlns:a16="http://schemas.microsoft.com/office/drawing/2014/main" xmlns="" id="{4A2DF563-7FAC-46B3-B24C-7E45CD89DA2B}"/>
               </a:ext>
             </a:extLst>
           </p:cNvPr>
@@ -20256,7 +20257,7 @@
           <p:cNvPr id="15" name="Group 14">
             <a:extLst>
               <a:ext uri="{FF2B5EF4-FFF2-40B4-BE49-F238E27FC236}">
-                <a16:creationId xmlns="" xmlns:a16="http://schemas.microsoft.com/office/drawing/2014/main" id="{7732E1E7-45E3-4264-8F26-66758696DD1E}"/>
+                <a16:creationId xmlns:a16="http://schemas.microsoft.com/office/drawing/2014/main" xmlns="" id="{7732E1E7-45E3-4264-8F26-66758696DD1E}"/>
               </a:ext>
             </a:extLst>
           </p:cNvPr>
@@ -20276,7 +20277,7 @@
             <p:cNvPr id="16" name="Freeform: Shape 15">
               <a:extLst>
                 <a:ext uri="{FF2B5EF4-FFF2-40B4-BE49-F238E27FC236}">
-                  <a16:creationId xmlns="" xmlns:a16="http://schemas.microsoft.com/office/drawing/2014/main" id="{2E3DF883-8093-49FA-81E1-E5D77F086A25}"/>
+                  <a16:creationId xmlns:a16="http://schemas.microsoft.com/office/drawing/2014/main" xmlns="" id="{2E3DF883-8093-49FA-81E1-E5D77F086A25}"/>
                 </a:ext>
               </a:extLst>
             </p:cNvPr>
@@ -20366,7 +20367,7 @@
             <p:cNvPr id="17" name="Freeform: Shape 16">
               <a:extLst>
                 <a:ext uri="{FF2B5EF4-FFF2-40B4-BE49-F238E27FC236}">
-                  <a16:creationId xmlns="" xmlns:a16="http://schemas.microsoft.com/office/drawing/2014/main" id="{18944C90-37E5-4BBE-89FF-060627168050}"/>
+                  <a16:creationId xmlns:a16="http://schemas.microsoft.com/office/drawing/2014/main" xmlns="" id="{18944C90-37E5-4BBE-89FF-060627168050}"/>
                 </a:ext>
               </a:extLst>
             </p:cNvPr>
@@ -20465,7 +20466,7 @@
           <p:cNvPr id="6" name="Group 5">
             <a:extLst>
               <a:ext uri="{FF2B5EF4-FFF2-40B4-BE49-F238E27FC236}">
-                <a16:creationId xmlns="" xmlns:a16="http://schemas.microsoft.com/office/drawing/2014/main" id="{D9EBF8BB-A805-4DDB-B459-082F99815B95}"/>
+                <a16:creationId xmlns:a16="http://schemas.microsoft.com/office/drawing/2014/main" xmlns="" id="{D9EBF8BB-A805-4DDB-B459-082F99815B95}"/>
               </a:ext>
             </a:extLst>
           </p:cNvPr>
@@ -20485,7 +20486,7 @@
             <p:cNvPr id="19" name="Rectangle: Single Corner Snipped 18">
               <a:extLst>
                 <a:ext uri="{FF2B5EF4-FFF2-40B4-BE49-F238E27FC236}">
-                  <a16:creationId xmlns="" xmlns:a16="http://schemas.microsoft.com/office/drawing/2014/main" id="{5D638788-DD47-45E7-939A-FA108A818173}"/>
+                  <a16:creationId xmlns:a16="http://schemas.microsoft.com/office/drawing/2014/main" xmlns="" id="{5D638788-DD47-45E7-939A-FA108A818173}"/>
                 </a:ext>
               </a:extLst>
             </p:cNvPr>
@@ -20551,7 +20552,7 @@
             <p:cNvPr id="3" name="Rectangle: Single Corner Snipped 2">
               <a:extLst>
                 <a:ext uri="{FF2B5EF4-FFF2-40B4-BE49-F238E27FC236}">
-                  <a16:creationId xmlns="" xmlns:a16="http://schemas.microsoft.com/office/drawing/2014/main" id="{74BDECEF-EEFE-4332-B3B2-BDE4F82C10FC}"/>
+                  <a16:creationId xmlns:a16="http://schemas.microsoft.com/office/drawing/2014/main" xmlns="" id="{74BDECEF-EEFE-4332-B3B2-BDE4F82C10FC}"/>
                 </a:ext>
               </a:extLst>
             </p:cNvPr>
@@ -20608,7 +20609,7 @@
           <p:cNvPr id="24" name="Freeform: Shape 23">
             <a:extLst>
               <a:ext uri="{FF2B5EF4-FFF2-40B4-BE49-F238E27FC236}">
-                <a16:creationId xmlns="" xmlns:a16="http://schemas.microsoft.com/office/drawing/2014/main" id="{18103E00-7E4A-44CD-81AC-06433CAE1110}"/>
+                <a16:creationId xmlns:a16="http://schemas.microsoft.com/office/drawing/2014/main" xmlns="" id="{18103E00-7E4A-44CD-81AC-06433CAE1110}"/>
               </a:ext>
             </a:extLst>
           </p:cNvPr>
@@ -20703,7 +20704,7 @@
           <p:cNvPr id="5" name="Slide Number Placeholder 4">
             <a:extLst>
               <a:ext uri="{FF2B5EF4-FFF2-40B4-BE49-F238E27FC236}">
-                <a16:creationId xmlns="" xmlns:a16="http://schemas.microsoft.com/office/drawing/2014/main" id="{87B51822-97FF-47A7-8E4E-A0F79B4EB237}"/>
+                <a16:creationId xmlns:a16="http://schemas.microsoft.com/office/drawing/2014/main" xmlns="" id="{87B51822-97FF-47A7-8E4E-A0F79B4EB237}"/>
               </a:ext>
             </a:extLst>
           </p:cNvPr>
@@ -20747,7 +20748,7 @@
           <p:cNvPr id="7" name="Text Placeholder 6">
             <a:extLst>
               <a:ext uri="{FF2B5EF4-FFF2-40B4-BE49-F238E27FC236}">
-                <a16:creationId xmlns="" xmlns:a16="http://schemas.microsoft.com/office/drawing/2014/main" id="{7E0C167E-2626-40DB-AACF-D02543E29BB3}"/>
+                <a16:creationId xmlns:a16="http://schemas.microsoft.com/office/drawing/2014/main" xmlns="" id="{7E0C167E-2626-40DB-AACF-D02543E29BB3}"/>
               </a:ext>
             </a:extLst>
           </p:cNvPr>
@@ -20830,7 +20831,7 @@
           <p:cNvPr id="11" name="Rectangle 10">
             <a:extLst>
               <a:ext uri="{FF2B5EF4-FFF2-40B4-BE49-F238E27FC236}">
-                <a16:creationId xmlns="" xmlns:a16="http://schemas.microsoft.com/office/drawing/2014/main" id="{EB3E033F-4449-40FA-BC85-BD2712D313DD}"/>
+                <a16:creationId xmlns:a16="http://schemas.microsoft.com/office/drawing/2014/main" xmlns="" id="{EB3E033F-4449-40FA-BC85-BD2712D313DD}"/>
               </a:ext>
             </a:extLst>
           </p:cNvPr>
@@ -20884,7 +20885,7 @@
           <p:cNvPr id="10" name="Freeform: Shape 9">
             <a:extLst>
               <a:ext uri="{FF2B5EF4-FFF2-40B4-BE49-F238E27FC236}">
-                <a16:creationId xmlns="" xmlns:a16="http://schemas.microsoft.com/office/drawing/2014/main" id="{63D26743-0505-444C-80B3-E88EE87DF72B}"/>
+                <a16:creationId xmlns:a16="http://schemas.microsoft.com/office/drawing/2014/main" xmlns="" id="{63D26743-0505-444C-80B3-E88EE87DF72B}"/>
               </a:ext>
             </a:extLst>
           </p:cNvPr>
@@ -21007,7 +21008,7 @@
           <p:cNvPr id="18" name="Freeform: Shape 17">
             <a:extLst>
               <a:ext uri="{FF2B5EF4-FFF2-40B4-BE49-F238E27FC236}">
-                <a16:creationId xmlns="" xmlns:a16="http://schemas.microsoft.com/office/drawing/2014/main" id="{E37145E9-AC61-47D5-9288-8789940F81B6}"/>
+                <a16:creationId xmlns:a16="http://schemas.microsoft.com/office/drawing/2014/main" xmlns="" id="{E37145E9-AC61-47D5-9288-8789940F81B6}"/>
               </a:ext>
             </a:extLst>
           </p:cNvPr>
@@ -21159,7 +21160,7 @@
           <p:cNvPr id="12" name="Freeform: Shape 11">
             <a:extLst>
               <a:ext uri="{FF2B5EF4-FFF2-40B4-BE49-F238E27FC236}">
-                <a16:creationId xmlns="" xmlns:a16="http://schemas.microsoft.com/office/drawing/2014/main" id="{A5E2B3ED-9A49-40A7-B8A3-62595FE513F9}"/>
+                <a16:creationId xmlns:a16="http://schemas.microsoft.com/office/drawing/2014/main" xmlns="" id="{A5E2B3ED-9A49-40A7-B8A3-62595FE513F9}"/>
               </a:ext>
             </a:extLst>
           </p:cNvPr>
@@ -21309,7 +21310,7 @@
           <p:cNvPr id="8" name="Freeform: Shape 7">
             <a:extLst>
               <a:ext uri="{FF2B5EF4-FFF2-40B4-BE49-F238E27FC236}">
-                <a16:creationId xmlns="" xmlns:a16="http://schemas.microsoft.com/office/drawing/2014/main" id="{1599AF7E-3E34-4597-AA72-9373A7FDB020}"/>
+                <a16:creationId xmlns:a16="http://schemas.microsoft.com/office/drawing/2014/main" xmlns="" id="{1599AF7E-3E34-4597-AA72-9373A7FDB020}"/>
               </a:ext>
             </a:extLst>
           </p:cNvPr>
@@ -21455,7 +21456,7 @@
           <p:cNvPr id="2" name="Title 1">
             <a:extLst>
               <a:ext uri="{FF2B5EF4-FFF2-40B4-BE49-F238E27FC236}">
-                <a16:creationId xmlns="" xmlns:a16="http://schemas.microsoft.com/office/drawing/2014/main" id="{4A2DF563-7FAC-46B3-B24C-7E45CD89DA2B}"/>
+                <a16:creationId xmlns:a16="http://schemas.microsoft.com/office/drawing/2014/main" xmlns="" id="{4A2DF563-7FAC-46B3-B24C-7E45CD89DA2B}"/>
               </a:ext>
             </a:extLst>
           </p:cNvPr>
@@ -21501,7 +21502,7 @@
           <p:cNvPr id="15" name="Group 14">
             <a:extLst>
               <a:ext uri="{FF2B5EF4-FFF2-40B4-BE49-F238E27FC236}">
-                <a16:creationId xmlns="" xmlns:a16="http://schemas.microsoft.com/office/drawing/2014/main" id="{7732E1E7-45E3-4264-8F26-66758696DD1E}"/>
+                <a16:creationId xmlns:a16="http://schemas.microsoft.com/office/drawing/2014/main" xmlns="" id="{7732E1E7-45E3-4264-8F26-66758696DD1E}"/>
               </a:ext>
             </a:extLst>
           </p:cNvPr>
@@ -21521,7 +21522,7 @@
             <p:cNvPr id="16" name="Freeform: Shape 15">
               <a:extLst>
                 <a:ext uri="{FF2B5EF4-FFF2-40B4-BE49-F238E27FC236}">
-                  <a16:creationId xmlns="" xmlns:a16="http://schemas.microsoft.com/office/drawing/2014/main" id="{2E3DF883-8093-49FA-81E1-E5D77F086A25}"/>
+                  <a16:creationId xmlns:a16="http://schemas.microsoft.com/office/drawing/2014/main" xmlns="" id="{2E3DF883-8093-49FA-81E1-E5D77F086A25}"/>
                 </a:ext>
               </a:extLst>
             </p:cNvPr>
@@ -21611,7 +21612,7 @@
             <p:cNvPr id="17" name="Freeform: Shape 16">
               <a:extLst>
                 <a:ext uri="{FF2B5EF4-FFF2-40B4-BE49-F238E27FC236}">
-                  <a16:creationId xmlns="" xmlns:a16="http://schemas.microsoft.com/office/drawing/2014/main" id="{18944C90-37E5-4BBE-89FF-060627168050}"/>
+                  <a16:creationId xmlns:a16="http://schemas.microsoft.com/office/drawing/2014/main" xmlns="" id="{18944C90-37E5-4BBE-89FF-060627168050}"/>
                 </a:ext>
               </a:extLst>
             </p:cNvPr>
@@ -21710,7 +21711,7 @@
           <p:cNvPr id="6" name="Group 5">
             <a:extLst>
               <a:ext uri="{FF2B5EF4-FFF2-40B4-BE49-F238E27FC236}">
-                <a16:creationId xmlns="" xmlns:a16="http://schemas.microsoft.com/office/drawing/2014/main" id="{D9EBF8BB-A805-4DDB-B459-082F99815B95}"/>
+                <a16:creationId xmlns:a16="http://schemas.microsoft.com/office/drawing/2014/main" xmlns="" id="{D9EBF8BB-A805-4DDB-B459-082F99815B95}"/>
               </a:ext>
             </a:extLst>
           </p:cNvPr>
@@ -21730,7 +21731,7 @@
             <p:cNvPr id="19" name="Rectangle: Single Corner Snipped 18">
               <a:extLst>
                 <a:ext uri="{FF2B5EF4-FFF2-40B4-BE49-F238E27FC236}">
-                  <a16:creationId xmlns="" xmlns:a16="http://schemas.microsoft.com/office/drawing/2014/main" id="{5D638788-DD47-45E7-939A-FA108A818173}"/>
+                  <a16:creationId xmlns:a16="http://schemas.microsoft.com/office/drawing/2014/main" xmlns="" id="{5D638788-DD47-45E7-939A-FA108A818173}"/>
                 </a:ext>
               </a:extLst>
             </p:cNvPr>
@@ -21796,7 +21797,7 @@
             <p:cNvPr id="3" name="Rectangle: Single Corner Snipped 2">
               <a:extLst>
                 <a:ext uri="{FF2B5EF4-FFF2-40B4-BE49-F238E27FC236}">
-                  <a16:creationId xmlns="" xmlns:a16="http://schemas.microsoft.com/office/drawing/2014/main" id="{74BDECEF-EEFE-4332-B3B2-BDE4F82C10FC}"/>
+                  <a16:creationId xmlns:a16="http://schemas.microsoft.com/office/drawing/2014/main" xmlns="" id="{74BDECEF-EEFE-4332-B3B2-BDE4F82C10FC}"/>
                 </a:ext>
               </a:extLst>
             </p:cNvPr>
@@ -21853,7 +21854,7 @@
           <p:cNvPr id="24" name="Freeform: Shape 23">
             <a:extLst>
               <a:ext uri="{FF2B5EF4-FFF2-40B4-BE49-F238E27FC236}">
-                <a16:creationId xmlns="" xmlns:a16="http://schemas.microsoft.com/office/drawing/2014/main" id="{18103E00-7E4A-44CD-81AC-06433CAE1110}"/>
+                <a16:creationId xmlns:a16="http://schemas.microsoft.com/office/drawing/2014/main" xmlns="" id="{18103E00-7E4A-44CD-81AC-06433CAE1110}"/>
               </a:ext>
             </a:extLst>
           </p:cNvPr>
@@ -21948,7 +21949,7 @@
           <p:cNvPr id="5" name="Slide Number Placeholder 4">
             <a:extLst>
               <a:ext uri="{FF2B5EF4-FFF2-40B4-BE49-F238E27FC236}">
-                <a16:creationId xmlns="" xmlns:a16="http://schemas.microsoft.com/office/drawing/2014/main" id="{87B51822-97FF-47A7-8E4E-A0F79B4EB237}"/>
+                <a16:creationId xmlns:a16="http://schemas.microsoft.com/office/drawing/2014/main" xmlns="" id="{87B51822-97FF-47A7-8E4E-A0F79B4EB237}"/>
               </a:ext>
             </a:extLst>
           </p:cNvPr>
@@ -21992,7 +21993,7 @@
           <p:cNvPr id="20" name="Content Placeholder 2">
             <a:extLst>
               <a:ext uri="{FF2B5EF4-FFF2-40B4-BE49-F238E27FC236}">
-                <a16:creationId xmlns="" xmlns:a16="http://schemas.microsoft.com/office/drawing/2014/main" id="{0103A49C-32FF-49E6-86F3-FC2E19517BD5}"/>
+                <a16:creationId xmlns:a16="http://schemas.microsoft.com/office/drawing/2014/main" xmlns="" id="{0103A49C-32FF-49E6-86F3-FC2E19517BD5}"/>
               </a:ext>
             </a:extLst>
           </p:cNvPr>
@@ -22129,7 +22130,7 @@
           <p:cNvPr id="11" name="Rectangle 10">
             <a:extLst>
               <a:ext uri="{FF2B5EF4-FFF2-40B4-BE49-F238E27FC236}">
-                <a16:creationId xmlns="" xmlns:a16="http://schemas.microsoft.com/office/drawing/2014/main" id="{EB3E033F-4449-40FA-BC85-BD2712D313DD}"/>
+                <a16:creationId xmlns:a16="http://schemas.microsoft.com/office/drawing/2014/main" xmlns="" id="{EB3E033F-4449-40FA-BC85-BD2712D313DD}"/>
               </a:ext>
             </a:extLst>
           </p:cNvPr>
@@ -22183,7 +22184,7 @@
           <p:cNvPr id="10" name="Freeform: Shape 9">
             <a:extLst>
               <a:ext uri="{FF2B5EF4-FFF2-40B4-BE49-F238E27FC236}">
-                <a16:creationId xmlns="" xmlns:a16="http://schemas.microsoft.com/office/drawing/2014/main" id="{63D26743-0505-444C-80B3-E88EE87DF72B}"/>
+                <a16:creationId xmlns:a16="http://schemas.microsoft.com/office/drawing/2014/main" xmlns="" id="{63D26743-0505-444C-80B3-E88EE87DF72B}"/>
               </a:ext>
             </a:extLst>
           </p:cNvPr>
@@ -22306,7 +22307,7 @@
           <p:cNvPr id="18" name="Freeform: Shape 17">
             <a:extLst>
               <a:ext uri="{FF2B5EF4-FFF2-40B4-BE49-F238E27FC236}">
-                <a16:creationId xmlns="" xmlns:a16="http://schemas.microsoft.com/office/drawing/2014/main" id="{E37145E9-AC61-47D5-9288-8789940F81B6}"/>
+                <a16:creationId xmlns:a16="http://schemas.microsoft.com/office/drawing/2014/main" xmlns="" id="{E37145E9-AC61-47D5-9288-8789940F81B6}"/>
               </a:ext>
             </a:extLst>
           </p:cNvPr>
@@ -22458,7 +22459,7 @@
           <p:cNvPr id="12" name="Freeform: Shape 11">
             <a:extLst>
               <a:ext uri="{FF2B5EF4-FFF2-40B4-BE49-F238E27FC236}">
-                <a16:creationId xmlns="" xmlns:a16="http://schemas.microsoft.com/office/drawing/2014/main" id="{A5E2B3ED-9A49-40A7-B8A3-62595FE513F9}"/>
+                <a16:creationId xmlns:a16="http://schemas.microsoft.com/office/drawing/2014/main" xmlns="" id="{A5E2B3ED-9A49-40A7-B8A3-62595FE513F9}"/>
               </a:ext>
             </a:extLst>
           </p:cNvPr>
@@ -22608,7 +22609,7 @@
           <p:cNvPr id="8" name="Freeform: Shape 7">
             <a:extLst>
               <a:ext uri="{FF2B5EF4-FFF2-40B4-BE49-F238E27FC236}">
-                <a16:creationId xmlns="" xmlns:a16="http://schemas.microsoft.com/office/drawing/2014/main" id="{1599AF7E-3E34-4597-AA72-9373A7FDB020}"/>
+                <a16:creationId xmlns:a16="http://schemas.microsoft.com/office/drawing/2014/main" xmlns="" id="{1599AF7E-3E34-4597-AA72-9373A7FDB020}"/>
               </a:ext>
             </a:extLst>
           </p:cNvPr>
@@ -22754,7 +22755,7 @@
           <p:cNvPr id="2" name="Title 1">
             <a:extLst>
               <a:ext uri="{FF2B5EF4-FFF2-40B4-BE49-F238E27FC236}">
-                <a16:creationId xmlns="" xmlns:a16="http://schemas.microsoft.com/office/drawing/2014/main" id="{4A2DF563-7FAC-46B3-B24C-7E45CD89DA2B}"/>
+                <a16:creationId xmlns:a16="http://schemas.microsoft.com/office/drawing/2014/main" xmlns="" id="{4A2DF563-7FAC-46B3-B24C-7E45CD89DA2B}"/>
               </a:ext>
             </a:extLst>
           </p:cNvPr>
@@ -22800,7 +22801,7 @@
           <p:cNvPr id="15" name="Group 14">
             <a:extLst>
               <a:ext uri="{FF2B5EF4-FFF2-40B4-BE49-F238E27FC236}">
-                <a16:creationId xmlns="" xmlns:a16="http://schemas.microsoft.com/office/drawing/2014/main" id="{7732E1E7-45E3-4264-8F26-66758696DD1E}"/>
+                <a16:creationId xmlns:a16="http://schemas.microsoft.com/office/drawing/2014/main" xmlns="" id="{7732E1E7-45E3-4264-8F26-66758696DD1E}"/>
               </a:ext>
             </a:extLst>
           </p:cNvPr>
@@ -22820,7 +22821,7 @@
             <p:cNvPr id="16" name="Freeform: Shape 15">
               <a:extLst>
                 <a:ext uri="{FF2B5EF4-FFF2-40B4-BE49-F238E27FC236}">
-                  <a16:creationId xmlns="" xmlns:a16="http://schemas.microsoft.com/office/drawing/2014/main" id="{2E3DF883-8093-49FA-81E1-E5D77F086A25}"/>
+                  <a16:creationId xmlns:a16="http://schemas.microsoft.com/office/drawing/2014/main" xmlns="" id="{2E3DF883-8093-49FA-81E1-E5D77F086A25}"/>
                 </a:ext>
               </a:extLst>
             </p:cNvPr>
@@ -22910,7 +22911,7 @@
             <p:cNvPr id="17" name="Freeform: Shape 16">
               <a:extLst>
                 <a:ext uri="{FF2B5EF4-FFF2-40B4-BE49-F238E27FC236}">
-                  <a16:creationId xmlns="" xmlns:a16="http://schemas.microsoft.com/office/drawing/2014/main" id="{18944C90-37E5-4BBE-89FF-060627168050}"/>
+                  <a16:creationId xmlns:a16="http://schemas.microsoft.com/office/drawing/2014/main" xmlns="" id="{18944C90-37E5-4BBE-89FF-060627168050}"/>
                 </a:ext>
               </a:extLst>
             </p:cNvPr>
@@ -23009,7 +23010,7 @@
           <p:cNvPr id="6" name="Group 5">
             <a:extLst>
               <a:ext uri="{FF2B5EF4-FFF2-40B4-BE49-F238E27FC236}">
-                <a16:creationId xmlns="" xmlns:a16="http://schemas.microsoft.com/office/drawing/2014/main" id="{D9EBF8BB-A805-4DDB-B459-082F99815B95}"/>
+                <a16:creationId xmlns:a16="http://schemas.microsoft.com/office/drawing/2014/main" xmlns="" id="{D9EBF8BB-A805-4DDB-B459-082F99815B95}"/>
               </a:ext>
             </a:extLst>
           </p:cNvPr>
@@ -23029,7 +23030,7 @@
             <p:cNvPr id="19" name="Rectangle: Single Corner Snipped 18">
               <a:extLst>
                 <a:ext uri="{FF2B5EF4-FFF2-40B4-BE49-F238E27FC236}">
-                  <a16:creationId xmlns="" xmlns:a16="http://schemas.microsoft.com/office/drawing/2014/main" id="{5D638788-DD47-45E7-939A-FA108A818173}"/>
+                  <a16:creationId xmlns:a16="http://schemas.microsoft.com/office/drawing/2014/main" xmlns="" id="{5D638788-DD47-45E7-939A-FA108A818173}"/>
                 </a:ext>
               </a:extLst>
             </p:cNvPr>
@@ -23095,7 +23096,7 @@
             <p:cNvPr id="3" name="Rectangle: Single Corner Snipped 2">
               <a:extLst>
                 <a:ext uri="{FF2B5EF4-FFF2-40B4-BE49-F238E27FC236}">
-                  <a16:creationId xmlns="" xmlns:a16="http://schemas.microsoft.com/office/drawing/2014/main" id="{74BDECEF-EEFE-4332-B3B2-BDE4F82C10FC}"/>
+                  <a16:creationId xmlns:a16="http://schemas.microsoft.com/office/drawing/2014/main" xmlns="" id="{74BDECEF-EEFE-4332-B3B2-BDE4F82C10FC}"/>
                 </a:ext>
               </a:extLst>
             </p:cNvPr>
@@ -23152,7 +23153,7 @@
           <p:cNvPr id="24" name="Freeform: Shape 23">
             <a:extLst>
               <a:ext uri="{FF2B5EF4-FFF2-40B4-BE49-F238E27FC236}">
-                <a16:creationId xmlns="" xmlns:a16="http://schemas.microsoft.com/office/drawing/2014/main" id="{18103E00-7E4A-44CD-81AC-06433CAE1110}"/>
+                <a16:creationId xmlns:a16="http://schemas.microsoft.com/office/drawing/2014/main" xmlns="" id="{18103E00-7E4A-44CD-81AC-06433CAE1110}"/>
               </a:ext>
             </a:extLst>
           </p:cNvPr>
@@ -23247,7 +23248,7 @@
           <p:cNvPr id="5" name="Slide Number Placeholder 4">
             <a:extLst>
               <a:ext uri="{FF2B5EF4-FFF2-40B4-BE49-F238E27FC236}">
-                <a16:creationId xmlns="" xmlns:a16="http://schemas.microsoft.com/office/drawing/2014/main" id="{87B51822-97FF-47A7-8E4E-A0F79B4EB237}"/>
+                <a16:creationId xmlns:a16="http://schemas.microsoft.com/office/drawing/2014/main" xmlns="" id="{87B51822-97FF-47A7-8E4E-A0F79B4EB237}"/>
               </a:ext>
             </a:extLst>
           </p:cNvPr>
@@ -23291,7 +23292,7 @@
           <p:cNvPr id="25" name="Text Placeholder 2">
             <a:extLst>
               <a:ext uri="{FF2B5EF4-FFF2-40B4-BE49-F238E27FC236}">
-                <a16:creationId xmlns="" xmlns:a16="http://schemas.microsoft.com/office/drawing/2014/main" id="{7FA80A70-18DE-4DB9-9982-BA75BE54CF93}"/>
+                <a16:creationId xmlns:a16="http://schemas.microsoft.com/office/drawing/2014/main" xmlns="" id="{7FA80A70-18DE-4DB9-9982-BA75BE54CF93}"/>
               </a:ext>
             </a:extLst>
           </p:cNvPr>
@@ -23369,7 +23370,7 @@
           <p:cNvPr id="26" name="Text Placeholder 4">
             <a:extLst>
               <a:ext uri="{FF2B5EF4-FFF2-40B4-BE49-F238E27FC236}">
-                <a16:creationId xmlns="" xmlns:a16="http://schemas.microsoft.com/office/drawing/2014/main" id="{2801C0EF-C078-44B0-AD01-4850E9A65EE0}"/>
+                <a16:creationId xmlns:a16="http://schemas.microsoft.com/office/drawing/2014/main" xmlns="" id="{2801C0EF-C078-44B0-AD01-4850E9A65EE0}"/>
               </a:ext>
             </a:extLst>
           </p:cNvPr>
@@ -23447,7 +23448,7 @@
           <p:cNvPr id="27" name="Content Placeholder 3">
             <a:extLst>
               <a:ext uri="{FF2B5EF4-FFF2-40B4-BE49-F238E27FC236}">
-                <a16:creationId xmlns="" xmlns:a16="http://schemas.microsoft.com/office/drawing/2014/main" id="{7C9DED91-45F6-4308-A085-1EFACA6468CF}"/>
+                <a16:creationId xmlns:a16="http://schemas.microsoft.com/office/drawing/2014/main" xmlns="" id="{7C9DED91-45F6-4308-A085-1EFACA6468CF}"/>
               </a:ext>
             </a:extLst>
           </p:cNvPr>
@@ -23548,7 +23549,7 @@
           <p:cNvPr id="28" name="Content Placeholder 5">
             <a:extLst>
               <a:ext uri="{FF2B5EF4-FFF2-40B4-BE49-F238E27FC236}">
-                <a16:creationId xmlns="" xmlns:a16="http://schemas.microsoft.com/office/drawing/2014/main" id="{0574B5E7-B666-439B-9278-67BE1EA6EBC5}"/>
+                <a16:creationId xmlns:a16="http://schemas.microsoft.com/office/drawing/2014/main" xmlns="" id="{0574B5E7-B666-439B-9278-67BE1EA6EBC5}"/>
               </a:ext>
             </a:extLst>
           </p:cNvPr>
@@ -23684,7 +23685,7 @@
           <p:cNvPr id="2" name="Title Placeholder 1">
             <a:extLst>
               <a:ext uri="{FF2B5EF4-FFF2-40B4-BE49-F238E27FC236}">
-                <a16:creationId xmlns="" xmlns:a16="http://schemas.microsoft.com/office/drawing/2014/main" id="{761B0E15-6FC5-434E-8780-B186D9DB0CD0}"/>
+                <a16:creationId xmlns:a16="http://schemas.microsoft.com/office/drawing/2014/main" xmlns="" id="{761B0E15-6FC5-434E-8780-B186D9DB0CD0}"/>
               </a:ext>
             </a:extLst>
           </p:cNvPr>
@@ -23723,7 +23724,7 @@
           <p:cNvPr id="3" name="Text Placeholder 2">
             <a:extLst>
               <a:ext uri="{FF2B5EF4-FFF2-40B4-BE49-F238E27FC236}">
-                <a16:creationId xmlns="" xmlns:a16="http://schemas.microsoft.com/office/drawing/2014/main" id="{A9C7B128-34F3-405C-B601-8BAFDB43499C}"/>
+                <a16:creationId xmlns:a16="http://schemas.microsoft.com/office/drawing/2014/main" xmlns="" id="{A9C7B128-34F3-405C-B601-8BAFDB43499C}"/>
               </a:ext>
             </a:extLst>
           </p:cNvPr>
@@ -23791,7 +23792,7 @@
           <p:cNvPr id="6" name="Slide Number Placeholder 5">
             <a:extLst>
               <a:ext uri="{FF2B5EF4-FFF2-40B4-BE49-F238E27FC236}">
-                <a16:creationId xmlns="" xmlns:a16="http://schemas.microsoft.com/office/drawing/2014/main" id="{9F5A7754-E8C7-438B-922D-9027C6CF58E2}"/>
+                <a16:creationId xmlns:a16="http://schemas.microsoft.com/office/drawing/2014/main" xmlns="" id="{9F5A7754-E8C7-438B-922D-9027C6CF58E2}"/>
               </a:ext>
             </a:extLst>
           </p:cNvPr>
@@ -23838,7 +23839,7 @@
           <p:cNvPr id="5" name="Rectangle 4">
             <a:extLst>
               <a:ext uri="{FF2B5EF4-FFF2-40B4-BE49-F238E27FC236}">
-                <a16:creationId xmlns="" xmlns:a16="http://schemas.microsoft.com/office/drawing/2014/main" id="{7CDDDB7D-9189-9548-A2B9-81DC62C3C1A3}"/>
+                <a16:creationId xmlns:a16="http://schemas.microsoft.com/office/drawing/2014/main" xmlns="" id="{7CDDDB7D-9189-9548-A2B9-81DC62C3C1A3}"/>
               </a:ext>
             </a:extLst>
           </p:cNvPr>
@@ -23892,7 +23893,7 @@
           <p:cNvPr id="7" name="Freeform: Shape 9">
             <a:extLst>
               <a:ext uri="{FF2B5EF4-FFF2-40B4-BE49-F238E27FC236}">
-                <a16:creationId xmlns="" xmlns:a16="http://schemas.microsoft.com/office/drawing/2014/main" id="{096D8877-6B4A-4540-8927-767DD7401718}"/>
+                <a16:creationId xmlns:a16="http://schemas.microsoft.com/office/drawing/2014/main" xmlns="" id="{096D8877-6B4A-4540-8927-767DD7401718}"/>
               </a:ext>
             </a:extLst>
           </p:cNvPr>
@@ -24015,7 +24016,7 @@
           <p:cNvPr id="8" name="Freeform: Shape 17">
             <a:extLst>
               <a:ext uri="{FF2B5EF4-FFF2-40B4-BE49-F238E27FC236}">
-                <a16:creationId xmlns="" xmlns:a16="http://schemas.microsoft.com/office/drawing/2014/main" id="{5AF2E123-FE0F-8541-8E36-5030C450AA7E}"/>
+                <a16:creationId xmlns:a16="http://schemas.microsoft.com/office/drawing/2014/main" xmlns="" id="{5AF2E123-FE0F-8541-8E36-5030C450AA7E}"/>
               </a:ext>
             </a:extLst>
           </p:cNvPr>
@@ -24167,7 +24168,7 @@
           <p:cNvPr id="9" name="Freeform: Shape 11">
             <a:extLst>
               <a:ext uri="{FF2B5EF4-FFF2-40B4-BE49-F238E27FC236}">
-                <a16:creationId xmlns="" xmlns:a16="http://schemas.microsoft.com/office/drawing/2014/main" id="{E5519D99-3B68-924A-9CD0-14B911711CA8}"/>
+                <a16:creationId xmlns:a16="http://schemas.microsoft.com/office/drawing/2014/main" xmlns="" id="{E5519D99-3B68-924A-9CD0-14B911711CA8}"/>
               </a:ext>
             </a:extLst>
           </p:cNvPr>
@@ -24317,7 +24318,7 @@
           <p:cNvPr id="10" name="Freeform: Shape 7">
             <a:extLst>
               <a:ext uri="{FF2B5EF4-FFF2-40B4-BE49-F238E27FC236}">
-                <a16:creationId xmlns="" xmlns:a16="http://schemas.microsoft.com/office/drawing/2014/main" id="{A09E21A9-FBEF-144C-A152-FE484F3C55C1}"/>
+                <a16:creationId xmlns:a16="http://schemas.microsoft.com/office/drawing/2014/main" xmlns="" id="{A09E21A9-FBEF-144C-A152-FE484F3C55C1}"/>
               </a:ext>
             </a:extLst>
           </p:cNvPr>
@@ -24463,7 +24464,7 @@
           <p:cNvPr id="11" name="Title 1">
             <a:extLst>
               <a:ext uri="{FF2B5EF4-FFF2-40B4-BE49-F238E27FC236}">
-                <a16:creationId xmlns="" xmlns:a16="http://schemas.microsoft.com/office/drawing/2014/main" id="{70C7F2CB-A8CE-1545-A08D-93592C4BAEEA}"/>
+                <a16:creationId xmlns:a16="http://schemas.microsoft.com/office/drawing/2014/main" xmlns="" id="{70C7F2CB-A8CE-1545-A08D-93592C4BAEEA}"/>
               </a:ext>
             </a:extLst>
           </p:cNvPr>
@@ -24519,7 +24520,7 @@
           <p:cNvPr id="12" name="Group 11">
             <a:extLst>
               <a:ext uri="{FF2B5EF4-FFF2-40B4-BE49-F238E27FC236}">
-                <a16:creationId xmlns="" xmlns:a16="http://schemas.microsoft.com/office/drawing/2014/main" id="{7068FCE4-1B47-3C4B-B091-013120A97D09}"/>
+                <a16:creationId xmlns:a16="http://schemas.microsoft.com/office/drawing/2014/main" xmlns="" id="{7068FCE4-1B47-3C4B-B091-013120A97D09}"/>
               </a:ext>
             </a:extLst>
           </p:cNvPr>
@@ -24539,7 +24540,7 @@
             <p:cNvPr id="13" name="Freeform: Shape 15">
               <a:extLst>
                 <a:ext uri="{FF2B5EF4-FFF2-40B4-BE49-F238E27FC236}">
-                  <a16:creationId xmlns="" xmlns:a16="http://schemas.microsoft.com/office/drawing/2014/main" id="{FEC3FDE7-F27E-5E4E-8752-287CAB7792D4}"/>
+                  <a16:creationId xmlns:a16="http://schemas.microsoft.com/office/drawing/2014/main" xmlns="" id="{FEC3FDE7-F27E-5E4E-8752-287CAB7792D4}"/>
                 </a:ext>
               </a:extLst>
             </p:cNvPr>
@@ -24629,7 +24630,7 @@
             <p:cNvPr id="14" name="Freeform: Shape 16">
               <a:extLst>
                 <a:ext uri="{FF2B5EF4-FFF2-40B4-BE49-F238E27FC236}">
-                  <a16:creationId xmlns="" xmlns:a16="http://schemas.microsoft.com/office/drawing/2014/main" id="{81C902DB-0D21-5044-82B6-9E7A70A1BF62}"/>
+                  <a16:creationId xmlns:a16="http://schemas.microsoft.com/office/drawing/2014/main" xmlns="" id="{81C902DB-0D21-5044-82B6-9E7A70A1BF62}"/>
                 </a:ext>
               </a:extLst>
             </p:cNvPr>
@@ -24728,7 +24729,7 @@
           <p:cNvPr id="15" name="Group 14">
             <a:extLst>
               <a:ext uri="{FF2B5EF4-FFF2-40B4-BE49-F238E27FC236}">
-                <a16:creationId xmlns="" xmlns:a16="http://schemas.microsoft.com/office/drawing/2014/main" id="{BE1E08A0-195D-694F-947B-986A76FBB93E}"/>
+                <a16:creationId xmlns:a16="http://schemas.microsoft.com/office/drawing/2014/main" xmlns="" id="{BE1E08A0-195D-694F-947B-986A76FBB93E}"/>
               </a:ext>
             </a:extLst>
           </p:cNvPr>
@@ -24748,7 +24749,7 @@
             <p:cNvPr id="16" name="Rectangle: Single Corner Snipped 18">
               <a:extLst>
                 <a:ext uri="{FF2B5EF4-FFF2-40B4-BE49-F238E27FC236}">
-                  <a16:creationId xmlns="" xmlns:a16="http://schemas.microsoft.com/office/drawing/2014/main" id="{ED5DFFCD-1EE3-E64E-B51F-BD7D72413E0B}"/>
+                  <a16:creationId xmlns:a16="http://schemas.microsoft.com/office/drawing/2014/main" xmlns="" id="{ED5DFFCD-1EE3-E64E-B51F-BD7D72413E0B}"/>
                 </a:ext>
               </a:extLst>
             </p:cNvPr>
@@ -24814,7 +24815,7 @@
             <p:cNvPr id="17" name="Rectangle: Single Corner Snipped 2">
               <a:extLst>
                 <a:ext uri="{FF2B5EF4-FFF2-40B4-BE49-F238E27FC236}">
-                  <a16:creationId xmlns="" xmlns:a16="http://schemas.microsoft.com/office/drawing/2014/main" id="{C12DB3CA-8E64-AA43-BFBE-A2CA9A816DBE}"/>
+                  <a16:creationId xmlns:a16="http://schemas.microsoft.com/office/drawing/2014/main" xmlns="" id="{C12DB3CA-8E64-AA43-BFBE-A2CA9A816DBE}"/>
                 </a:ext>
               </a:extLst>
             </p:cNvPr>
@@ -24871,7 +24872,7 @@
           <p:cNvPr id="18" name="Freeform: Shape 23">
             <a:extLst>
               <a:ext uri="{FF2B5EF4-FFF2-40B4-BE49-F238E27FC236}">
-                <a16:creationId xmlns="" xmlns:a16="http://schemas.microsoft.com/office/drawing/2014/main" id="{A587DEFD-D470-4142-8E0D-A71DDB147C92}"/>
+                <a16:creationId xmlns:a16="http://schemas.microsoft.com/office/drawing/2014/main" xmlns="" id="{A587DEFD-D470-4142-8E0D-A71DDB147C92}"/>
               </a:ext>
             </a:extLst>
           </p:cNvPr>
@@ -24966,7 +24967,7 @@
           <p:cNvPr id="19" name="Slide Number Placeholder 4">
             <a:extLst>
               <a:ext uri="{FF2B5EF4-FFF2-40B4-BE49-F238E27FC236}">
-                <a16:creationId xmlns="" xmlns:a16="http://schemas.microsoft.com/office/drawing/2014/main" id="{7D9BF857-7910-734D-A217-5E3344220AA2}"/>
+                <a16:creationId xmlns:a16="http://schemas.microsoft.com/office/drawing/2014/main" xmlns="" id="{7D9BF857-7910-734D-A217-5E3344220AA2}"/>
               </a:ext>
             </a:extLst>
           </p:cNvPr>
@@ -25484,7 +25485,7 @@
           <p:cNvPr id="2" name="Title 1">
             <a:extLst>
               <a:ext uri="{FF2B5EF4-FFF2-40B4-BE49-F238E27FC236}">
-                <a16:creationId xmlns="" xmlns:a16="http://schemas.microsoft.com/office/drawing/2014/main" id="{632BE5BF-9922-45FB-8F3F-4446D40A051B}"/>
+                <a16:creationId xmlns:a16="http://schemas.microsoft.com/office/drawing/2014/main" xmlns="" id="{632BE5BF-9922-45FB-8F3F-4446D40A051B}"/>
               </a:ext>
             </a:extLst>
           </p:cNvPr>
@@ -25554,6 +25555,269 @@
 </p:sld>
 </file>
 
+<file path=ppt/slides/slide10.xml><?xml version="1.0" encoding="utf-8"?>
+<p:sld xmlns:a="http://schemas.openxmlformats.org/drawingml/2006/main" xmlns:r="http://schemas.openxmlformats.org/officeDocument/2006/relationships" xmlns:p="http://schemas.openxmlformats.org/presentationml/2006/main">
+  <p:cSld>
+    <p:spTree>
+      <p:nvGrpSpPr>
+        <p:cNvPr id="1" name=""/>
+        <p:cNvGrpSpPr/>
+        <p:nvPr/>
+      </p:nvGrpSpPr>
+      <p:grpSpPr>
+        <a:xfrm>
+          <a:off x="0" y="0"/>
+          <a:ext cx="0" cy="0"/>
+          <a:chOff x="0" y="0"/>
+          <a:chExt cx="0" cy="0"/>
+        </a:xfrm>
+      </p:grpSpPr>
+      <p:sp>
+        <p:nvSpPr>
+          <p:cNvPr id="2" name="Title 1"/>
+          <p:cNvSpPr>
+            <a:spLocks noGrp="1"/>
+          </p:cNvSpPr>
+          <p:nvPr>
+            <p:ph type="title"/>
+          </p:nvPr>
+        </p:nvSpPr>
+        <p:spPr/>
+        <p:txBody>
+          <a:bodyPr/>
+          <a:lstStyle/>
+          <a:p>
+            <a:r>
+              <a:rPr lang="es-HN" dirty="0" err="1" smtClean="0"/>
+              <a:t>Mock</a:t>
+            </a:r>
+            <a:endParaRPr lang="es-HN" dirty="0"/>
+          </a:p>
+        </p:txBody>
+      </p:sp>
+      <p:sp>
+        <p:nvSpPr>
+          <p:cNvPr id="3" name="Slide Number Placeholder 2"/>
+          <p:cNvSpPr>
+            <a:spLocks noGrp="1"/>
+          </p:cNvSpPr>
+          <p:nvPr>
+            <p:ph type="sldNum" sz="quarter" idx="12"/>
+          </p:nvPr>
+        </p:nvSpPr>
+        <p:spPr/>
+        <p:txBody>
+          <a:bodyPr/>
+          <a:lstStyle/>
+          <a:p>
+            <a:fld id="{C263D6C4-4840-40CC-AC84-17E24B3B7BDE}" type="slidenum">
+              <a:rPr lang="en-US" noProof="0" smtClean="0"/>
+              <a:pPr/>
+              <a:t>10</a:t>
+            </a:fld>
+            <a:endParaRPr lang="en-US" noProof="0" dirty="0"/>
+          </a:p>
+        </p:txBody>
+      </p:sp>
+      <p:sp>
+        <p:nvSpPr>
+          <p:cNvPr id="4" name="Text Placeholder 3"/>
+          <p:cNvSpPr>
+            <a:spLocks noGrp="1"/>
+          </p:cNvSpPr>
+          <p:nvPr>
+            <p:ph type="body" sz="quarter" idx="13"/>
+          </p:nvPr>
+        </p:nvSpPr>
+        <p:spPr/>
+        <p:txBody>
+          <a:bodyPr/>
+          <a:lstStyle/>
+          <a:p>
+            <a:r>
+              <a:rPr lang="es-ES" dirty="0"/>
+              <a:t>Los </a:t>
+            </a:r>
+            <a:r>
+              <a:rPr lang="es-ES" dirty="0" smtClean="0"/>
+              <a:t>marcos (“</a:t>
+            </a:r>
+            <a:r>
+              <a:rPr lang="es-ES" dirty="0" err="1" smtClean="0"/>
+              <a:t>frameworks</a:t>
+            </a:r>
+            <a:r>
+              <a:rPr lang="es-ES" dirty="0" smtClean="0"/>
+              <a:t>”) de </a:t>
+            </a:r>
+            <a:r>
+              <a:rPr lang="es-ES" dirty="0" err="1" smtClean="0"/>
+              <a:t>mocking</a:t>
+            </a:r>
+            <a:r>
+              <a:rPr lang="es-ES" dirty="0" smtClean="0"/>
+              <a:t> (como </a:t>
+            </a:r>
+            <a:r>
+              <a:rPr lang="es-ES" dirty="0" err="1" smtClean="0"/>
+              <a:t>Moq</a:t>
+            </a:r>
+            <a:r>
+              <a:rPr lang="es-ES" dirty="0"/>
+              <a:t>, </a:t>
+            </a:r>
+            <a:r>
+              <a:rPr lang="es-ES" dirty="0" err="1"/>
+              <a:t>NSubstitute</a:t>
+            </a:r>
+            <a:r>
+              <a:rPr lang="es-ES" dirty="0"/>
+              <a:t>, </a:t>
+            </a:r>
+            <a:r>
+              <a:rPr lang="es-ES" dirty="0" err="1"/>
+              <a:t>Rhino</a:t>
+            </a:r>
+            <a:r>
+              <a:rPr lang="es-ES" dirty="0"/>
+              <a:t> </a:t>
+            </a:r>
+            <a:r>
+              <a:rPr lang="es-ES" dirty="0" err="1"/>
+              <a:t>Mocks</a:t>
+            </a:r>
+            <a:r>
+              <a:rPr lang="es-ES" dirty="0"/>
+              <a:t>, </a:t>
+            </a:r>
+            <a:r>
+              <a:rPr lang="es-ES" dirty="0" err="1"/>
+              <a:t>FakeItEasy</a:t>
+            </a:r>
+            <a:r>
+              <a:rPr lang="es-ES" dirty="0"/>
+              <a:t>, y NMock3) se usan para crear objetos falsos</a:t>
+            </a:r>
+            <a:r>
+              <a:rPr lang="es-ES" dirty="0" smtClean="0"/>
+              <a:t>.</a:t>
+            </a:r>
+          </a:p>
+          <a:p>
+            <a:r>
+              <a:rPr lang="es-ES" dirty="0"/>
+              <a:t>Podemos hacer un </a:t>
+            </a:r>
+            <a:r>
+              <a:rPr lang="es-ES" dirty="0" err="1"/>
+              <a:t>stub</a:t>
+            </a:r>
+            <a:r>
+              <a:rPr lang="es-ES" dirty="0"/>
+              <a:t>, es decir, reemplazar completamente el cuerpo del miembro y la función. </a:t>
+            </a:r>
+            <a:endParaRPr lang="es-ES" dirty="0" smtClean="0"/>
+          </a:p>
+          <a:p>
+            <a:r>
+              <a:rPr lang="es-ES" dirty="0"/>
+              <a:t>Se utiliza para aislar cada dependencia y ayudar a los desarrolladores a realizar pruebas </a:t>
+            </a:r>
+            <a:r>
+              <a:rPr lang="es-ES" dirty="0" smtClean="0"/>
+              <a:t>unitarias y </a:t>
+            </a:r>
+            <a:r>
+              <a:rPr lang="es-ES" smtClean="0"/>
+              <a:t>de integración </a:t>
+            </a:r>
+            <a:r>
+              <a:rPr lang="es-ES" dirty="0"/>
+              <a:t>de forma concisa, rápida y fiable. </a:t>
+            </a:r>
+            <a:endParaRPr lang="es-HN" dirty="0"/>
+          </a:p>
+        </p:txBody>
+      </p:sp>
+      <p:pic>
+        <p:nvPicPr>
+          <p:cNvPr id="5" name="Picture 4" descr="C:\9df2ae55d35a9cd8adfe009c6264ccf9"/>
+          <p:cNvPicPr/>
+          <p:nvPr/>
+        </p:nvPicPr>
+        <p:blipFill>
+          <a:blip r:embed="rId2">
+            <a:extLst>
+              <a:ext uri="{28A0092B-C50C-407E-A947-70E740481C1C}">
+                <a14:useLocalDpi xmlns:a14="http://schemas.microsoft.com/office/drawing/2010/main" val="0"/>
+              </a:ext>
+            </a:extLst>
+          </a:blip>
+          <a:srcRect/>
+          <a:stretch>
+            <a:fillRect/>
+          </a:stretch>
+        </p:blipFill>
+        <p:spPr bwMode="auto">
+          <a:xfrm>
+            <a:off x="10097237" y="1625385"/>
+            <a:ext cx="1792022" cy="1792022"/>
+          </a:xfrm>
+          <a:prstGeom prst="rect">
+            <a:avLst/>
+          </a:prstGeom>
+          <a:noFill/>
+          <a:ln>
+            <a:noFill/>
+          </a:ln>
+        </p:spPr>
+      </p:pic>
+      <p:pic>
+        <p:nvPicPr>
+          <p:cNvPr id="6" name="Picture 5" descr="C:\459a9fabfeebdefd90a20f24c93691a1"/>
+          <p:cNvPicPr/>
+          <p:nvPr/>
+        </p:nvPicPr>
+        <p:blipFill>
+          <a:blip r:embed="rId3">
+            <a:extLst>
+              <a:ext uri="{28A0092B-C50C-407E-A947-70E740481C1C}">
+                <a14:useLocalDpi xmlns:a14="http://schemas.microsoft.com/office/drawing/2010/main" val="0"/>
+              </a:ext>
+            </a:extLst>
+          </a:blip>
+          <a:srcRect/>
+          <a:stretch>
+            <a:fillRect/>
+          </a:stretch>
+        </p:blipFill>
+        <p:spPr bwMode="auto">
+          <a:xfrm>
+            <a:off x="10097237" y="3657319"/>
+            <a:ext cx="1792022" cy="1792022"/>
+          </a:xfrm>
+          <a:prstGeom prst="rect">
+            <a:avLst/>
+          </a:prstGeom>
+          <a:noFill/>
+          <a:ln>
+            <a:noFill/>
+          </a:ln>
+        </p:spPr>
+      </p:pic>
+    </p:spTree>
+    <p:extLst>
+      <p:ext uri="{BB962C8B-B14F-4D97-AF65-F5344CB8AC3E}">
+        <p14:creationId xmlns:p14="http://schemas.microsoft.com/office/powerpoint/2010/main" val="489259432"/>
+      </p:ext>
+    </p:extLst>
+  </p:cSld>
+  <p:clrMapOvr>
+    <a:masterClrMapping/>
+  </p:clrMapOvr>
+</p:sld>
+</file>
+
 <file path=ppt/slides/slide2.xml><?xml version="1.0" encoding="utf-8"?>
 <p:sld xmlns:a="http://schemas.openxmlformats.org/drawingml/2006/main" xmlns:r="http://schemas.openxmlformats.org/officeDocument/2006/relationships" xmlns:p="http://schemas.openxmlformats.org/presentationml/2006/main">
   <p:cSld>
@@ -25576,7 +25840,7 @@
           <p:cNvPr id="7" name="Title 6">
             <a:extLst>
               <a:ext uri="{FF2B5EF4-FFF2-40B4-BE49-F238E27FC236}">
-                <a16:creationId xmlns="" xmlns:a16="http://schemas.microsoft.com/office/drawing/2014/main" id="{7875C19A-1AAE-476A-A316-A2CF92D763D3}"/>
+                <a16:creationId xmlns:a16="http://schemas.microsoft.com/office/drawing/2014/main" xmlns="" id="{7875C19A-1AAE-476A-A316-A2CF92D763D3}"/>
               </a:ext>
             </a:extLst>
           </p:cNvPr>
@@ -25593,8 +25857,8 @@
           <a:lstStyle/>
           <a:p>
             <a:r>
-              <a:rPr lang="es-ES" dirty="0"/>
-              <a:t>¿Qué es la integración continua?</a:t>
+              <a:rPr lang="es-ES" dirty="0" smtClean="0"/>
+              <a:t>Integración Continua</a:t>
             </a:r>
             <a:endParaRPr lang="en-US" dirty="0"/>
           </a:p>
@@ -25605,7 +25869,7 @@
           <p:cNvPr id="10" name="Text Placeholder 9">
             <a:extLst>
               <a:ext uri="{FF2B5EF4-FFF2-40B4-BE49-F238E27FC236}">
-                <a16:creationId xmlns="" xmlns:a16="http://schemas.microsoft.com/office/drawing/2014/main" id="{EF2BC084-E6DB-4DE7-B309-042A85EBA700}"/>
+                <a16:creationId xmlns:a16="http://schemas.microsoft.com/office/drawing/2014/main" xmlns="" id="{EF2BC084-E6DB-4DE7-B309-042A85EBA700}"/>
               </a:ext>
             </a:extLst>
           </p:cNvPr>
@@ -25619,7 +25883,7 @@
         <p:spPr>
           <a:xfrm>
             <a:off x="444500" y="1625385"/>
-            <a:ext cx="7490132" cy="4093243"/>
+            <a:ext cx="11214100" cy="4093243"/>
           </a:xfrm>
         </p:spPr>
         <p:txBody>
@@ -25627,51 +25891,51 @@
           <a:lstStyle/>
           <a:p>
             <a:r>
-              <a:rPr lang="es-HN" dirty="0" smtClean="0"/>
+              <a:rPr lang="es-HN" sz="2000" dirty="0" smtClean="0"/>
               <a:t>Es una forma de trabajar en la que todos los programadores fusionan su código varias veces al día en un tronco común. </a:t>
             </a:r>
             <a:r>
-              <a:rPr lang="es-ES" dirty="0"/>
+              <a:rPr lang="es-ES" sz="2000" dirty="0"/>
               <a:t>El objetivo es reducir el riesgo de ver el "infierno de la integración" esperando el final de un proyecto o un sprint para fusionar el trabajo de todos los contribuidores.</a:t>
             </a:r>
-            <a:endParaRPr lang="es-HN" dirty="0" smtClean="0"/>
+            <a:endParaRPr lang="es-HN" sz="2000" dirty="0" smtClean="0"/>
           </a:p>
           <a:p>
             <a:r>
-              <a:rPr lang="es-ES" dirty="0" smtClean="0"/>
+              <a:rPr lang="es-ES" sz="2000" dirty="0" smtClean="0"/>
               <a:t>Se utiliza </a:t>
             </a:r>
             <a:r>
-              <a:rPr lang="es-ES" dirty="0"/>
+              <a:rPr lang="es-ES" sz="2000" dirty="0"/>
               <a:t>en combinación con pruebas unitarias y </a:t>
             </a:r>
             <a:r>
-              <a:rPr lang="es-ES" dirty="0" smtClean="0"/>
+              <a:rPr lang="es-ES" sz="2000" dirty="0" smtClean="0"/>
               <a:t>de integración automatizadas</a:t>
             </a:r>
             <a:r>
-              <a:rPr lang="es-ES" dirty="0"/>
+              <a:rPr lang="es-ES" sz="2000" dirty="0"/>
               <a:t>. </a:t>
             </a:r>
-            <a:endParaRPr lang="es-ES" dirty="0" smtClean="0"/>
+            <a:endParaRPr lang="es-ES" sz="2000" dirty="0" smtClean="0"/>
           </a:p>
           <a:p>
             <a:r>
-              <a:rPr lang="es-ES" dirty="0"/>
+              <a:rPr lang="es-ES" sz="2000" dirty="0"/>
               <a:t>Uno de los principales beneficios de la adopción de la IC es que le ahorrará tiempo durante su ciclo de desarrollo al identificar y abordar los conflictos en una etapa temprana. </a:t>
             </a:r>
-            <a:endParaRPr lang="es-ES" dirty="0" smtClean="0"/>
+            <a:endParaRPr lang="es-ES" sz="2000" dirty="0" smtClean="0"/>
           </a:p>
           <a:p>
             <a:r>
-              <a:rPr lang="es-ES" dirty="0" smtClean="0"/>
+              <a:rPr lang="es-ES" sz="2000" dirty="0" smtClean="0"/>
               <a:t>También </a:t>
             </a:r>
             <a:r>
-              <a:rPr lang="es-ES" dirty="0"/>
+              <a:rPr lang="es-ES" sz="2000" dirty="0"/>
               <a:t>es una gran manera de reducir la cantidad de tiempo dedicado a la reparación de errores y la regresión, poniendo más énfasis en tener un buen conjunto de pruebas.</a:t>
             </a:r>
-            <a:endParaRPr lang="es-HN" dirty="0"/>
+            <a:endParaRPr lang="es-HN" sz="2000" dirty="0"/>
           </a:p>
         </p:txBody>
       </p:sp>
@@ -25680,7 +25944,7 @@
           <p:cNvPr id="2" name="Slide Number Placeholder 1">
             <a:extLst>
               <a:ext uri="{FF2B5EF4-FFF2-40B4-BE49-F238E27FC236}">
-                <a16:creationId xmlns="" xmlns:a16="http://schemas.microsoft.com/office/drawing/2014/main" id="{BE9800F6-D571-48C4-8466-12AA1ADB6599}"/>
+                <a16:creationId xmlns:a16="http://schemas.microsoft.com/office/drawing/2014/main" xmlns="" id="{BE9800F6-D571-48C4-8466-12AA1ADB6599}"/>
               </a:ext>
             </a:extLst>
           </p:cNvPr>
@@ -27385,6 +27649,14 @@
           <a:bodyPr/>
           <a:lstStyle/>
           <a:p>
+            <a:r>
+              <a:rPr lang="es-HN" dirty="0"/>
+              <a:t>Tipos de </a:t>
+            </a:r>
+            <a:r>
+              <a:rPr lang="es-HN" dirty="0" smtClean="0"/>
+              <a:t>Pruebas</a:t>
+            </a:r>
             <a:endParaRPr lang="es-HN" dirty="0"/>
           </a:p>
         </p:txBody>
@@ -27426,17 +27698,122 @@
         <p:spPr>
           <a:xfrm>
             <a:off x="493756" y="1127920"/>
-            <a:ext cx="11450938" cy="5643583"/>
+            <a:ext cx="9581120" cy="5643583"/>
           </a:xfrm>
         </p:spPr>
         <p:txBody>
           <a:bodyPr/>
           <a:lstStyle/>
           <a:p>
-            <a:endParaRPr lang="es-HN" sz="2600" dirty="0"/>
+            <a:r>
+              <a:rPr lang="es-ES" sz="2600" dirty="0"/>
+              <a:t>Las pruebas unitarias son de alcance limitado y </a:t>
+            </a:r>
+            <a:r>
+              <a:rPr lang="es-ES" sz="2600" dirty="0" smtClean="0"/>
+              <a:t>verifican </a:t>
+            </a:r>
+            <a:r>
+              <a:rPr lang="es-ES" sz="2600" dirty="0"/>
+              <a:t>el comportamiento de </a:t>
+            </a:r>
+            <a:r>
+              <a:rPr lang="es-ES" sz="2600" dirty="0" smtClean="0"/>
+              <a:t>métodos </a:t>
+            </a:r>
+            <a:r>
+              <a:rPr lang="es-ES" sz="2600" dirty="0"/>
+              <a:t>o </a:t>
+            </a:r>
+            <a:r>
+              <a:rPr lang="es-ES" sz="2600" dirty="0" smtClean="0"/>
+              <a:t>funciones </a:t>
+            </a:r>
+            <a:r>
+              <a:rPr lang="es-ES" sz="2600" dirty="0"/>
+              <a:t>individuales</a:t>
+            </a:r>
+            <a:r>
+              <a:rPr lang="es-ES" sz="2600" dirty="0" smtClean="0"/>
+              <a:t>.</a:t>
+            </a:r>
+          </a:p>
+          <a:p>
+            <a:r>
+              <a:rPr lang="es-ES" sz="2600" dirty="0"/>
+              <a:t>Las pruebas de integración aseguran que los múltiples componentes se comportan correctamente juntos. Esto puede implicar varias clases así como probar la integración con otros servicios</a:t>
+            </a:r>
+            <a:r>
+              <a:rPr lang="es-ES" sz="2600" dirty="0" smtClean="0"/>
+              <a:t>.</a:t>
+            </a:r>
+          </a:p>
+          <a:p>
+            <a:r>
+              <a:rPr lang="es-ES" sz="2600" dirty="0"/>
+              <a:t>Las pruebas de aceptación o funcionales son similares a las pruebas de integración, pero se </a:t>
+            </a:r>
+            <a:r>
+              <a:rPr lang="es-ES" sz="2600" dirty="0" smtClean="0"/>
+              <a:t>concentran en </a:t>
+            </a:r>
+            <a:r>
+              <a:rPr lang="es-ES" sz="2600" dirty="0"/>
+              <a:t>los casos del negocio más que en los componentes en sí</a:t>
+            </a:r>
+            <a:r>
+              <a:rPr lang="es-ES" sz="2600" dirty="0" smtClean="0"/>
+              <a:t>.</a:t>
+            </a:r>
+          </a:p>
+          <a:p>
+            <a:r>
+              <a:rPr lang="es-ES" sz="2600" dirty="0"/>
+              <a:t>Las pruebas de interfaz de usuario se aseguran de que la aplicación funciona correctamente desde la perspectiva del usuario</a:t>
+            </a:r>
+            <a:r>
+              <a:rPr lang="es-ES" sz="2600" dirty="0" smtClean="0"/>
+              <a:t>.</a:t>
+            </a:r>
+          </a:p>
+          <a:p>
+            <a:pPr marL="0" indent="0">
+              <a:buNone/>
+            </a:pPr>
+            <a:r>
+              <a:rPr lang="en-US" sz="1400" dirty="0">
+                <a:hlinkClick r:id="rId2"/>
+              </a:rPr>
+              <a:t>https://www.atlassian.com/continuous-delivery/continuous-integration/how-to-get-to-continuous-integration</a:t>
+            </a:r>
+            <a:endParaRPr lang="es-ES" sz="1400" dirty="0" smtClean="0"/>
           </a:p>
         </p:txBody>
       </p:sp>
+      <p:pic>
+        <p:nvPicPr>
+          <p:cNvPr id="7" name="Picture 6"/>
+          <p:cNvPicPr>
+            <a:picLocks noChangeAspect="1"/>
+          </p:cNvPicPr>
+          <p:nvPr/>
+        </p:nvPicPr>
+        <p:blipFill>
+          <a:blip r:embed="rId3"/>
+          <a:stretch>
+            <a:fillRect/>
+          </a:stretch>
+        </p:blipFill>
+        <p:spPr>
+          <a:xfrm>
+            <a:off x="10074876" y="1127920"/>
+            <a:ext cx="1772796" cy="1512416"/>
+          </a:xfrm>
+          <a:prstGeom prst="rect">
+            <a:avLst/>
+          </a:prstGeom>
+        </p:spPr>
+      </p:pic>
     </p:spTree>
     <p:extLst>
       <p:ext uri="{BB962C8B-B14F-4D97-AF65-F5344CB8AC3E}">
@@ -28460,20 +28837,20 @@
 </file>
 
 <file path=customXml/item2.xml><?xml version="1.0" encoding="utf-8"?>
+<p:properties xmlns:p="http://schemas.microsoft.com/office/2006/metadata/properties" xmlns:xsi="http://www.w3.org/2001/XMLSchema-instance" xmlns:pc="http://schemas.microsoft.com/office/infopath/2007/PartnerControls">
+  <documentManagement>
+    <MediaServiceKeyPoints xmlns="71af3243-3dd4-4a8d-8c0d-dd76da1f02a5" xsi:nil="true"/>
+  </documentManagement>
+</p:properties>
+</file>
+
+<file path=customXml/item3.xml><?xml version="1.0" encoding="utf-8"?>
 <?mso-contentType ?>
 <FormTemplates xmlns="http://schemas.microsoft.com/sharepoint/v3/contenttype/forms">
   <Display>DocumentLibraryForm</Display>
   <Edit>DocumentLibraryForm</Edit>
   <New>DocumentLibraryForm</New>
 </FormTemplates>
-</file>
-
-<file path=customXml/item3.xml><?xml version="1.0" encoding="utf-8"?>
-<p:properties xmlns:p="http://schemas.microsoft.com/office/2006/metadata/properties" xmlns:xsi="http://www.w3.org/2001/XMLSchema-instance" xmlns:pc="http://schemas.microsoft.com/office/infopath/2007/PartnerControls">
-  <documentManagement>
-    <MediaServiceKeyPoints xmlns="71af3243-3dd4-4a8d-8c0d-dd76da1f02a5" xsi:nil="true"/>
-  </documentManagement>
-</p:properties>
 </file>
 
 <file path=customXml/itemProps1.xml><?xml version="1.0" encoding="utf-8"?>
@@ -28496,14 +28873,6 @@
 </file>
 
 <file path=customXml/itemProps2.xml><?xml version="1.0" encoding="utf-8"?>
-<ds:datastoreItem xmlns:ds="http://schemas.openxmlformats.org/officeDocument/2006/customXml" ds:itemID="{5B26E0C9-B2AA-42E6-97B6-E1B7D9EAF129}">
-  <ds:schemaRefs>
-    <ds:schemaRef ds:uri="http://schemas.microsoft.com/sharepoint/v3/contenttype/forms"/>
-  </ds:schemaRefs>
-</ds:datastoreItem>
-</file>
-
-<file path=customXml/itemProps3.xml><?xml version="1.0" encoding="utf-8"?>
 <ds:datastoreItem xmlns:ds="http://schemas.openxmlformats.org/officeDocument/2006/customXml" ds:itemID="{F5757914-1161-4661-9696-421FD6935CDD}">
   <ds:schemaRefs>
     <ds:schemaRef ds:uri="http://purl.org/dc/terms/"/>
@@ -28518,4 +28887,12 @@
     <ds:schemaRef ds:uri="http://purl.org/dc/dcmitype/"/>
   </ds:schemaRefs>
 </ds:datastoreItem>
+</file>
+
+<file path=customXml/itemProps3.xml><?xml version="1.0" encoding="utf-8"?>
+<ds:datastoreItem xmlns:ds="http://schemas.openxmlformats.org/officeDocument/2006/customXml" ds:itemID="{5B26E0C9-B2AA-42E6-97B6-E1B7D9EAF129}">
+  <ds:schemaRefs>
+    <ds:schemaRef ds:uri="http://schemas.microsoft.com/sharepoint/v3/contenttype/forms"/>
+  </ds:schemaRefs>
+</ds:datastoreItem>
 </file>